--- a/docs/Presentations/ImplementationPresentation/ImplementationPresentation.pptx
+++ b/docs/Presentations/ImplementationPresentation/ImplementationPresentation.pptx
@@ -5,16 +5,18 @@
     <p:sldMasterId id="2147483788" r:id="rId1"/>
   </p:sldMasterIdLst>
   <p:notesMasterIdLst>
-    <p:notesMasterId r:id="rId9"/>
+    <p:notesMasterId r:id="rId11"/>
   </p:notesMasterIdLst>
   <p:sldIdLst>
     <p:sldId id="256" r:id="rId2"/>
-    <p:sldId id="269" r:id="rId3"/>
-    <p:sldId id="257" r:id="rId4"/>
-    <p:sldId id="266" r:id="rId5"/>
-    <p:sldId id="267" r:id="rId6"/>
-    <p:sldId id="268" r:id="rId7"/>
-    <p:sldId id="264" r:id="rId8"/>
+    <p:sldId id="270" r:id="rId3"/>
+    <p:sldId id="269" r:id="rId4"/>
+    <p:sldId id="272" r:id="rId5"/>
+    <p:sldId id="273" r:id="rId6"/>
+    <p:sldId id="276" r:id="rId7"/>
+    <p:sldId id="274" r:id="rId8"/>
+    <p:sldId id="275" r:id="rId9"/>
+    <p:sldId id="264" r:id="rId10"/>
   </p:sldIdLst>
   <p:sldSz cx="12192000" cy="6858000"/>
   <p:notesSz cx="6858000" cy="9144000"/>
@@ -124,7 +126,7 @@
 <file path=ppt/revisionInfo.xml><?xml version="1.0" encoding="utf-8"?>
 <p1510:revInfo xmlns:a="http://schemas.openxmlformats.org/drawingml/2006/main" xmlns:r="http://schemas.openxmlformats.org/officeDocument/2006/relationships" xmlns:p1510="http://schemas.microsoft.com/office/powerpoint/2015/10/main">
   <p1510:revLst>
-    <p1510:client id="{EC4F0628-2F57-4DA5-B9B2-916EE2A7749C}" v="4" dt="2024-04-02T22:52:43.306"/>
+    <p1510:client id="{EC4F0628-2F57-4DA5-B9B2-916EE2A7749C}" v="17" dt="2024-04-04T18:14:47.412"/>
   </p1510:revLst>
 </p1510:revInfo>
 </file>
@@ -133,11 +135,18 @@
 <pc:chgInfo xmlns:a="http://schemas.openxmlformats.org/drawingml/2006/main" xmlns:r="http://schemas.openxmlformats.org/officeDocument/2006/relationships" xmlns:ac="http://schemas.microsoft.com/office/drawing/2013/main/command" xmlns:pc="http://schemas.microsoft.com/office/powerpoint/2013/main/command">
   <pc:docChgLst>
     <pc:chgData name="Hunter Ceranic" userId="55b8025d37c61089" providerId="LiveId" clId="{EC4F0628-2F57-4DA5-B9B2-916EE2A7749C}"/>
-    <pc:docChg chg="undo custSel addSld delSld modSld">
-      <pc:chgData name="Hunter Ceranic" userId="55b8025d37c61089" providerId="LiveId" clId="{EC4F0628-2F57-4DA5-B9B2-916EE2A7749C}" dt="2024-04-02T22:58:26.514" v="753" actId="20577"/>
+    <pc:docChg chg="undo redo custSel addSld delSld modSld">
+      <pc:chgData name="Hunter Ceranic" userId="55b8025d37c61089" providerId="LiveId" clId="{EC4F0628-2F57-4DA5-B9B2-916EE2A7749C}" dt="2024-04-04T18:39:31.654" v="1945" actId="20577"/>
       <pc:docMkLst>
         <pc:docMk/>
       </pc:docMkLst>
+      <pc:sldChg chg="del">
+        <pc:chgData name="Hunter Ceranic" userId="55b8025d37c61089" providerId="LiveId" clId="{EC4F0628-2F57-4DA5-B9B2-916EE2A7749C}" dt="2024-04-04T16:58:22.944" v="775" actId="47"/>
+        <pc:sldMkLst>
+          <pc:docMk/>
+          <pc:sldMk cId="427290740" sldId="257"/>
+        </pc:sldMkLst>
+      </pc:sldChg>
       <pc:sldChg chg="addSp delSp modSp del mod">
         <pc:chgData name="Hunter Ceranic" userId="55b8025d37c61089" providerId="LiveId" clId="{EC4F0628-2F57-4DA5-B9B2-916EE2A7749C}" dt="2024-04-02T22:57:14.889" v="569" actId="47"/>
         <pc:sldMkLst>
@@ -160,6 +169,27 @@
             <ac:graphicFrameMk id="1034" creationId="{294E523B-CEC0-0596-5C0A-40E76B1F4041}"/>
           </ac:graphicFrameMkLst>
         </pc:graphicFrameChg>
+      </pc:sldChg>
+      <pc:sldChg chg="del">
+        <pc:chgData name="Hunter Ceranic" userId="55b8025d37c61089" providerId="LiveId" clId="{EC4F0628-2F57-4DA5-B9B2-916EE2A7749C}" dt="2024-04-04T16:58:23.901" v="776" actId="47"/>
+        <pc:sldMkLst>
+          <pc:docMk/>
+          <pc:sldMk cId="977562255" sldId="266"/>
+        </pc:sldMkLst>
+      </pc:sldChg>
+      <pc:sldChg chg="del">
+        <pc:chgData name="Hunter Ceranic" userId="55b8025d37c61089" providerId="LiveId" clId="{EC4F0628-2F57-4DA5-B9B2-916EE2A7749C}" dt="2024-04-04T16:58:24.687" v="777" actId="47"/>
+        <pc:sldMkLst>
+          <pc:docMk/>
+          <pc:sldMk cId="405756858" sldId="267"/>
+        </pc:sldMkLst>
+      </pc:sldChg>
+      <pc:sldChg chg="del">
+        <pc:chgData name="Hunter Ceranic" userId="55b8025d37c61089" providerId="LiveId" clId="{EC4F0628-2F57-4DA5-B9B2-916EE2A7749C}" dt="2024-04-04T16:58:25.546" v="778" actId="47"/>
+        <pc:sldMkLst>
+          <pc:docMk/>
+          <pc:sldMk cId="782325152" sldId="268"/>
+        </pc:sldMkLst>
       </pc:sldChg>
       <pc:sldChg chg="new del">
         <pc:chgData name="Hunter Ceranic" userId="55b8025d37c61089" providerId="LiveId" clId="{EC4F0628-2F57-4DA5-B9B2-916EE2A7749C}" dt="2024-04-02T22:53:05.149" v="92" actId="47"/>
@@ -169,7 +199,7 @@
         </pc:sldMkLst>
       </pc:sldChg>
       <pc:sldChg chg="modSp new mod">
-        <pc:chgData name="Hunter Ceranic" userId="55b8025d37c61089" providerId="LiveId" clId="{EC4F0628-2F57-4DA5-B9B2-916EE2A7749C}" dt="2024-04-02T22:58:26.514" v="753" actId="20577"/>
+        <pc:chgData name="Hunter Ceranic" userId="55b8025d37c61089" providerId="LiveId" clId="{EC4F0628-2F57-4DA5-B9B2-916EE2A7749C}" dt="2024-04-04T18:22:22.989" v="1836" actId="20577"/>
         <pc:sldMkLst>
           <pc:docMk/>
           <pc:sldMk cId="2885796907" sldId="269"/>
@@ -183,13 +213,621 @@
           </ac:spMkLst>
         </pc:spChg>
         <pc:spChg chg="mod">
-          <ac:chgData name="Hunter Ceranic" userId="55b8025d37c61089" providerId="LiveId" clId="{EC4F0628-2F57-4DA5-B9B2-916EE2A7749C}" dt="2024-04-02T22:58:26.514" v="753" actId="20577"/>
+          <ac:chgData name="Hunter Ceranic" userId="55b8025d37c61089" providerId="LiveId" clId="{EC4F0628-2F57-4DA5-B9B2-916EE2A7749C}" dt="2024-04-04T18:22:22.989" v="1836" actId="20577"/>
           <ac:spMkLst>
             <pc:docMk/>
             <pc:sldMk cId="2885796907" sldId="269"/>
             <ac:spMk id="3" creationId="{25F28A45-7E15-FA49-7BD3-D5C897170C2C}"/>
           </ac:spMkLst>
         </pc:spChg>
+      </pc:sldChg>
+      <pc:sldChg chg="new del">
+        <pc:chgData name="Hunter Ceranic" userId="55b8025d37c61089" providerId="LiveId" clId="{EC4F0628-2F57-4DA5-B9B2-916EE2A7749C}" dt="2024-04-04T16:54:42.625" v="755" actId="47"/>
+        <pc:sldMkLst>
+          <pc:docMk/>
+          <pc:sldMk cId="1074691417" sldId="270"/>
+        </pc:sldMkLst>
+      </pc:sldChg>
+      <pc:sldChg chg="addSp delSp modSp new mod setBg">
+        <pc:chgData name="Hunter Ceranic" userId="55b8025d37c61089" providerId="LiveId" clId="{EC4F0628-2F57-4DA5-B9B2-916EE2A7749C}" dt="2024-04-04T16:55:38.714" v="764" actId="26606"/>
+        <pc:sldMkLst>
+          <pc:docMk/>
+          <pc:sldMk cId="2057371236" sldId="270"/>
+        </pc:sldMkLst>
+        <pc:spChg chg="mod">
+          <ac:chgData name="Hunter Ceranic" userId="55b8025d37c61089" providerId="LiveId" clId="{EC4F0628-2F57-4DA5-B9B2-916EE2A7749C}" dt="2024-04-04T16:55:38.714" v="764" actId="26606"/>
+          <ac:spMkLst>
+            <pc:docMk/>
+            <pc:sldMk cId="2057371236" sldId="270"/>
+            <ac:spMk id="2" creationId="{A77841D0-246D-FDD8-EAC2-83989DE800DB}"/>
+          </ac:spMkLst>
+        </pc:spChg>
+        <pc:spChg chg="del">
+          <ac:chgData name="Hunter Ceranic" userId="55b8025d37c61089" providerId="LiveId" clId="{EC4F0628-2F57-4DA5-B9B2-916EE2A7749C}" dt="2024-04-04T16:55:01.025" v="762" actId="478"/>
+          <ac:spMkLst>
+            <pc:docMk/>
+            <pc:sldMk cId="2057371236" sldId="270"/>
+            <ac:spMk id="3" creationId="{492CFBE4-676A-9F53-8F09-431B7E0C0658}"/>
+          </ac:spMkLst>
+        </pc:spChg>
+        <pc:spChg chg="mod">
+          <ac:chgData name="Hunter Ceranic" userId="55b8025d37c61089" providerId="LiveId" clId="{EC4F0628-2F57-4DA5-B9B2-916EE2A7749C}" dt="2024-04-04T16:55:38.714" v="764" actId="26606"/>
+          <ac:spMkLst>
+            <pc:docMk/>
+            <pc:sldMk cId="2057371236" sldId="270"/>
+            <ac:spMk id="4" creationId="{3D2FF18D-F87A-B6FD-1AFE-674929E71492}"/>
+          </ac:spMkLst>
+        </pc:spChg>
+        <pc:spChg chg="add">
+          <ac:chgData name="Hunter Ceranic" userId="55b8025d37c61089" providerId="LiveId" clId="{EC4F0628-2F57-4DA5-B9B2-916EE2A7749C}" dt="2024-04-04T16:55:38.714" v="764" actId="26606"/>
+          <ac:spMkLst>
+            <pc:docMk/>
+            <pc:sldMk cId="2057371236" sldId="270"/>
+            <ac:spMk id="11" creationId="{8A7BA06D-B3FF-4E91-8639-B4569AE3AA23}"/>
+          </ac:spMkLst>
+        </pc:spChg>
+        <pc:spChg chg="add">
+          <ac:chgData name="Hunter Ceranic" userId="55b8025d37c61089" providerId="LiveId" clId="{EC4F0628-2F57-4DA5-B9B2-916EE2A7749C}" dt="2024-04-04T16:55:38.714" v="764" actId="26606"/>
+          <ac:spMkLst>
+            <pc:docMk/>
+            <pc:sldMk cId="2057371236" sldId="270"/>
+            <ac:spMk id="13" creationId="{2B30C86D-5A07-48BC-9C9D-6F9A2DB1E9E1}"/>
+          </ac:spMkLst>
+        </pc:spChg>
+        <pc:spChg chg="add">
+          <ac:chgData name="Hunter Ceranic" userId="55b8025d37c61089" providerId="LiveId" clId="{EC4F0628-2F57-4DA5-B9B2-916EE2A7749C}" dt="2024-04-04T16:55:38.714" v="764" actId="26606"/>
+          <ac:spMkLst>
+            <pc:docMk/>
+            <pc:sldMk cId="2057371236" sldId="270"/>
+            <ac:spMk id="15" creationId="{8930EBA3-4D2E-42E8-B828-834555328D85}"/>
+          </ac:spMkLst>
+        </pc:spChg>
+        <pc:spChg chg="add">
+          <ac:chgData name="Hunter Ceranic" userId="55b8025d37c61089" providerId="LiveId" clId="{EC4F0628-2F57-4DA5-B9B2-916EE2A7749C}" dt="2024-04-04T16:55:38.714" v="764" actId="26606"/>
+          <ac:spMkLst>
+            <pc:docMk/>
+            <pc:sldMk cId="2057371236" sldId="270"/>
+            <ac:spMk id="17" creationId="{E58B2195-5055-402F-A3E7-53FF0E4980C3}"/>
+          </ac:spMkLst>
+        </pc:spChg>
+        <pc:spChg chg="add">
+          <ac:chgData name="Hunter Ceranic" userId="55b8025d37c61089" providerId="LiveId" clId="{EC4F0628-2F57-4DA5-B9B2-916EE2A7749C}" dt="2024-04-04T16:55:38.714" v="764" actId="26606"/>
+          <ac:spMkLst>
+            <pc:docMk/>
+            <pc:sldMk cId="2057371236" sldId="270"/>
+            <ac:spMk id="19" creationId="{528AA953-F4F9-4DC5-97C7-491F4AF937DC}"/>
+          </ac:spMkLst>
+        </pc:spChg>
+        <pc:picChg chg="add">
+          <ac:chgData name="Hunter Ceranic" userId="55b8025d37c61089" providerId="LiveId" clId="{EC4F0628-2F57-4DA5-B9B2-916EE2A7749C}" dt="2024-04-04T16:55:38.714" v="764" actId="26606"/>
+          <ac:picMkLst>
+            <pc:docMk/>
+            <pc:sldMk cId="2057371236" sldId="270"/>
+            <ac:picMk id="8" creationId="{D8780E9C-844C-58C2-88AB-F43D1A7EEA1F}"/>
+          </ac:picMkLst>
+        </pc:picChg>
+      </pc:sldChg>
+      <pc:sldChg chg="addSp delSp modSp new del mod">
+        <pc:chgData name="Hunter Ceranic" userId="55b8025d37c61089" providerId="LiveId" clId="{EC4F0628-2F57-4DA5-B9B2-916EE2A7749C}" dt="2024-04-04T17:13:34.445" v="882" actId="47"/>
+        <pc:sldMkLst>
+          <pc:docMk/>
+          <pc:sldMk cId="497469605" sldId="271"/>
+        </pc:sldMkLst>
+        <pc:spChg chg="mod">
+          <ac:chgData name="Hunter Ceranic" userId="55b8025d37c61089" providerId="LiveId" clId="{EC4F0628-2F57-4DA5-B9B2-916EE2A7749C}" dt="2024-04-04T17:13:15.389" v="860" actId="20577"/>
+          <ac:spMkLst>
+            <pc:docMk/>
+            <pc:sldMk cId="497469605" sldId="271"/>
+            <ac:spMk id="2" creationId="{C5AAE5B6-545E-2462-C1E3-606BA6E11B43}"/>
+          </ac:spMkLst>
+        </pc:spChg>
+        <pc:spChg chg="del">
+          <ac:chgData name="Hunter Ceranic" userId="55b8025d37c61089" providerId="LiveId" clId="{EC4F0628-2F57-4DA5-B9B2-916EE2A7749C}" dt="2024-04-04T17:03:24.976" v="847" actId="478"/>
+          <ac:spMkLst>
+            <pc:docMk/>
+            <pc:sldMk cId="497469605" sldId="271"/>
+            <ac:spMk id="3" creationId="{A1C3D9C7-5FE6-EC8C-1A4A-CA04C66841AC}"/>
+          </ac:spMkLst>
+        </pc:spChg>
+        <pc:picChg chg="add del mod">
+          <ac:chgData name="Hunter Ceranic" userId="55b8025d37c61089" providerId="LiveId" clId="{EC4F0628-2F57-4DA5-B9B2-916EE2A7749C}" dt="2024-04-04T17:13:08.327" v="850" actId="478"/>
+          <ac:picMkLst>
+            <pc:docMk/>
+            <pc:sldMk cId="497469605" sldId="271"/>
+            <ac:picMk id="6" creationId="{A4B758A2-B431-E56C-EEAC-CC3EAC8EB3C1}"/>
+          </ac:picMkLst>
+        </pc:picChg>
+      </pc:sldChg>
+      <pc:sldChg chg="addSp delSp modSp new mod setBg">
+        <pc:chgData name="Hunter Ceranic" userId="55b8025d37c61089" providerId="LiveId" clId="{EC4F0628-2F57-4DA5-B9B2-916EE2A7749C}" dt="2024-04-04T17:20:30.570" v="945" actId="26606"/>
+        <pc:sldMkLst>
+          <pc:docMk/>
+          <pc:sldMk cId="2402555757" sldId="272"/>
+        </pc:sldMkLst>
+        <pc:spChg chg="mod">
+          <ac:chgData name="Hunter Ceranic" userId="55b8025d37c61089" providerId="LiveId" clId="{EC4F0628-2F57-4DA5-B9B2-916EE2A7749C}" dt="2024-04-04T17:20:30.570" v="945" actId="26606"/>
+          <ac:spMkLst>
+            <pc:docMk/>
+            <pc:sldMk cId="2402555757" sldId="272"/>
+            <ac:spMk id="2" creationId="{321D5FEF-29E9-EF28-B9DD-D3B0271184F6}"/>
+          </ac:spMkLst>
+        </pc:spChg>
+        <pc:spChg chg="del mod">
+          <ac:chgData name="Hunter Ceranic" userId="55b8025d37c61089" providerId="LiveId" clId="{EC4F0628-2F57-4DA5-B9B2-916EE2A7749C}" dt="2024-04-04T17:16:23.546" v="935" actId="478"/>
+          <ac:spMkLst>
+            <pc:docMk/>
+            <pc:sldMk cId="2402555757" sldId="272"/>
+            <ac:spMk id="3" creationId="{805A3217-1F19-0CBC-0490-306A38971CA9}"/>
+          </ac:spMkLst>
+        </pc:spChg>
+        <pc:spChg chg="mod">
+          <ac:chgData name="Hunter Ceranic" userId="55b8025d37c61089" providerId="LiveId" clId="{EC4F0628-2F57-4DA5-B9B2-916EE2A7749C}" dt="2024-04-04T17:20:30.570" v="945" actId="26606"/>
+          <ac:spMkLst>
+            <pc:docMk/>
+            <pc:sldMk cId="2402555757" sldId="272"/>
+            <ac:spMk id="4" creationId="{74B2AC35-A30C-AD38-C9C5-25BFD454D895}"/>
+          </ac:spMkLst>
+        </pc:spChg>
+        <pc:spChg chg="add">
+          <ac:chgData name="Hunter Ceranic" userId="55b8025d37c61089" providerId="LiveId" clId="{EC4F0628-2F57-4DA5-B9B2-916EE2A7749C}" dt="2024-04-04T17:20:30.570" v="945" actId="26606"/>
+          <ac:spMkLst>
+            <pc:docMk/>
+            <pc:sldMk cId="2402555757" sldId="272"/>
+            <ac:spMk id="11" creationId="{8A7BA06D-B3FF-4E91-8639-B4569AE3AA23}"/>
+          </ac:spMkLst>
+        </pc:spChg>
+        <pc:spChg chg="add">
+          <ac:chgData name="Hunter Ceranic" userId="55b8025d37c61089" providerId="LiveId" clId="{EC4F0628-2F57-4DA5-B9B2-916EE2A7749C}" dt="2024-04-04T17:20:30.570" v="945" actId="26606"/>
+          <ac:spMkLst>
+            <pc:docMk/>
+            <pc:sldMk cId="2402555757" sldId="272"/>
+            <ac:spMk id="13" creationId="{2B30C86D-5A07-48BC-9C9D-6F9A2DB1E9E1}"/>
+          </ac:spMkLst>
+        </pc:spChg>
+        <pc:spChg chg="add">
+          <ac:chgData name="Hunter Ceranic" userId="55b8025d37c61089" providerId="LiveId" clId="{EC4F0628-2F57-4DA5-B9B2-916EE2A7749C}" dt="2024-04-04T17:20:30.570" v="945" actId="26606"/>
+          <ac:spMkLst>
+            <pc:docMk/>
+            <pc:sldMk cId="2402555757" sldId="272"/>
+            <ac:spMk id="15" creationId="{3301E07F-4F79-4B58-8698-EF24DC1ECDBF}"/>
+          </ac:spMkLst>
+        </pc:spChg>
+        <pc:spChg chg="add">
+          <ac:chgData name="Hunter Ceranic" userId="55b8025d37c61089" providerId="LiveId" clId="{EC4F0628-2F57-4DA5-B9B2-916EE2A7749C}" dt="2024-04-04T17:20:30.570" v="945" actId="26606"/>
+          <ac:spMkLst>
+            <pc:docMk/>
+            <pc:sldMk cId="2402555757" sldId="272"/>
+            <ac:spMk id="17" creationId="{E58B2195-5055-402F-A3E7-53FF0E4980C3}"/>
+          </ac:spMkLst>
+        </pc:spChg>
+        <pc:spChg chg="add">
+          <ac:chgData name="Hunter Ceranic" userId="55b8025d37c61089" providerId="LiveId" clId="{EC4F0628-2F57-4DA5-B9B2-916EE2A7749C}" dt="2024-04-04T17:20:30.570" v="945" actId="26606"/>
+          <ac:spMkLst>
+            <pc:docMk/>
+            <pc:sldMk cId="2402555757" sldId="272"/>
+            <ac:spMk id="19" creationId="{9EE6F773-742A-491A-9A00-A2A150DF500A}"/>
+          </ac:spMkLst>
+        </pc:spChg>
+        <pc:picChg chg="add mod">
+          <ac:chgData name="Hunter Ceranic" userId="55b8025d37c61089" providerId="LiveId" clId="{EC4F0628-2F57-4DA5-B9B2-916EE2A7749C}" dt="2024-04-04T17:20:30.570" v="945" actId="26606"/>
+          <ac:picMkLst>
+            <pc:docMk/>
+            <pc:sldMk cId="2402555757" sldId="272"/>
+            <ac:picMk id="6" creationId="{69DC6A37-5A79-0CCC-EF79-8F07CA393C8E}"/>
+          </ac:picMkLst>
+        </pc:picChg>
+      </pc:sldChg>
+      <pc:sldChg chg="addSp delSp modSp new mod setBg">
+        <pc:chgData name="Hunter Ceranic" userId="55b8025d37c61089" providerId="LiveId" clId="{EC4F0628-2F57-4DA5-B9B2-916EE2A7749C}" dt="2024-04-04T18:15:05.976" v="1474" actId="1076"/>
+        <pc:sldMkLst>
+          <pc:docMk/>
+          <pc:sldMk cId="264534519" sldId="273"/>
+        </pc:sldMkLst>
+        <pc:spChg chg="mod">
+          <ac:chgData name="Hunter Ceranic" userId="55b8025d37c61089" providerId="LiveId" clId="{EC4F0628-2F57-4DA5-B9B2-916EE2A7749C}" dt="2024-04-04T17:30:58.615" v="990" actId="26606"/>
+          <ac:spMkLst>
+            <pc:docMk/>
+            <pc:sldMk cId="264534519" sldId="273"/>
+            <ac:spMk id="2" creationId="{01744BA5-D3DA-1D01-296C-B1313183BFB1}"/>
+          </ac:spMkLst>
+        </pc:spChg>
+        <pc:spChg chg="del">
+          <ac:chgData name="Hunter Ceranic" userId="55b8025d37c61089" providerId="LiveId" clId="{EC4F0628-2F57-4DA5-B9B2-916EE2A7749C}" dt="2024-04-04T17:28:25.540" v="958" actId="478"/>
+          <ac:spMkLst>
+            <pc:docMk/>
+            <pc:sldMk cId="264534519" sldId="273"/>
+            <ac:spMk id="3" creationId="{F3582C0B-83F7-EDD0-E87E-E320C7566EDF}"/>
+          </ac:spMkLst>
+        </pc:spChg>
+        <pc:spChg chg="mod ord">
+          <ac:chgData name="Hunter Ceranic" userId="55b8025d37c61089" providerId="LiveId" clId="{EC4F0628-2F57-4DA5-B9B2-916EE2A7749C}" dt="2024-04-04T17:30:58.615" v="990" actId="26606"/>
+          <ac:spMkLst>
+            <pc:docMk/>
+            <pc:sldMk cId="264534519" sldId="273"/>
+            <ac:spMk id="4" creationId="{4A80C20F-3AD1-D8DF-EEFE-1CF3E264B8B5}"/>
+          </ac:spMkLst>
+        </pc:spChg>
+        <pc:spChg chg="add del">
+          <ac:chgData name="Hunter Ceranic" userId="55b8025d37c61089" providerId="LiveId" clId="{EC4F0628-2F57-4DA5-B9B2-916EE2A7749C}" dt="2024-04-04T17:30:58.615" v="990" actId="26606"/>
+          <ac:spMkLst>
+            <pc:docMk/>
+            <pc:sldMk cId="264534519" sldId="273"/>
+            <ac:spMk id="12" creationId="{8A7BA06D-B3FF-4E91-8639-B4569AE3AA23}"/>
+          </ac:spMkLst>
+        </pc:spChg>
+        <pc:spChg chg="add del">
+          <ac:chgData name="Hunter Ceranic" userId="55b8025d37c61089" providerId="LiveId" clId="{EC4F0628-2F57-4DA5-B9B2-916EE2A7749C}" dt="2024-04-04T17:30:58.615" v="990" actId="26606"/>
+          <ac:spMkLst>
+            <pc:docMk/>
+            <pc:sldMk cId="264534519" sldId="273"/>
+            <ac:spMk id="13" creationId="{2B30C86D-5A07-48BC-9C9D-6F9A2DB1E9E1}"/>
+          </ac:spMkLst>
+        </pc:spChg>
+        <pc:spChg chg="add del">
+          <ac:chgData name="Hunter Ceranic" userId="55b8025d37c61089" providerId="LiveId" clId="{EC4F0628-2F57-4DA5-B9B2-916EE2A7749C}" dt="2024-04-04T17:30:58.615" v="990" actId="26606"/>
+          <ac:spMkLst>
+            <pc:docMk/>
+            <pc:sldMk cId="264534519" sldId="273"/>
+            <ac:spMk id="14" creationId="{57E36F3B-5EA3-4859-A8E1-7DB2CD0BF045}"/>
+          </ac:spMkLst>
+        </pc:spChg>
+        <pc:spChg chg="add del">
+          <ac:chgData name="Hunter Ceranic" userId="55b8025d37c61089" providerId="LiveId" clId="{EC4F0628-2F57-4DA5-B9B2-916EE2A7749C}" dt="2024-04-04T17:30:01.665" v="983" actId="26606"/>
+          <ac:spMkLst>
+            <pc:docMk/>
+            <pc:sldMk cId="264534519" sldId="273"/>
+            <ac:spMk id="15" creationId="{8A7BA06D-B3FF-4E91-8639-B4569AE3AA23}"/>
+          </ac:spMkLst>
+        </pc:spChg>
+        <pc:spChg chg="add del">
+          <ac:chgData name="Hunter Ceranic" userId="55b8025d37c61089" providerId="LiveId" clId="{EC4F0628-2F57-4DA5-B9B2-916EE2A7749C}" dt="2024-04-04T17:30:58.615" v="990" actId="26606"/>
+          <ac:spMkLst>
+            <pc:docMk/>
+            <pc:sldMk cId="264534519" sldId="273"/>
+            <ac:spMk id="16" creationId="{E2635EE6-D269-46B5-8431-4D0F084D44A9}"/>
+          </ac:spMkLst>
+        </pc:spChg>
+        <pc:spChg chg="add del">
+          <ac:chgData name="Hunter Ceranic" userId="55b8025d37c61089" providerId="LiveId" clId="{EC4F0628-2F57-4DA5-B9B2-916EE2A7749C}" dt="2024-04-04T17:30:01.665" v="983" actId="26606"/>
+          <ac:spMkLst>
+            <pc:docMk/>
+            <pc:sldMk cId="264534519" sldId="273"/>
+            <ac:spMk id="17" creationId="{2B30C86D-5A07-48BC-9C9D-6F9A2DB1E9E1}"/>
+          </ac:spMkLst>
+        </pc:spChg>
+        <pc:spChg chg="add del">
+          <ac:chgData name="Hunter Ceranic" userId="55b8025d37c61089" providerId="LiveId" clId="{EC4F0628-2F57-4DA5-B9B2-916EE2A7749C}" dt="2024-04-04T17:30:58.615" v="990" actId="26606"/>
+          <ac:spMkLst>
+            <pc:docMk/>
+            <pc:sldMk cId="264534519" sldId="273"/>
+            <ac:spMk id="18" creationId="{18E928D9-3091-4385-B979-265D55AD02CE}"/>
+          </ac:spMkLst>
+        </pc:spChg>
+        <pc:spChg chg="add del">
+          <ac:chgData name="Hunter Ceranic" userId="55b8025d37c61089" providerId="LiveId" clId="{EC4F0628-2F57-4DA5-B9B2-916EE2A7749C}" dt="2024-04-04T17:30:01.665" v="983" actId="26606"/>
+          <ac:spMkLst>
+            <pc:docMk/>
+            <pc:sldMk cId="264534519" sldId="273"/>
+            <ac:spMk id="19" creationId="{E749BC1B-F965-413C-AC21-CAEF06043ABA}"/>
+          </ac:spMkLst>
+        </pc:spChg>
+        <pc:spChg chg="add del">
+          <ac:chgData name="Hunter Ceranic" userId="55b8025d37c61089" providerId="LiveId" clId="{EC4F0628-2F57-4DA5-B9B2-916EE2A7749C}" dt="2024-04-04T17:30:58.615" v="990" actId="26606"/>
+          <ac:spMkLst>
+            <pc:docMk/>
+            <pc:sldMk cId="264534519" sldId="273"/>
+            <ac:spMk id="20" creationId="{7D602432-D774-4CF5-94E8-7D52D01059D2}"/>
+          </ac:spMkLst>
+        </pc:spChg>
+        <pc:spChg chg="add del">
+          <ac:chgData name="Hunter Ceranic" userId="55b8025d37c61089" providerId="LiveId" clId="{EC4F0628-2F57-4DA5-B9B2-916EE2A7749C}" dt="2024-04-04T17:30:01.665" v="983" actId="26606"/>
+          <ac:spMkLst>
+            <pc:docMk/>
+            <pc:sldMk cId="264534519" sldId="273"/>
+            <ac:spMk id="21" creationId="{F35BC0E3-6FE4-4491-BA19-C0126066A51B}"/>
+          </ac:spMkLst>
+        </pc:spChg>
+        <pc:spChg chg="add del">
+          <ac:chgData name="Hunter Ceranic" userId="55b8025d37c61089" providerId="LiveId" clId="{EC4F0628-2F57-4DA5-B9B2-916EE2A7749C}" dt="2024-04-04T17:30:01.665" v="983" actId="26606"/>
+          <ac:spMkLst>
+            <pc:docMk/>
+            <pc:sldMk cId="264534519" sldId="273"/>
+            <ac:spMk id="23" creationId="{DB11BD18-218F-49C7-BE16-82AEA08B237B}"/>
+          </ac:spMkLst>
+        </pc:spChg>
+        <pc:spChg chg="add del">
+          <ac:chgData name="Hunter Ceranic" userId="55b8025d37c61089" providerId="LiveId" clId="{EC4F0628-2F57-4DA5-B9B2-916EE2A7749C}" dt="2024-04-04T17:30:01.665" v="983" actId="26606"/>
+          <ac:spMkLst>
+            <pc:docMk/>
+            <pc:sldMk cId="264534519" sldId="273"/>
+            <ac:spMk id="27" creationId="{EA996627-3E00-4A50-8640-F4F7D38C556C}"/>
+          </ac:spMkLst>
+        </pc:spChg>
+        <pc:spChg chg="add del">
+          <ac:chgData name="Hunter Ceranic" userId="55b8025d37c61089" providerId="LiveId" clId="{EC4F0628-2F57-4DA5-B9B2-916EE2A7749C}" dt="2024-04-04T17:30:01.665" v="983" actId="26606"/>
+          <ac:spMkLst>
+            <pc:docMk/>
+            <pc:sldMk cId="264534519" sldId="273"/>
+            <ac:spMk id="29" creationId="{A619555D-3337-4F1A-9AFF-1DA3B921C57C}"/>
+          </ac:spMkLst>
+        </pc:spChg>
+        <pc:spChg chg="add del">
+          <ac:chgData name="Hunter Ceranic" userId="55b8025d37c61089" providerId="LiveId" clId="{EC4F0628-2F57-4DA5-B9B2-916EE2A7749C}" dt="2024-04-04T17:30:01.665" v="983" actId="26606"/>
+          <ac:spMkLst>
+            <pc:docMk/>
+            <pc:sldMk cId="264534519" sldId="273"/>
+            <ac:spMk id="31" creationId="{CF5E7AE0-415D-4236-B5E6-F2FC68DB94EE}"/>
+          </ac:spMkLst>
+        </pc:spChg>
+        <pc:spChg chg="add mod">
+          <ac:chgData name="Hunter Ceranic" userId="55b8025d37c61089" providerId="LiveId" clId="{EC4F0628-2F57-4DA5-B9B2-916EE2A7749C}" dt="2024-04-04T18:15:05.976" v="1474" actId="1076"/>
+          <ac:spMkLst>
+            <pc:docMk/>
+            <pc:sldMk cId="264534519" sldId="273"/>
+            <ac:spMk id="34" creationId="{AF69D833-08C9-77E4-1AEA-5842514DC147}"/>
+          </ac:spMkLst>
+        </pc:spChg>
+        <pc:spChg chg="add mod">
+          <ac:chgData name="Hunter Ceranic" userId="55b8025d37c61089" providerId="LiveId" clId="{EC4F0628-2F57-4DA5-B9B2-916EE2A7749C}" dt="2024-04-04T18:14:56.989" v="1465" actId="1076"/>
+          <ac:spMkLst>
+            <pc:docMk/>
+            <pc:sldMk cId="264534519" sldId="273"/>
+            <ac:spMk id="35" creationId="{3F260357-347F-AAE9-E702-644AD23920E7}"/>
+          </ac:spMkLst>
+        </pc:spChg>
+        <pc:picChg chg="add mod ord">
+          <ac:chgData name="Hunter Ceranic" userId="55b8025d37c61089" providerId="LiveId" clId="{EC4F0628-2F57-4DA5-B9B2-916EE2A7749C}" dt="2024-04-04T17:30:58.615" v="990" actId="26606"/>
+          <ac:picMkLst>
+            <pc:docMk/>
+            <pc:sldMk cId="264534519" sldId="273"/>
+            <ac:picMk id="6" creationId="{88C0B306-5A93-98A3-AF68-CF147F5AD088}"/>
+          </ac:picMkLst>
+        </pc:picChg>
+        <pc:picChg chg="add del mod">
+          <ac:chgData name="Hunter Ceranic" userId="55b8025d37c61089" providerId="LiveId" clId="{EC4F0628-2F57-4DA5-B9B2-916EE2A7749C}" dt="2024-04-04T17:30:59.741" v="991" actId="478"/>
+          <ac:picMkLst>
+            <pc:docMk/>
+            <pc:sldMk cId="264534519" sldId="273"/>
+            <ac:picMk id="8" creationId="{4715A69E-914E-15B5-CBAB-4A8D7F71C421}"/>
+          </ac:picMkLst>
+        </pc:picChg>
+        <pc:picChg chg="add del mod">
+          <ac:chgData name="Hunter Ceranic" userId="55b8025d37c61089" providerId="LiveId" clId="{EC4F0628-2F57-4DA5-B9B2-916EE2A7749C}" dt="2024-04-04T17:31:01.062" v="992" actId="478"/>
+          <ac:picMkLst>
+            <pc:docMk/>
+            <pc:sldMk cId="264534519" sldId="273"/>
+            <ac:picMk id="10" creationId="{5A6A667E-13E0-C246-ECEE-24CCF2945540}"/>
+          </ac:picMkLst>
+        </pc:picChg>
+        <pc:picChg chg="add mod modCrop">
+          <ac:chgData name="Hunter Ceranic" userId="55b8025d37c61089" providerId="LiveId" clId="{EC4F0628-2F57-4DA5-B9B2-916EE2A7749C}" dt="2024-04-04T18:14:03.710" v="1443" actId="14100"/>
+          <ac:picMkLst>
+            <pc:docMk/>
+            <pc:sldMk cId="264534519" sldId="273"/>
+            <ac:picMk id="22" creationId="{B4A5ADC2-9D8D-D402-FB30-A925D383F63D}"/>
+          </ac:picMkLst>
+        </pc:picChg>
+        <pc:picChg chg="add del mod">
+          <ac:chgData name="Hunter Ceranic" userId="55b8025d37c61089" providerId="LiveId" clId="{EC4F0628-2F57-4DA5-B9B2-916EE2A7749C}" dt="2024-04-04T17:32:16.769" v="1014" actId="478"/>
+          <ac:picMkLst>
+            <pc:docMk/>
+            <pc:sldMk cId="264534519" sldId="273"/>
+            <ac:picMk id="26" creationId="{F9988B69-0E88-7F67-4263-6D930CDBD233}"/>
+          </ac:picMkLst>
+        </pc:picChg>
+        <pc:picChg chg="add del mod modCrop">
+          <ac:chgData name="Hunter Ceranic" userId="55b8025d37c61089" providerId="LiveId" clId="{EC4F0628-2F57-4DA5-B9B2-916EE2A7749C}" dt="2024-04-04T18:13:14.164" v="1426" actId="478"/>
+          <ac:picMkLst>
+            <pc:docMk/>
+            <pc:sldMk cId="264534519" sldId="273"/>
+            <ac:picMk id="30" creationId="{DCF50D43-1005-FEBE-2BCE-363BD9233A4B}"/>
+          </ac:picMkLst>
+        </pc:picChg>
+        <pc:picChg chg="add mod modCrop">
+          <ac:chgData name="Hunter Ceranic" userId="55b8025d37c61089" providerId="LiveId" clId="{EC4F0628-2F57-4DA5-B9B2-916EE2A7749C}" dt="2024-04-04T18:13:51.547" v="1440" actId="1076"/>
+          <ac:picMkLst>
+            <pc:docMk/>
+            <pc:sldMk cId="264534519" sldId="273"/>
+            <ac:picMk id="33" creationId="{81C913E6-C254-4BC0-0D84-19B0C23ABD6F}"/>
+          </ac:picMkLst>
+        </pc:picChg>
+        <pc:cxnChg chg="add del">
+          <ac:chgData name="Hunter Ceranic" userId="55b8025d37c61089" providerId="LiveId" clId="{EC4F0628-2F57-4DA5-B9B2-916EE2A7749C}" dt="2024-04-04T17:30:01.665" v="983" actId="26606"/>
+          <ac:cxnSpMkLst>
+            <pc:docMk/>
+            <pc:sldMk cId="264534519" sldId="273"/>
+            <ac:cxnSpMk id="25" creationId="{A054EDF5-7644-4A95-AB88-057FAB414FEE}"/>
+          </ac:cxnSpMkLst>
+        </pc:cxnChg>
+      </pc:sldChg>
+      <pc:sldChg chg="addSp delSp modSp new mod">
+        <pc:chgData name="Hunter Ceranic" userId="55b8025d37c61089" providerId="LiveId" clId="{EC4F0628-2F57-4DA5-B9B2-916EE2A7749C}" dt="2024-04-04T17:20:20.722" v="944" actId="1076"/>
+        <pc:sldMkLst>
+          <pc:docMk/>
+          <pc:sldMk cId="1273424758" sldId="274"/>
+        </pc:sldMkLst>
+        <pc:spChg chg="mod">
+          <ac:chgData name="Hunter Ceranic" userId="55b8025d37c61089" providerId="LiveId" clId="{EC4F0628-2F57-4DA5-B9B2-916EE2A7749C}" dt="2024-04-04T17:20:16.472" v="942" actId="1076"/>
+          <ac:spMkLst>
+            <pc:docMk/>
+            <pc:sldMk cId="1273424758" sldId="274"/>
+            <ac:spMk id="2" creationId="{C34B297A-791F-61E9-5A15-81A317E254D4}"/>
+          </ac:spMkLst>
+        </pc:spChg>
+        <pc:spChg chg="del">
+          <ac:chgData name="Hunter Ceranic" userId="55b8025d37c61089" providerId="LiveId" clId="{EC4F0628-2F57-4DA5-B9B2-916EE2A7749C}" dt="2024-04-04T17:19:51.925" v="938" actId="22"/>
+          <ac:spMkLst>
+            <pc:docMk/>
+            <pc:sldMk cId="1273424758" sldId="274"/>
+            <ac:spMk id="3" creationId="{51EFE672-E905-2DD4-C3A5-D7566FDC0566}"/>
+          </ac:spMkLst>
+        </pc:spChg>
+        <pc:picChg chg="add mod ord">
+          <ac:chgData name="Hunter Ceranic" userId="55b8025d37c61089" providerId="LiveId" clId="{EC4F0628-2F57-4DA5-B9B2-916EE2A7749C}" dt="2024-04-04T17:20:17.865" v="943" actId="1076"/>
+          <ac:picMkLst>
+            <pc:docMk/>
+            <pc:sldMk cId="1273424758" sldId="274"/>
+            <ac:picMk id="6" creationId="{81BEC31C-C8AA-5D47-2C65-170D896DEE0F}"/>
+          </ac:picMkLst>
+        </pc:picChg>
+        <pc:picChg chg="add mod">
+          <ac:chgData name="Hunter Ceranic" userId="55b8025d37c61089" providerId="LiveId" clId="{EC4F0628-2F57-4DA5-B9B2-916EE2A7749C}" dt="2024-04-04T17:20:20.722" v="944" actId="1076"/>
+          <ac:picMkLst>
+            <pc:docMk/>
+            <pc:sldMk cId="1273424758" sldId="274"/>
+            <ac:picMk id="8" creationId="{A33BDA79-8CA1-E42C-8853-09F1C091DD07}"/>
+          </ac:picMkLst>
+        </pc:picChg>
+      </pc:sldChg>
+      <pc:sldChg chg="addSp delSp modSp new mod">
+        <pc:chgData name="Hunter Ceranic" userId="55b8025d37c61089" providerId="LiveId" clId="{EC4F0628-2F57-4DA5-B9B2-916EE2A7749C}" dt="2024-04-04T17:26:42.511" v="957" actId="478"/>
+        <pc:sldMkLst>
+          <pc:docMk/>
+          <pc:sldMk cId="2993155655" sldId="275"/>
+        </pc:sldMkLst>
+        <pc:spChg chg="mod">
+          <ac:chgData name="Hunter Ceranic" userId="55b8025d37c61089" providerId="LiveId" clId="{EC4F0628-2F57-4DA5-B9B2-916EE2A7749C}" dt="2024-04-04T17:25:19.536" v="949" actId="1076"/>
+          <ac:spMkLst>
+            <pc:docMk/>
+            <pc:sldMk cId="2993155655" sldId="275"/>
+            <ac:spMk id="2" creationId="{A7DBB105-C608-56C3-6A06-6BB5F47937A0}"/>
+          </ac:spMkLst>
+        </pc:spChg>
+        <pc:spChg chg="del">
+          <ac:chgData name="Hunter Ceranic" userId="55b8025d37c61089" providerId="LiveId" clId="{EC4F0628-2F57-4DA5-B9B2-916EE2A7749C}" dt="2024-04-04T17:25:10.637" v="946" actId="478"/>
+          <ac:spMkLst>
+            <pc:docMk/>
+            <pc:sldMk cId="2993155655" sldId="275"/>
+            <ac:spMk id="3" creationId="{FBD64BF9-08FF-F19A-F797-ACC63FC79D03}"/>
+          </ac:spMkLst>
+        </pc:spChg>
+        <pc:picChg chg="add mod">
+          <ac:chgData name="Hunter Ceranic" userId="55b8025d37c61089" providerId="LiveId" clId="{EC4F0628-2F57-4DA5-B9B2-916EE2A7749C}" dt="2024-04-04T17:26:34.903" v="955" actId="1076"/>
+          <ac:picMkLst>
+            <pc:docMk/>
+            <pc:sldMk cId="2993155655" sldId="275"/>
+            <ac:picMk id="6" creationId="{1B0D3ABB-82AA-1031-3E65-C6644CCE801D}"/>
+          </ac:picMkLst>
+        </pc:picChg>
+        <pc:picChg chg="add del mod">
+          <ac:chgData name="Hunter Ceranic" userId="55b8025d37c61089" providerId="LiveId" clId="{EC4F0628-2F57-4DA5-B9B2-916EE2A7749C}" dt="2024-04-04T17:26:42.511" v="957" actId="478"/>
+          <ac:picMkLst>
+            <pc:docMk/>
+            <pc:sldMk cId="2993155655" sldId="275"/>
+            <ac:picMk id="8" creationId="{F95C496D-4AD4-AA82-A57E-524448EDB62B}"/>
+          </ac:picMkLst>
+        </pc:picChg>
+      </pc:sldChg>
+      <pc:sldChg chg="addSp delSp modSp new mod setBg">
+        <pc:chgData name="Hunter Ceranic" userId="55b8025d37c61089" providerId="LiveId" clId="{EC4F0628-2F57-4DA5-B9B2-916EE2A7749C}" dt="2024-04-04T18:39:31.654" v="1945" actId="20577"/>
+        <pc:sldMkLst>
+          <pc:docMk/>
+          <pc:sldMk cId="303661165" sldId="276"/>
+        </pc:sldMkLst>
+        <pc:spChg chg="mod">
+          <ac:chgData name="Hunter Ceranic" userId="55b8025d37c61089" providerId="LiveId" clId="{EC4F0628-2F57-4DA5-B9B2-916EE2A7749C}" dt="2024-04-04T17:35:38.477" v="1078" actId="26606"/>
+          <ac:spMkLst>
+            <pc:docMk/>
+            <pc:sldMk cId="303661165" sldId="276"/>
+            <ac:spMk id="2" creationId="{9401E9F1-FE74-FBC4-8430-55FD63ACBB0C}"/>
+          </ac:spMkLst>
+        </pc:spChg>
+        <pc:spChg chg="del">
+          <ac:chgData name="Hunter Ceranic" userId="55b8025d37c61089" providerId="LiveId" clId="{EC4F0628-2F57-4DA5-B9B2-916EE2A7749C}" dt="2024-04-04T17:35:12.882" v="1073"/>
+          <ac:spMkLst>
+            <pc:docMk/>
+            <pc:sldMk cId="303661165" sldId="276"/>
+            <ac:spMk id="3" creationId="{AEE71044-ABEF-26DE-28A8-F1CE1F9E1AD2}"/>
+          </ac:spMkLst>
+        </pc:spChg>
+        <pc:spChg chg="mod">
+          <ac:chgData name="Hunter Ceranic" userId="55b8025d37c61089" providerId="LiveId" clId="{EC4F0628-2F57-4DA5-B9B2-916EE2A7749C}" dt="2024-04-04T17:35:38.477" v="1078" actId="26606"/>
+          <ac:spMkLst>
+            <pc:docMk/>
+            <pc:sldMk cId="303661165" sldId="276"/>
+            <ac:spMk id="4" creationId="{697D02B5-6622-ABE9-8350-FDE20CAC8EC4}"/>
+          </ac:spMkLst>
+        </pc:spChg>
+        <pc:spChg chg="add mod">
+          <ac:chgData name="Hunter Ceranic" userId="55b8025d37c61089" providerId="LiveId" clId="{EC4F0628-2F57-4DA5-B9B2-916EE2A7749C}" dt="2024-04-04T18:39:31.654" v="1945" actId="20577"/>
+          <ac:spMkLst>
+            <pc:docMk/>
+            <pc:sldMk cId="303661165" sldId="276"/>
+            <ac:spMk id="7" creationId="{38941DF8-5DD4-80E3-DB43-630E27F1BEC3}"/>
+          </ac:spMkLst>
+        </pc:spChg>
+        <pc:spChg chg="add del mod">
+          <ac:chgData name="Hunter Ceranic" userId="55b8025d37c61089" providerId="LiveId" clId="{EC4F0628-2F57-4DA5-B9B2-916EE2A7749C}" dt="2024-04-04T17:41:23.321" v="1149"/>
+          <ac:spMkLst>
+            <pc:docMk/>
+            <pc:sldMk cId="303661165" sldId="276"/>
+            <ac:spMk id="9" creationId="{1E4FED4F-4846-523A-E9B6-1B74A6E3E1B6}"/>
+          </ac:spMkLst>
+        </pc:spChg>
+        <pc:spChg chg="add del">
+          <ac:chgData name="Hunter Ceranic" userId="55b8025d37c61089" providerId="LiveId" clId="{EC4F0628-2F57-4DA5-B9B2-916EE2A7749C}" dt="2024-04-04T17:35:38.477" v="1078" actId="26606"/>
+          <ac:spMkLst>
+            <pc:docMk/>
+            <pc:sldMk cId="303661165" sldId="276"/>
+            <ac:spMk id="11" creationId="{8A7BA06D-B3FF-4E91-8639-B4569AE3AA23}"/>
+          </ac:spMkLst>
+        </pc:spChg>
+        <pc:spChg chg="add del">
+          <ac:chgData name="Hunter Ceranic" userId="55b8025d37c61089" providerId="LiveId" clId="{EC4F0628-2F57-4DA5-B9B2-916EE2A7749C}" dt="2024-04-04T17:35:38.477" v="1078" actId="26606"/>
+          <ac:spMkLst>
+            <pc:docMk/>
+            <pc:sldMk cId="303661165" sldId="276"/>
+            <ac:spMk id="13" creationId="{2B30C86D-5A07-48BC-9C9D-6F9A2DB1E9E1}"/>
+          </ac:spMkLst>
+        </pc:spChg>
+        <pc:spChg chg="add del">
+          <ac:chgData name="Hunter Ceranic" userId="55b8025d37c61089" providerId="LiveId" clId="{EC4F0628-2F57-4DA5-B9B2-916EE2A7749C}" dt="2024-04-04T17:35:38.477" v="1078" actId="26606"/>
+          <ac:spMkLst>
+            <pc:docMk/>
+            <pc:sldMk cId="303661165" sldId="276"/>
+            <ac:spMk id="15" creationId="{3F138222-D274-4866-96E7-C3B1D6DA8CEE}"/>
+          </ac:spMkLst>
+        </pc:spChg>
+        <pc:spChg chg="add del">
+          <ac:chgData name="Hunter Ceranic" userId="55b8025d37c61089" providerId="LiveId" clId="{EC4F0628-2F57-4DA5-B9B2-916EE2A7749C}" dt="2024-04-04T17:35:38.477" v="1078" actId="26606"/>
+          <ac:spMkLst>
+            <pc:docMk/>
+            <pc:sldMk cId="303661165" sldId="276"/>
+            <ac:spMk id="17" creationId="{5888E255-D20B-4F26-B9DA-3DF036797008}"/>
+          </ac:spMkLst>
+        </pc:spChg>
+        <pc:spChg chg="add del">
+          <ac:chgData name="Hunter Ceranic" userId="55b8025d37c61089" providerId="LiveId" clId="{EC4F0628-2F57-4DA5-B9B2-916EE2A7749C}" dt="2024-04-04T17:35:38.477" v="1078" actId="26606"/>
+          <ac:spMkLst>
+            <pc:docMk/>
+            <pc:sldMk cId="303661165" sldId="276"/>
+            <ac:spMk id="19" creationId="{02AD46D6-02D6-45B3-921C-F4033826EFA7}"/>
+          </ac:spMkLst>
+        </pc:spChg>
+        <pc:picChg chg="add del mod">
+          <ac:chgData name="Hunter Ceranic" userId="55b8025d37c61089" providerId="LiveId" clId="{EC4F0628-2F57-4DA5-B9B2-916EE2A7749C}" dt="2024-04-04T17:41:21.611" v="1148" actId="478"/>
+          <ac:picMkLst>
+            <pc:docMk/>
+            <pc:sldMk cId="303661165" sldId="276"/>
+            <ac:picMk id="6" creationId="{B56BAE49-E359-9B86-11E2-52312F92E83C}"/>
+          </ac:picMkLst>
+        </pc:picChg>
+        <pc:picChg chg="add mod">
+          <ac:chgData name="Hunter Ceranic" userId="55b8025d37c61089" providerId="LiveId" clId="{EC4F0628-2F57-4DA5-B9B2-916EE2A7749C}" dt="2024-04-04T17:41:34.027" v="1158" actId="1076"/>
+          <ac:picMkLst>
+            <pc:docMk/>
+            <pc:sldMk cId="303661165" sldId="276"/>
+            <ac:picMk id="12" creationId="{EB8FE7C8-CAAF-3F13-01BB-6B10D9AB38E4}"/>
+          </ac:picMkLst>
+        </pc:picChg>
+        <pc:picChg chg="add mod">
+          <ac:chgData name="Hunter Ceranic" userId="55b8025d37c61089" providerId="LiveId" clId="{EC4F0628-2F57-4DA5-B9B2-916EE2A7749C}" dt="2024-04-04T17:41:57.586" v="1166" actId="14100"/>
+          <ac:picMkLst>
+            <pc:docMk/>
+            <pc:sldMk cId="303661165" sldId="276"/>
+            <ac:picMk id="16" creationId="{F1F7082A-49C9-BAA5-0B5F-8BEAD7D93A0D}"/>
+          </ac:picMkLst>
+        </pc:picChg>
       </pc:sldChg>
     </pc:docChg>
   </pc:docChgLst>
@@ -2446,7 +3084,7 @@
           <a:p>
             <a:fld id="{9E418AF7-6E72-4403-B085-4589D1110134}" type="datetimeFigureOut">
               <a:rPr lang="en-CA" smtClean="0"/>
-              <a:t>2024-04-02</a:t>
+              <a:t>2024-04-04</a:t>
             </a:fld>
             <a:endParaRPr lang="en-CA"/>
           </a:p>
@@ -2714,271 +3352,6 @@
 </p:notesMaster>
 </file>
 
-<file path=ppt/notesSlides/notesSlide1.xml><?xml version="1.0" encoding="utf-8"?>
-<p:notes xmlns:a="http://schemas.openxmlformats.org/drawingml/2006/main" xmlns:r="http://schemas.openxmlformats.org/officeDocument/2006/relationships" xmlns:p="http://schemas.openxmlformats.org/presentationml/2006/main">
-  <p:cSld>
-    <p:spTree>
-      <p:nvGrpSpPr>
-        <p:cNvPr id="1" name=""/>
-        <p:cNvGrpSpPr/>
-        <p:nvPr/>
-      </p:nvGrpSpPr>
-      <p:grpSpPr>
-        <a:xfrm>
-          <a:off x="0" y="0"/>
-          <a:ext cx="0" cy="0"/>
-          <a:chOff x="0" y="0"/>
-          <a:chExt cx="0" cy="0"/>
-        </a:xfrm>
-      </p:grpSpPr>
-      <p:sp>
-        <p:nvSpPr>
-          <p:cNvPr id="2" name="Slide Image Placeholder 1"/>
-          <p:cNvSpPr>
-            <a:spLocks noGrp="1" noRot="1" noChangeAspect="1"/>
-          </p:cNvSpPr>
-          <p:nvPr>
-            <p:ph type="sldImg"/>
-          </p:nvPr>
-        </p:nvSpPr>
-        <p:spPr/>
-      </p:sp>
-      <p:sp>
-        <p:nvSpPr>
-          <p:cNvPr id="3" name="Notes Placeholder 2"/>
-          <p:cNvSpPr>
-            <a:spLocks noGrp="1"/>
-          </p:cNvSpPr>
-          <p:nvPr>
-            <p:ph type="body" idx="1"/>
-          </p:nvPr>
-        </p:nvSpPr>
-        <p:spPr/>
-        <p:txBody>
-          <a:bodyPr/>
-          <a:lstStyle/>
-          <a:p>
-            <a:r>
-              <a:rPr lang="en-CA" dirty="0"/>
-              <a:t>Add specific images in report</a:t>
-            </a:r>
-          </a:p>
-        </p:txBody>
-      </p:sp>
-      <p:sp>
-        <p:nvSpPr>
-          <p:cNvPr id="4" name="Slide Number Placeholder 3"/>
-          <p:cNvSpPr>
-            <a:spLocks noGrp="1"/>
-          </p:cNvSpPr>
-          <p:nvPr>
-            <p:ph type="sldNum" sz="quarter" idx="5"/>
-          </p:nvPr>
-        </p:nvSpPr>
-        <p:spPr/>
-        <p:txBody>
-          <a:bodyPr/>
-          <a:lstStyle/>
-          <a:p>
-            <a:fld id="{04F82448-C671-4DAB-B542-F04D10043DD5}" type="slidenum">
-              <a:rPr lang="en-CA" smtClean="0"/>
-              <a:t>3</a:t>
-            </a:fld>
-            <a:endParaRPr lang="en-CA"/>
-          </a:p>
-        </p:txBody>
-      </p:sp>
-    </p:spTree>
-    <p:extLst>
-      <p:ext uri="{BB962C8B-B14F-4D97-AF65-F5344CB8AC3E}">
-        <p14:creationId xmlns:p14="http://schemas.microsoft.com/office/powerpoint/2010/main" val="2120528096"/>
-      </p:ext>
-    </p:extLst>
-  </p:cSld>
-  <p:clrMapOvr>
-    <a:masterClrMapping/>
-  </p:clrMapOvr>
-</p:notes>
-</file>
-
-<file path=ppt/notesSlides/notesSlide2.xml><?xml version="1.0" encoding="utf-8"?>
-<p:notes xmlns:a="http://schemas.openxmlformats.org/drawingml/2006/main" xmlns:r="http://schemas.openxmlformats.org/officeDocument/2006/relationships" xmlns:p="http://schemas.openxmlformats.org/presentationml/2006/main">
-  <p:cSld>
-    <p:spTree>
-      <p:nvGrpSpPr>
-        <p:cNvPr id="1" name=""/>
-        <p:cNvGrpSpPr/>
-        <p:nvPr/>
-      </p:nvGrpSpPr>
-      <p:grpSpPr>
-        <a:xfrm>
-          <a:off x="0" y="0"/>
-          <a:ext cx="0" cy="0"/>
-          <a:chOff x="0" y="0"/>
-          <a:chExt cx="0" cy="0"/>
-        </a:xfrm>
-      </p:grpSpPr>
-      <p:sp>
-        <p:nvSpPr>
-          <p:cNvPr id="2" name="Slide Image Placeholder 1"/>
-          <p:cNvSpPr>
-            <a:spLocks noGrp="1" noRot="1" noChangeAspect="1"/>
-          </p:cNvSpPr>
-          <p:nvPr>
-            <p:ph type="sldImg"/>
-          </p:nvPr>
-        </p:nvSpPr>
-        <p:spPr/>
-      </p:sp>
-      <p:sp>
-        <p:nvSpPr>
-          <p:cNvPr id="3" name="Notes Placeholder 2"/>
-          <p:cNvSpPr>
-            <a:spLocks noGrp="1"/>
-          </p:cNvSpPr>
-          <p:nvPr>
-            <p:ph type="body" idx="1"/>
-          </p:nvPr>
-        </p:nvSpPr>
-        <p:spPr/>
-        <p:txBody>
-          <a:bodyPr/>
-          <a:lstStyle/>
-          <a:p>
-            <a:r>
-              <a:rPr lang="en-CA" dirty="0"/>
-              <a:t>Make epsilon a parameter so its easy to change</a:t>
-            </a:r>
-          </a:p>
-        </p:txBody>
-      </p:sp>
-      <p:sp>
-        <p:nvSpPr>
-          <p:cNvPr id="4" name="Slide Number Placeholder 3"/>
-          <p:cNvSpPr>
-            <a:spLocks noGrp="1"/>
-          </p:cNvSpPr>
-          <p:nvPr>
-            <p:ph type="sldNum" sz="quarter" idx="5"/>
-          </p:nvPr>
-        </p:nvSpPr>
-        <p:spPr/>
-        <p:txBody>
-          <a:bodyPr/>
-          <a:lstStyle/>
-          <a:p>
-            <a:fld id="{04F82448-C671-4DAB-B542-F04D10043DD5}" type="slidenum">
-              <a:rPr lang="en-CA" smtClean="0"/>
-              <a:t>5</a:t>
-            </a:fld>
-            <a:endParaRPr lang="en-CA"/>
-          </a:p>
-        </p:txBody>
-      </p:sp>
-    </p:spTree>
-    <p:extLst>
-      <p:ext uri="{BB962C8B-B14F-4D97-AF65-F5344CB8AC3E}">
-        <p14:creationId xmlns:p14="http://schemas.microsoft.com/office/powerpoint/2010/main" val="2525703045"/>
-      </p:ext>
-    </p:extLst>
-  </p:cSld>
-  <p:clrMapOvr>
-    <a:masterClrMapping/>
-  </p:clrMapOvr>
-</p:notes>
-</file>
-
-<file path=ppt/notesSlides/notesSlide3.xml><?xml version="1.0" encoding="utf-8"?>
-<p:notes xmlns:a="http://schemas.openxmlformats.org/drawingml/2006/main" xmlns:r="http://schemas.openxmlformats.org/officeDocument/2006/relationships" xmlns:p="http://schemas.openxmlformats.org/presentationml/2006/main">
-  <p:cSld>
-    <p:spTree>
-      <p:nvGrpSpPr>
-        <p:cNvPr id="1" name=""/>
-        <p:cNvGrpSpPr/>
-        <p:nvPr/>
-      </p:nvGrpSpPr>
-      <p:grpSpPr>
-        <a:xfrm>
-          <a:off x="0" y="0"/>
-          <a:ext cx="0" cy="0"/>
-          <a:chOff x="0" y="0"/>
-          <a:chExt cx="0" cy="0"/>
-        </a:xfrm>
-      </p:grpSpPr>
-      <p:sp>
-        <p:nvSpPr>
-          <p:cNvPr id="2" name="Slide Image Placeholder 1"/>
-          <p:cNvSpPr>
-            <a:spLocks noGrp="1" noRot="1" noChangeAspect="1"/>
-          </p:cNvSpPr>
-          <p:nvPr>
-            <p:ph type="sldImg"/>
-          </p:nvPr>
-        </p:nvSpPr>
-        <p:spPr/>
-      </p:sp>
-      <p:sp>
-        <p:nvSpPr>
-          <p:cNvPr id="3" name="Notes Placeholder 2"/>
-          <p:cNvSpPr>
-            <a:spLocks noGrp="1"/>
-          </p:cNvSpPr>
-          <p:nvPr>
-            <p:ph type="body" idx="1"/>
-          </p:nvPr>
-        </p:nvSpPr>
-        <p:spPr/>
-        <p:txBody>
-          <a:bodyPr/>
-          <a:lstStyle/>
-          <a:p>
-            <a:r>
-              <a:rPr lang="en-CA" dirty="0"/>
-              <a:t>Maybe do an understandability survey (for code) instead of </a:t>
-            </a:r>
-            <a:r>
-              <a:rPr lang="en-CA"/>
-              <a:t>a usability survey</a:t>
-            </a:r>
-          </a:p>
-        </p:txBody>
-      </p:sp>
-      <p:sp>
-        <p:nvSpPr>
-          <p:cNvPr id="4" name="Slide Number Placeholder 3"/>
-          <p:cNvSpPr>
-            <a:spLocks noGrp="1"/>
-          </p:cNvSpPr>
-          <p:nvPr>
-            <p:ph type="sldNum" sz="quarter" idx="5"/>
-          </p:nvPr>
-        </p:nvSpPr>
-        <p:spPr/>
-        <p:txBody>
-          <a:bodyPr/>
-          <a:lstStyle/>
-          <a:p>
-            <a:fld id="{04F82448-C671-4DAB-B542-F04D10043DD5}" type="slidenum">
-              <a:rPr lang="en-CA" smtClean="0"/>
-              <a:t>6</a:t>
-            </a:fld>
-            <a:endParaRPr lang="en-CA"/>
-          </a:p>
-        </p:txBody>
-      </p:sp>
-    </p:spTree>
-    <p:extLst>
-      <p:ext uri="{BB962C8B-B14F-4D97-AF65-F5344CB8AC3E}">
-        <p14:creationId xmlns:p14="http://schemas.microsoft.com/office/powerpoint/2010/main" val="1679729111"/>
-      </p:ext>
-    </p:extLst>
-  </p:cSld>
-  <p:clrMapOvr>
-    <a:masterClrMapping/>
-  </p:clrMapOvr>
-</p:notes>
-</file>
-
 <file path=ppt/slideLayouts/slideLayout1.xml><?xml version="1.0" encoding="utf-8"?>
 <p:sldLayout xmlns:a="http://schemas.openxmlformats.org/drawingml/2006/main" xmlns:r="http://schemas.openxmlformats.org/officeDocument/2006/relationships" xmlns:p="http://schemas.openxmlformats.org/presentationml/2006/main" type="title" preserve="1">
   <p:cSld name="Title Slide">
@@ -3126,7 +3499,7 @@
           <a:p>
             <a:fld id="{D64C250B-3F0E-4970-9318-C9D7D394820E}" type="datetime1">
               <a:rPr lang="en-US" smtClean="0"/>
-              <a:t>4/2/2024</a:t>
+              <a:t>4/4/2024</a:t>
             </a:fld>
             <a:endParaRPr lang="en-US" dirty="0"/>
           </a:p>
@@ -3541,7 +3914,7 @@
           <a:p>
             <a:fld id="{7ED2D475-D7C3-4D53-A451-04FF36E3C7CA}" type="datetime1">
               <a:rPr lang="en-US" smtClean="0"/>
-              <a:t>4/2/2024</a:t>
+              <a:t>4/4/2024</a:t>
             </a:fld>
             <a:endParaRPr lang="en-US"/>
           </a:p>
@@ -4033,7 +4406,7 @@
           <a:p>
             <a:fld id="{B13D53CE-B973-4FCF-BB6D-73B61285C9EE}" type="datetime1">
               <a:rPr lang="en-US" smtClean="0"/>
-              <a:t>4/2/2024</a:t>
+              <a:t>4/4/2024</a:t>
             </a:fld>
             <a:endParaRPr lang="en-US"/>
           </a:p>
@@ -4520,7 +4893,7 @@
           <a:p>
             <a:fld id="{6F168777-EDFC-4AB3-A960-739B6325059F}" type="datetime1">
               <a:rPr lang="en-US" smtClean="0"/>
-              <a:t>4/2/2024</a:t>
+              <a:t>4/4/2024</a:t>
             </a:fld>
             <a:endParaRPr lang="en-US" dirty="0"/>
           </a:p>
@@ -5289,7 +5662,7 @@
           <a:p>
             <a:fld id="{4D320339-89DE-45C9-8EA6-5855C5BC4EC8}" type="datetime1">
               <a:rPr lang="en-US" smtClean="0"/>
-              <a:t>4/2/2024</a:t>
+              <a:t>4/4/2024</a:t>
             </a:fld>
             <a:endParaRPr lang="en-US"/>
           </a:p>
@@ -5771,7 +6144,7 @@
           <a:p>
             <a:fld id="{D97A0DFF-DDA9-437C-A4F4-5DF1C7108CDC}" type="datetime1">
               <a:rPr lang="en-US" smtClean="0"/>
-              <a:t>4/2/2024</a:t>
+              <a:t>4/4/2024</a:t>
             </a:fld>
             <a:endParaRPr lang="en-US"/>
           </a:p>
@@ -6467,7 +6840,7 @@
           <a:p>
             <a:fld id="{673E6A36-CFDC-4F59-94D9-5938EA3FFC22}" type="datetime1">
               <a:rPr lang="en-US" smtClean="0"/>
-              <a:t>4/2/2024</a:t>
+              <a:t>4/4/2024</a:t>
             </a:fld>
             <a:endParaRPr lang="en-US"/>
           </a:p>
@@ -6892,7 +7265,7 @@
           <a:p>
             <a:fld id="{585D03DC-4143-495E-82F1-B947FE3989AD}" type="datetime1">
               <a:rPr lang="en-US" smtClean="0"/>
-              <a:t>4/2/2024</a:t>
+              <a:t>4/4/2024</a:t>
             </a:fld>
             <a:endParaRPr lang="en-US"/>
           </a:p>
@@ -7289,7 +7662,7 @@
           <a:p>
             <a:fld id="{933DFF73-74E1-4718-A7DF-CE04E8339893}" type="datetime1">
               <a:rPr lang="en-US" smtClean="0"/>
-              <a:t>4/2/2024</a:t>
+              <a:t>4/4/2024</a:t>
             </a:fld>
             <a:endParaRPr lang="en-US"/>
           </a:p>
@@ -7884,7 +8257,7 @@
           <a:p>
             <a:fld id="{4EB71C7E-24B9-48A5-BD1A-C92D07E70F00}" type="datetime1">
               <a:rPr lang="en-US" smtClean="0"/>
-              <a:t>4/2/2024</a:t>
+              <a:t>4/4/2024</a:t>
             </a:fld>
             <a:endParaRPr lang="en-US"/>
           </a:p>
@@ -8459,7 +8832,7 @@
           <a:p>
             <a:fld id="{2E0181FF-DCB4-4A8B-8A91-9A9A7438884D}" type="datetime1">
               <a:rPr lang="en-US" smtClean="0"/>
-              <a:t>4/2/2024</a:t>
+              <a:t>4/4/2024</a:t>
             </a:fld>
             <a:endParaRPr lang="en-US"/>
           </a:p>
@@ -8985,7 +9358,7 @@
           <a:p>
             <a:fld id="{69064C32-6B48-4F37-8ABD-2C75CE9DDDEF}" type="datetime1">
               <a:rPr lang="en-US" smtClean="0"/>
-              <a:t>4/2/2024</a:t>
+              <a:t>4/4/2024</a:t>
             </a:fld>
             <a:endParaRPr lang="en-US" dirty="0"/>
           </a:p>
@@ -10088,165 +10461,6 @@
 <file path=ppt/slides/slide2.xml><?xml version="1.0" encoding="utf-8"?>
 <p:sld xmlns:a="http://schemas.openxmlformats.org/drawingml/2006/main" xmlns:r="http://schemas.openxmlformats.org/officeDocument/2006/relationships" xmlns:p="http://schemas.openxmlformats.org/presentationml/2006/main">
   <p:cSld>
-    <p:spTree>
-      <p:nvGrpSpPr>
-        <p:cNvPr id="1" name=""/>
-        <p:cNvGrpSpPr/>
-        <p:nvPr/>
-      </p:nvGrpSpPr>
-      <p:grpSpPr>
-        <a:xfrm>
-          <a:off x="0" y="0"/>
-          <a:ext cx="0" cy="0"/>
-          <a:chOff x="0" y="0"/>
-          <a:chExt cx="0" cy="0"/>
-        </a:xfrm>
-      </p:grpSpPr>
-      <p:sp>
-        <p:nvSpPr>
-          <p:cNvPr id="2" name="Title 1">
-            <a:extLst>
-              <a:ext uri="{FF2B5EF4-FFF2-40B4-BE49-F238E27FC236}">
-                <a16:creationId xmlns:a16="http://schemas.microsoft.com/office/drawing/2014/main" id="{1F0439BD-384E-EAA4-26E3-49539D861DD3}"/>
-              </a:ext>
-            </a:extLst>
-          </p:cNvPr>
-          <p:cNvSpPr>
-            <a:spLocks noGrp="1"/>
-          </p:cNvSpPr>
-          <p:nvPr>
-            <p:ph type="title"/>
-          </p:nvPr>
-        </p:nvSpPr>
-        <p:spPr/>
-        <p:txBody>
-          <a:bodyPr/>
-          <a:lstStyle/>
-          <a:p>
-            <a:r>
-              <a:rPr lang="en-CA" dirty="0"/>
-              <a:t>Quick Recap on Logistic Regression</a:t>
-            </a:r>
-          </a:p>
-        </p:txBody>
-      </p:sp>
-      <p:sp>
-        <p:nvSpPr>
-          <p:cNvPr id="3" name="Content Placeholder 2">
-            <a:extLst>
-              <a:ext uri="{FF2B5EF4-FFF2-40B4-BE49-F238E27FC236}">
-                <a16:creationId xmlns:a16="http://schemas.microsoft.com/office/drawing/2014/main" id="{25F28A45-7E15-FA49-7BD3-D5C897170C2C}"/>
-              </a:ext>
-            </a:extLst>
-          </p:cNvPr>
-          <p:cNvSpPr>
-            <a:spLocks noGrp="1"/>
-          </p:cNvSpPr>
-          <p:nvPr>
-            <p:ph idx="1"/>
-          </p:nvPr>
-        </p:nvSpPr>
-        <p:spPr/>
-        <p:txBody>
-          <a:bodyPr>
-            <a:normAutofit lnSpcReduction="10000"/>
-          </a:bodyPr>
-          <a:lstStyle/>
-          <a:p>
-            <a:r>
-              <a:rPr lang="en-CA" b="1" i="1" dirty="0"/>
-              <a:t>Binary</a:t>
-            </a:r>
-            <a:r>
-              <a:rPr lang="en-CA" i="1" dirty="0"/>
-              <a:t> </a:t>
-            </a:r>
-            <a:r>
-              <a:rPr lang="en-CA" dirty="0"/>
-              <a:t>Classification Algorithm… to implement for entire alphabet 26 different models were generated</a:t>
-            </a:r>
-          </a:p>
-          <a:p>
-            <a:r>
-              <a:rPr lang="en-CA" dirty="0"/>
-              <a:t>Usually used to classify labels with </a:t>
-            </a:r>
-            <a:r>
-              <a:rPr lang="en-CA" b="1" i="1" dirty="0"/>
-              <a:t>10 or less</a:t>
-            </a:r>
-            <a:r>
-              <a:rPr lang="en-CA" dirty="0"/>
-              <a:t> features… some scaling had to be done to make this usable (makes the model a bit more coarse and less accurate)</a:t>
-            </a:r>
-          </a:p>
-          <a:p>
-            <a:r>
-              <a:rPr lang="en-CA" dirty="0"/>
-              <a:t>Very susceptible to overfitting, and must be run over many epoch’s to get any decent results</a:t>
-            </a:r>
-          </a:p>
-          <a:p>
-            <a:r>
-              <a:rPr lang="en-CA" dirty="0"/>
-              <a:t>Fairly easy to implement </a:t>
-            </a:r>
-            <a:r>
-              <a:rPr lang="en-CA"/>
-              <a:t>from scratch and </a:t>
-            </a:r>
-            <a:r>
-              <a:rPr lang="en-CA" dirty="0"/>
-              <a:t>understand from a beginner’s perspective</a:t>
-            </a:r>
-          </a:p>
-        </p:txBody>
-      </p:sp>
-      <p:sp>
-        <p:nvSpPr>
-          <p:cNvPr id="4" name="Slide Number Placeholder 3">
-            <a:extLst>
-              <a:ext uri="{FF2B5EF4-FFF2-40B4-BE49-F238E27FC236}">
-                <a16:creationId xmlns:a16="http://schemas.microsoft.com/office/drawing/2014/main" id="{0B458DDF-830C-608F-30EB-CD3EF5C0D48D}"/>
-              </a:ext>
-            </a:extLst>
-          </p:cNvPr>
-          <p:cNvSpPr>
-            <a:spLocks noGrp="1"/>
-          </p:cNvSpPr>
-          <p:nvPr>
-            <p:ph type="sldNum" sz="quarter" idx="12"/>
-          </p:nvPr>
-        </p:nvSpPr>
-        <p:spPr/>
-        <p:txBody>
-          <a:bodyPr/>
-          <a:lstStyle/>
-          <a:p>
-            <a:fld id="{4854181D-6920-4594-9A5D-6CE56DC9F8B2}" type="slidenum">
-              <a:rPr lang="en-US" smtClean="0"/>
-              <a:t>2</a:t>
-            </a:fld>
-            <a:endParaRPr lang="en-US"/>
-          </a:p>
-        </p:txBody>
-      </p:sp>
-    </p:spTree>
-    <p:extLst>
-      <p:ext uri="{BB962C8B-B14F-4D97-AF65-F5344CB8AC3E}">
-        <p14:creationId xmlns:p14="http://schemas.microsoft.com/office/powerpoint/2010/main" val="2885796907"/>
-      </p:ext>
-    </p:extLst>
-  </p:cSld>
-  <p:clrMapOvr>
-    <a:masterClrMapping/>
-  </p:clrMapOvr>
-</p:sld>
-</file>
-
-<file path=ppt/slides/slide3.xml><?xml version="1.0" encoding="utf-8"?>
-<p:sld xmlns:a="http://schemas.openxmlformats.org/drawingml/2006/main" xmlns:r="http://schemas.openxmlformats.org/officeDocument/2006/relationships" xmlns:p="http://schemas.openxmlformats.org/presentationml/2006/main">
-  <p:cSld>
     <p:bg>
       <p:bgPr>
         <a:solidFill>
@@ -10271,10 +10485,10 @@
       </p:grpSpPr>
       <p:sp>
         <p:nvSpPr>
-          <p:cNvPr id="9" name="Freeform: Shape 8">
+          <p:cNvPr id="11" name="Freeform: Shape 10">
             <a:extLst>
               <a:ext uri="{FF2B5EF4-FFF2-40B4-BE49-F238E27FC236}">
-                <a16:creationId xmlns:a16="http://schemas.microsoft.com/office/drawing/2014/main" id="{23DA7759-3209-4FE2-96D1-4EEDD81E9EA0}"/>
+                <a16:creationId xmlns:a16="http://schemas.microsoft.com/office/drawing/2014/main" id="{8A7BA06D-B3FF-4E91-8639-B4569AE3AA23}"/>
               </a:ext>
               <a:ext uri="{C183D7F6-B498-43B3-948B-1728B52AA6E4}">
                 <adec:decorative xmlns:adec="http://schemas.microsoft.com/office/drawing/2017/decorative" val="1"/>
@@ -10294,8 +10508,8 @@
         </p:nvSpPr>
         <p:spPr>
           <a:xfrm>
-            <a:off x="10494433" y="2"/>
-            <a:ext cx="849328" cy="357668"/>
+            <a:off x="10208695" y="1"/>
+            <a:ext cx="1135066" cy="477997"/>
           </a:xfrm>
           <a:custGeom>
             <a:avLst/>
@@ -10393,10 +10607,10 @@
       </p:sp>
       <p:sp>
         <p:nvSpPr>
-          <p:cNvPr id="11" name="Freeform: Shape 10">
+          <p:cNvPr id="13" name="Arc 12">
             <a:extLst>
               <a:ext uri="{FF2B5EF4-FFF2-40B4-BE49-F238E27FC236}">
-                <a16:creationId xmlns:a16="http://schemas.microsoft.com/office/drawing/2014/main" id="{41460DAD-8769-4C9F-9C8C-BB0443909D76}"/>
+                <a16:creationId xmlns:a16="http://schemas.microsoft.com/office/drawing/2014/main" id="{2B30C86D-5A07-48BC-9C9D-6F9A2DB1E9E1}"/>
               </a:ext>
               <a:ext uri="{C183D7F6-B498-43B3-948B-1728B52AA6E4}">
                 <adec:decorative xmlns:adec="http://schemas.microsoft.com/office/drawing/2017/decorative" val="1"/>
@@ -10415,169 +10629,39 @@
           </p:nvPr>
         </p:nvSpPr>
         <p:spPr>
-          <a:xfrm flipH="1">
-            <a:off x="123536" y="5717905"/>
-            <a:ext cx="1771609" cy="1140095"/>
+          <a:xfrm rot="10800000" flipV="1">
+            <a:off x="555710" y="1064829"/>
+            <a:ext cx="4083433" cy="4083433"/>
           </a:xfrm>
-          <a:custGeom>
+          <a:prstGeom prst="arc">
             <a:avLst/>
-            <a:gdLst/>
-            <a:ahLst/>
-            <a:cxnLst/>
-            <a:rect l="l" t="t" r="r" b="b"/>
-            <a:pathLst>
-              <a:path w="1771609" h="1140095">
-                <a:moveTo>
-                  <a:pt x="1561721" y="763041"/>
-                </a:moveTo>
-                <a:cubicBezTo>
-                  <a:pt x="1585506" y="760324"/>
-                  <a:pt x="1609722" y="771249"/>
-                  <a:pt x="1623024" y="792810"/>
-                </a:cubicBezTo>
-                <a:cubicBezTo>
-                  <a:pt x="1656300" y="850065"/>
-                  <a:pt x="1685920" y="909291"/>
-                  <a:pt x="1711735" y="970132"/>
-                </a:cubicBezTo>
-                <a:lnTo>
-                  <a:pt x="1771609" y="1140095"/>
-                </a:lnTo>
-                <a:lnTo>
-                  <a:pt x="1637225" y="1140095"/>
-                </a:lnTo>
-                <a:lnTo>
-                  <a:pt x="1594820" y="1019711"/>
-                </a:lnTo>
-                <a:cubicBezTo>
-                  <a:pt x="1571072" y="963753"/>
-                  <a:pt x="1543818" y="909282"/>
-                  <a:pt x="1513200" y="856627"/>
-                </a:cubicBezTo>
-                <a:cubicBezTo>
-                  <a:pt x="1496379" y="825834"/>
-                  <a:pt x="1507704" y="787236"/>
-                  <a:pt x="1538499" y="770415"/>
-                </a:cubicBezTo>
-                <a:cubicBezTo>
-                  <a:pt x="1545912" y="766367"/>
-                  <a:pt x="1553792" y="763946"/>
-                  <a:pt x="1561721" y="763041"/>
-                </a:cubicBezTo>
-                <a:close/>
-                <a:moveTo>
-                  <a:pt x="933455" y="161309"/>
-                </a:moveTo>
-                <a:cubicBezTo>
-                  <a:pt x="941693" y="161855"/>
-                  <a:pt x="949959" y="164025"/>
-                  <a:pt x="957797" y="167970"/>
-                </a:cubicBezTo>
-                <a:cubicBezTo>
-                  <a:pt x="1076184" y="227289"/>
-                  <a:pt x="1186759" y="301068"/>
-                  <a:pt x="1286982" y="387616"/>
-                </a:cubicBezTo>
-                <a:cubicBezTo>
-                  <a:pt x="1313547" y="410457"/>
-                  <a:pt x="1316566" y="450510"/>
-                  <a:pt x="1293725" y="477075"/>
-                </a:cubicBezTo>
-                <a:cubicBezTo>
-                  <a:pt x="1281638" y="491137"/>
-                  <a:pt x="1263998" y="499204"/>
-                  <a:pt x="1245453" y="499154"/>
-                </a:cubicBezTo>
-                <a:lnTo>
-                  <a:pt x="1245167" y="499154"/>
-                </a:lnTo>
-                <a:cubicBezTo>
-                  <a:pt x="1229965" y="499301"/>
-                  <a:pt x="1215220" y="493956"/>
-                  <a:pt x="1203638" y="484104"/>
-                </a:cubicBezTo>
-                <a:cubicBezTo>
-                  <a:pt x="1111407" y="404300"/>
-                  <a:pt x="1009633" y="336248"/>
-                  <a:pt x="900647" y="281508"/>
-                </a:cubicBezTo>
-                <a:cubicBezTo>
-                  <a:pt x="869295" y="265726"/>
-                  <a:pt x="856672" y="227516"/>
-                  <a:pt x="872454" y="196164"/>
-                </a:cubicBezTo>
-                <a:cubicBezTo>
-                  <a:pt x="884290" y="172650"/>
-                  <a:pt x="908742" y="159670"/>
-                  <a:pt x="933455" y="161309"/>
-                </a:cubicBezTo>
-                <a:close/>
-                <a:moveTo>
-                  <a:pt x="256260" y="29"/>
-                </a:moveTo>
-                <a:cubicBezTo>
-                  <a:pt x="322331" y="427"/>
-                  <a:pt x="388378" y="4909"/>
-                  <a:pt x="454020" y="13474"/>
-                </a:cubicBezTo>
-                <a:cubicBezTo>
-                  <a:pt x="488793" y="17752"/>
-                  <a:pt x="513514" y="49409"/>
-                  <a:pt x="509236" y="84182"/>
-                </a:cubicBezTo>
-                <a:cubicBezTo>
-                  <a:pt x="505303" y="116151"/>
-                  <a:pt x="478038" y="140098"/>
-                  <a:pt x="445829" y="139871"/>
-                </a:cubicBezTo>
-                <a:cubicBezTo>
-                  <a:pt x="443027" y="139899"/>
-                  <a:pt x="440227" y="139740"/>
-                  <a:pt x="437447" y="139395"/>
-                </a:cubicBezTo>
-                <a:cubicBezTo>
-                  <a:pt x="316592" y="123615"/>
-                  <a:pt x="194247" y="122878"/>
-                  <a:pt x="73211" y="137204"/>
-                </a:cubicBezTo>
-                <a:cubicBezTo>
-                  <a:pt x="38532" y="142545"/>
-                  <a:pt x="6090" y="118762"/>
-                  <a:pt x="749" y="84082"/>
-                </a:cubicBezTo>
-                <a:cubicBezTo>
-                  <a:pt x="-4591" y="49403"/>
-                  <a:pt x="19192" y="16961"/>
-                  <a:pt x="53871" y="11621"/>
-                </a:cubicBezTo>
-                <a:cubicBezTo>
-                  <a:pt x="55358" y="11392"/>
-                  <a:pt x="56852" y="11216"/>
-                  <a:pt x="58352" y="11093"/>
-                </a:cubicBezTo>
-                <a:cubicBezTo>
-                  <a:pt x="124093" y="3319"/>
-                  <a:pt x="190189" y="-369"/>
-                  <a:pt x="256260" y="29"/>
-                </a:cubicBezTo>
-                <a:close/>
-              </a:path>
-            </a:pathLst>
-          </a:custGeom>
-          <a:solidFill>
-            <a:schemeClr val="accent4"/>
-          </a:solidFill>
-          <a:ln w="9525" cap="flat">
-            <a:noFill/>
-            <a:prstDash val="solid"/>
-            <a:miter/>
+          </a:prstGeom>
+          <a:ln w="127000" cap="rnd">
+            <a:solidFill>
+              <a:schemeClr val="accent4"/>
+            </a:solidFill>
+            <a:prstDash val="dash"/>
           </a:ln>
         </p:spPr>
+        <p:style>
+          <a:lnRef idx="1">
+            <a:schemeClr val="accent1"/>
+          </a:lnRef>
+          <a:fillRef idx="0">
+            <a:schemeClr val="accent1"/>
+          </a:fillRef>
+          <a:effectRef idx="0">
+            <a:schemeClr val="accent1"/>
+          </a:effectRef>
+          <a:fontRef idx="minor">
+            <a:schemeClr val="tx1"/>
+          </a:fontRef>
+        </p:style>
         <p:txBody>
           <a:bodyPr rtlCol="0" anchor="ctr"/>
           <a:lstStyle/>
           <a:p>
-            <a:pPr marL="0" marR="0" lvl="0" indent="0" algn="l" defTabSz="914400" rtl="0" eaLnBrk="1" fontAlgn="auto" latinLnBrk="0" hangingPunct="1">
+            <a:pPr marL="0" marR="0" lvl="0" indent="0" algn="ctr" defTabSz="914400" rtl="0" eaLnBrk="1" fontAlgn="auto" latinLnBrk="0" hangingPunct="1">
               <a:lnSpc>
                 <a:spcPct val="100000"/>
               </a:lnSpc>
@@ -10594,7 +10678,7 @@
               <a:tabLst/>
               <a:defRPr/>
             </a:pPr>
-            <a:endParaRPr kumimoji="0" lang="en-US" sz="1800" b="0" i="0" u="none" strike="noStrike" kern="1200" cap="none" spc="0" normalizeH="0" baseline="0" noProof="0">
+            <a:endParaRPr kumimoji="0" lang="en-US" sz="1800" b="0" i="0" u="none" strike="noStrike" kern="1200" cap="none" spc="0" normalizeH="0" baseline="0" noProof="0" dirty="0">
               <a:ln>
                 <a:noFill/>
               </a:ln>
@@ -10611,12 +10695,12 @@
           </a:p>
         </p:txBody>
       </p:sp>
-      <p:sp>
+      <p:sp useBgFill="1">
         <p:nvSpPr>
-          <p:cNvPr id="13" name="Rectangle 12">
+          <p:cNvPr id="15" name="Rectangle 14">
             <a:extLst>
               <a:ext uri="{FF2B5EF4-FFF2-40B4-BE49-F238E27FC236}">
-                <a16:creationId xmlns:a16="http://schemas.microsoft.com/office/drawing/2014/main" id="{AE2B703B-46F9-481A-A605-82E2A828C4FA}"/>
+                <a16:creationId xmlns:a16="http://schemas.microsoft.com/office/drawing/2014/main" id="{8930EBA3-4D2E-42E8-B828-834555328D85}"/>
               </a:ext>
               <a:ext uri="{C183D7F6-B498-43B3-948B-1728B52AA6E4}">
                 <adec:decorative xmlns:adec="http://schemas.microsoft.com/office/drawing/2017/decorative" val="1"/>
@@ -10634,7 +10718,7 @@
             </p:extLst>
           </p:nvPr>
         </p:nvSpPr>
-        <p:spPr>
+        <p:spPr bwMode="white">
           <a:xfrm>
             <a:off x="0" y="0"/>
             <a:ext cx="12192000" cy="6858000"/>
@@ -10642,9 +10726,6 @@
           <a:prstGeom prst="rect">
             <a:avLst/>
           </a:prstGeom>
-          <a:solidFill>
-            <a:schemeClr val="accent2"/>
-          </a:solidFill>
           <a:ln>
             <a:noFill/>
           </a:ln>
@@ -10667,7 +10748,101 @@
         </p:style>
         <p:txBody>
           <a:bodyPr rtlCol="0" anchor="ctr"/>
-          <a:lstStyle/>
+          <a:lstStyle>
+            <a:defPPr>
+              <a:defRPr lang="en-US"/>
+            </a:defPPr>
+            <a:lvl1pPr marL="0" algn="l" defTabSz="914400" rtl="0" eaLnBrk="1" latinLnBrk="0" hangingPunct="1">
+              <a:defRPr sz="1800" kern="1200">
+                <a:solidFill>
+                  <a:schemeClr val="lt1"/>
+                </a:solidFill>
+                <a:latin typeface="+mn-lt"/>
+                <a:ea typeface="+mn-ea"/>
+                <a:cs typeface="+mn-cs"/>
+              </a:defRPr>
+            </a:lvl1pPr>
+            <a:lvl2pPr marL="457200" algn="l" defTabSz="914400" rtl="0" eaLnBrk="1" latinLnBrk="0" hangingPunct="1">
+              <a:defRPr sz="1800" kern="1200">
+                <a:solidFill>
+                  <a:schemeClr val="lt1"/>
+                </a:solidFill>
+                <a:latin typeface="+mn-lt"/>
+                <a:ea typeface="+mn-ea"/>
+                <a:cs typeface="+mn-cs"/>
+              </a:defRPr>
+            </a:lvl2pPr>
+            <a:lvl3pPr marL="914400" algn="l" defTabSz="914400" rtl="0" eaLnBrk="1" latinLnBrk="0" hangingPunct="1">
+              <a:defRPr sz="1800" kern="1200">
+                <a:solidFill>
+                  <a:schemeClr val="lt1"/>
+                </a:solidFill>
+                <a:latin typeface="+mn-lt"/>
+                <a:ea typeface="+mn-ea"/>
+                <a:cs typeface="+mn-cs"/>
+              </a:defRPr>
+            </a:lvl3pPr>
+            <a:lvl4pPr marL="1371600" algn="l" defTabSz="914400" rtl="0" eaLnBrk="1" latinLnBrk="0" hangingPunct="1">
+              <a:defRPr sz="1800" kern="1200">
+                <a:solidFill>
+                  <a:schemeClr val="lt1"/>
+                </a:solidFill>
+                <a:latin typeface="+mn-lt"/>
+                <a:ea typeface="+mn-ea"/>
+                <a:cs typeface="+mn-cs"/>
+              </a:defRPr>
+            </a:lvl4pPr>
+            <a:lvl5pPr marL="1828800" algn="l" defTabSz="914400" rtl="0" eaLnBrk="1" latinLnBrk="0" hangingPunct="1">
+              <a:defRPr sz="1800" kern="1200">
+                <a:solidFill>
+                  <a:schemeClr val="lt1"/>
+                </a:solidFill>
+                <a:latin typeface="+mn-lt"/>
+                <a:ea typeface="+mn-ea"/>
+                <a:cs typeface="+mn-cs"/>
+              </a:defRPr>
+            </a:lvl5pPr>
+            <a:lvl6pPr marL="2286000" algn="l" defTabSz="914400" rtl="0" eaLnBrk="1" latinLnBrk="0" hangingPunct="1">
+              <a:defRPr sz="1800" kern="1200">
+                <a:solidFill>
+                  <a:schemeClr val="lt1"/>
+                </a:solidFill>
+                <a:latin typeface="+mn-lt"/>
+                <a:ea typeface="+mn-ea"/>
+                <a:cs typeface="+mn-cs"/>
+              </a:defRPr>
+            </a:lvl6pPr>
+            <a:lvl7pPr marL="2743200" algn="l" defTabSz="914400" rtl="0" eaLnBrk="1" latinLnBrk="0" hangingPunct="1">
+              <a:defRPr sz="1800" kern="1200">
+                <a:solidFill>
+                  <a:schemeClr val="lt1"/>
+                </a:solidFill>
+                <a:latin typeface="+mn-lt"/>
+                <a:ea typeface="+mn-ea"/>
+                <a:cs typeface="+mn-cs"/>
+              </a:defRPr>
+            </a:lvl7pPr>
+            <a:lvl8pPr marL="3200400" algn="l" defTabSz="914400" rtl="0" eaLnBrk="1" latinLnBrk="0" hangingPunct="1">
+              <a:defRPr sz="1800" kern="1200">
+                <a:solidFill>
+                  <a:schemeClr val="lt1"/>
+                </a:solidFill>
+                <a:latin typeface="+mn-lt"/>
+                <a:ea typeface="+mn-ea"/>
+                <a:cs typeface="+mn-cs"/>
+              </a:defRPr>
+            </a:lvl8pPr>
+            <a:lvl9pPr marL="3657600" algn="l" defTabSz="914400" rtl="0" eaLnBrk="1" latinLnBrk="0" hangingPunct="1">
+              <a:defRPr sz="1800" kern="1200">
+                <a:solidFill>
+                  <a:schemeClr val="lt1"/>
+                </a:solidFill>
+                <a:latin typeface="+mn-lt"/>
+                <a:ea typeface="+mn-ea"/>
+                <a:cs typeface="+mn-cs"/>
+              </a:defRPr>
+            </a:lvl9pPr>
+          </a:lstStyle>
           <a:p>
             <a:pPr marL="0" marR="0" lvl="0" indent="0" algn="ctr" defTabSz="914400" rtl="0" eaLnBrk="1" fontAlgn="auto" latinLnBrk="0" hangingPunct="1">
               <a:lnSpc>
@@ -10705,53 +10880,10 @@
       </p:sp>
       <p:sp>
         <p:nvSpPr>
-          <p:cNvPr id="2" name="Title 1">
+          <p:cNvPr id="17" name="Arc 16">
             <a:extLst>
               <a:ext uri="{FF2B5EF4-FFF2-40B4-BE49-F238E27FC236}">
-                <a16:creationId xmlns:a16="http://schemas.microsoft.com/office/drawing/2014/main" id="{7D2F6F69-BD97-22EF-CF32-EB1A205B215C}"/>
-              </a:ext>
-            </a:extLst>
-          </p:cNvPr>
-          <p:cNvSpPr>
-            <a:spLocks noGrp="1"/>
-          </p:cNvSpPr>
-          <p:nvPr>
-            <p:ph type="title"/>
-          </p:nvPr>
-        </p:nvSpPr>
-        <p:spPr>
-          <a:xfrm>
-            <a:off x="838200" y="459863"/>
-            <a:ext cx="10515600" cy="1004594"/>
-          </a:xfrm>
-        </p:spPr>
-        <p:txBody>
-          <a:bodyPr vert="horz" lIns="91440" tIns="45720" rIns="91440" bIns="45720" rtlCol="0" anchor="ctr">
-            <a:normAutofit/>
-          </a:bodyPr>
-          <a:lstStyle/>
-          <a:p>
-            <a:pPr algn="ctr"/>
-            <a:r>
-              <a:rPr lang="en-US" sz="4400" kern="1200" dirty="0">
-                <a:solidFill>
-                  <a:srgbClr val="FFFFFF"/>
-                </a:solidFill>
-                <a:latin typeface="+mj-lt"/>
-                <a:ea typeface="+mj-ea"/>
-                <a:cs typeface="+mj-cs"/>
-              </a:rPr>
-              <a:t>Tests Vs. Oracle</a:t>
-            </a:r>
-          </a:p>
-        </p:txBody>
-      </p:sp>
-      <p:sp>
-        <p:nvSpPr>
-          <p:cNvPr id="15" name="Rectangle: Rounded Corners 14">
-            <a:extLst>
-              <a:ext uri="{FF2B5EF4-FFF2-40B4-BE49-F238E27FC236}">
-                <a16:creationId xmlns:a16="http://schemas.microsoft.com/office/drawing/2014/main" id="{F13BE4D7-0C3D-4906-B230-A1C5B4665CCF}"/>
+                <a16:creationId xmlns:a16="http://schemas.microsoft.com/office/drawing/2014/main" id="{E58B2195-5055-402F-A3E7-53FF0E4980C3}"/>
               </a:ext>
               <a:ext uri="{C183D7F6-B498-43B3-948B-1728B52AA6E4}">
                 <adec:decorative xmlns:adec="http://schemas.microsoft.com/office/drawing/2017/decorative" val="1"/>
@@ -10771,18 +10903,224 @@
         </p:nvSpPr>
         <p:spPr>
           <a:xfrm>
-            <a:off x="579496" y="1587970"/>
-            <a:ext cx="11033008" cy="4768380"/>
+            <a:off x="8525836" y="775849"/>
+            <a:ext cx="2987899" cy="2987899"/>
           </a:xfrm>
-          <a:prstGeom prst="roundRect">
+          <a:prstGeom prst="arc">
             <a:avLst>
-              <a:gd name="adj" fmla="val 3174"/>
+              <a:gd name="adj1" fmla="val 14441841"/>
+              <a:gd name="adj2" fmla="val 0"/>
             </a:avLst>
           </a:prstGeom>
+          <a:ln w="127000" cap="rnd">
+            <a:solidFill>
+              <a:schemeClr val="accent4"/>
+            </a:solidFill>
+            <a:prstDash val="dash"/>
+            <a:miter lim="800000"/>
+          </a:ln>
+        </p:spPr>
+        <p:style>
+          <a:lnRef idx="1">
+            <a:schemeClr val="accent1"/>
+          </a:lnRef>
+          <a:fillRef idx="0">
+            <a:schemeClr val="accent1"/>
+          </a:fillRef>
+          <a:effectRef idx="0">
+            <a:schemeClr val="accent1"/>
+          </a:effectRef>
+          <a:fontRef idx="minor">
+            <a:schemeClr val="tx1"/>
+          </a:fontRef>
+        </p:style>
+        <p:txBody>
+          <a:bodyPr rtlCol="0" anchor="ctr"/>
+          <a:lstStyle/>
+          <a:p>
+            <a:pPr marL="0" marR="0" lvl="0" indent="0" algn="ctr" defTabSz="914400" rtl="0" eaLnBrk="1" fontAlgn="auto" latinLnBrk="0" hangingPunct="1">
+              <a:lnSpc>
+                <a:spcPct val="100000"/>
+              </a:lnSpc>
+              <a:spcBef>
+                <a:spcPts val="0"/>
+              </a:spcBef>
+              <a:spcAft>
+                <a:spcPts val="0"/>
+              </a:spcAft>
+              <a:buClrTx/>
+              <a:buSzTx/>
+              <a:buFontTx/>
+              <a:buNone/>
+              <a:tabLst/>
+              <a:defRPr/>
+            </a:pPr>
+            <a:endParaRPr kumimoji="0" lang="en-US" sz="1800" b="0" i="0" u="none" strike="noStrike" kern="1200" cap="none" spc="0" normalizeH="0" baseline="0" noProof="0">
+              <a:ln>
+                <a:noFill/>
+              </a:ln>
+              <a:solidFill>
+                <a:srgbClr val="000000"/>
+              </a:solidFill>
+              <a:effectLst/>
+              <a:uLnTx/>
+              <a:uFillTx/>
+              <a:latin typeface="Calibri" panose="020F0502020204030204"/>
+              <a:ea typeface="+mn-ea"/>
+              <a:cs typeface="+mn-cs"/>
+            </a:endParaRPr>
+          </a:p>
+        </p:txBody>
+      </p:sp>
+      <p:sp>
+        <p:nvSpPr>
+          <p:cNvPr id="2" name="Title 1">
+            <a:extLst>
+              <a:ext uri="{FF2B5EF4-FFF2-40B4-BE49-F238E27FC236}">
+                <a16:creationId xmlns:a16="http://schemas.microsoft.com/office/drawing/2014/main" id="{A77841D0-246D-FDD8-EAC2-83989DE800DB}"/>
+              </a:ext>
+            </a:extLst>
+          </p:cNvPr>
+          <p:cNvSpPr>
+            <a:spLocks noGrp="1"/>
+          </p:cNvSpPr>
+          <p:nvPr>
+            <p:ph type="title"/>
+          </p:nvPr>
+        </p:nvSpPr>
+        <p:spPr>
+          <a:xfrm>
+            <a:off x="6417732" y="957715"/>
+            <a:ext cx="5130798" cy="2750419"/>
+          </a:xfrm>
+        </p:spPr>
+        <p:txBody>
+          <a:bodyPr vert="horz" lIns="91440" tIns="45720" rIns="91440" bIns="45720" rtlCol="0" anchor="b">
+            <a:normAutofit/>
+          </a:bodyPr>
+          <a:lstStyle/>
+          <a:p>
+            <a:pPr algn="ctr"/>
+            <a:r>
+              <a:rPr lang="en-US" kern="1200" dirty="0">
+                <a:solidFill>
+                  <a:schemeClr val="tx1"/>
+                </a:solidFill>
+                <a:latin typeface="+mj-lt"/>
+                <a:ea typeface="+mj-ea"/>
+                <a:cs typeface="+mj-cs"/>
+              </a:rPr>
+              <a:t>DEMO</a:t>
+            </a:r>
+          </a:p>
+        </p:txBody>
+      </p:sp>
+      <p:pic>
+        <p:nvPicPr>
+          <p:cNvPr id="8" name="Graphic 7" descr="Play">
+            <a:extLst>
+              <a:ext uri="{FF2B5EF4-FFF2-40B4-BE49-F238E27FC236}">
+                <a16:creationId xmlns:a16="http://schemas.microsoft.com/office/drawing/2014/main" id="{D8780E9C-844C-58C2-88AB-F43D1A7EEA1F}"/>
+              </a:ext>
+            </a:extLst>
+          </p:cNvPr>
+          <p:cNvPicPr>
+            <a:picLocks noChangeAspect="1"/>
+          </p:cNvPicPr>
+          <p:nvPr/>
+        </p:nvPicPr>
+        <p:blipFill>
+          <a:blip r:embed="rId2">
+            <a:extLst>
+              <a:ext uri="{28A0092B-C50C-407E-A947-70E740481C1C}">
+                <a14:useLocalDpi xmlns:a14="http://schemas.microsoft.com/office/drawing/2010/main" val="0"/>
+              </a:ext>
+              <a:ext uri="{96DAC541-7B7A-43D3-8B79-37D633B846F1}">
+                <asvg:svgBlip xmlns:asvg="http://schemas.microsoft.com/office/drawing/2016/SVG/main" r:embed="rId3"/>
+              </a:ext>
+            </a:extLst>
+          </a:blip>
+          <a:stretch>
+            <a:fillRect/>
+          </a:stretch>
+        </p:blipFill>
+        <p:spPr>
+          <a:xfrm>
+            <a:off x="0" y="503808"/>
+            <a:ext cx="5850384" cy="5850384"/>
+          </a:xfrm>
+          <a:custGeom>
+            <a:avLst/>
+            <a:gdLst/>
+            <a:ahLst/>
+            <a:cxnLst/>
+            <a:rect l="l" t="t" r="r" b="b"/>
+            <a:pathLst>
+              <a:path w="6094252" h="6857998">
+                <a:moveTo>
+                  <a:pt x="0" y="0"/>
+                </a:moveTo>
+                <a:lnTo>
+                  <a:pt x="5898122" y="0"/>
+                </a:lnTo>
+                <a:cubicBezTo>
+                  <a:pt x="6006442" y="0"/>
+                  <a:pt x="6094252" y="87810"/>
+                  <a:pt x="6094252" y="196130"/>
+                </a:cubicBezTo>
+                <a:lnTo>
+                  <a:pt x="6094252" y="6661869"/>
+                </a:lnTo>
+                <a:cubicBezTo>
+                  <a:pt x="6094252" y="6756649"/>
+                  <a:pt x="6027023" y="6835726"/>
+                  <a:pt x="5937649" y="6854015"/>
+                </a:cubicBezTo>
+                <a:lnTo>
+                  <a:pt x="5898132" y="6857998"/>
+                </a:lnTo>
+                <a:lnTo>
+                  <a:pt x="0" y="6857998"/>
+                </a:lnTo>
+                <a:close/>
+              </a:path>
+            </a:pathLst>
+          </a:custGeom>
+        </p:spPr>
+      </p:pic>
+      <p:sp>
+        <p:nvSpPr>
+          <p:cNvPr id="19" name="Oval 18">
+            <a:extLst>
+              <a:ext uri="{FF2B5EF4-FFF2-40B4-BE49-F238E27FC236}">
+                <a16:creationId xmlns:a16="http://schemas.microsoft.com/office/drawing/2014/main" id="{528AA953-F4F9-4DC5-97C7-491F4AF937DC}"/>
+              </a:ext>
+              <a:ext uri="{C183D7F6-B498-43B3-948B-1728B52AA6E4}">
+                <adec:decorative xmlns:adec="http://schemas.microsoft.com/office/drawing/2017/decorative" val="1"/>
+              </a:ext>
+            </a:extLst>
+          </p:cNvPr>
+          <p:cNvSpPr>
+            <a:spLocks noGrp="1" noRot="1" noChangeAspect="1" noMove="1" noResize="1" noEditPoints="1" noAdjustHandles="1" noChangeArrowheads="1" noChangeShapeType="1" noTextEdit="1"/>
+          </p:cNvSpPr>
+          <p:nvPr>
+            <p:extLst>
+              <p:ext uri="{386F3935-93C4-4BCD-93E2-E3B085C9AB24}">
+                <p16:designElem xmlns:p16="http://schemas.microsoft.com/office/powerpoint/2015/main" val="1"/>
+              </p:ext>
+            </p:extLst>
+          </p:nvPr>
+        </p:nvSpPr>
+        <p:spPr>
+          <a:xfrm>
+            <a:off x="11097079" y="5607717"/>
+            <a:ext cx="513442" cy="499514"/>
+          </a:xfrm>
+          <a:prstGeom prst="ellipse">
+            <a:avLst/>
+          </a:prstGeom>
           <a:solidFill>
-            <a:schemeClr val="bg1">
-              <a:alpha val="95000"/>
-            </a:schemeClr>
+            <a:schemeClr val="accent5"/>
           </a:solidFill>
           <a:ln>
             <a:noFill/>
@@ -10830,7 +11168,7 @@
                 <a:noFill/>
               </a:ln>
               <a:solidFill>
-                <a:prstClr val="white"/>
+                <a:srgbClr val="FFFFFF"/>
               </a:solidFill>
               <a:effectLst/>
               <a:uLnTx/>
@@ -10844,222 +11182,66 @@
       </p:sp>
       <p:sp>
         <p:nvSpPr>
-          <p:cNvPr id="5" name="Content Placeholder 4">
+          <p:cNvPr id="4" name="Slide Number Placeholder 3">
             <a:extLst>
               <a:ext uri="{FF2B5EF4-FFF2-40B4-BE49-F238E27FC236}">
-                <a16:creationId xmlns:a16="http://schemas.microsoft.com/office/drawing/2014/main" id="{41E1FD98-1355-602D-D947-A0A416250664}"/>
+                <a16:creationId xmlns:a16="http://schemas.microsoft.com/office/drawing/2014/main" id="{3D2FF18D-F87A-B6FD-1AFE-674929E71492}"/>
               </a:ext>
             </a:extLst>
           </p:cNvPr>
           <p:cNvSpPr>
-            <a:spLocks/>
+            <a:spLocks noGrp="1"/>
           </p:cNvSpPr>
-          <p:nvPr/>
+          <p:nvPr>
+            <p:ph type="sldNum" sz="quarter" idx="12"/>
+          </p:nvPr>
         </p:nvSpPr>
         <p:spPr>
           <a:xfrm>
-            <a:off x="5966648" y="2179215"/>
-            <a:ext cx="5181600" cy="4351338"/>
+            <a:off x="10630722" y="6356350"/>
+            <a:ext cx="917808" cy="365125"/>
           </a:xfrm>
-          <a:prstGeom prst="rect">
-            <a:avLst/>
-          </a:prstGeom>
         </p:spPr>
         <p:txBody>
-          <a:bodyPr/>
+          <a:bodyPr vert="horz" lIns="91440" tIns="45720" rIns="91440" bIns="45720" rtlCol="0" anchor="ctr">
+            <a:normAutofit/>
+          </a:bodyPr>
           <a:lstStyle/>
           <a:p>
-            <a:pPr marL="342900" indent="-342900">
-              <a:buFont typeface="Arial" panose="020B0604020202020204" pitchFamily="34" charset="0"/>
-              <a:buChar char="•"/>
-            </a:pPr>
-            <a:r>
-              <a:rPr lang="en-CA" sz="2200" dirty="0"/>
-              <a:t>Testing each of the labels with different pixel sizes/colours as the input image.</a:t>
-            </a:r>
-          </a:p>
-          <a:p>
-            <a:pPr marL="342900" indent="-342900">
-              <a:buFont typeface="Arial" panose="020B0604020202020204" pitchFamily="34" charset="0"/>
-              <a:buChar char="•"/>
-            </a:pPr>
-            <a:r>
-              <a:rPr lang="en-CA" sz="2200" dirty="0"/>
-              <a:t>Testing input images with no characters, multiple characters etc.</a:t>
-            </a:r>
-          </a:p>
-          <a:p>
-            <a:pPr marL="342900" indent="-342900">
-              <a:buFont typeface="Arial" panose="020B0604020202020204" pitchFamily="34" charset="0"/>
-              <a:buChar char="•"/>
-            </a:pPr>
-            <a:r>
-              <a:rPr lang="en-CA" sz="2200" dirty="0"/>
-              <a:t>Testing inputs of different file types (supported and unsupported)</a:t>
-            </a:r>
-          </a:p>
-          <a:p>
-            <a:pPr marL="342900" indent="-342900">
-              <a:buFont typeface="Arial" panose="020B0604020202020204" pitchFamily="34" charset="0"/>
-              <a:buChar char="•"/>
-            </a:pPr>
-            <a:r>
-              <a:rPr lang="en-CA" sz="2200" dirty="0"/>
-              <a:t>Testing skewed orientation inputs?</a:t>
-            </a:r>
-          </a:p>
-          <a:p>
-            <a:pPr marL="342900" indent="-342900">
-              <a:buFont typeface="Arial" panose="020B0604020202020204" pitchFamily="34" charset="0"/>
-              <a:buChar char="•"/>
-            </a:pPr>
-            <a:r>
-              <a:rPr lang="en-CA" sz="2200" dirty="0"/>
-              <a:t>For confidence probability, creating a confusion matrix for the model.</a:t>
-            </a:r>
-          </a:p>
-        </p:txBody>
-      </p:sp>
-      <p:sp>
-        <p:nvSpPr>
-          <p:cNvPr id="4" name="Slide Number Placeholder 3">
-            <a:extLst>
-              <a:ext uri="{FF2B5EF4-FFF2-40B4-BE49-F238E27FC236}">
-                <a16:creationId xmlns:a16="http://schemas.microsoft.com/office/drawing/2014/main" id="{3F70354C-224E-1AAB-3BB6-4F2536217202}"/>
-              </a:ext>
-            </a:extLst>
-          </p:cNvPr>
-          <p:cNvSpPr>
-            <a:spLocks/>
-          </p:cNvSpPr>
-          <p:nvPr/>
-        </p:nvSpPr>
-        <p:spPr>
-          <a:xfrm>
-            <a:off x="11231375" y="6516424"/>
-            <a:ext cx="2168322" cy="288608"/>
-          </a:xfrm>
-          <a:prstGeom prst="rect">
-            <a:avLst/>
-          </a:prstGeom>
-        </p:spPr>
-        <p:txBody>
-          <a:bodyPr/>
-          <a:lstStyle/>
-          <a:p>
-            <a:pPr defTabSz="722376">
+            <a:pPr>
               <a:spcAft>
                 <a:spcPts val="600"/>
               </a:spcAft>
             </a:pPr>
-            <a:r>
-              <a:rPr lang="en-US" sz="1600" kern="1200" dirty="0">
+            <a:fld id="{4854181D-6920-4594-9A5D-6CE56DC9F8B2}" type="slidenum">
+              <a:rPr lang="en-US">
                 <a:solidFill>
-                  <a:schemeClr val="tx1"/>
+                  <a:prstClr val="black">
+                    <a:tint val="75000"/>
+                  </a:prstClr>
                 </a:solidFill>
-                <a:latin typeface="+mn-lt"/>
-                <a:ea typeface="+mn-ea"/>
-                <a:cs typeface="+mn-cs"/>
               </a:rPr>
-              <a:t>Page </a:t>
-            </a:r>
-            <a:fld id="{4854181D-6920-4594-9A5D-6CE56DC9F8B2}" type="slidenum">
-              <a:rPr lang="en-US" sz="1600" kern="1200" smtClean="0">
-                <a:solidFill>
-                  <a:schemeClr val="tx1"/>
-                </a:solidFill>
-                <a:latin typeface="+mn-lt"/>
-                <a:ea typeface="+mn-ea"/>
-                <a:cs typeface="+mn-cs"/>
-              </a:rPr>
-              <a:pPr defTabSz="722376">
+              <a:pPr>
                 <a:spcAft>
                   <a:spcPts val="600"/>
                 </a:spcAft>
               </a:pPr>
-              <a:t>3</a:t>
+              <a:t>2</a:t>
             </a:fld>
-            <a:r>
-              <a:rPr lang="en-US" sz="1600" kern="1200" dirty="0">
-                <a:solidFill>
-                  <a:schemeClr val="tx1"/>
-                </a:solidFill>
-                <a:latin typeface="+mn-lt"/>
-                <a:ea typeface="+mn-ea"/>
-                <a:cs typeface="+mn-cs"/>
-              </a:rPr>
-              <a:t>/7</a:t>
-            </a:r>
-            <a:endParaRPr lang="en-US" sz="1600" dirty="0">
+            <a:endParaRPr lang="en-US">
               <a:solidFill>
-                <a:schemeClr val="tx1"/>
+                <a:prstClr val="black">
+                  <a:tint val="75000"/>
+                </a:prstClr>
               </a:solidFill>
             </a:endParaRPr>
-          </a:p>
-        </p:txBody>
-      </p:sp>
-      <p:sp>
-        <p:nvSpPr>
-          <p:cNvPr id="6" name="Content Placeholder 4">
-            <a:extLst>
-              <a:ext uri="{FF2B5EF4-FFF2-40B4-BE49-F238E27FC236}">
-                <a16:creationId xmlns:a16="http://schemas.microsoft.com/office/drawing/2014/main" id="{D5999C16-C97B-9A28-08F9-2F9749F8199B}"/>
-              </a:ext>
-            </a:extLst>
-          </p:cNvPr>
-          <p:cNvSpPr>
-            <a:spLocks/>
-          </p:cNvSpPr>
-          <p:nvPr/>
-        </p:nvSpPr>
-        <p:spPr>
-          <a:xfrm>
-            <a:off x="785048" y="1656607"/>
-            <a:ext cx="5181600" cy="4351338"/>
-          </a:xfrm>
-          <a:prstGeom prst="rect">
-            <a:avLst/>
-          </a:prstGeom>
-        </p:spPr>
-        <p:txBody>
-          <a:bodyPr/>
-          <a:lstStyle/>
-          <a:p>
-            <a:r>
-              <a:rPr lang="en-CA" sz="2200" dirty="0"/>
-              <a:t>Tests vs. The Oracle (me) will mostly be performed automatically during Continuous Integration.</a:t>
-            </a:r>
-          </a:p>
-          <a:p>
-            <a:endParaRPr lang="en-CA" sz="2200" dirty="0"/>
-          </a:p>
-          <a:p>
-            <a:r>
-              <a:rPr lang="en-CA" sz="2200" dirty="0"/>
-              <a:t>When the model is built a list of test cases will be run. This will be based on a static list of inputs (examples to the left).</a:t>
-            </a:r>
-          </a:p>
-          <a:p>
-            <a:endParaRPr lang="en-CA" sz="2200" dirty="0"/>
-          </a:p>
-          <a:p>
-            <a:r>
-              <a:rPr lang="en-CA" sz="2200" dirty="0"/>
-              <a:t>Additionally, this will include comparing the performance (confidence probability) on the training data set to the testing dataset.</a:t>
-            </a:r>
-          </a:p>
-          <a:p>
-            <a:endParaRPr lang="en-CA" dirty="0"/>
-          </a:p>
-          <a:p>
-            <a:endParaRPr lang="en-CA" dirty="0"/>
           </a:p>
         </p:txBody>
       </p:sp>
     </p:spTree>
     <p:extLst>
       <p:ext uri="{BB962C8B-B14F-4D97-AF65-F5344CB8AC3E}">
-        <p14:creationId xmlns:p14="http://schemas.microsoft.com/office/powerpoint/2010/main" val="427290740"/>
+        <p14:creationId xmlns:p14="http://schemas.microsoft.com/office/powerpoint/2010/main" val="2057371236"/>
       </p:ext>
     </p:extLst>
   </p:cSld>
@@ -11069,7 +11251,7 @@
 </p:sld>
 </file>
 
-<file path=ppt/slides/slide4.xml><?xml version="1.0" encoding="utf-8"?>
+<file path=ppt/slides/slide3.xml><?xml version="1.0" encoding="utf-8"?>
 <p:sld xmlns:a="http://schemas.openxmlformats.org/drawingml/2006/main" xmlns:r="http://schemas.openxmlformats.org/officeDocument/2006/relationships" xmlns:p="http://schemas.openxmlformats.org/presentationml/2006/main">
   <p:cSld>
     <p:spTree>
@@ -11088,10 +11270,10 @@
       </p:grpSpPr>
       <p:sp>
         <p:nvSpPr>
-          <p:cNvPr id="6" name="Title 5">
+          <p:cNvPr id="2" name="Title 1">
             <a:extLst>
               <a:ext uri="{FF2B5EF4-FFF2-40B4-BE49-F238E27FC236}">
-                <a16:creationId xmlns:a16="http://schemas.microsoft.com/office/drawing/2014/main" id="{8E6C80B3-C418-5172-8D5F-320D9FD0D4E7}"/>
+                <a16:creationId xmlns:a16="http://schemas.microsoft.com/office/drawing/2014/main" id="{1F0439BD-384E-EAA4-26E3-49539D861DD3}"/>
               </a:ext>
             </a:extLst>
           </p:cNvPr>
@@ -11107,20 +11289,83 @@
           <a:bodyPr/>
           <a:lstStyle/>
           <a:p>
-            <a:pPr algn="ctr"/>
             <a:r>
               <a:rPr lang="en-CA" dirty="0"/>
-              <a:t>Confusion Matrix</a:t>
+              <a:t>Quick Recap on Logistic Regression</a:t>
             </a:r>
           </a:p>
         </p:txBody>
       </p:sp>
       <p:sp>
         <p:nvSpPr>
-          <p:cNvPr id="5" name="Slide Number Placeholder 4">
+          <p:cNvPr id="3" name="Content Placeholder 2">
             <a:extLst>
               <a:ext uri="{FF2B5EF4-FFF2-40B4-BE49-F238E27FC236}">
-                <a16:creationId xmlns:a16="http://schemas.microsoft.com/office/drawing/2014/main" id="{38B3B6EE-6D8C-30DE-7A47-9A2165C4F66B}"/>
+                <a16:creationId xmlns:a16="http://schemas.microsoft.com/office/drawing/2014/main" id="{25F28A45-7E15-FA49-7BD3-D5C897170C2C}"/>
+              </a:ext>
+            </a:extLst>
+          </p:cNvPr>
+          <p:cNvSpPr>
+            <a:spLocks noGrp="1"/>
+          </p:cNvSpPr>
+          <p:nvPr>
+            <p:ph idx="1"/>
+          </p:nvPr>
+        </p:nvSpPr>
+        <p:spPr/>
+        <p:txBody>
+          <a:bodyPr>
+            <a:normAutofit lnSpcReduction="10000"/>
+          </a:bodyPr>
+          <a:lstStyle/>
+          <a:p>
+            <a:r>
+              <a:rPr lang="en-CA" b="1" i="1" dirty="0"/>
+              <a:t>Binary</a:t>
+            </a:r>
+            <a:r>
+              <a:rPr lang="en-CA" i="1" dirty="0"/>
+              <a:t> </a:t>
+            </a:r>
+            <a:r>
+              <a:rPr lang="en-CA" dirty="0"/>
+              <a:t>Classification Algorithm… to implement for entire alphabet 26 different models were generated</a:t>
+            </a:r>
+          </a:p>
+          <a:p>
+            <a:r>
+              <a:rPr lang="en-CA" dirty="0"/>
+              <a:t>Usually used to classify labels with </a:t>
+            </a:r>
+            <a:r>
+              <a:rPr lang="en-CA" b="1" i="1" dirty="0"/>
+              <a:t>10 or less</a:t>
+            </a:r>
+            <a:r>
+              <a:rPr lang="en-CA" dirty="0"/>
+              <a:t> features… some scaling had to be done to make this usable (makes training a bit less precise, harder to achieve high confidence results)</a:t>
+            </a:r>
+          </a:p>
+          <a:p>
+            <a:r>
+              <a:rPr lang="en-CA" dirty="0"/>
+              <a:t>Very susceptible to overfitting, and must be run over many epochs to get decent results</a:t>
+            </a:r>
+          </a:p>
+          <a:p>
+            <a:r>
+              <a:rPr lang="en-CA" dirty="0"/>
+              <a:t>Fairly easy to implement from scratch and understand from a beginner’s perspective</a:t>
+            </a:r>
+          </a:p>
+        </p:txBody>
+      </p:sp>
+      <p:sp>
+        <p:nvSpPr>
+          <p:cNvPr id="4" name="Slide Number Placeholder 3">
+            <a:extLst>
+              <a:ext uri="{FF2B5EF4-FFF2-40B4-BE49-F238E27FC236}">
+                <a16:creationId xmlns:a16="http://schemas.microsoft.com/office/drawing/2014/main" id="{0B458DDF-830C-608F-30EB-CD3EF5C0D48D}"/>
               </a:ext>
             </a:extLst>
           </p:cNvPr>
@@ -11131,283 +11376,23 @@
             <p:ph type="sldNum" sz="quarter" idx="12"/>
           </p:nvPr>
         </p:nvSpPr>
-        <p:spPr>
-          <a:xfrm>
-            <a:off x="9434451" y="6492875"/>
-            <a:ext cx="2743200" cy="365125"/>
-          </a:xfrm>
-        </p:spPr>
+        <p:spPr/>
         <p:txBody>
           <a:bodyPr/>
           <a:lstStyle/>
           <a:p>
-            <a:r>
-              <a:rPr lang="en-US" sz="1600" dirty="0">
-                <a:solidFill>
-                  <a:schemeClr val="tx1"/>
-                </a:solidFill>
-              </a:rPr>
-              <a:t>Page </a:t>
-            </a:r>
             <a:fld id="{4854181D-6920-4594-9A5D-6CE56DC9F8B2}" type="slidenum">
-              <a:rPr lang="en-US" sz="1600" smtClean="0">
-                <a:solidFill>
-                  <a:schemeClr val="tx1"/>
-                </a:solidFill>
-              </a:rPr>
-              <a:t>4</a:t>
+              <a:rPr lang="en-US" smtClean="0"/>
+              <a:t>3</a:t>
             </a:fld>
-            <a:r>
-              <a:rPr lang="en-US" sz="1600" dirty="0">
-                <a:solidFill>
-                  <a:schemeClr val="tx1"/>
-                </a:solidFill>
-              </a:rPr>
-              <a:t>/7</a:t>
-            </a:r>
-          </a:p>
-        </p:txBody>
-      </p:sp>
-      <p:pic>
-        <p:nvPicPr>
-          <p:cNvPr id="9" name="Picture 8">
-            <a:extLst>
-              <a:ext uri="{FF2B5EF4-FFF2-40B4-BE49-F238E27FC236}">
-                <a16:creationId xmlns:a16="http://schemas.microsoft.com/office/drawing/2014/main" id="{6D320499-381B-2565-FCCF-2B847453C566}"/>
-              </a:ext>
-            </a:extLst>
-          </p:cNvPr>
-          <p:cNvPicPr>
-            <a:picLocks noChangeAspect="1"/>
-          </p:cNvPicPr>
-          <p:nvPr/>
-        </p:nvPicPr>
-        <p:blipFill>
-          <a:blip r:embed="rId2"/>
-          <a:stretch>
-            <a:fillRect/>
-          </a:stretch>
-        </p:blipFill>
-        <p:spPr>
-          <a:xfrm>
-            <a:off x="2946238" y="1690688"/>
-            <a:ext cx="6299524" cy="1943200"/>
-          </a:xfrm>
-          <a:prstGeom prst="rect">
-            <a:avLst/>
-          </a:prstGeom>
-        </p:spPr>
-      </p:pic>
-      <p:pic>
-        <p:nvPicPr>
-          <p:cNvPr id="11" name="Picture 10">
-            <a:extLst>
-              <a:ext uri="{FF2B5EF4-FFF2-40B4-BE49-F238E27FC236}">
-                <a16:creationId xmlns:a16="http://schemas.microsoft.com/office/drawing/2014/main" id="{4A786745-0A96-EA5F-1DE9-0B12CFFFDA86}"/>
-              </a:ext>
-            </a:extLst>
-          </p:cNvPr>
-          <p:cNvPicPr>
-            <a:picLocks noChangeAspect="1"/>
-          </p:cNvPicPr>
-          <p:nvPr/>
-        </p:nvPicPr>
-        <p:blipFill>
-          <a:blip r:embed="rId3"/>
-          <a:stretch>
-            <a:fillRect/>
-          </a:stretch>
-        </p:blipFill>
-        <p:spPr>
-          <a:xfrm>
-            <a:off x="3007921" y="4292494"/>
-            <a:ext cx="6426530" cy="2063856"/>
-          </a:xfrm>
-          <a:prstGeom prst="rect">
-            <a:avLst/>
-          </a:prstGeom>
-        </p:spPr>
-      </p:pic>
-      <p:sp>
-        <p:nvSpPr>
-          <p:cNvPr id="12" name="TextBox 11">
-            <a:extLst>
-              <a:ext uri="{FF2B5EF4-FFF2-40B4-BE49-F238E27FC236}">
-                <a16:creationId xmlns:a16="http://schemas.microsoft.com/office/drawing/2014/main" id="{30FCF683-68F7-A708-DE37-59E16E3B0745}"/>
-              </a:ext>
-            </a:extLst>
-          </p:cNvPr>
-          <p:cNvSpPr txBox="1"/>
-          <p:nvPr/>
-        </p:nvSpPr>
-        <p:spPr>
-          <a:xfrm>
-            <a:off x="1431434" y="1348912"/>
-            <a:ext cx="9456138" cy="369332"/>
-          </a:xfrm>
-          <a:prstGeom prst="rect">
-            <a:avLst/>
-          </a:prstGeom>
-          <a:noFill/>
-        </p:spPr>
-        <p:txBody>
-          <a:bodyPr wrap="square" rtlCol="0">
-            <a:spAutoFit/>
-          </a:bodyPr>
-          <a:lstStyle/>
-          <a:p>
-            <a:r>
-              <a:rPr lang="en-CA" dirty="0"/>
-              <a:t>The OAR Confusion Matric will have 26 labels, and only True Positives down the diagonal</a:t>
-            </a:r>
-          </a:p>
-        </p:txBody>
-      </p:sp>
-      <p:sp>
-        <p:nvSpPr>
-          <p:cNvPr id="13" name="TextBox 12">
-            <a:extLst>
-              <a:ext uri="{FF2B5EF4-FFF2-40B4-BE49-F238E27FC236}">
-                <a16:creationId xmlns:a16="http://schemas.microsoft.com/office/drawing/2014/main" id="{1E687D1A-B8BA-3EAB-B8DD-DB5426D31D3F}"/>
-              </a:ext>
-            </a:extLst>
-          </p:cNvPr>
-          <p:cNvSpPr txBox="1"/>
-          <p:nvPr/>
-        </p:nvSpPr>
-        <p:spPr>
-          <a:xfrm>
-            <a:off x="1088572" y="3680163"/>
-            <a:ext cx="10265228" cy="584775"/>
-          </a:xfrm>
-          <a:prstGeom prst="rect">
-            <a:avLst/>
-          </a:prstGeom>
-          <a:noFill/>
-        </p:spPr>
-        <p:txBody>
-          <a:bodyPr wrap="square" rtlCol="0">
-            <a:spAutoFit/>
-          </a:bodyPr>
-          <a:lstStyle/>
-          <a:p>
-            <a:pPr algn="ctr"/>
-            <a:r>
-              <a:rPr lang="en-CA" sz="1600" dirty="0"/>
-              <a:t>It can be used to calculate metrics for validity.  Accuracy, Misclassification, and Precision are the most important for this project.</a:t>
-            </a:r>
-          </a:p>
-        </p:txBody>
-      </p:sp>
-      <p:sp>
-        <p:nvSpPr>
-          <p:cNvPr id="2" name="TextBox 1">
-            <a:extLst>
-              <a:ext uri="{FF2B5EF4-FFF2-40B4-BE49-F238E27FC236}">
-                <a16:creationId xmlns:a16="http://schemas.microsoft.com/office/drawing/2014/main" id="{48F11C8C-AC18-5C0C-6E5B-08383D13061A}"/>
-              </a:ext>
-            </a:extLst>
-          </p:cNvPr>
-          <p:cNvSpPr txBox="1"/>
-          <p:nvPr/>
-        </p:nvSpPr>
-        <p:spPr>
-          <a:xfrm>
-            <a:off x="2946238" y="6581001"/>
-            <a:ext cx="10265228" cy="276999"/>
-          </a:xfrm>
-          <a:prstGeom prst="rect">
-            <a:avLst/>
-          </a:prstGeom>
-          <a:noFill/>
-        </p:spPr>
-        <p:txBody>
-          <a:bodyPr wrap="square" rtlCol="0">
-            <a:spAutoFit/>
-          </a:bodyPr>
-          <a:lstStyle/>
-          <a:p>
-            <a:r>
-              <a:rPr lang="en-CA" sz="1200" dirty="0"/>
-              <a:t>[1]https://towardsdatascience.com/taking-the-confusion-out-of-confusion-matrices-c1ce054b3d3e</a:t>
-            </a:r>
-          </a:p>
-        </p:txBody>
-      </p:sp>
-      <p:sp>
-        <p:nvSpPr>
-          <p:cNvPr id="3" name="TextBox 2">
-            <a:extLst>
-              <a:ext uri="{FF2B5EF4-FFF2-40B4-BE49-F238E27FC236}">
-                <a16:creationId xmlns:a16="http://schemas.microsoft.com/office/drawing/2014/main" id="{A8E8FC25-9A9D-1CA9-7518-58ECCCC5E959}"/>
-              </a:ext>
-            </a:extLst>
-          </p:cNvPr>
-          <p:cNvSpPr txBox="1"/>
-          <p:nvPr/>
-        </p:nvSpPr>
-        <p:spPr>
-          <a:xfrm>
-            <a:off x="8534399" y="6079351"/>
-            <a:ext cx="478971" cy="276999"/>
-          </a:xfrm>
-          <a:prstGeom prst="rect">
-            <a:avLst/>
-          </a:prstGeom>
-          <a:noFill/>
-        </p:spPr>
-        <p:txBody>
-          <a:bodyPr wrap="square" rtlCol="0">
-            <a:spAutoFit/>
-          </a:bodyPr>
-          <a:lstStyle/>
-          <a:p>
-            <a:r>
-              <a:rPr lang="en-CA" sz="1200" dirty="0"/>
-              <a:t>[1]</a:t>
-            </a:r>
-          </a:p>
-        </p:txBody>
-      </p:sp>
-      <p:sp>
-        <p:nvSpPr>
-          <p:cNvPr id="4" name="TextBox 3">
-            <a:extLst>
-              <a:ext uri="{FF2B5EF4-FFF2-40B4-BE49-F238E27FC236}">
-                <a16:creationId xmlns:a16="http://schemas.microsoft.com/office/drawing/2014/main" id="{7D4C2E95-4711-EB14-408C-8B5B6ED3B998}"/>
-              </a:ext>
-            </a:extLst>
-          </p:cNvPr>
-          <p:cNvSpPr txBox="1"/>
-          <p:nvPr/>
-        </p:nvSpPr>
-        <p:spPr>
-          <a:xfrm>
-            <a:off x="9194965" y="3359101"/>
-            <a:ext cx="478971" cy="276999"/>
-          </a:xfrm>
-          <a:prstGeom prst="rect">
-            <a:avLst/>
-          </a:prstGeom>
-          <a:noFill/>
-        </p:spPr>
-        <p:txBody>
-          <a:bodyPr wrap="square" rtlCol="0">
-            <a:spAutoFit/>
-          </a:bodyPr>
-          <a:lstStyle/>
-          <a:p>
-            <a:r>
-              <a:rPr lang="en-CA" sz="1200" dirty="0"/>
-              <a:t>[1]</a:t>
-            </a:r>
+            <a:endParaRPr lang="en-US"/>
           </a:p>
         </p:txBody>
       </p:sp>
     </p:spTree>
     <p:extLst>
       <p:ext uri="{BB962C8B-B14F-4D97-AF65-F5344CB8AC3E}">
-        <p14:creationId xmlns:p14="http://schemas.microsoft.com/office/powerpoint/2010/main" val="977562255"/>
+        <p14:creationId xmlns:p14="http://schemas.microsoft.com/office/powerpoint/2010/main" val="2885796907"/>
       </p:ext>
     </p:extLst>
   </p:cSld>
@@ -11417,7 +11402,7 @@
 </p:sld>
 </file>
 
-<file path=ppt/slides/slide5.xml><?xml version="1.0" encoding="utf-8"?>
+<file path=ppt/slides/slide4.xml><?xml version="1.0" encoding="utf-8"?>
 <p:sld xmlns:a="http://schemas.openxmlformats.org/drawingml/2006/main" xmlns:r="http://schemas.openxmlformats.org/officeDocument/2006/relationships" xmlns:p="http://schemas.openxmlformats.org/presentationml/2006/main">
   <p:cSld>
     <p:bg>
@@ -11444,10 +11429,10 @@
       </p:grpSpPr>
       <p:sp>
         <p:nvSpPr>
-          <p:cNvPr id="12" name="Freeform: Shape 11">
+          <p:cNvPr id="11" name="Freeform: Shape 10">
             <a:extLst>
               <a:ext uri="{FF2B5EF4-FFF2-40B4-BE49-F238E27FC236}">
-                <a16:creationId xmlns:a16="http://schemas.microsoft.com/office/drawing/2014/main" id="{23DA7759-3209-4FE2-96D1-4EEDD81E9EA0}"/>
+                <a16:creationId xmlns:a16="http://schemas.microsoft.com/office/drawing/2014/main" id="{8A7BA06D-B3FF-4E91-8639-B4569AE3AA23}"/>
               </a:ext>
               <a:ext uri="{C183D7F6-B498-43B3-948B-1728B52AA6E4}">
                 <adec:decorative xmlns:adec="http://schemas.microsoft.com/office/drawing/2017/decorative" val="1"/>
@@ -11467,8 +11452,8 @@
         </p:nvSpPr>
         <p:spPr>
           <a:xfrm>
-            <a:off x="10494433" y="2"/>
-            <a:ext cx="849328" cy="357668"/>
+            <a:off x="10208695" y="1"/>
+            <a:ext cx="1135066" cy="477997"/>
           </a:xfrm>
           <a:custGeom>
             <a:avLst/>
@@ -11566,10 +11551,10 @@
       </p:sp>
       <p:sp>
         <p:nvSpPr>
-          <p:cNvPr id="14" name="Freeform: Shape 13">
+          <p:cNvPr id="13" name="Arc 12">
             <a:extLst>
               <a:ext uri="{FF2B5EF4-FFF2-40B4-BE49-F238E27FC236}">
-                <a16:creationId xmlns:a16="http://schemas.microsoft.com/office/drawing/2014/main" id="{41460DAD-8769-4C9F-9C8C-BB0443909D76}"/>
+                <a16:creationId xmlns:a16="http://schemas.microsoft.com/office/drawing/2014/main" id="{2B30C86D-5A07-48BC-9C9D-6F9A2DB1E9E1}"/>
               </a:ext>
               <a:ext uri="{C183D7F6-B498-43B3-948B-1728B52AA6E4}">
                 <adec:decorative xmlns:adec="http://schemas.microsoft.com/office/drawing/2017/decorative" val="1"/>
@@ -11588,169 +11573,39 @@
           </p:nvPr>
         </p:nvSpPr>
         <p:spPr>
-          <a:xfrm flipH="1">
-            <a:off x="123536" y="5717905"/>
-            <a:ext cx="1771609" cy="1140095"/>
+          <a:xfrm rot="10800000" flipV="1">
+            <a:off x="555710" y="1064829"/>
+            <a:ext cx="4083433" cy="4083433"/>
           </a:xfrm>
-          <a:custGeom>
+          <a:prstGeom prst="arc">
             <a:avLst/>
-            <a:gdLst/>
-            <a:ahLst/>
-            <a:cxnLst/>
-            <a:rect l="l" t="t" r="r" b="b"/>
-            <a:pathLst>
-              <a:path w="1771609" h="1140095">
-                <a:moveTo>
-                  <a:pt x="1561721" y="763041"/>
-                </a:moveTo>
-                <a:cubicBezTo>
-                  <a:pt x="1585506" y="760324"/>
-                  <a:pt x="1609722" y="771249"/>
-                  <a:pt x="1623024" y="792810"/>
-                </a:cubicBezTo>
-                <a:cubicBezTo>
-                  <a:pt x="1656300" y="850065"/>
-                  <a:pt x="1685920" y="909291"/>
-                  <a:pt x="1711735" y="970132"/>
-                </a:cubicBezTo>
-                <a:lnTo>
-                  <a:pt x="1771609" y="1140095"/>
-                </a:lnTo>
-                <a:lnTo>
-                  <a:pt x="1637225" y="1140095"/>
-                </a:lnTo>
-                <a:lnTo>
-                  <a:pt x="1594820" y="1019711"/>
-                </a:lnTo>
-                <a:cubicBezTo>
-                  <a:pt x="1571072" y="963753"/>
-                  <a:pt x="1543818" y="909282"/>
-                  <a:pt x="1513200" y="856627"/>
-                </a:cubicBezTo>
-                <a:cubicBezTo>
-                  <a:pt x="1496379" y="825834"/>
-                  <a:pt x="1507704" y="787236"/>
-                  <a:pt x="1538499" y="770415"/>
-                </a:cubicBezTo>
-                <a:cubicBezTo>
-                  <a:pt x="1545912" y="766367"/>
-                  <a:pt x="1553792" y="763946"/>
-                  <a:pt x="1561721" y="763041"/>
-                </a:cubicBezTo>
-                <a:close/>
-                <a:moveTo>
-                  <a:pt x="933455" y="161309"/>
-                </a:moveTo>
-                <a:cubicBezTo>
-                  <a:pt x="941693" y="161855"/>
-                  <a:pt x="949959" y="164025"/>
-                  <a:pt x="957797" y="167970"/>
-                </a:cubicBezTo>
-                <a:cubicBezTo>
-                  <a:pt x="1076184" y="227289"/>
-                  <a:pt x="1186759" y="301068"/>
-                  <a:pt x="1286982" y="387616"/>
-                </a:cubicBezTo>
-                <a:cubicBezTo>
-                  <a:pt x="1313547" y="410457"/>
-                  <a:pt x="1316566" y="450510"/>
-                  <a:pt x="1293725" y="477075"/>
-                </a:cubicBezTo>
-                <a:cubicBezTo>
-                  <a:pt x="1281638" y="491137"/>
-                  <a:pt x="1263998" y="499204"/>
-                  <a:pt x="1245453" y="499154"/>
-                </a:cubicBezTo>
-                <a:lnTo>
-                  <a:pt x="1245167" y="499154"/>
-                </a:lnTo>
-                <a:cubicBezTo>
-                  <a:pt x="1229965" y="499301"/>
-                  <a:pt x="1215220" y="493956"/>
-                  <a:pt x="1203638" y="484104"/>
-                </a:cubicBezTo>
-                <a:cubicBezTo>
-                  <a:pt x="1111407" y="404300"/>
-                  <a:pt x="1009633" y="336248"/>
-                  <a:pt x="900647" y="281508"/>
-                </a:cubicBezTo>
-                <a:cubicBezTo>
-                  <a:pt x="869295" y="265726"/>
-                  <a:pt x="856672" y="227516"/>
-                  <a:pt x="872454" y="196164"/>
-                </a:cubicBezTo>
-                <a:cubicBezTo>
-                  <a:pt x="884290" y="172650"/>
-                  <a:pt x="908742" y="159670"/>
-                  <a:pt x="933455" y="161309"/>
-                </a:cubicBezTo>
-                <a:close/>
-                <a:moveTo>
-                  <a:pt x="256260" y="29"/>
-                </a:moveTo>
-                <a:cubicBezTo>
-                  <a:pt x="322331" y="427"/>
-                  <a:pt x="388378" y="4909"/>
-                  <a:pt x="454020" y="13474"/>
-                </a:cubicBezTo>
-                <a:cubicBezTo>
-                  <a:pt x="488793" y="17752"/>
-                  <a:pt x="513514" y="49409"/>
-                  <a:pt x="509236" y="84182"/>
-                </a:cubicBezTo>
-                <a:cubicBezTo>
-                  <a:pt x="505303" y="116151"/>
-                  <a:pt x="478038" y="140098"/>
-                  <a:pt x="445829" y="139871"/>
-                </a:cubicBezTo>
-                <a:cubicBezTo>
-                  <a:pt x="443027" y="139899"/>
-                  <a:pt x="440227" y="139740"/>
-                  <a:pt x="437447" y="139395"/>
-                </a:cubicBezTo>
-                <a:cubicBezTo>
-                  <a:pt x="316592" y="123615"/>
-                  <a:pt x="194247" y="122878"/>
-                  <a:pt x="73211" y="137204"/>
-                </a:cubicBezTo>
-                <a:cubicBezTo>
-                  <a:pt x="38532" y="142545"/>
-                  <a:pt x="6090" y="118762"/>
-                  <a:pt x="749" y="84082"/>
-                </a:cubicBezTo>
-                <a:cubicBezTo>
-                  <a:pt x="-4591" y="49403"/>
-                  <a:pt x="19192" y="16961"/>
-                  <a:pt x="53871" y="11621"/>
-                </a:cubicBezTo>
-                <a:cubicBezTo>
-                  <a:pt x="55358" y="11392"/>
-                  <a:pt x="56852" y="11216"/>
-                  <a:pt x="58352" y="11093"/>
-                </a:cubicBezTo>
-                <a:cubicBezTo>
-                  <a:pt x="124093" y="3319"/>
-                  <a:pt x="190189" y="-369"/>
-                  <a:pt x="256260" y="29"/>
-                </a:cubicBezTo>
-                <a:close/>
-              </a:path>
-            </a:pathLst>
-          </a:custGeom>
-          <a:solidFill>
-            <a:schemeClr val="accent4"/>
-          </a:solidFill>
-          <a:ln w="9525" cap="flat">
-            <a:noFill/>
-            <a:prstDash val="solid"/>
-            <a:miter/>
+          </a:prstGeom>
+          <a:ln w="127000" cap="rnd">
+            <a:solidFill>
+              <a:schemeClr val="accent4"/>
+            </a:solidFill>
+            <a:prstDash val="dash"/>
           </a:ln>
         </p:spPr>
+        <p:style>
+          <a:lnRef idx="1">
+            <a:schemeClr val="accent1"/>
+          </a:lnRef>
+          <a:fillRef idx="0">
+            <a:schemeClr val="accent1"/>
+          </a:fillRef>
+          <a:effectRef idx="0">
+            <a:schemeClr val="accent1"/>
+          </a:effectRef>
+          <a:fontRef idx="minor">
+            <a:schemeClr val="tx1"/>
+          </a:fontRef>
+        </p:style>
         <p:txBody>
           <a:bodyPr rtlCol="0" anchor="ctr"/>
           <a:lstStyle/>
           <a:p>
-            <a:pPr marL="0" marR="0" lvl="0" indent="0" algn="l" defTabSz="914400" rtl="0" eaLnBrk="1" fontAlgn="auto" latinLnBrk="0" hangingPunct="1">
+            <a:pPr marL="0" marR="0" lvl="0" indent="0" algn="ctr" defTabSz="914400" rtl="0" eaLnBrk="1" fontAlgn="auto" latinLnBrk="0" hangingPunct="1">
               <a:lnSpc>
                 <a:spcPct val="100000"/>
               </a:lnSpc>
@@ -11767,7 +11622,7 @@
               <a:tabLst/>
               <a:defRPr/>
             </a:pPr>
-            <a:endParaRPr kumimoji="0" lang="en-US" sz="1800" b="0" i="0" u="none" strike="noStrike" kern="1200" cap="none" spc="0" normalizeH="0" baseline="0" noProof="0">
+            <a:endParaRPr kumimoji="0" lang="en-US" sz="1800" b="0" i="0" u="none" strike="noStrike" kern="1200" cap="none" spc="0" normalizeH="0" baseline="0" noProof="0" dirty="0">
               <a:ln>
                 <a:noFill/>
               </a:ln>
@@ -11786,10 +11641,10 @@
       </p:sp>
       <p:sp>
         <p:nvSpPr>
-          <p:cNvPr id="16" name="Rectangle 15">
+          <p:cNvPr id="15" name="Rectangle 14">
             <a:extLst>
               <a:ext uri="{FF2B5EF4-FFF2-40B4-BE49-F238E27FC236}">
-                <a16:creationId xmlns:a16="http://schemas.microsoft.com/office/drawing/2014/main" id="{AE2B703B-46F9-481A-A605-82E2A828C4FA}"/>
+                <a16:creationId xmlns:a16="http://schemas.microsoft.com/office/drawing/2014/main" id="{3301E07F-4F79-4B58-8698-EF24DC1ECDBF}"/>
               </a:ext>
               <a:ext uri="{C183D7F6-B498-43B3-948B-1728B52AA6E4}">
                 <adec:decorative xmlns:adec="http://schemas.microsoft.com/office/drawing/2017/decorative" val="1"/>
@@ -11864,7 +11719,7 @@
                 <a:noFill/>
               </a:ln>
               <a:solidFill>
-                <a:prstClr val="white"/>
+                <a:prstClr val="black"/>
               </a:solidFill>
               <a:effectLst/>
               <a:uLnTx/>
@@ -11878,10 +11733,106 @@
       </p:sp>
       <p:sp>
         <p:nvSpPr>
-          <p:cNvPr id="5" name="Title 4">
+          <p:cNvPr id="17" name="Arc 16">
             <a:extLst>
               <a:ext uri="{FF2B5EF4-FFF2-40B4-BE49-F238E27FC236}">
-                <a16:creationId xmlns:a16="http://schemas.microsoft.com/office/drawing/2014/main" id="{6394F5C9-8688-386B-FF4F-AD2D92BE2C6B}"/>
+                <a16:creationId xmlns:a16="http://schemas.microsoft.com/office/drawing/2014/main" id="{E58B2195-5055-402F-A3E7-53FF0E4980C3}"/>
+              </a:ext>
+              <a:ext uri="{C183D7F6-B498-43B3-948B-1728B52AA6E4}">
+                <adec:decorative xmlns:adec="http://schemas.microsoft.com/office/drawing/2017/decorative" val="1"/>
+              </a:ext>
+            </a:extLst>
+          </p:cNvPr>
+          <p:cNvSpPr>
+            <a:spLocks noGrp="1" noRot="1" noChangeAspect="1" noMove="1" noResize="1" noEditPoints="1" noAdjustHandles="1" noChangeArrowheads="1" noChangeShapeType="1" noTextEdit="1"/>
+          </p:cNvSpPr>
+          <p:nvPr>
+            <p:extLst>
+              <p:ext uri="{386F3935-93C4-4BCD-93E2-E3B085C9AB24}">
+                <p16:designElem xmlns:p16="http://schemas.microsoft.com/office/powerpoint/2015/main" val="1"/>
+              </p:ext>
+            </p:extLst>
+          </p:nvPr>
+        </p:nvSpPr>
+        <p:spPr>
+          <a:xfrm flipH="1">
+            <a:off x="891583" y="775849"/>
+            <a:ext cx="2987899" cy="2987899"/>
+          </a:xfrm>
+          <a:prstGeom prst="arc">
+            <a:avLst>
+              <a:gd name="adj1" fmla="val 14441841"/>
+              <a:gd name="adj2" fmla="val 0"/>
+            </a:avLst>
+          </a:prstGeom>
+          <a:ln w="127000" cap="rnd">
+            <a:solidFill>
+              <a:schemeClr val="accent2">
+                <a:lumMod val="75000"/>
+              </a:schemeClr>
+            </a:solidFill>
+            <a:prstDash val="dash"/>
+            <a:miter lim="800000"/>
+          </a:ln>
+        </p:spPr>
+        <p:style>
+          <a:lnRef idx="1">
+            <a:schemeClr val="accent1"/>
+          </a:lnRef>
+          <a:fillRef idx="0">
+            <a:schemeClr val="accent1"/>
+          </a:fillRef>
+          <a:effectRef idx="0">
+            <a:schemeClr val="accent1"/>
+          </a:effectRef>
+          <a:fontRef idx="minor">
+            <a:schemeClr val="tx1"/>
+          </a:fontRef>
+        </p:style>
+        <p:txBody>
+          <a:bodyPr rtlCol="0" anchor="ctr"/>
+          <a:lstStyle/>
+          <a:p>
+            <a:pPr marL="0" marR="0" lvl="0" indent="0" algn="ctr" defTabSz="914400" rtl="0" eaLnBrk="1" fontAlgn="auto" latinLnBrk="0" hangingPunct="1">
+              <a:lnSpc>
+                <a:spcPct val="100000"/>
+              </a:lnSpc>
+              <a:spcBef>
+                <a:spcPts val="0"/>
+              </a:spcBef>
+              <a:spcAft>
+                <a:spcPts val="0"/>
+              </a:spcAft>
+              <a:buClrTx/>
+              <a:buSzTx/>
+              <a:buFontTx/>
+              <a:buNone/>
+              <a:tabLst/>
+              <a:defRPr/>
+            </a:pPr>
+            <a:endParaRPr kumimoji="0" lang="en-US" sz="1800" b="0" i="0" u="none" strike="noStrike" kern="1200" cap="none" spc="0" normalizeH="0" baseline="0" noProof="0" dirty="0">
+              <a:ln>
+                <a:noFill/>
+              </a:ln>
+              <a:solidFill>
+                <a:srgbClr val="000000"/>
+              </a:solidFill>
+              <a:effectLst/>
+              <a:uLnTx/>
+              <a:uFillTx/>
+              <a:latin typeface="Calibri" panose="020F0502020204030204"/>
+              <a:ea typeface="+mn-ea"/>
+              <a:cs typeface="+mn-cs"/>
+            </a:endParaRPr>
+          </a:p>
+        </p:txBody>
+      </p:sp>
+      <p:sp>
+        <p:nvSpPr>
+          <p:cNvPr id="2" name="Title 1">
+            <a:extLst>
+              <a:ext uri="{FF2B5EF4-FFF2-40B4-BE49-F238E27FC236}">
+                <a16:creationId xmlns:a16="http://schemas.microsoft.com/office/drawing/2014/main" id="{321D5FEF-29E9-EF28-B9DD-D3B0271184F6}"/>
               </a:ext>
             </a:extLst>
           </p:cNvPr>
@@ -11894,8 +11845,51 @@
         </p:nvSpPr>
         <p:spPr>
           <a:xfrm>
-            <a:off x="838200" y="459863"/>
-            <a:ext cx="10515600" cy="1004594"/>
+            <a:off x="838200" y="647593"/>
+            <a:ext cx="4467792" cy="3060541"/>
+          </a:xfrm>
+        </p:spPr>
+        <p:txBody>
+          <a:bodyPr vert="horz" lIns="91440" tIns="45720" rIns="91440" bIns="45720" rtlCol="0" anchor="b">
+            <a:normAutofit/>
+          </a:bodyPr>
+          <a:lstStyle/>
+          <a:p>
+            <a:pPr algn="ctr"/>
+            <a:r>
+              <a:rPr lang="en-US" sz="6000" kern="1200">
+                <a:solidFill>
+                  <a:srgbClr val="FFFFFF"/>
+                </a:solidFill>
+                <a:latin typeface="+mj-lt"/>
+                <a:ea typeface="+mj-ea"/>
+                <a:cs typeface="+mj-cs"/>
+              </a:rPr>
+              <a:t>Training &amp; Testing</a:t>
+            </a:r>
+          </a:p>
+        </p:txBody>
+      </p:sp>
+      <p:sp>
+        <p:nvSpPr>
+          <p:cNvPr id="4" name="Slide Number Placeholder 3">
+            <a:extLst>
+              <a:ext uri="{FF2B5EF4-FFF2-40B4-BE49-F238E27FC236}">
+                <a16:creationId xmlns:a16="http://schemas.microsoft.com/office/drawing/2014/main" id="{74B2AC35-A30C-AD38-C9C5-25BFD454D895}"/>
+              </a:ext>
+            </a:extLst>
+          </p:cNvPr>
+          <p:cNvSpPr>
+            <a:spLocks noGrp="1"/>
+          </p:cNvSpPr>
+          <p:nvPr>
+            <p:ph type="sldNum" sz="quarter" idx="12"/>
+          </p:nvPr>
+        </p:nvSpPr>
+        <p:spPr>
+          <a:xfrm>
+            <a:off x="8610600" y="6356350"/>
+            <a:ext cx="2743200" cy="365125"/>
           </a:xfrm>
         </p:spPr>
         <p:txBody>
@@ -11904,27 +11898,38 @@
           </a:bodyPr>
           <a:lstStyle/>
           <a:p>
-            <a:pPr algn="ctr"/>
-            <a:r>
-              <a:rPr lang="en-US" sz="4400" kern="1200">
+            <a:pPr>
+              <a:spcAft>
+                <a:spcPts val="600"/>
+              </a:spcAft>
+            </a:pPr>
+            <a:fld id="{4854181D-6920-4594-9A5D-6CE56DC9F8B2}" type="slidenum">
+              <a:rPr lang="en-US">
                 <a:solidFill>
                   <a:srgbClr val="FFFFFF"/>
                 </a:solidFill>
-                <a:latin typeface="+mj-lt"/>
-                <a:ea typeface="+mj-ea"/>
-                <a:cs typeface="+mj-cs"/>
               </a:rPr>
-              <a:t>Tests vs. Pseudo-Oracle</a:t>
-            </a:r>
+              <a:pPr>
+                <a:spcAft>
+                  <a:spcPts val="600"/>
+                </a:spcAft>
+              </a:pPr>
+              <a:t>4</a:t>
+            </a:fld>
+            <a:endParaRPr lang="en-US">
+              <a:solidFill>
+                <a:srgbClr val="FFFFFF"/>
+              </a:solidFill>
+            </a:endParaRPr>
           </a:p>
         </p:txBody>
       </p:sp>
       <p:sp>
         <p:nvSpPr>
-          <p:cNvPr id="18" name="Rectangle: Rounded Corners 17">
+          <p:cNvPr id="19" name="Oval 18">
             <a:extLst>
               <a:ext uri="{FF2B5EF4-FFF2-40B4-BE49-F238E27FC236}">
-                <a16:creationId xmlns:a16="http://schemas.microsoft.com/office/drawing/2014/main" id="{F13BE4D7-0C3D-4906-B230-A1C5B4665CCF}"/>
+                <a16:creationId xmlns:a16="http://schemas.microsoft.com/office/drawing/2014/main" id="{9EE6F773-742A-491A-9A00-A2A150DF500A}"/>
               </a:ext>
               <a:ext uri="{C183D7F6-B498-43B3-948B-1728B52AA6E4}">
                 <adec:decorative xmlns:adec="http://schemas.microsoft.com/office/drawing/2017/decorative" val="1"/>
@@ -11944,18 +11949,14 @@
         </p:nvSpPr>
         <p:spPr>
           <a:xfrm>
-            <a:off x="579496" y="1587970"/>
-            <a:ext cx="11033008" cy="4768380"/>
+            <a:off x="5229419" y="366810"/>
+            <a:ext cx="6124381" cy="6124381"/>
           </a:xfrm>
-          <a:prstGeom prst="roundRect">
-            <a:avLst>
-              <a:gd name="adj" fmla="val 3174"/>
-            </a:avLst>
+          <a:prstGeom prst="ellipse">
+            <a:avLst/>
           </a:prstGeom>
           <a:solidFill>
-            <a:schemeClr val="bg1">
-              <a:alpha val="95000"/>
-            </a:schemeClr>
+            <a:schemeClr val="bg1"/>
           </a:solidFill>
           <a:ln>
             <a:noFill/>
@@ -12015,460 +12016,84 @@
           </a:p>
         </p:txBody>
       </p:sp>
-      <p:sp>
-        <p:nvSpPr>
-          <p:cNvPr id="7" name="Content Placeholder 6">
+      <p:pic>
+        <p:nvPicPr>
+          <p:cNvPr id="6" name="Picture 5">
             <a:extLst>
               <a:ext uri="{FF2B5EF4-FFF2-40B4-BE49-F238E27FC236}">
-                <a16:creationId xmlns:a16="http://schemas.microsoft.com/office/drawing/2014/main" id="{7C840C83-12F8-56B4-7F49-31E8827DFADD}"/>
+                <a16:creationId xmlns:a16="http://schemas.microsoft.com/office/drawing/2014/main" id="{69DC6A37-5A79-0CCC-EF79-8F07CA393C8E}"/>
               </a:ext>
             </a:extLst>
           </p:cNvPr>
-          <p:cNvSpPr>
-            <a:spLocks/>
-          </p:cNvSpPr>
+          <p:cNvPicPr>
+            <a:picLocks noChangeAspect="1"/>
+          </p:cNvPicPr>
           <p:nvPr/>
-        </p:nvSpPr>
+        </p:nvPicPr>
+        <p:blipFill>
+          <a:blip r:embed="rId2"/>
+          <a:stretch>
+            <a:fillRect/>
+          </a:stretch>
+        </p:blipFill>
         <p:spPr>
           <a:xfrm>
-            <a:off x="6096000" y="1796491"/>
-            <a:ext cx="5181600" cy="4351338"/>
+            <a:off x="6154619" y="1374798"/>
+            <a:ext cx="4246413" cy="4108404"/>
           </a:xfrm>
-          <a:prstGeom prst="rect">
+          <a:custGeom>
             <a:avLst/>
-          </a:prstGeom>
+            <a:gdLst/>
+            <a:ahLst/>
+            <a:cxnLst/>
+            <a:rect l="l" t="t" r="r" b="b"/>
+            <a:pathLst>
+              <a:path w="4273177" h="4470400">
+                <a:moveTo>
+                  <a:pt x="75080" y="0"/>
+                </a:moveTo>
+                <a:lnTo>
+                  <a:pt x="4198097" y="0"/>
+                </a:lnTo>
+                <a:cubicBezTo>
+                  <a:pt x="4239563" y="0"/>
+                  <a:pt x="4273177" y="33614"/>
+                  <a:pt x="4273177" y="75080"/>
+                </a:cubicBezTo>
+                <a:lnTo>
+                  <a:pt x="4273177" y="4395320"/>
+                </a:lnTo>
+                <a:cubicBezTo>
+                  <a:pt x="4273177" y="4436786"/>
+                  <a:pt x="4239563" y="4470400"/>
+                  <a:pt x="4198097" y="4470400"/>
+                </a:cubicBezTo>
+                <a:lnTo>
+                  <a:pt x="75080" y="4470400"/>
+                </a:lnTo>
+                <a:cubicBezTo>
+                  <a:pt x="33614" y="4470400"/>
+                  <a:pt x="0" y="4436786"/>
+                  <a:pt x="0" y="4395320"/>
+                </a:cubicBezTo>
+                <a:lnTo>
+                  <a:pt x="0" y="75080"/>
+                </a:lnTo>
+                <a:cubicBezTo>
+                  <a:pt x="0" y="33614"/>
+                  <a:pt x="33614" y="0"/>
+                  <a:pt x="75080" y="0"/>
+                </a:cubicBezTo>
+                <a:close/>
+              </a:path>
+            </a:pathLst>
+          </a:custGeom>
         </p:spPr>
-        <p:txBody>
-          <a:bodyPr/>
-          <a:lstStyle/>
-          <a:p>
-            <a:r>
-              <a:rPr lang="en-CA" dirty="0"/>
-              <a:t> For performance, an example calculation for Accuracy would be:</a:t>
-            </a:r>
-          </a:p>
-          <a:p>
-            <a:endParaRPr lang="en-CA" dirty="0"/>
-          </a:p>
-          <a:p>
-            <a:pPr algn="ctr"/>
-            <a:r>
-              <a:rPr lang="en-CA" dirty="0"/>
-              <a:t>OAR Accuracy – Library Accuracy</a:t>
-            </a:r>
-          </a:p>
-          <a:p>
-            <a:pPr algn="ctr"/>
-            <a:r>
-              <a:rPr lang="en-CA" dirty="0"/>
-              <a:t>Library Accuracy</a:t>
-            </a:r>
-          </a:p>
-          <a:p>
-            <a:pPr algn="ctr"/>
-            <a:endParaRPr lang="en-CA" dirty="0"/>
-          </a:p>
-          <a:p>
-            <a:r>
-              <a:rPr lang="en-CA" dirty="0"/>
-              <a:t>And the goal would be to have the result of the calculation &lt;</a:t>
-            </a:r>
-            <a:r>
-              <a:rPr lang="en-CA" dirty="0">
-                <a:sym typeface="Symbol" panose="05050102010706020507" pitchFamily="18" charset="2"/>
-              </a:rPr>
-              <a:t> = 10%. This calculation will be performed for Misclassification and Precision metrics as well, and the runtime with the same epsilon for all metrics.</a:t>
-            </a:r>
-            <a:endParaRPr lang="en-CA" dirty="0"/>
-          </a:p>
-        </p:txBody>
-      </p:sp>
-      <p:sp>
-        <p:nvSpPr>
-          <p:cNvPr id="6" name="Content Placeholder 5">
-            <a:extLst>
-              <a:ext uri="{FF2B5EF4-FFF2-40B4-BE49-F238E27FC236}">
-                <a16:creationId xmlns:a16="http://schemas.microsoft.com/office/drawing/2014/main" id="{61629CB0-E19B-5E3B-A7EE-DE240A31BDE0}"/>
-              </a:ext>
-            </a:extLst>
-          </p:cNvPr>
-          <p:cNvSpPr>
-            <a:spLocks/>
-          </p:cNvSpPr>
-          <p:nvPr/>
-        </p:nvSpPr>
-        <p:spPr>
-          <a:xfrm>
-            <a:off x="1422968" y="1800911"/>
-            <a:ext cx="4605307" cy="3867386"/>
-          </a:xfrm>
-          <a:prstGeom prst="rect">
-            <a:avLst/>
-          </a:prstGeom>
-        </p:spPr>
-        <p:txBody>
-          <a:bodyPr/>
-          <a:lstStyle/>
-          <a:p>
-            <a:pPr defTabSz="804672">
-              <a:spcAft>
-                <a:spcPts val="600"/>
-              </a:spcAft>
-            </a:pPr>
-            <a:r>
-              <a:rPr lang="en-CA" sz="2200" kern="1200" dirty="0">
-                <a:solidFill>
-                  <a:schemeClr val="tx1"/>
-                </a:solidFill>
-                <a:latin typeface="+mn-lt"/>
-                <a:ea typeface="+mn-ea"/>
-                <a:cs typeface="+mn-cs"/>
-              </a:rPr>
-              <a:t>Tests vs. the Pseudo-Oracle (Logistic Regression Library from scikit-learn) will be used as a comparison for the performance of the program.</a:t>
-            </a:r>
-          </a:p>
-          <a:p>
-            <a:pPr defTabSz="804672">
-              <a:spcAft>
-                <a:spcPts val="600"/>
-              </a:spcAft>
-            </a:pPr>
-            <a:endParaRPr lang="en-CA" sz="2200" kern="1200" dirty="0">
-              <a:solidFill>
-                <a:schemeClr val="tx1"/>
-              </a:solidFill>
-              <a:latin typeface="+mn-lt"/>
-              <a:ea typeface="+mn-ea"/>
-              <a:cs typeface="+mn-cs"/>
-            </a:endParaRPr>
-          </a:p>
-          <a:p>
-            <a:pPr defTabSz="804672">
-              <a:spcAft>
-                <a:spcPts val="600"/>
-              </a:spcAft>
-            </a:pPr>
-            <a:r>
-              <a:rPr lang="en-CA" sz="2200" kern="1200" dirty="0">
-                <a:solidFill>
-                  <a:schemeClr val="tx1"/>
-                </a:solidFill>
-                <a:latin typeface="+mn-lt"/>
-                <a:ea typeface="+mn-ea"/>
-                <a:cs typeface="+mn-cs"/>
-              </a:rPr>
-              <a:t>This will be done by comparing their confusion matrices, runtimes etc.</a:t>
-            </a:r>
-            <a:endParaRPr lang="en-CA" sz="2200" dirty="0"/>
-          </a:p>
-        </p:txBody>
-      </p:sp>
-      <p:sp>
-        <p:nvSpPr>
-          <p:cNvPr id="4" name="Slide Number Placeholder 3">
-            <a:extLst>
-              <a:ext uri="{FF2B5EF4-FFF2-40B4-BE49-F238E27FC236}">
-                <a16:creationId xmlns:a16="http://schemas.microsoft.com/office/drawing/2014/main" id="{8CDC816D-1BD0-09D7-9C19-19754753BDF7}"/>
-              </a:ext>
-            </a:extLst>
-          </p:cNvPr>
-          <p:cNvSpPr>
-            <a:spLocks/>
-          </p:cNvSpPr>
-          <p:nvPr/>
-        </p:nvSpPr>
-        <p:spPr>
-          <a:xfrm>
-            <a:off x="9753896" y="6533482"/>
-            <a:ext cx="2438104" cy="324516"/>
-          </a:xfrm>
-          <a:prstGeom prst="rect">
-            <a:avLst/>
-          </a:prstGeom>
-        </p:spPr>
-        <p:txBody>
-          <a:bodyPr/>
-          <a:lstStyle/>
-          <a:p>
-            <a:pPr algn="r" defTabSz="804672">
-              <a:spcAft>
-                <a:spcPts val="600"/>
-              </a:spcAft>
-            </a:pPr>
-            <a:r>
-              <a:rPr lang="en-US" sz="1584" kern="1200" dirty="0">
-                <a:solidFill>
-                  <a:schemeClr val="tx1"/>
-                </a:solidFill>
-                <a:latin typeface="+mn-lt"/>
-                <a:ea typeface="+mn-ea"/>
-                <a:cs typeface="+mn-cs"/>
-              </a:rPr>
-              <a:t>Page </a:t>
-            </a:r>
-            <a:fld id="{4854181D-6920-4594-9A5D-6CE56DC9F8B2}" type="slidenum">
-              <a:rPr lang="en-US" sz="1584" kern="1200" smtClean="0">
-                <a:solidFill>
-                  <a:schemeClr val="tx1"/>
-                </a:solidFill>
-                <a:latin typeface="+mn-lt"/>
-                <a:ea typeface="+mn-ea"/>
-                <a:cs typeface="+mn-cs"/>
-              </a:rPr>
-              <a:pPr algn="r" defTabSz="804672">
-                <a:spcAft>
-                  <a:spcPts val="600"/>
-                </a:spcAft>
-              </a:pPr>
-              <a:t>5</a:t>
-            </a:fld>
-            <a:r>
-              <a:rPr lang="en-US" sz="1584" kern="1200" dirty="0">
-                <a:solidFill>
-                  <a:schemeClr val="tx1"/>
-                </a:solidFill>
-                <a:latin typeface="+mn-lt"/>
-                <a:ea typeface="+mn-ea"/>
-                <a:cs typeface="+mn-cs"/>
-              </a:rPr>
-              <a:t>/7</a:t>
-            </a:r>
-            <a:endParaRPr lang="en-US" dirty="0"/>
-          </a:p>
-        </p:txBody>
-      </p:sp>
-      <p:cxnSp>
-        <p:nvCxnSpPr>
-          <p:cNvPr id="9" name="Straight Connector 8">
-            <a:extLst>
-              <a:ext uri="{FF2B5EF4-FFF2-40B4-BE49-F238E27FC236}">
-                <a16:creationId xmlns:a16="http://schemas.microsoft.com/office/drawing/2014/main" id="{88A9A63F-1EA3-2E75-9E01-7F96034F99DD}"/>
-              </a:ext>
-            </a:extLst>
-          </p:cNvPr>
-          <p:cNvCxnSpPr/>
-          <p:nvPr/>
-        </p:nvCxnSpPr>
-        <p:spPr>
-          <a:xfrm>
-            <a:off x="6770914" y="2971800"/>
-            <a:ext cx="3865033" cy="0"/>
-          </a:xfrm>
-          <a:prstGeom prst="line">
-            <a:avLst/>
-          </a:prstGeom>
-          <a:ln w="25400"/>
-        </p:spPr>
-        <p:style>
-          <a:lnRef idx="1">
-            <a:schemeClr val="dk1"/>
-          </a:lnRef>
-          <a:fillRef idx="0">
-            <a:schemeClr val="dk1"/>
-          </a:fillRef>
-          <a:effectRef idx="0">
-            <a:schemeClr val="dk1"/>
-          </a:effectRef>
-          <a:fontRef idx="minor">
-            <a:schemeClr val="tx1"/>
-          </a:fontRef>
-        </p:style>
-      </p:cxnSp>
-      <p:cxnSp>
-        <p:nvCxnSpPr>
-          <p:cNvPr id="10" name="Straight Connector 9">
-            <a:extLst>
-              <a:ext uri="{FF2B5EF4-FFF2-40B4-BE49-F238E27FC236}">
-                <a16:creationId xmlns:a16="http://schemas.microsoft.com/office/drawing/2014/main" id="{1152FE4A-A4C9-C441-DE88-EF0AB7A4BBE4}"/>
-              </a:ext>
-            </a:extLst>
-          </p:cNvPr>
-          <p:cNvCxnSpPr>
-            <a:cxnSpLocks/>
-          </p:cNvCxnSpPr>
-          <p:nvPr/>
-        </p:nvCxnSpPr>
-        <p:spPr>
-          <a:xfrm>
-            <a:off x="6890657" y="2667000"/>
-            <a:ext cx="0" cy="261257"/>
-          </a:xfrm>
-          <a:prstGeom prst="line">
-            <a:avLst/>
-          </a:prstGeom>
-          <a:ln w="25400"/>
-        </p:spPr>
-        <p:style>
-          <a:lnRef idx="1">
-            <a:schemeClr val="dk1"/>
-          </a:lnRef>
-          <a:fillRef idx="0">
-            <a:schemeClr val="dk1"/>
-          </a:fillRef>
-          <a:effectRef idx="0">
-            <a:schemeClr val="dk1"/>
-          </a:effectRef>
-          <a:fontRef idx="minor">
-            <a:schemeClr val="tx1"/>
-          </a:fontRef>
-        </p:style>
-      </p:cxnSp>
-      <p:cxnSp>
-        <p:nvCxnSpPr>
-          <p:cNvPr id="19" name="Straight Connector 18">
-            <a:extLst>
-              <a:ext uri="{FF2B5EF4-FFF2-40B4-BE49-F238E27FC236}">
-                <a16:creationId xmlns:a16="http://schemas.microsoft.com/office/drawing/2014/main" id="{45CE9661-BEAF-044E-0079-3F3EA327EFFB}"/>
-              </a:ext>
-            </a:extLst>
-          </p:cNvPr>
-          <p:cNvCxnSpPr>
-            <a:cxnSpLocks/>
-          </p:cNvCxnSpPr>
-          <p:nvPr/>
-        </p:nvCxnSpPr>
-        <p:spPr>
-          <a:xfrm>
-            <a:off x="10494433" y="2667000"/>
-            <a:ext cx="0" cy="261257"/>
-          </a:xfrm>
-          <a:prstGeom prst="line">
-            <a:avLst/>
-          </a:prstGeom>
-          <a:ln w="25400"/>
-        </p:spPr>
-        <p:style>
-          <a:lnRef idx="1">
-            <a:schemeClr val="dk1"/>
-          </a:lnRef>
-          <a:fillRef idx="0">
-            <a:schemeClr val="dk1"/>
-          </a:fillRef>
-          <a:effectRef idx="0">
-            <a:schemeClr val="dk1"/>
-          </a:effectRef>
-          <a:fontRef idx="minor">
-            <a:schemeClr val="tx1"/>
-          </a:fontRef>
-        </p:style>
-      </p:cxnSp>
-      <p:cxnSp>
-        <p:nvCxnSpPr>
-          <p:cNvPr id="22" name="Straight Connector 21">
-            <a:extLst>
-              <a:ext uri="{FF2B5EF4-FFF2-40B4-BE49-F238E27FC236}">
-                <a16:creationId xmlns:a16="http://schemas.microsoft.com/office/drawing/2014/main" id="{DBA583BE-31E6-2D0D-435C-A4AF2F265241}"/>
-              </a:ext>
-            </a:extLst>
-          </p:cNvPr>
-          <p:cNvCxnSpPr>
-            <a:cxnSpLocks/>
-          </p:cNvCxnSpPr>
-          <p:nvPr/>
-        </p:nvCxnSpPr>
-        <p:spPr>
-          <a:xfrm>
-            <a:off x="7652657" y="2971800"/>
-            <a:ext cx="0" cy="261257"/>
-          </a:xfrm>
-          <a:prstGeom prst="line">
-            <a:avLst/>
-          </a:prstGeom>
-          <a:ln w="25400"/>
-        </p:spPr>
-        <p:style>
-          <a:lnRef idx="1">
-            <a:schemeClr val="dk1"/>
-          </a:lnRef>
-          <a:fillRef idx="0">
-            <a:schemeClr val="dk1"/>
-          </a:fillRef>
-          <a:effectRef idx="0">
-            <a:schemeClr val="dk1"/>
-          </a:effectRef>
-          <a:fontRef idx="minor">
-            <a:schemeClr val="tx1"/>
-          </a:fontRef>
-        </p:style>
-      </p:cxnSp>
-      <p:cxnSp>
-        <p:nvCxnSpPr>
-          <p:cNvPr id="23" name="Straight Connector 22">
-            <a:extLst>
-              <a:ext uri="{FF2B5EF4-FFF2-40B4-BE49-F238E27FC236}">
-                <a16:creationId xmlns:a16="http://schemas.microsoft.com/office/drawing/2014/main" id="{4635182A-B24F-B573-692F-B65515FA151C}"/>
-              </a:ext>
-            </a:extLst>
-          </p:cNvPr>
-          <p:cNvCxnSpPr>
-            <a:cxnSpLocks/>
-          </p:cNvCxnSpPr>
-          <p:nvPr/>
-        </p:nvCxnSpPr>
-        <p:spPr>
-          <a:xfrm>
-            <a:off x="9630360" y="2971800"/>
-            <a:ext cx="0" cy="261257"/>
-          </a:xfrm>
-          <a:prstGeom prst="line">
-            <a:avLst/>
-          </a:prstGeom>
-          <a:ln w="25400"/>
-        </p:spPr>
-        <p:style>
-          <a:lnRef idx="1">
-            <a:schemeClr val="dk1"/>
-          </a:lnRef>
-          <a:fillRef idx="0">
-            <a:schemeClr val="dk1"/>
-          </a:fillRef>
-          <a:effectRef idx="0">
-            <a:schemeClr val="dk1"/>
-          </a:effectRef>
-          <a:fontRef idx="minor">
-            <a:schemeClr val="tx1"/>
-          </a:fontRef>
-        </p:style>
-      </p:cxnSp>
-      <p:sp>
-        <p:nvSpPr>
-          <p:cNvPr id="24" name="TextBox 23">
-            <a:extLst>
-              <a:ext uri="{FF2B5EF4-FFF2-40B4-BE49-F238E27FC236}">
-                <a16:creationId xmlns:a16="http://schemas.microsoft.com/office/drawing/2014/main" id="{4673367D-81C1-4AEE-403D-F3E7BFEFF055}"/>
-              </a:ext>
-            </a:extLst>
-          </p:cNvPr>
-          <p:cNvSpPr txBox="1"/>
-          <p:nvPr/>
-        </p:nvSpPr>
-        <p:spPr>
-          <a:xfrm>
-            <a:off x="10609551" y="2765753"/>
-            <a:ext cx="957797" cy="369332"/>
-          </a:xfrm>
-          <a:prstGeom prst="rect">
-            <a:avLst/>
-          </a:prstGeom>
-          <a:noFill/>
-        </p:spPr>
-        <p:txBody>
-          <a:bodyPr wrap="square" rtlCol="0">
-            <a:spAutoFit/>
-          </a:bodyPr>
-          <a:lstStyle/>
-          <a:p>
-            <a:r>
-              <a:rPr lang="en-CA" dirty="0"/>
-              <a:t>x 100%</a:t>
-            </a:r>
-          </a:p>
-        </p:txBody>
-      </p:sp>
+      </p:pic>
     </p:spTree>
     <p:extLst>
       <p:ext uri="{BB962C8B-B14F-4D97-AF65-F5344CB8AC3E}">
-        <p14:creationId xmlns:p14="http://schemas.microsoft.com/office/powerpoint/2010/main" val="405756858"/>
+        <p14:creationId xmlns:p14="http://schemas.microsoft.com/office/powerpoint/2010/main" val="2402555757"/>
       </p:ext>
     </p:extLst>
   </p:cSld>
@@ -12478,7 +12103,7 @@
 </p:sld>
 </file>
 
-<file path=ppt/slides/slide6.xml><?xml version="1.0" encoding="utf-8"?>
+<file path=ppt/slides/slide5.xml><?xml version="1.0" encoding="utf-8"?>
 <p:sld xmlns:a="http://schemas.openxmlformats.org/drawingml/2006/main" xmlns:r="http://schemas.openxmlformats.org/officeDocument/2006/relationships" xmlns:p="http://schemas.openxmlformats.org/presentationml/2006/main">
   <p:cSld>
     <p:bg>
@@ -12505,10 +12130,10 @@
       </p:grpSpPr>
       <p:sp>
         <p:nvSpPr>
-          <p:cNvPr id="12" name="!!Rectangle">
+          <p:cNvPr id="12" name="Freeform: Shape 11">
             <a:extLst>
               <a:ext uri="{FF2B5EF4-FFF2-40B4-BE49-F238E27FC236}">
-                <a16:creationId xmlns:a16="http://schemas.microsoft.com/office/drawing/2014/main" id="{442D2C40-7ED8-45E4-9E7D-C3407F9CAB7A}"/>
+                <a16:creationId xmlns:a16="http://schemas.microsoft.com/office/drawing/2014/main" id="{8A7BA06D-B3FF-4E91-8639-B4569AE3AA23}"/>
               </a:ext>
               <a:ext uri="{C183D7F6-B498-43B3-948B-1728B52AA6E4}">
                 <adec:decorative xmlns:adec="http://schemas.microsoft.com/office/drawing/2017/decorative" val="1"/>
@@ -12528,14 +12153,42 @@
         </p:nvSpPr>
         <p:spPr>
           <a:xfrm>
-            <a:off x="0" y="-8467"/>
-            <a:ext cx="12191999" cy="6866467"/>
+            <a:off x="10208695" y="1"/>
+            <a:ext cx="1135066" cy="477997"/>
           </a:xfrm>
-          <a:prstGeom prst="rect">
+          <a:custGeom>
             <a:avLst/>
-          </a:prstGeom>
+            <a:gdLst/>
+            <a:ahLst/>
+            <a:cxnLst/>
+            <a:rect l="l" t="t" r="r" b="b"/>
+            <a:pathLst>
+              <a:path w="1135066" h="477997">
+                <a:moveTo>
+                  <a:pt x="0" y="0"/>
+                </a:moveTo>
+                <a:lnTo>
+                  <a:pt x="1135066" y="0"/>
+                </a:lnTo>
+                <a:lnTo>
+                  <a:pt x="1133370" y="16827"/>
+                </a:lnTo>
+                <a:cubicBezTo>
+                  <a:pt x="1079514" y="280016"/>
+                  <a:pt x="846644" y="477997"/>
+                  <a:pt x="567533" y="477997"/>
+                </a:cubicBezTo>
+                <a:cubicBezTo>
+                  <a:pt x="288422" y="477997"/>
+                  <a:pt x="55552" y="280016"/>
+                  <a:pt x="1696" y="16827"/>
+                </a:cubicBezTo>
+                <a:close/>
+              </a:path>
+            </a:pathLst>
+          </a:custGeom>
           <a:solidFill>
-            <a:schemeClr val="tx1"/>
+            <a:schemeClr val="accent4"/>
           </a:solidFill>
           <a:ln>
             <a:noFill/>
@@ -12558,7 +12211,9 @@
           </a:fontRef>
         </p:style>
         <p:txBody>
-          <a:bodyPr rtlCol="0" anchor="ctr"/>
+          <a:bodyPr wrap="square" rtlCol="0" anchor="ctr">
+            <a:noAutofit/>
+          </a:bodyPr>
           <a:lstStyle/>
           <a:p>
             <a:pPr marL="0" marR="0" lvl="0" indent="0" algn="ctr" defTabSz="914400" rtl="0" eaLnBrk="1" fontAlgn="auto" latinLnBrk="0" hangingPunct="1">
@@ -12595,251 +12250,12 @@
           </a:p>
         </p:txBody>
       </p:sp>
-      <p:pic>
-        <p:nvPicPr>
-          <p:cNvPr id="8" name="Picture 7" descr="Angled shot of pen on a graph">
-            <a:extLst>
-              <a:ext uri="{FF2B5EF4-FFF2-40B4-BE49-F238E27FC236}">
-                <a16:creationId xmlns:a16="http://schemas.microsoft.com/office/drawing/2014/main" id="{35C1D28B-B66D-75B8-C7E5-002BF960BF00}"/>
-              </a:ext>
-            </a:extLst>
-          </p:cNvPr>
-          <p:cNvPicPr>
-            <a:picLocks noChangeAspect="1"/>
-          </p:cNvPicPr>
-          <p:nvPr/>
-        </p:nvPicPr>
-        <p:blipFill rotWithShape="1">
-          <a:blip r:embed="rId3">
-            <a:alphaModFix amt="35000"/>
-          </a:blip>
-          <a:srcRect t="9389" b="6237"/>
-          <a:stretch/>
-        </p:blipFill>
-        <p:spPr>
-          <a:xfrm>
-            <a:off x="20" y="-8467"/>
-            <a:ext cx="12191980" cy="6866467"/>
-          </a:xfrm>
-          <a:prstGeom prst="rect">
-            <a:avLst/>
-          </a:prstGeom>
-        </p:spPr>
-      </p:pic>
       <p:sp>
         <p:nvSpPr>
-          <p:cNvPr id="2" name="Title 1">
+          <p:cNvPr id="13" name="Arc 12">
             <a:extLst>
               <a:ext uri="{FF2B5EF4-FFF2-40B4-BE49-F238E27FC236}">
-                <a16:creationId xmlns:a16="http://schemas.microsoft.com/office/drawing/2014/main" id="{A89FF605-B798-3CAE-F694-48BC65E59F01}"/>
-              </a:ext>
-            </a:extLst>
-          </p:cNvPr>
-          <p:cNvSpPr>
-            <a:spLocks noGrp="1"/>
-          </p:cNvSpPr>
-          <p:nvPr>
-            <p:ph type="title"/>
-          </p:nvPr>
-        </p:nvSpPr>
-        <p:spPr>
-          <a:xfrm>
-            <a:off x="686834" y="591344"/>
-            <a:ext cx="3200400" cy="5585619"/>
-          </a:xfrm>
-        </p:spPr>
-        <p:txBody>
-          <a:bodyPr>
-            <a:normAutofit/>
-          </a:bodyPr>
-          <a:lstStyle/>
-          <a:p>
-            <a:r>
-              <a:rPr lang="en-CA">
-                <a:solidFill>
-                  <a:srgbClr val="FFFFFF"/>
-                </a:solidFill>
-              </a:rPr>
-              <a:t>Usability Verification</a:t>
-            </a:r>
-          </a:p>
-        </p:txBody>
-      </p:sp>
-      <p:sp>
-        <p:nvSpPr>
-          <p:cNvPr id="6" name="Content Placeholder 5">
-            <a:extLst>
-              <a:ext uri="{FF2B5EF4-FFF2-40B4-BE49-F238E27FC236}">
-                <a16:creationId xmlns:a16="http://schemas.microsoft.com/office/drawing/2014/main" id="{42B039C7-A81C-61E1-C7FA-52DDD84A1DF8}"/>
-              </a:ext>
-            </a:extLst>
-          </p:cNvPr>
-          <p:cNvSpPr>
-            <a:spLocks noGrp="1"/>
-          </p:cNvSpPr>
-          <p:nvPr>
-            <p:ph idx="1"/>
-          </p:nvPr>
-        </p:nvSpPr>
-        <p:spPr>
-          <a:xfrm>
-            <a:off x="4447308" y="591344"/>
-            <a:ext cx="6906491" cy="5585619"/>
-          </a:xfrm>
-        </p:spPr>
-        <p:txBody>
-          <a:bodyPr anchor="ctr">
-            <a:normAutofit/>
-          </a:bodyPr>
-          <a:lstStyle/>
-          <a:p>
-            <a:pPr marL="0" indent="0">
-              <a:buNone/>
-            </a:pPr>
-            <a:r>
-              <a:rPr lang="en-CA" sz="2400" dirty="0">
-                <a:solidFill>
-                  <a:srgbClr val="FFFFFF"/>
-                </a:solidFill>
-              </a:rPr>
-              <a:t>For Usability I’ll employ a survey, which will take feedback from users in the form of how much they agree with various statements on a Likert Scale from 1 to 5 (1 being not at all and 5 being Strongly Agree). Sample Statements are:</a:t>
-            </a:r>
-          </a:p>
-          <a:p>
-            <a:pPr marL="514350" indent="-514350">
-              <a:buFont typeface="+mj-lt"/>
-              <a:buAutoNum type="arabicPeriod"/>
-            </a:pPr>
-            <a:r>
-              <a:rPr lang="en-CA" sz="2400" dirty="0">
-                <a:solidFill>
-                  <a:srgbClr val="FFFFFF"/>
-                </a:solidFill>
-              </a:rPr>
-              <a:t>The User Interface is intuitive to use</a:t>
-            </a:r>
-          </a:p>
-          <a:p>
-            <a:pPr marL="514350" indent="-514350">
-              <a:buFont typeface="+mj-lt"/>
-              <a:buAutoNum type="arabicPeriod"/>
-            </a:pPr>
-            <a:r>
-              <a:rPr lang="en-CA" sz="2400" dirty="0">
-                <a:solidFill>
-                  <a:srgbClr val="FFFFFF"/>
-                </a:solidFill>
-              </a:rPr>
-              <a:t>The User Interface legible</a:t>
-            </a:r>
-          </a:p>
-          <a:p>
-            <a:pPr marL="514350" indent="-514350">
-              <a:buFont typeface="+mj-lt"/>
-              <a:buAutoNum type="arabicPeriod"/>
-            </a:pPr>
-            <a:r>
-              <a:rPr lang="en-CA" sz="2400" dirty="0">
-                <a:solidFill>
-                  <a:srgbClr val="FFFFFF"/>
-                </a:solidFill>
-              </a:rPr>
-              <a:t>Any error messages encountered are clear</a:t>
-            </a:r>
-          </a:p>
-          <a:p>
-            <a:pPr marL="514350" indent="-514350">
-              <a:buFont typeface="+mj-lt"/>
-              <a:buAutoNum type="arabicPeriod"/>
-            </a:pPr>
-            <a:r>
-              <a:rPr lang="en-CA" sz="2400" dirty="0">
-                <a:solidFill>
-                  <a:srgbClr val="FFFFFF"/>
-                </a:solidFill>
-              </a:rPr>
-              <a:t>The program runs smoothly</a:t>
-            </a:r>
-          </a:p>
-          <a:p>
-            <a:pPr marL="514350" indent="-514350">
-              <a:buFont typeface="+mj-lt"/>
-              <a:buAutoNum type="arabicPeriod"/>
-            </a:pPr>
-            <a:r>
-              <a:rPr lang="en-CA" sz="2400" dirty="0">
-                <a:solidFill>
-                  <a:srgbClr val="FFFFFF"/>
-                </a:solidFill>
-              </a:rPr>
-              <a:t>The output of the program is satisfactory</a:t>
-            </a:r>
-          </a:p>
-          <a:p>
-            <a:pPr marL="0" indent="0">
-              <a:buNone/>
-            </a:pPr>
-            <a:r>
-              <a:rPr lang="en-CA" sz="2400" dirty="0">
-                <a:solidFill>
-                  <a:srgbClr val="FFFFFF"/>
-                </a:solidFill>
-              </a:rPr>
-              <a:t>And finally, a section for other comments or suggestions will also be included.</a:t>
-            </a:r>
-          </a:p>
-        </p:txBody>
-      </p:sp>
-      <p:sp>
-        <p:nvSpPr>
-          <p:cNvPr id="5" name="Slide Number Placeholder 4">
-            <a:extLst>
-              <a:ext uri="{FF2B5EF4-FFF2-40B4-BE49-F238E27FC236}">
-                <a16:creationId xmlns:a16="http://schemas.microsoft.com/office/drawing/2014/main" id="{8EBD055C-72F3-A6F5-0998-F4DD7C844A92}"/>
-              </a:ext>
-            </a:extLst>
-          </p:cNvPr>
-          <p:cNvSpPr>
-            <a:spLocks noGrp="1"/>
-          </p:cNvSpPr>
-          <p:nvPr>
-            <p:ph type="sldNum" sz="quarter" idx="12"/>
-          </p:nvPr>
-        </p:nvSpPr>
-        <p:spPr>
-          <a:xfrm>
-            <a:off x="10658061" y="6469857"/>
-            <a:ext cx="1533939" cy="365125"/>
-          </a:xfrm>
-        </p:spPr>
-        <p:txBody>
-          <a:bodyPr>
-            <a:normAutofit/>
-          </a:bodyPr>
-          <a:lstStyle/>
-          <a:p>
-            <a:pPr>
-              <a:spcAft>
-                <a:spcPts val="600"/>
-              </a:spcAft>
-            </a:pPr>
-            <a:r>
-              <a:rPr lang="en-US" sz="1600" dirty="0">
-                <a:solidFill>
-                  <a:srgbClr val="FFFFFF"/>
-                </a:solidFill>
-              </a:rPr>
-              <a:t>Page 6/7</a:t>
-            </a:r>
-          </a:p>
-        </p:txBody>
-      </p:sp>
-      <p:sp>
-        <p:nvSpPr>
-          <p:cNvPr id="14" name="Arc 13">
-            <a:extLst>
-              <a:ext uri="{FF2B5EF4-FFF2-40B4-BE49-F238E27FC236}">
-                <a16:creationId xmlns:a16="http://schemas.microsoft.com/office/drawing/2014/main" id="{081E4A58-353D-44AE-B2FC-2A74E2E400F7}"/>
+                <a16:creationId xmlns:a16="http://schemas.microsoft.com/office/drawing/2014/main" id="{2B30C86D-5A07-48BC-9C9D-6F9A2DB1E9E1}"/>
               </a:ext>
               <a:ext uri="{C183D7F6-B498-43B3-948B-1728B52AA6E4}">
                 <adec:decorative xmlns:adec="http://schemas.microsoft.com/office/drawing/2017/decorative" val="1"/>
@@ -12858,8 +12274,8 @@
           </p:nvPr>
         </p:nvSpPr>
         <p:spPr>
-          <a:xfrm flipV="1">
-            <a:off x="7550402" y="2455479"/>
+          <a:xfrm rot="10800000" flipV="1">
+            <a:off x="555710" y="1064829"/>
             <a:ext cx="4083433" cy="4083433"/>
           </a:xfrm>
           <a:prstGeom prst="arc">
@@ -12924,10 +12340,1033 @@
           </a:p>
         </p:txBody>
       </p:sp>
+      <p:sp useBgFill="1">
+        <p:nvSpPr>
+          <p:cNvPr id="14" name="Rectangle 13">
+            <a:extLst>
+              <a:ext uri="{FF2B5EF4-FFF2-40B4-BE49-F238E27FC236}">
+                <a16:creationId xmlns:a16="http://schemas.microsoft.com/office/drawing/2014/main" id="{57E36F3B-5EA3-4859-A8E1-7DB2CD0BF045}"/>
+              </a:ext>
+              <a:ext uri="{C183D7F6-B498-43B3-948B-1728B52AA6E4}">
+                <adec:decorative xmlns:adec="http://schemas.microsoft.com/office/drawing/2017/decorative" val="1"/>
+              </a:ext>
+            </a:extLst>
+          </p:cNvPr>
+          <p:cNvSpPr>
+            <a:spLocks noGrp="1" noRot="1" noChangeAspect="1" noMove="1" noResize="1" noEditPoints="1" noAdjustHandles="1" noChangeArrowheads="1" noChangeShapeType="1" noTextEdit="1"/>
+          </p:cNvSpPr>
+          <p:nvPr>
+            <p:extLst>
+              <p:ext uri="{386F3935-93C4-4BCD-93E2-E3B085C9AB24}">
+                <p16:designElem xmlns:p16="http://schemas.microsoft.com/office/powerpoint/2015/main" val="1"/>
+              </p:ext>
+            </p:extLst>
+          </p:nvPr>
+        </p:nvSpPr>
+        <p:spPr>
+          <a:xfrm>
+            <a:off x="0" y="0"/>
+            <a:ext cx="12192000" cy="6858000"/>
+          </a:xfrm>
+          <a:prstGeom prst="rect">
+            <a:avLst/>
+          </a:prstGeom>
+          <a:ln>
+            <a:noFill/>
+          </a:ln>
+        </p:spPr>
+        <p:style>
+          <a:lnRef idx="2">
+            <a:schemeClr val="accent1">
+              <a:shade val="50000"/>
+            </a:schemeClr>
+          </a:lnRef>
+          <a:fillRef idx="1">
+            <a:schemeClr val="accent1"/>
+          </a:fillRef>
+          <a:effectRef idx="0">
+            <a:schemeClr val="accent1"/>
+          </a:effectRef>
+          <a:fontRef idx="minor">
+            <a:schemeClr val="lt1"/>
+          </a:fontRef>
+        </p:style>
+        <p:txBody>
+          <a:bodyPr rtlCol="0" anchor="ctr"/>
+          <a:lstStyle/>
+          <a:p>
+            <a:pPr marL="0" marR="0" lvl="0" indent="0" algn="ctr" defTabSz="914400" rtl="0" eaLnBrk="1" fontAlgn="auto" latinLnBrk="0" hangingPunct="1">
+              <a:lnSpc>
+                <a:spcPct val="100000"/>
+              </a:lnSpc>
+              <a:spcBef>
+                <a:spcPts val="0"/>
+              </a:spcBef>
+              <a:spcAft>
+                <a:spcPts val="0"/>
+              </a:spcAft>
+              <a:buClrTx/>
+              <a:buSzTx/>
+              <a:buFontTx/>
+              <a:buNone/>
+              <a:tabLst/>
+              <a:defRPr/>
+            </a:pPr>
+            <a:endParaRPr kumimoji="0" lang="en-US" sz="1800" b="0" i="0" u="none" strike="noStrike" kern="1200" cap="none" spc="0" normalizeH="0" baseline="0" noProof="0">
+              <a:ln>
+                <a:noFill/>
+              </a:ln>
+              <a:solidFill>
+                <a:prstClr val="white"/>
+              </a:solidFill>
+              <a:effectLst/>
+              <a:uLnTx/>
+              <a:uFillTx/>
+              <a:latin typeface="Calibri" panose="020F0502020204030204"/>
+              <a:ea typeface="+mn-ea"/>
+              <a:cs typeface="+mn-cs"/>
+            </a:endParaRPr>
+          </a:p>
+        </p:txBody>
+      </p:sp>
+      <p:sp>
+        <p:nvSpPr>
+          <p:cNvPr id="16" name="Freeform: Shape 15">
+            <a:extLst>
+              <a:ext uri="{FF2B5EF4-FFF2-40B4-BE49-F238E27FC236}">
+                <a16:creationId xmlns:a16="http://schemas.microsoft.com/office/drawing/2014/main" id="{E2635EE6-D269-46B5-8431-4D0F084D44A9}"/>
+              </a:ext>
+              <a:ext uri="{C183D7F6-B498-43B3-948B-1728B52AA6E4}">
+                <adec:decorative xmlns:adec="http://schemas.microsoft.com/office/drawing/2017/decorative" val="1"/>
+              </a:ext>
+            </a:extLst>
+          </p:cNvPr>
+          <p:cNvSpPr>
+            <a:spLocks noGrp="1" noRot="1" noChangeAspect="1" noMove="1" noResize="1" noEditPoints="1" noAdjustHandles="1" noChangeArrowheads="1" noChangeShapeType="1" noTextEdit="1"/>
+          </p:cNvSpPr>
+          <p:nvPr>
+            <p:extLst>
+              <p:ext uri="{386F3935-93C4-4BCD-93E2-E3B085C9AB24}">
+                <p16:designElem xmlns:p16="http://schemas.microsoft.com/office/powerpoint/2015/main" val="1"/>
+              </p:ext>
+            </p:extLst>
+          </p:nvPr>
+        </p:nvSpPr>
+        <p:spPr>
+          <a:xfrm>
+            <a:off x="-2" y="-4"/>
+            <a:ext cx="6252552" cy="6858003"/>
+          </a:xfrm>
+          <a:custGeom>
+            <a:avLst/>
+            <a:gdLst>
+              <a:gd name="connsiteX0" fmla="*/ 2609706 w 6252552"/>
+              <a:gd name="connsiteY0" fmla="*/ 0 h 6858003"/>
+              <a:gd name="connsiteX1" fmla="*/ 6252552 w 6252552"/>
+              <a:gd name="connsiteY1" fmla="*/ 0 h 6858003"/>
+              <a:gd name="connsiteX2" fmla="*/ 6252552 w 6252552"/>
+              <a:gd name="connsiteY2" fmla="*/ 6858002 h 6858003"/>
+              <a:gd name="connsiteX3" fmla="*/ 6228060 w 6252552"/>
+              <a:gd name="connsiteY3" fmla="*/ 6858002 h 6858003"/>
+              <a:gd name="connsiteX4" fmla="*/ 6228060 w 6252552"/>
+              <a:gd name="connsiteY4" fmla="*/ 6858003 h 6858003"/>
+              <a:gd name="connsiteX5" fmla="*/ 0 w 6252552"/>
+              <a:gd name="connsiteY5" fmla="*/ 6858003 h 6858003"/>
+              <a:gd name="connsiteX6" fmla="*/ 0 w 6252552"/>
+              <a:gd name="connsiteY6" fmla="*/ 1 h 6858003"/>
+              <a:gd name="connsiteX7" fmla="*/ 2609701 w 6252552"/>
+              <a:gd name="connsiteY7" fmla="*/ 1 h 6858003"/>
+            </a:gdLst>
+            <a:ahLst/>
+            <a:cxnLst>
+              <a:cxn ang="0">
+                <a:pos x="connsiteX0" y="connsiteY0"/>
+              </a:cxn>
+              <a:cxn ang="0">
+                <a:pos x="connsiteX1" y="connsiteY1"/>
+              </a:cxn>
+              <a:cxn ang="0">
+                <a:pos x="connsiteX2" y="connsiteY2"/>
+              </a:cxn>
+              <a:cxn ang="0">
+                <a:pos x="connsiteX3" y="connsiteY3"/>
+              </a:cxn>
+              <a:cxn ang="0">
+                <a:pos x="connsiteX4" y="connsiteY4"/>
+              </a:cxn>
+              <a:cxn ang="0">
+                <a:pos x="connsiteX5" y="connsiteY5"/>
+              </a:cxn>
+              <a:cxn ang="0">
+                <a:pos x="connsiteX6" y="connsiteY6"/>
+              </a:cxn>
+              <a:cxn ang="0">
+                <a:pos x="connsiteX7" y="connsiteY7"/>
+              </a:cxn>
+            </a:cxnLst>
+            <a:rect l="l" t="t" r="r" b="b"/>
+            <a:pathLst>
+              <a:path w="6252552" h="6858003">
+                <a:moveTo>
+                  <a:pt x="2609706" y="0"/>
+                </a:moveTo>
+                <a:lnTo>
+                  <a:pt x="6252552" y="0"/>
+                </a:lnTo>
+                <a:lnTo>
+                  <a:pt x="6252552" y="6858002"/>
+                </a:lnTo>
+                <a:lnTo>
+                  <a:pt x="6228060" y="6858002"/>
+                </a:lnTo>
+                <a:lnTo>
+                  <a:pt x="6228060" y="6858003"/>
+                </a:lnTo>
+                <a:lnTo>
+                  <a:pt x="0" y="6858003"/>
+                </a:lnTo>
+                <a:lnTo>
+                  <a:pt x="0" y="1"/>
+                </a:lnTo>
+                <a:lnTo>
+                  <a:pt x="2609701" y="1"/>
+                </a:lnTo>
+                <a:close/>
+              </a:path>
+            </a:pathLst>
+          </a:custGeom>
+          <a:solidFill>
+            <a:schemeClr val="accent2"/>
+          </a:solidFill>
+          <a:ln>
+            <a:noFill/>
+          </a:ln>
+        </p:spPr>
+        <p:style>
+          <a:lnRef idx="2">
+            <a:schemeClr val="accent1">
+              <a:shade val="50000"/>
+            </a:schemeClr>
+          </a:lnRef>
+          <a:fillRef idx="1">
+            <a:schemeClr val="accent1"/>
+          </a:fillRef>
+          <a:effectRef idx="0">
+            <a:schemeClr val="accent1"/>
+          </a:effectRef>
+          <a:fontRef idx="minor">
+            <a:schemeClr val="lt1"/>
+          </a:fontRef>
+        </p:style>
+        <p:txBody>
+          <a:bodyPr rtlCol="0" anchor="ctr"/>
+          <a:lstStyle/>
+          <a:p>
+            <a:pPr marL="0" marR="0" lvl="0" indent="0" algn="ctr" defTabSz="914400" rtl="0" eaLnBrk="1" fontAlgn="auto" latinLnBrk="0" hangingPunct="1">
+              <a:lnSpc>
+                <a:spcPct val="100000"/>
+              </a:lnSpc>
+              <a:spcBef>
+                <a:spcPts val="0"/>
+              </a:spcBef>
+              <a:spcAft>
+                <a:spcPts val="0"/>
+              </a:spcAft>
+              <a:buClrTx/>
+              <a:buSzTx/>
+              <a:buFontTx/>
+              <a:buNone/>
+              <a:tabLst/>
+              <a:defRPr/>
+            </a:pPr>
+            <a:endParaRPr kumimoji="0" lang="en-US" sz="1800" b="0" i="0" u="none" strike="noStrike" kern="1200" cap="none" spc="0" normalizeH="0" baseline="0" noProof="0">
+              <a:ln>
+                <a:noFill/>
+              </a:ln>
+              <a:solidFill>
+                <a:prstClr val="white"/>
+              </a:solidFill>
+              <a:effectLst/>
+              <a:uLnTx/>
+              <a:uFillTx/>
+              <a:latin typeface="Calibri" panose="020F0502020204030204"/>
+              <a:ea typeface="+mn-ea"/>
+              <a:cs typeface="+mn-cs"/>
+            </a:endParaRPr>
+          </a:p>
+        </p:txBody>
+      </p:sp>
+      <p:sp>
+        <p:nvSpPr>
+          <p:cNvPr id="18" name="Arc 17">
+            <a:extLst>
+              <a:ext uri="{FF2B5EF4-FFF2-40B4-BE49-F238E27FC236}">
+                <a16:creationId xmlns:a16="http://schemas.microsoft.com/office/drawing/2014/main" id="{18E928D9-3091-4385-B979-265D55AD02CE}"/>
+              </a:ext>
+              <a:ext uri="{C183D7F6-B498-43B3-948B-1728B52AA6E4}">
+                <adec:decorative xmlns:adec="http://schemas.microsoft.com/office/drawing/2017/decorative" val="1"/>
+              </a:ext>
+            </a:extLst>
+          </p:cNvPr>
+          <p:cNvSpPr>
+            <a:spLocks noGrp="1" noRot="1" noChangeAspect="1" noMove="1" noResize="1" noEditPoints="1" noAdjustHandles="1" noChangeArrowheads="1" noChangeShapeType="1" noTextEdit="1"/>
+          </p:cNvSpPr>
+          <p:nvPr>
+            <p:extLst>
+              <p:ext uri="{386F3935-93C4-4BCD-93E2-E3B085C9AB24}">
+                <p16:designElem xmlns:p16="http://schemas.microsoft.com/office/powerpoint/2015/main" val="1"/>
+              </p:ext>
+            </p:extLst>
+          </p:nvPr>
+        </p:nvSpPr>
+        <p:spPr>
+          <a:xfrm rot="303011">
+            <a:off x="2974408" y="700861"/>
+            <a:ext cx="2987899" cy="2987899"/>
+          </a:xfrm>
+          <a:prstGeom prst="arc">
+            <a:avLst>
+              <a:gd name="adj1" fmla="val 14612914"/>
+              <a:gd name="adj2" fmla="val 0"/>
+            </a:avLst>
+          </a:prstGeom>
+          <a:ln w="127000" cap="rnd">
+            <a:solidFill>
+              <a:schemeClr val="accent2">
+                <a:lumMod val="75000"/>
+              </a:schemeClr>
+            </a:solidFill>
+            <a:prstDash val="dash"/>
+          </a:ln>
+        </p:spPr>
+        <p:style>
+          <a:lnRef idx="1">
+            <a:schemeClr val="accent1"/>
+          </a:lnRef>
+          <a:fillRef idx="0">
+            <a:schemeClr val="accent1"/>
+          </a:fillRef>
+          <a:effectRef idx="0">
+            <a:schemeClr val="accent1"/>
+          </a:effectRef>
+          <a:fontRef idx="minor">
+            <a:schemeClr val="tx1"/>
+          </a:fontRef>
+        </p:style>
+        <p:txBody>
+          <a:bodyPr rtlCol="0" anchor="ctr"/>
+          <a:lstStyle/>
+          <a:p>
+            <a:pPr marL="0" marR="0" lvl="0" indent="0" algn="ctr" defTabSz="914400" rtl="0" eaLnBrk="1" fontAlgn="auto" latinLnBrk="0" hangingPunct="1">
+              <a:lnSpc>
+                <a:spcPct val="100000"/>
+              </a:lnSpc>
+              <a:spcBef>
+                <a:spcPts val="0"/>
+              </a:spcBef>
+              <a:spcAft>
+                <a:spcPts val="0"/>
+              </a:spcAft>
+              <a:buClrTx/>
+              <a:buSzTx/>
+              <a:buFontTx/>
+              <a:buNone/>
+              <a:tabLst/>
+              <a:defRPr/>
+            </a:pPr>
+            <a:endParaRPr kumimoji="0" lang="en-US" sz="1800" b="0" i="0" u="none" strike="noStrike" kern="1200" cap="none" spc="0" normalizeH="0" baseline="0" noProof="0">
+              <a:ln>
+                <a:noFill/>
+              </a:ln>
+              <a:solidFill>
+                <a:srgbClr val="000000"/>
+              </a:solidFill>
+              <a:effectLst/>
+              <a:uLnTx/>
+              <a:uFillTx/>
+              <a:latin typeface="Calibri" panose="020F0502020204030204"/>
+              <a:ea typeface="+mn-ea"/>
+              <a:cs typeface="+mn-cs"/>
+            </a:endParaRPr>
+          </a:p>
+        </p:txBody>
+      </p:sp>
+      <p:sp>
+        <p:nvSpPr>
+          <p:cNvPr id="2" name="Title 1">
+            <a:extLst>
+              <a:ext uri="{FF2B5EF4-FFF2-40B4-BE49-F238E27FC236}">
+                <a16:creationId xmlns:a16="http://schemas.microsoft.com/office/drawing/2014/main" id="{01744BA5-D3DA-1D01-296C-B1313183BFB1}"/>
+              </a:ext>
+            </a:extLst>
+          </p:cNvPr>
+          <p:cNvSpPr>
+            <a:spLocks noGrp="1"/>
+          </p:cNvSpPr>
+          <p:nvPr>
+            <p:ph type="title"/>
+          </p:nvPr>
+        </p:nvSpPr>
+        <p:spPr>
+          <a:xfrm>
+            <a:off x="643467" y="795509"/>
+            <a:ext cx="5271106" cy="2798604"/>
+          </a:xfrm>
+        </p:spPr>
+        <p:txBody>
+          <a:bodyPr vert="horz" lIns="91440" tIns="45720" rIns="91440" bIns="45720" rtlCol="0" anchor="b">
+            <a:normAutofit/>
+          </a:bodyPr>
+          <a:lstStyle/>
+          <a:p>
+            <a:r>
+              <a:rPr lang="en-US" sz="6000" kern="1200">
+                <a:solidFill>
+                  <a:srgbClr val="FFFFFF"/>
+                </a:solidFill>
+                <a:latin typeface="+mj-lt"/>
+                <a:ea typeface="+mj-ea"/>
+                <a:cs typeface="+mj-cs"/>
+              </a:rPr>
+              <a:t>Model Performance</a:t>
+            </a:r>
+          </a:p>
+        </p:txBody>
+      </p:sp>
+      <p:sp>
+        <p:nvSpPr>
+          <p:cNvPr id="20" name="Oval 19">
+            <a:extLst>
+              <a:ext uri="{FF2B5EF4-FFF2-40B4-BE49-F238E27FC236}">
+                <a16:creationId xmlns:a16="http://schemas.microsoft.com/office/drawing/2014/main" id="{7D602432-D774-4CF5-94E8-7D52D01059D2}"/>
+              </a:ext>
+              <a:ext uri="{C183D7F6-B498-43B3-948B-1728B52AA6E4}">
+                <adec:decorative xmlns:adec="http://schemas.microsoft.com/office/drawing/2017/decorative" val="1"/>
+              </a:ext>
+            </a:extLst>
+          </p:cNvPr>
+          <p:cNvSpPr>
+            <a:spLocks noGrp="1" noRot="1" noChangeAspect="1" noMove="1" noResize="1" noEditPoints="1" noAdjustHandles="1" noChangeArrowheads="1" noChangeShapeType="1" noTextEdit="1"/>
+          </p:cNvSpPr>
+          <p:nvPr>
+            <p:extLst>
+              <p:ext uri="{386F3935-93C4-4BCD-93E2-E3B085C9AB24}">
+                <p16:designElem xmlns:p16="http://schemas.microsoft.com/office/powerpoint/2015/main" val="1"/>
+              </p:ext>
+            </p:extLst>
+          </p:nvPr>
+        </p:nvSpPr>
+        <p:spPr>
+          <a:xfrm>
+            <a:off x="1201186" y="5486807"/>
+            <a:ext cx="491961" cy="491961"/>
+          </a:xfrm>
+          <a:prstGeom prst="ellipse">
+            <a:avLst/>
+          </a:prstGeom>
+          <a:solidFill>
+            <a:schemeClr val="accent2">
+              <a:lumMod val="75000"/>
+            </a:schemeClr>
+          </a:solidFill>
+          <a:ln>
+            <a:noFill/>
+          </a:ln>
+        </p:spPr>
+        <p:style>
+          <a:lnRef idx="2">
+            <a:schemeClr val="accent1">
+              <a:shade val="50000"/>
+            </a:schemeClr>
+          </a:lnRef>
+          <a:fillRef idx="1">
+            <a:schemeClr val="accent1"/>
+          </a:fillRef>
+          <a:effectRef idx="0">
+            <a:schemeClr val="accent1"/>
+          </a:effectRef>
+          <a:fontRef idx="minor">
+            <a:schemeClr val="lt1"/>
+          </a:fontRef>
+        </p:style>
+        <p:txBody>
+          <a:bodyPr rtlCol="0" anchor="ctr"/>
+          <a:lstStyle/>
+          <a:p>
+            <a:pPr marL="0" marR="0" lvl="0" indent="0" algn="ctr" defTabSz="914400" rtl="0" eaLnBrk="1" fontAlgn="auto" latinLnBrk="0" hangingPunct="1">
+              <a:lnSpc>
+                <a:spcPct val="100000"/>
+              </a:lnSpc>
+              <a:spcBef>
+                <a:spcPts val="0"/>
+              </a:spcBef>
+              <a:spcAft>
+                <a:spcPts val="0"/>
+              </a:spcAft>
+              <a:buClrTx/>
+              <a:buSzTx/>
+              <a:buFontTx/>
+              <a:buNone/>
+              <a:tabLst/>
+              <a:defRPr/>
+            </a:pPr>
+            <a:endParaRPr kumimoji="0" lang="en-US" sz="1800" b="0" i="0" u="none" strike="noStrike" kern="1200" cap="none" spc="0" normalizeH="0" baseline="0" noProof="0">
+              <a:ln>
+                <a:noFill/>
+              </a:ln>
+              <a:solidFill>
+                <a:srgbClr val="FFFFFF"/>
+              </a:solidFill>
+              <a:effectLst/>
+              <a:uLnTx/>
+              <a:uFillTx/>
+              <a:latin typeface="Calibri" panose="020F0502020204030204"/>
+              <a:ea typeface="+mn-ea"/>
+              <a:cs typeface="+mn-cs"/>
+            </a:endParaRPr>
+          </a:p>
+        </p:txBody>
+      </p:sp>
+      <p:pic>
+        <p:nvPicPr>
+          <p:cNvPr id="6" name="Picture 5" descr="A graph with a blue line&#10;&#10;Description automatically generated">
+            <a:extLst>
+              <a:ext uri="{FF2B5EF4-FFF2-40B4-BE49-F238E27FC236}">
+                <a16:creationId xmlns:a16="http://schemas.microsoft.com/office/drawing/2014/main" id="{88C0B306-5A93-98A3-AF68-CF147F5AD088}"/>
+              </a:ext>
+            </a:extLst>
+          </p:cNvPr>
+          <p:cNvPicPr>
+            <a:picLocks noChangeAspect="1"/>
+          </p:cNvPicPr>
+          <p:nvPr/>
+        </p:nvPicPr>
+        <p:blipFill rotWithShape="1">
+          <a:blip r:embed="rId2">
+            <a:extLst>
+              <a:ext uri="{28A0092B-C50C-407E-A947-70E740481C1C}">
+                <a14:useLocalDpi xmlns:a14="http://schemas.microsoft.com/office/drawing/2010/main" val="0"/>
+              </a:ext>
+            </a:extLst>
+          </a:blip>
+          <a:srcRect t="11824" r="4" b="9944"/>
+          <a:stretch/>
+        </p:blipFill>
+        <p:spPr>
+          <a:xfrm>
+            <a:off x="6496428" y="3502644"/>
+            <a:ext cx="5431801" cy="3187173"/>
+          </a:xfrm>
+          <a:custGeom>
+            <a:avLst/>
+            <a:gdLst/>
+            <a:ahLst/>
+            <a:cxnLst/>
+            <a:rect l="l" t="t" r="r" b="b"/>
+            <a:pathLst>
+              <a:path w="5096871" h="3187173">
+                <a:moveTo>
+                  <a:pt x="76652" y="0"/>
+                </a:moveTo>
+                <a:lnTo>
+                  <a:pt x="5020219" y="0"/>
+                </a:lnTo>
+                <a:cubicBezTo>
+                  <a:pt x="5062553" y="0"/>
+                  <a:pt x="5096871" y="34318"/>
+                  <a:pt x="5096871" y="76652"/>
+                </a:cubicBezTo>
+                <a:lnTo>
+                  <a:pt x="5096871" y="3110521"/>
+                </a:lnTo>
+                <a:cubicBezTo>
+                  <a:pt x="5096871" y="3152855"/>
+                  <a:pt x="5062553" y="3187173"/>
+                  <a:pt x="5020219" y="3187173"/>
+                </a:cubicBezTo>
+                <a:lnTo>
+                  <a:pt x="76652" y="3187173"/>
+                </a:lnTo>
+                <a:cubicBezTo>
+                  <a:pt x="34318" y="3187173"/>
+                  <a:pt x="0" y="3152855"/>
+                  <a:pt x="0" y="3110521"/>
+                </a:cubicBezTo>
+                <a:lnTo>
+                  <a:pt x="0" y="76652"/>
+                </a:lnTo>
+                <a:cubicBezTo>
+                  <a:pt x="0" y="34318"/>
+                  <a:pt x="34318" y="0"/>
+                  <a:pt x="76652" y="0"/>
+                </a:cubicBezTo>
+                <a:close/>
+              </a:path>
+            </a:pathLst>
+          </a:custGeom>
+        </p:spPr>
+      </p:pic>
+      <p:sp>
+        <p:nvSpPr>
+          <p:cNvPr id="4" name="Slide Number Placeholder 3">
+            <a:extLst>
+              <a:ext uri="{FF2B5EF4-FFF2-40B4-BE49-F238E27FC236}">
+                <a16:creationId xmlns:a16="http://schemas.microsoft.com/office/drawing/2014/main" id="{4A80C20F-3AD1-D8DF-EEFE-1CF3E264B8B5}"/>
+              </a:ext>
+            </a:extLst>
+          </p:cNvPr>
+          <p:cNvSpPr>
+            <a:spLocks noGrp="1"/>
+          </p:cNvSpPr>
+          <p:nvPr>
+            <p:ph type="sldNum" sz="quarter" idx="12"/>
+          </p:nvPr>
+        </p:nvSpPr>
+        <p:spPr>
+          <a:xfrm>
+            <a:off x="8610600" y="6356350"/>
+            <a:ext cx="2743200" cy="365125"/>
+          </a:xfrm>
+        </p:spPr>
+        <p:txBody>
+          <a:bodyPr vert="horz" lIns="91440" tIns="45720" rIns="91440" bIns="45720" rtlCol="0" anchor="ctr">
+            <a:normAutofit/>
+          </a:bodyPr>
+          <a:lstStyle/>
+          <a:p>
+            <a:pPr>
+              <a:spcAft>
+                <a:spcPts val="600"/>
+              </a:spcAft>
+            </a:pPr>
+            <a:fld id="{4854181D-6920-4594-9A5D-6CE56DC9F8B2}" type="slidenum">
+              <a:rPr lang="en-US" smtClean="0">
+                <a:solidFill>
+                  <a:srgbClr val="FFFFFF"/>
+                </a:solidFill>
+              </a:rPr>
+              <a:pPr>
+                <a:spcAft>
+                  <a:spcPts val="600"/>
+                </a:spcAft>
+              </a:pPr>
+              <a:t>5</a:t>
+            </a:fld>
+            <a:endParaRPr lang="en-US">
+              <a:solidFill>
+                <a:srgbClr val="FFFFFF"/>
+              </a:solidFill>
+            </a:endParaRPr>
+          </a:p>
+        </p:txBody>
+      </p:sp>
+      <p:pic>
+        <p:nvPicPr>
+          <p:cNvPr id="22" name="Picture 21" descr="A chart of a color bar&#10;&#10;Description automatically generated with medium confidence">
+            <a:extLst>
+              <a:ext uri="{FF2B5EF4-FFF2-40B4-BE49-F238E27FC236}">
+                <a16:creationId xmlns:a16="http://schemas.microsoft.com/office/drawing/2014/main" id="{B4A5ADC2-9D8D-D402-FB30-A925D383F63D}"/>
+              </a:ext>
+            </a:extLst>
+          </p:cNvPr>
+          <p:cNvPicPr>
+            <a:picLocks noChangeAspect="1"/>
+          </p:cNvPicPr>
+          <p:nvPr/>
+        </p:nvPicPr>
+        <p:blipFill rotWithShape="1">
+          <a:blip r:embed="rId3">
+            <a:extLst>
+              <a:ext uri="{28A0092B-C50C-407E-A947-70E740481C1C}">
+                <a14:useLocalDpi xmlns:a14="http://schemas.microsoft.com/office/drawing/2010/main" val="0"/>
+              </a:ext>
+            </a:extLst>
+          </a:blip>
+          <a:srcRect l="7168" r="22356"/>
+          <a:stretch/>
+        </p:blipFill>
+        <p:spPr>
+          <a:xfrm>
+            <a:off x="6252550" y="292494"/>
+            <a:ext cx="2792445" cy="2971694"/>
+          </a:xfrm>
+          <a:prstGeom prst="rect">
+            <a:avLst/>
+          </a:prstGeom>
+        </p:spPr>
+      </p:pic>
+      <p:pic>
+        <p:nvPicPr>
+          <p:cNvPr id="33" name="Picture 32" descr="A chart of a number of colored squares&#10;&#10;Description automatically generated with medium confidence">
+            <a:extLst>
+              <a:ext uri="{FF2B5EF4-FFF2-40B4-BE49-F238E27FC236}">
+                <a16:creationId xmlns:a16="http://schemas.microsoft.com/office/drawing/2014/main" id="{81C913E6-C254-4BC0-0D84-19B0C23ABD6F}"/>
+              </a:ext>
+            </a:extLst>
+          </p:cNvPr>
+          <p:cNvPicPr>
+            <a:picLocks noChangeAspect="1"/>
+          </p:cNvPicPr>
+          <p:nvPr/>
+        </p:nvPicPr>
+        <p:blipFill rotWithShape="1">
+          <a:blip r:embed="rId4">
+            <a:extLst>
+              <a:ext uri="{28A0092B-C50C-407E-A947-70E740481C1C}">
+                <a14:useLocalDpi xmlns:a14="http://schemas.microsoft.com/office/drawing/2010/main" val="0"/>
+              </a:ext>
+            </a:extLst>
+          </a:blip>
+          <a:srcRect l="5698" r="22954"/>
+          <a:stretch/>
+        </p:blipFill>
+        <p:spPr>
+          <a:xfrm>
+            <a:off x="9101247" y="292494"/>
+            <a:ext cx="2826982" cy="2971694"/>
+          </a:xfrm>
+          <a:prstGeom prst="rect">
+            <a:avLst/>
+          </a:prstGeom>
+        </p:spPr>
+      </p:pic>
+      <p:sp>
+        <p:nvSpPr>
+          <p:cNvPr id="34" name="TextBox 33">
+            <a:extLst>
+              <a:ext uri="{FF2B5EF4-FFF2-40B4-BE49-F238E27FC236}">
+                <a16:creationId xmlns:a16="http://schemas.microsoft.com/office/drawing/2014/main" id="{AF69D833-08C9-77E4-1AEA-5842514DC147}"/>
+              </a:ext>
+            </a:extLst>
+          </p:cNvPr>
+          <p:cNvSpPr txBox="1"/>
+          <p:nvPr/>
+        </p:nvSpPr>
+        <p:spPr>
+          <a:xfrm>
+            <a:off x="6923764" y="252471"/>
+            <a:ext cx="1678469" cy="369332"/>
+          </a:xfrm>
+          <a:prstGeom prst="rect">
+            <a:avLst/>
+          </a:prstGeom>
+          <a:noFill/>
+        </p:spPr>
+        <p:txBody>
+          <a:bodyPr wrap="square" rtlCol="0">
+            <a:spAutoFit/>
+          </a:bodyPr>
+          <a:lstStyle/>
+          <a:p>
+            <a:pPr algn="ctr"/>
+            <a:r>
+              <a:rPr lang="en-CA" dirty="0"/>
+              <a:t>Train Overall</a:t>
+            </a:r>
+          </a:p>
+        </p:txBody>
+      </p:sp>
+      <p:sp>
+        <p:nvSpPr>
+          <p:cNvPr id="35" name="TextBox 34">
+            <a:extLst>
+              <a:ext uri="{FF2B5EF4-FFF2-40B4-BE49-F238E27FC236}">
+                <a16:creationId xmlns:a16="http://schemas.microsoft.com/office/drawing/2014/main" id="{3F260357-347F-AAE9-E702-644AD23920E7}"/>
+              </a:ext>
+            </a:extLst>
+          </p:cNvPr>
+          <p:cNvSpPr txBox="1"/>
+          <p:nvPr/>
+        </p:nvSpPr>
+        <p:spPr>
+          <a:xfrm>
+            <a:off x="9936993" y="234006"/>
+            <a:ext cx="1678469" cy="369332"/>
+          </a:xfrm>
+          <a:prstGeom prst="rect">
+            <a:avLst/>
+          </a:prstGeom>
+          <a:noFill/>
+        </p:spPr>
+        <p:txBody>
+          <a:bodyPr wrap="square" rtlCol="0">
+            <a:spAutoFit/>
+          </a:bodyPr>
+          <a:lstStyle/>
+          <a:p>
+            <a:pPr algn="ctr"/>
+            <a:r>
+              <a:rPr lang="en-CA" dirty="0"/>
+              <a:t>Test Overall</a:t>
+            </a:r>
+          </a:p>
+        </p:txBody>
+      </p:sp>
     </p:spTree>
     <p:extLst>
       <p:ext uri="{BB962C8B-B14F-4D97-AF65-F5344CB8AC3E}">
-        <p14:creationId xmlns:p14="http://schemas.microsoft.com/office/powerpoint/2010/main" val="782325152"/>
+        <p14:creationId xmlns:p14="http://schemas.microsoft.com/office/powerpoint/2010/main" val="264534519"/>
+      </p:ext>
+    </p:extLst>
+  </p:cSld>
+  <p:clrMapOvr>
+    <a:masterClrMapping/>
+  </p:clrMapOvr>
+</p:sld>
+</file>
+
+<file path=ppt/slides/slide6.xml><?xml version="1.0" encoding="utf-8"?>
+<p:sld xmlns:a="http://schemas.openxmlformats.org/drawingml/2006/main" xmlns:r="http://schemas.openxmlformats.org/officeDocument/2006/relationships" xmlns:p="http://schemas.openxmlformats.org/presentationml/2006/main">
+  <p:cSld>
+    <p:spTree>
+      <p:nvGrpSpPr>
+        <p:cNvPr id="1" name=""/>
+        <p:cNvGrpSpPr/>
+        <p:nvPr/>
+      </p:nvGrpSpPr>
+      <p:grpSpPr>
+        <a:xfrm>
+          <a:off x="0" y="0"/>
+          <a:ext cx="0" cy="0"/>
+          <a:chOff x="0" y="0"/>
+          <a:chExt cx="0" cy="0"/>
+        </a:xfrm>
+      </p:grpSpPr>
+      <p:sp>
+        <p:nvSpPr>
+          <p:cNvPr id="2" name="Title 1">
+            <a:extLst>
+              <a:ext uri="{FF2B5EF4-FFF2-40B4-BE49-F238E27FC236}">
+                <a16:creationId xmlns:a16="http://schemas.microsoft.com/office/drawing/2014/main" id="{9401E9F1-FE74-FBC4-8430-55FD63ACBB0C}"/>
+              </a:ext>
+            </a:extLst>
+          </p:cNvPr>
+          <p:cNvSpPr>
+            <a:spLocks noGrp="1"/>
+          </p:cNvSpPr>
+          <p:nvPr>
+            <p:ph type="title"/>
+          </p:nvPr>
+        </p:nvSpPr>
+        <p:spPr/>
+        <p:txBody>
+          <a:bodyPr/>
+          <a:lstStyle/>
+          <a:p>
+            <a:r>
+              <a:rPr lang="en-CA" dirty="0"/>
+              <a:t>Model Performance Cont’d</a:t>
+            </a:r>
+          </a:p>
+        </p:txBody>
+      </p:sp>
+      <p:sp>
+        <p:nvSpPr>
+          <p:cNvPr id="4" name="Slide Number Placeholder 3">
+            <a:extLst>
+              <a:ext uri="{FF2B5EF4-FFF2-40B4-BE49-F238E27FC236}">
+                <a16:creationId xmlns:a16="http://schemas.microsoft.com/office/drawing/2014/main" id="{697D02B5-6622-ABE9-8350-FDE20CAC8EC4}"/>
+              </a:ext>
+            </a:extLst>
+          </p:cNvPr>
+          <p:cNvSpPr>
+            <a:spLocks noGrp="1"/>
+          </p:cNvSpPr>
+          <p:nvPr>
+            <p:ph type="sldNum" sz="quarter" idx="12"/>
+          </p:nvPr>
+        </p:nvSpPr>
+        <p:spPr/>
+        <p:txBody>
+          <a:bodyPr/>
+          <a:lstStyle/>
+          <a:p>
+            <a:fld id="{4854181D-6920-4594-9A5D-6CE56DC9F8B2}" type="slidenum">
+              <a:rPr lang="en-US" smtClean="0"/>
+              <a:t>6</a:t>
+            </a:fld>
+            <a:endParaRPr lang="en-US"/>
+          </a:p>
+        </p:txBody>
+      </p:sp>
+      <p:sp>
+        <p:nvSpPr>
+          <p:cNvPr id="7" name="TextBox 6">
+            <a:extLst>
+              <a:ext uri="{FF2B5EF4-FFF2-40B4-BE49-F238E27FC236}">
+                <a16:creationId xmlns:a16="http://schemas.microsoft.com/office/drawing/2014/main" id="{38941DF8-5DD4-80E3-DB43-630E27F1BEC3}"/>
+              </a:ext>
+            </a:extLst>
+          </p:cNvPr>
+          <p:cNvSpPr txBox="1"/>
+          <p:nvPr/>
+        </p:nvSpPr>
+        <p:spPr>
+          <a:xfrm>
+            <a:off x="366858" y="1479069"/>
+            <a:ext cx="6948342" cy="4524315"/>
+          </a:xfrm>
+          <a:prstGeom prst="rect">
+            <a:avLst/>
+          </a:prstGeom>
+          <a:noFill/>
+        </p:spPr>
+        <p:txBody>
+          <a:bodyPr wrap="square" rtlCol="0">
+            <a:spAutoFit/>
+          </a:bodyPr>
+          <a:lstStyle/>
+          <a:p>
+            <a:r>
+              <a:rPr lang="en-CA" dirty="0"/>
+              <a:t>Each model is very good at predicting true negatives, also typically low amounts of false positives… some stats on the test data performance:</a:t>
+            </a:r>
+          </a:p>
+          <a:p>
+            <a:endParaRPr lang="en-CA" dirty="0"/>
+          </a:p>
+          <a:p>
+            <a:r>
+              <a:rPr lang="en-CA" dirty="0"/>
+              <a:t>Best Accuracy (Letter M) = 98.7%</a:t>
+            </a:r>
+          </a:p>
+          <a:p>
+            <a:r>
+              <a:rPr lang="en-CA" dirty="0"/>
+              <a:t>Worst Accuracy (Letter T) = 96.4%</a:t>
+            </a:r>
+          </a:p>
+          <a:p>
+            <a:r>
+              <a:rPr lang="en-CA" dirty="0"/>
+              <a:t>Overall Accuracy (From Last Slide) = 67.4%</a:t>
+            </a:r>
+          </a:p>
+          <a:p>
+            <a:endParaRPr lang="en-CA" dirty="0"/>
+          </a:p>
+          <a:p>
+            <a:r>
+              <a:rPr lang="en-CA" dirty="0"/>
+              <a:t>Best Misclassification (Letter M) = 1.3%</a:t>
+            </a:r>
+          </a:p>
+          <a:p>
+            <a:r>
+              <a:rPr lang="en-CA" dirty="0"/>
+              <a:t>Worst Misclassification (Letter </a:t>
+            </a:r>
+            <a:r>
+              <a:rPr lang="en-CA"/>
+              <a:t>A) = 3.7%</a:t>
+            </a:r>
+            <a:endParaRPr lang="en-CA" dirty="0"/>
+          </a:p>
+          <a:p>
+            <a:r>
+              <a:rPr lang="en-CA" dirty="0"/>
+              <a:t>Overall Misclassification (From Last Slide) = 32.5%</a:t>
+            </a:r>
+          </a:p>
+          <a:p>
+            <a:endParaRPr lang="en-CA" dirty="0"/>
+          </a:p>
+          <a:p>
+            <a:r>
+              <a:rPr lang="en-CA" dirty="0"/>
+              <a:t>Best Precision (Letter M) = 87.6%</a:t>
+            </a:r>
+          </a:p>
+          <a:p>
+            <a:r>
+              <a:rPr lang="en-CA" dirty="0"/>
+              <a:t>Worst Precision  (Letter A) = 55.3%</a:t>
+            </a:r>
+          </a:p>
+          <a:p>
+            <a:endParaRPr lang="en-CA" dirty="0"/>
+          </a:p>
+          <a:p>
+            <a:endParaRPr lang="en-CA" dirty="0"/>
+          </a:p>
+        </p:txBody>
+      </p:sp>
+      <p:pic>
+        <p:nvPicPr>
+          <p:cNvPr id="12" name="Content Placeholder 11" descr="A chart with a yellow and purple squares&#10;&#10;Description automatically generated">
+            <a:extLst>
+              <a:ext uri="{FF2B5EF4-FFF2-40B4-BE49-F238E27FC236}">
+                <a16:creationId xmlns:a16="http://schemas.microsoft.com/office/drawing/2014/main" id="{EB8FE7C8-CAAF-3F13-01BB-6B10D9AB38E4}"/>
+              </a:ext>
+            </a:extLst>
+          </p:cNvPr>
+          <p:cNvPicPr>
+            <a:picLocks noGrp="1" noChangeAspect="1"/>
+          </p:cNvPicPr>
+          <p:nvPr>
+            <p:ph idx="1"/>
+          </p:nvPr>
+        </p:nvPicPr>
+        <p:blipFill>
+          <a:blip r:embed="rId2">
+            <a:extLst>
+              <a:ext uri="{28A0092B-C50C-407E-A947-70E740481C1C}">
+                <a14:useLocalDpi xmlns:a14="http://schemas.microsoft.com/office/drawing/2010/main" val="0"/>
+              </a:ext>
+            </a:extLst>
+          </a:blip>
+          <a:stretch>
+            <a:fillRect/>
+          </a:stretch>
+        </p:blipFill>
+        <p:spPr>
+          <a:xfrm>
+            <a:off x="7814383" y="365125"/>
+            <a:ext cx="4335633" cy="3251725"/>
+          </a:xfrm>
+        </p:spPr>
+      </p:pic>
+      <p:pic>
+        <p:nvPicPr>
+          <p:cNvPr id="16" name="Picture 15" descr="A chart with numbers and a yellow and purple square&#10;&#10;Description automatically generated with medium confidence">
+            <a:extLst>
+              <a:ext uri="{FF2B5EF4-FFF2-40B4-BE49-F238E27FC236}">
+                <a16:creationId xmlns:a16="http://schemas.microsoft.com/office/drawing/2014/main" id="{F1F7082A-49C9-BAA5-0B5F-8BEAD7D93A0D}"/>
+              </a:ext>
+            </a:extLst>
+          </p:cNvPr>
+          <p:cNvPicPr>
+            <a:picLocks noChangeAspect="1"/>
+          </p:cNvPicPr>
+          <p:nvPr/>
+        </p:nvPicPr>
+        <p:blipFill>
+          <a:blip r:embed="rId3">
+            <a:extLst>
+              <a:ext uri="{28A0092B-C50C-407E-A947-70E740481C1C}">
+                <a14:useLocalDpi xmlns:a14="http://schemas.microsoft.com/office/drawing/2010/main" val="0"/>
+              </a:ext>
+            </a:extLst>
+          </a:blip>
+          <a:stretch>
+            <a:fillRect/>
+          </a:stretch>
+        </p:blipFill>
+        <p:spPr>
+          <a:xfrm>
+            <a:off x="7814383" y="3606275"/>
+            <a:ext cx="4335633" cy="3251725"/>
+          </a:xfrm>
+          <a:prstGeom prst="rect">
+            <a:avLst/>
+          </a:prstGeom>
+        </p:spPr>
+      </p:pic>
+    </p:spTree>
+    <p:extLst>
+      <p:ext uri="{BB962C8B-B14F-4D97-AF65-F5344CB8AC3E}">
+        <p14:creationId xmlns:p14="http://schemas.microsoft.com/office/powerpoint/2010/main" val="303661165"/>
       </p:ext>
     </p:extLst>
   </p:cSld>
@@ -12938,6 +13377,279 @@
 </file>
 
 <file path=ppt/slides/slide7.xml><?xml version="1.0" encoding="utf-8"?>
+<p:sld xmlns:a="http://schemas.openxmlformats.org/drawingml/2006/main" xmlns:r="http://schemas.openxmlformats.org/officeDocument/2006/relationships" xmlns:p="http://schemas.openxmlformats.org/presentationml/2006/main">
+  <p:cSld>
+    <p:spTree>
+      <p:nvGrpSpPr>
+        <p:cNvPr id="1" name=""/>
+        <p:cNvGrpSpPr/>
+        <p:nvPr/>
+      </p:nvGrpSpPr>
+      <p:grpSpPr>
+        <a:xfrm>
+          <a:off x="0" y="0"/>
+          <a:ext cx="0" cy="0"/>
+          <a:chOff x="0" y="0"/>
+          <a:chExt cx="0" cy="0"/>
+        </a:xfrm>
+      </p:grpSpPr>
+      <p:sp>
+        <p:nvSpPr>
+          <p:cNvPr id="2" name="Title 1">
+            <a:extLst>
+              <a:ext uri="{FF2B5EF4-FFF2-40B4-BE49-F238E27FC236}">
+                <a16:creationId xmlns:a16="http://schemas.microsoft.com/office/drawing/2014/main" id="{C34B297A-791F-61E9-5A15-81A317E254D4}"/>
+              </a:ext>
+            </a:extLst>
+          </p:cNvPr>
+          <p:cNvSpPr>
+            <a:spLocks noGrp="1"/>
+          </p:cNvSpPr>
+          <p:nvPr>
+            <p:ph type="title"/>
+          </p:nvPr>
+        </p:nvSpPr>
+        <p:spPr>
+          <a:xfrm>
+            <a:off x="838200" y="86061"/>
+            <a:ext cx="10515600" cy="1325563"/>
+          </a:xfrm>
+        </p:spPr>
+        <p:txBody>
+          <a:bodyPr/>
+          <a:lstStyle/>
+          <a:p>
+            <a:r>
+              <a:rPr lang="en-CA" dirty="0"/>
+              <a:t>OAR Input</a:t>
+            </a:r>
+          </a:p>
+        </p:txBody>
+      </p:sp>
+      <p:pic>
+        <p:nvPicPr>
+          <p:cNvPr id="6" name="Content Placeholder 5">
+            <a:extLst>
+              <a:ext uri="{FF2B5EF4-FFF2-40B4-BE49-F238E27FC236}">
+                <a16:creationId xmlns:a16="http://schemas.microsoft.com/office/drawing/2014/main" id="{81BEC31C-C8AA-5D47-2C65-170D896DEE0F}"/>
+              </a:ext>
+            </a:extLst>
+          </p:cNvPr>
+          <p:cNvPicPr>
+            <a:picLocks noGrp="1" noChangeAspect="1"/>
+          </p:cNvPicPr>
+          <p:nvPr>
+            <p:ph idx="1"/>
+          </p:nvPr>
+        </p:nvPicPr>
+        <p:blipFill>
+          <a:blip r:embed="rId2"/>
+          <a:stretch>
+            <a:fillRect/>
+          </a:stretch>
+        </p:blipFill>
+        <p:spPr>
+          <a:xfrm>
+            <a:off x="151501" y="992642"/>
+            <a:ext cx="7944959" cy="3277057"/>
+          </a:xfrm>
+        </p:spPr>
+      </p:pic>
+      <p:sp>
+        <p:nvSpPr>
+          <p:cNvPr id="4" name="Slide Number Placeholder 3">
+            <a:extLst>
+              <a:ext uri="{FF2B5EF4-FFF2-40B4-BE49-F238E27FC236}">
+                <a16:creationId xmlns:a16="http://schemas.microsoft.com/office/drawing/2014/main" id="{C2DD39EE-316B-EB47-B036-24C54D073A87}"/>
+              </a:ext>
+            </a:extLst>
+          </p:cNvPr>
+          <p:cNvSpPr>
+            <a:spLocks noGrp="1"/>
+          </p:cNvSpPr>
+          <p:nvPr>
+            <p:ph type="sldNum" sz="quarter" idx="12"/>
+          </p:nvPr>
+        </p:nvSpPr>
+        <p:spPr/>
+        <p:txBody>
+          <a:bodyPr/>
+          <a:lstStyle/>
+          <a:p>
+            <a:fld id="{4854181D-6920-4594-9A5D-6CE56DC9F8B2}" type="slidenum">
+              <a:rPr lang="en-US" smtClean="0"/>
+              <a:t>7</a:t>
+            </a:fld>
+            <a:endParaRPr lang="en-US"/>
+          </a:p>
+        </p:txBody>
+      </p:sp>
+      <p:pic>
+        <p:nvPicPr>
+          <p:cNvPr id="8" name="Picture 7">
+            <a:extLst>
+              <a:ext uri="{FF2B5EF4-FFF2-40B4-BE49-F238E27FC236}">
+                <a16:creationId xmlns:a16="http://schemas.microsoft.com/office/drawing/2014/main" id="{A33BDA79-8CA1-E42C-8853-09F1C091DD07}"/>
+              </a:ext>
+            </a:extLst>
+          </p:cNvPr>
+          <p:cNvPicPr>
+            <a:picLocks noChangeAspect="1"/>
+          </p:cNvPicPr>
+          <p:nvPr/>
+        </p:nvPicPr>
+        <p:blipFill>
+          <a:blip r:embed="rId3"/>
+          <a:stretch>
+            <a:fillRect/>
+          </a:stretch>
+        </p:blipFill>
+        <p:spPr>
+          <a:xfrm>
+            <a:off x="6096000" y="3666680"/>
+            <a:ext cx="5572903" cy="3191320"/>
+          </a:xfrm>
+          <a:prstGeom prst="rect">
+            <a:avLst/>
+          </a:prstGeom>
+        </p:spPr>
+      </p:pic>
+    </p:spTree>
+    <p:extLst>
+      <p:ext uri="{BB962C8B-B14F-4D97-AF65-F5344CB8AC3E}">
+        <p14:creationId xmlns:p14="http://schemas.microsoft.com/office/powerpoint/2010/main" val="1273424758"/>
+      </p:ext>
+    </p:extLst>
+  </p:cSld>
+  <p:clrMapOvr>
+    <a:masterClrMapping/>
+  </p:clrMapOvr>
+</p:sld>
+</file>
+
+<file path=ppt/slides/slide8.xml><?xml version="1.0" encoding="utf-8"?>
+<p:sld xmlns:a="http://schemas.openxmlformats.org/drawingml/2006/main" xmlns:r="http://schemas.openxmlformats.org/officeDocument/2006/relationships" xmlns:p="http://schemas.openxmlformats.org/presentationml/2006/main">
+  <p:cSld>
+    <p:spTree>
+      <p:nvGrpSpPr>
+        <p:cNvPr id="1" name=""/>
+        <p:cNvGrpSpPr/>
+        <p:nvPr/>
+      </p:nvGrpSpPr>
+      <p:grpSpPr>
+        <a:xfrm>
+          <a:off x="0" y="0"/>
+          <a:ext cx="0" cy="0"/>
+          <a:chOff x="0" y="0"/>
+          <a:chExt cx="0" cy="0"/>
+        </a:xfrm>
+      </p:grpSpPr>
+      <p:sp>
+        <p:nvSpPr>
+          <p:cNvPr id="2" name="Title 1">
+            <a:extLst>
+              <a:ext uri="{FF2B5EF4-FFF2-40B4-BE49-F238E27FC236}">
+                <a16:creationId xmlns:a16="http://schemas.microsoft.com/office/drawing/2014/main" id="{A7DBB105-C608-56C3-6A06-6BB5F47937A0}"/>
+              </a:ext>
+            </a:extLst>
+          </p:cNvPr>
+          <p:cNvSpPr>
+            <a:spLocks noGrp="1"/>
+          </p:cNvSpPr>
+          <p:nvPr>
+            <p:ph type="title"/>
+          </p:nvPr>
+        </p:nvSpPr>
+        <p:spPr>
+          <a:xfrm>
+            <a:off x="915318" y="0"/>
+            <a:ext cx="10515600" cy="1325563"/>
+          </a:xfrm>
+        </p:spPr>
+        <p:txBody>
+          <a:bodyPr/>
+          <a:lstStyle/>
+          <a:p>
+            <a:r>
+              <a:rPr lang="en-CA" dirty="0"/>
+              <a:t>OAR Output</a:t>
+            </a:r>
+          </a:p>
+        </p:txBody>
+      </p:sp>
+      <p:sp>
+        <p:nvSpPr>
+          <p:cNvPr id="4" name="Slide Number Placeholder 3">
+            <a:extLst>
+              <a:ext uri="{FF2B5EF4-FFF2-40B4-BE49-F238E27FC236}">
+                <a16:creationId xmlns:a16="http://schemas.microsoft.com/office/drawing/2014/main" id="{541F9C15-A725-F879-01DE-86BCCB185139}"/>
+              </a:ext>
+            </a:extLst>
+          </p:cNvPr>
+          <p:cNvSpPr>
+            <a:spLocks noGrp="1"/>
+          </p:cNvSpPr>
+          <p:nvPr>
+            <p:ph type="sldNum" sz="quarter" idx="12"/>
+          </p:nvPr>
+        </p:nvSpPr>
+        <p:spPr/>
+        <p:txBody>
+          <a:bodyPr/>
+          <a:lstStyle/>
+          <a:p>
+            <a:fld id="{4854181D-6920-4594-9A5D-6CE56DC9F8B2}" type="slidenum">
+              <a:rPr lang="en-US" smtClean="0"/>
+              <a:t>8</a:t>
+            </a:fld>
+            <a:endParaRPr lang="en-US"/>
+          </a:p>
+        </p:txBody>
+      </p:sp>
+      <p:pic>
+        <p:nvPicPr>
+          <p:cNvPr id="6" name="Picture 5">
+            <a:extLst>
+              <a:ext uri="{FF2B5EF4-FFF2-40B4-BE49-F238E27FC236}">
+                <a16:creationId xmlns:a16="http://schemas.microsoft.com/office/drawing/2014/main" id="{1B0D3ABB-82AA-1031-3E65-C6644CCE801D}"/>
+              </a:ext>
+            </a:extLst>
+          </p:cNvPr>
+          <p:cNvPicPr>
+            <a:picLocks noChangeAspect="1"/>
+          </p:cNvPicPr>
+          <p:nvPr/>
+        </p:nvPicPr>
+        <p:blipFill>
+          <a:blip r:embed="rId2"/>
+          <a:stretch>
+            <a:fillRect/>
+          </a:stretch>
+        </p:blipFill>
+        <p:spPr>
+          <a:xfrm>
+            <a:off x="2853192" y="2514472"/>
+            <a:ext cx="6639852" cy="1829055"/>
+          </a:xfrm>
+          <a:prstGeom prst="rect">
+            <a:avLst/>
+          </a:prstGeom>
+        </p:spPr>
+      </p:pic>
+    </p:spTree>
+    <p:extLst>
+      <p:ext uri="{BB962C8B-B14F-4D97-AF65-F5344CB8AC3E}">
+        <p14:creationId xmlns:p14="http://schemas.microsoft.com/office/powerpoint/2010/main" val="2993155655"/>
+      </p:ext>
+    </p:extLst>
+  </p:cSld>
+  <p:clrMapOvr>
+    <a:masterClrMapping/>
+  </p:clrMapOvr>
+</p:sld>
+</file>
+
+<file path=ppt/slides/slide9.xml><?xml version="1.0" encoding="utf-8"?>
 <p:sld xmlns:a="http://schemas.openxmlformats.org/drawingml/2006/main" xmlns:r="http://schemas.openxmlformats.org/officeDocument/2006/relationships" xmlns:p="http://schemas.openxmlformats.org/presentationml/2006/main">
   <p:cSld>
     <p:bg>
@@ -13252,7 +13964,7 @@
                   <a:spcPts val="600"/>
                 </a:spcAft>
               </a:pPr>
-              <a:t>7</a:t>
+              <a:t>9</a:t>
             </a:fld>
             <a:endParaRPr lang="en-US" sz="1600" dirty="0">
               <a:solidFill>

--- a/docs/Presentations/ImplementationPresentation/ImplementationPresentation.pptx
+++ b/docs/Presentations/ImplementationPresentation/ImplementationPresentation.pptx
@@ -832,6 +832,1408 @@
     </pc:docChg>
   </pc:docChgLst>
   <pc:docChgLst>
+    <pc:chgData name="Hunter Ceranic" userId="55b8025d37c61089" providerId="LiveId" clId="{ACCD79ED-BFAE-4857-8FB5-603E641725DE}"/>
+    <pc:docChg chg="undo redo custSel addSld delSld modSld sldOrd addMainMaster delMainMaster">
+      <pc:chgData name="Hunter Ceranic" userId="55b8025d37c61089" providerId="LiveId" clId="{ACCD79ED-BFAE-4857-8FB5-603E641725DE}" dt="2024-01-26T19:32:54.795" v="3897" actId="20577"/>
+      <pc:docMkLst>
+        <pc:docMk/>
+      </pc:docMkLst>
+      <pc:sldChg chg="addSp delSp modSp new mod setBg modClrScheme chgLayout">
+        <pc:chgData name="Hunter Ceranic" userId="55b8025d37c61089" providerId="LiveId" clId="{ACCD79ED-BFAE-4857-8FB5-603E641725DE}" dt="2024-01-23T20:11:06.058" v="150" actId="2085"/>
+        <pc:sldMkLst>
+          <pc:docMk/>
+          <pc:sldMk cId="3079278799" sldId="256"/>
+        </pc:sldMkLst>
+        <pc:spChg chg="mod">
+          <ac:chgData name="Hunter Ceranic" userId="55b8025d37c61089" providerId="LiveId" clId="{ACCD79ED-BFAE-4857-8FB5-603E641725DE}" dt="2024-01-23T20:11:06.058" v="150" actId="2085"/>
+          <ac:spMkLst>
+            <pc:docMk/>
+            <pc:sldMk cId="3079278799" sldId="256"/>
+            <ac:spMk id="2" creationId="{757F2756-77AC-6ECF-6B19-F194FDB5096B}"/>
+          </ac:spMkLst>
+        </pc:spChg>
+        <pc:spChg chg="mod">
+          <ac:chgData name="Hunter Ceranic" userId="55b8025d37c61089" providerId="LiveId" clId="{ACCD79ED-BFAE-4857-8FB5-603E641725DE}" dt="2024-01-23T20:05:22.836" v="115" actId="1076"/>
+          <ac:spMkLst>
+            <pc:docMk/>
+            <pc:sldMk cId="3079278799" sldId="256"/>
+            <ac:spMk id="3" creationId="{DF771E06-46C7-88C5-B4FC-0AB8360AD021}"/>
+          </ac:spMkLst>
+        </pc:spChg>
+        <pc:spChg chg="add mod">
+          <ac:chgData name="Hunter Ceranic" userId="55b8025d37c61089" providerId="LiveId" clId="{ACCD79ED-BFAE-4857-8FB5-603E641725DE}" dt="2024-01-23T20:10:21.670" v="143" actId="208"/>
+          <ac:spMkLst>
+            <pc:docMk/>
+            <pc:sldMk cId="3079278799" sldId="256"/>
+            <ac:spMk id="6" creationId="{A598BD13-5C63-68F7-ED2D-22E7C4ECEB99}"/>
+          </ac:spMkLst>
+        </pc:spChg>
+        <pc:spChg chg="add del">
+          <ac:chgData name="Hunter Ceranic" userId="55b8025d37c61089" providerId="LiveId" clId="{ACCD79ED-BFAE-4857-8FB5-603E641725DE}" dt="2024-01-23T20:03:41.234" v="35" actId="26606"/>
+          <ac:spMkLst>
+            <pc:docMk/>
+            <pc:sldMk cId="3079278799" sldId="256"/>
+            <ac:spMk id="9" creationId="{ECD84B89-83B1-AA44-B9BE-C68A3A346981}"/>
+          </ac:spMkLst>
+        </pc:spChg>
+        <pc:spChg chg="add del">
+          <ac:chgData name="Hunter Ceranic" userId="55b8025d37c61089" providerId="LiveId" clId="{ACCD79ED-BFAE-4857-8FB5-603E641725DE}" dt="2024-01-23T20:03:02.868" v="2" actId="26606"/>
+          <ac:spMkLst>
+            <pc:docMk/>
+            <pc:sldMk cId="3079278799" sldId="256"/>
+            <ac:spMk id="10" creationId="{8C37C960-91F5-4F61-B2CD-8A037920720B}"/>
+          </ac:spMkLst>
+        </pc:spChg>
+        <pc:spChg chg="add del">
+          <ac:chgData name="Hunter Ceranic" userId="55b8025d37c61089" providerId="LiveId" clId="{ACCD79ED-BFAE-4857-8FB5-603E641725DE}" dt="2024-01-23T20:03:41.234" v="35" actId="26606"/>
+          <ac:spMkLst>
+            <pc:docMk/>
+            <pc:sldMk cId="3079278799" sldId="256"/>
+            <ac:spMk id="11" creationId="{DF3B9D9F-2555-4B2E-AD17-056B66596D5A}"/>
+          </ac:spMkLst>
+        </pc:spChg>
+        <pc:spChg chg="add del">
+          <ac:chgData name="Hunter Ceranic" userId="55b8025d37c61089" providerId="LiveId" clId="{ACCD79ED-BFAE-4857-8FB5-603E641725DE}" dt="2024-01-23T20:03:41.234" v="35" actId="26606"/>
+          <ac:spMkLst>
+            <pc:docMk/>
+            <pc:sldMk cId="3079278799" sldId="256"/>
+            <ac:spMk id="13" creationId="{98F816C8-664D-4D46-87AC-DD7054006763}"/>
+          </ac:spMkLst>
+        </pc:spChg>
+        <pc:spChg chg="add">
+          <ac:chgData name="Hunter Ceranic" userId="55b8025d37c61089" providerId="LiveId" clId="{ACCD79ED-BFAE-4857-8FB5-603E641725DE}" dt="2024-01-23T20:03:41.234" v="35" actId="26606"/>
+          <ac:spMkLst>
+            <pc:docMk/>
+            <pc:sldMk cId="3079278799" sldId="256"/>
+            <ac:spMk id="18" creationId="{A1D7EC86-7CB9-431D-8AC3-8AAF0440B162}"/>
+          </ac:spMkLst>
+        </pc:spChg>
+        <pc:spChg chg="add">
+          <ac:chgData name="Hunter Ceranic" userId="55b8025d37c61089" providerId="LiveId" clId="{ACCD79ED-BFAE-4857-8FB5-603E641725DE}" dt="2024-01-23T20:03:41.234" v="35" actId="26606"/>
+          <ac:spMkLst>
+            <pc:docMk/>
+            <pc:sldMk cId="3079278799" sldId="256"/>
+            <ac:spMk id="20" creationId="{D4B9777F-B610-419B-9193-80306388F3E2}"/>
+          </ac:spMkLst>
+        </pc:spChg>
+        <pc:spChg chg="add">
+          <ac:chgData name="Hunter Ceranic" userId="55b8025d37c61089" providerId="LiveId" clId="{ACCD79ED-BFAE-4857-8FB5-603E641725DE}" dt="2024-01-23T20:03:41.234" v="35" actId="26606"/>
+          <ac:spMkLst>
+            <pc:docMk/>
+            <pc:sldMk cId="3079278799" sldId="256"/>
+            <ac:spMk id="22" creationId="{311F016A-A753-449B-9EA6-322199B7119E}"/>
+          </ac:spMkLst>
+        </pc:spChg>
+        <pc:spChg chg="add">
+          <ac:chgData name="Hunter Ceranic" userId="55b8025d37c61089" providerId="LiveId" clId="{ACCD79ED-BFAE-4857-8FB5-603E641725DE}" dt="2024-01-23T20:03:41.234" v="35" actId="26606"/>
+          <ac:spMkLst>
+            <pc:docMk/>
+            <pc:sldMk cId="3079278799" sldId="256"/>
+            <ac:spMk id="24" creationId="{95106A28-883A-4993-BF9E-C403B81A8D66}"/>
+          </ac:spMkLst>
+        </pc:spChg>
+        <pc:spChg chg="add">
+          <ac:chgData name="Hunter Ceranic" userId="55b8025d37c61089" providerId="LiveId" clId="{ACCD79ED-BFAE-4857-8FB5-603E641725DE}" dt="2024-01-23T20:03:41.234" v="35" actId="26606"/>
+          <ac:spMkLst>
+            <pc:docMk/>
+            <pc:sldMk cId="3079278799" sldId="256"/>
+            <ac:spMk id="26" creationId="{F5AE4E4F-9F4C-43ED-8299-9BD63B74E8F0}"/>
+          </ac:spMkLst>
+        </pc:spChg>
+        <pc:picChg chg="add del">
+          <ac:chgData name="Hunter Ceranic" userId="55b8025d37c61089" providerId="LiveId" clId="{ACCD79ED-BFAE-4857-8FB5-603E641725DE}" dt="2024-01-23T20:03:02.868" v="2" actId="26606"/>
+          <ac:picMkLst>
+            <pc:docMk/>
+            <pc:sldMk cId="3079278799" sldId="256"/>
+            <ac:picMk id="4" creationId="{BFC42171-CD21-0205-8DA1-6384FC5DE1B8}"/>
+          </ac:picMkLst>
+        </pc:picChg>
+        <pc:picChg chg="add del">
+          <ac:chgData name="Hunter Ceranic" userId="55b8025d37c61089" providerId="LiveId" clId="{ACCD79ED-BFAE-4857-8FB5-603E641725DE}" dt="2024-01-23T20:03:02.868" v="2" actId="26606"/>
+          <ac:picMkLst>
+            <pc:docMk/>
+            <pc:sldMk cId="3079278799" sldId="256"/>
+            <ac:picMk id="5" creationId="{4B7CE3BD-1D42-943D-2C8C-0F16CCF8C897}"/>
+          </ac:picMkLst>
+        </pc:picChg>
+        <pc:picChg chg="add mod ord">
+          <ac:chgData name="Hunter Ceranic" userId="55b8025d37c61089" providerId="LiveId" clId="{ACCD79ED-BFAE-4857-8FB5-603E641725DE}" dt="2024-01-23T20:10:54.634" v="147" actId="1076"/>
+          <ac:picMkLst>
+            <pc:docMk/>
+            <pc:sldMk cId="3079278799" sldId="256"/>
+            <ac:picMk id="12" creationId="{2C9D627D-6E69-94C6-4924-B84A51E3A1F5}"/>
+          </ac:picMkLst>
+        </pc:picChg>
+      </pc:sldChg>
+      <pc:sldChg chg="addSp modSp new mod setBg">
+        <pc:chgData name="Hunter Ceranic" userId="55b8025d37c61089" providerId="LiveId" clId="{ACCD79ED-BFAE-4857-8FB5-603E641725DE}" dt="2024-01-23T23:28:31.483" v="2161" actId="20577"/>
+        <pc:sldMkLst>
+          <pc:docMk/>
+          <pc:sldMk cId="427290740" sldId="257"/>
+        </pc:sldMkLst>
+        <pc:spChg chg="mod">
+          <ac:chgData name="Hunter Ceranic" userId="55b8025d37c61089" providerId="LiveId" clId="{ACCD79ED-BFAE-4857-8FB5-603E641725DE}" dt="2024-01-23T22:22:47.238" v="1695" actId="26606"/>
+          <ac:spMkLst>
+            <pc:docMk/>
+            <pc:sldMk cId="427290740" sldId="257"/>
+            <ac:spMk id="2" creationId="{7D2F6F69-BD97-22EF-CF32-EB1A205B215C}"/>
+          </ac:spMkLst>
+        </pc:spChg>
+        <pc:spChg chg="mod">
+          <ac:chgData name="Hunter Ceranic" userId="55b8025d37c61089" providerId="LiveId" clId="{ACCD79ED-BFAE-4857-8FB5-603E641725DE}" dt="2024-01-23T22:53:23.317" v="1943" actId="20577"/>
+          <ac:spMkLst>
+            <pc:docMk/>
+            <pc:sldMk cId="427290740" sldId="257"/>
+            <ac:spMk id="3" creationId="{1AEB8B50-8C85-0729-64B2-671AE19C2815}"/>
+          </ac:spMkLst>
+        </pc:spChg>
+        <pc:spChg chg="mod">
+          <ac:chgData name="Hunter Ceranic" userId="55b8025d37c61089" providerId="LiveId" clId="{ACCD79ED-BFAE-4857-8FB5-603E641725DE}" dt="2024-01-23T23:28:31.483" v="2161" actId="20577"/>
+          <ac:spMkLst>
+            <pc:docMk/>
+            <pc:sldMk cId="427290740" sldId="257"/>
+            <ac:spMk id="4" creationId="{3F70354C-224E-1AAB-3BB6-4F2536217202}"/>
+          </ac:spMkLst>
+        </pc:spChg>
+        <pc:spChg chg="add">
+          <ac:chgData name="Hunter Ceranic" userId="55b8025d37c61089" providerId="LiveId" clId="{ACCD79ED-BFAE-4857-8FB5-603E641725DE}" dt="2024-01-23T22:22:47.238" v="1695" actId="26606"/>
+          <ac:spMkLst>
+            <pc:docMk/>
+            <pc:sldMk cId="427290740" sldId="257"/>
+            <ac:spMk id="10" creationId="{1CD81A2A-6ED4-4EF4-A14C-912D31E14800}"/>
+          </ac:spMkLst>
+        </pc:spChg>
+        <pc:spChg chg="add">
+          <ac:chgData name="Hunter Ceranic" userId="55b8025d37c61089" providerId="LiveId" clId="{ACCD79ED-BFAE-4857-8FB5-603E641725DE}" dt="2024-01-23T22:22:47.238" v="1695" actId="26606"/>
+          <ac:spMkLst>
+            <pc:docMk/>
+            <pc:sldMk cId="427290740" sldId="257"/>
+            <ac:spMk id="12" creationId="{1661932C-CA15-4E17-B115-FAE7CBEE4789}"/>
+          </ac:spMkLst>
+        </pc:spChg>
+        <pc:spChg chg="add">
+          <ac:chgData name="Hunter Ceranic" userId="55b8025d37c61089" providerId="LiveId" clId="{ACCD79ED-BFAE-4857-8FB5-603E641725DE}" dt="2024-01-23T22:22:47.238" v="1695" actId="26606"/>
+          <ac:spMkLst>
+            <pc:docMk/>
+            <pc:sldMk cId="427290740" sldId="257"/>
+            <ac:spMk id="14" creationId="{8590ADD5-9383-4D3D-9047-3DA2593CCB5D}"/>
+          </ac:spMkLst>
+        </pc:spChg>
+        <pc:spChg chg="add">
+          <ac:chgData name="Hunter Ceranic" userId="55b8025d37c61089" providerId="LiveId" clId="{ACCD79ED-BFAE-4857-8FB5-603E641725DE}" dt="2024-01-23T22:22:47.238" v="1695" actId="26606"/>
+          <ac:spMkLst>
+            <pc:docMk/>
+            <pc:sldMk cId="427290740" sldId="257"/>
+            <ac:spMk id="16" creationId="{DABE3E45-88CF-45D8-8D40-C773324D93F6}"/>
+          </ac:spMkLst>
+        </pc:spChg>
+        <pc:spChg chg="add">
+          <ac:chgData name="Hunter Ceranic" userId="55b8025d37c61089" providerId="LiveId" clId="{ACCD79ED-BFAE-4857-8FB5-603E641725DE}" dt="2024-01-23T22:22:47.238" v="1695" actId="26606"/>
+          <ac:spMkLst>
+            <pc:docMk/>
+            <pc:sldMk cId="427290740" sldId="257"/>
+            <ac:spMk id="20" creationId="{B91ECDA9-56DC-4270-8F33-01C5637B8CEB}"/>
+          </ac:spMkLst>
+        </pc:spChg>
+        <pc:spChg chg="add">
+          <ac:chgData name="Hunter Ceranic" userId="55b8025d37c61089" providerId="LiveId" clId="{ACCD79ED-BFAE-4857-8FB5-603E641725DE}" dt="2024-01-23T22:22:47.238" v="1695" actId="26606"/>
+          <ac:spMkLst>
+            <pc:docMk/>
+            <pc:sldMk cId="427290740" sldId="257"/>
+            <ac:spMk id="22" creationId="{75F47824-961D-465D-84F9-EAE11BC6173B}"/>
+          </ac:spMkLst>
+        </pc:spChg>
+        <pc:spChg chg="add">
+          <ac:chgData name="Hunter Ceranic" userId="55b8025d37c61089" providerId="LiveId" clId="{ACCD79ED-BFAE-4857-8FB5-603E641725DE}" dt="2024-01-23T22:22:47.238" v="1695" actId="26606"/>
+          <ac:spMkLst>
+            <pc:docMk/>
+            <pc:sldMk cId="427290740" sldId="257"/>
+            <ac:spMk id="24" creationId="{FEC9DA3E-C1D7-472D-B7C0-F71AE41FBA23}"/>
+          </ac:spMkLst>
+        </pc:spChg>
+        <pc:picChg chg="add">
+          <ac:chgData name="Hunter Ceranic" userId="55b8025d37c61089" providerId="LiveId" clId="{ACCD79ED-BFAE-4857-8FB5-603E641725DE}" dt="2024-01-23T22:22:47.238" v="1695" actId="26606"/>
+          <ac:picMkLst>
+            <pc:docMk/>
+            <pc:sldMk cId="427290740" sldId="257"/>
+            <ac:picMk id="7" creationId="{947BE24C-2029-BD0A-C300-37A124369839}"/>
+          </ac:picMkLst>
+        </pc:picChg>
+        <pc:cxnChg chg="add">
+          <ac:chgData name="Hunter Ceranic" userId="55b8025d37c61089" providerId="LiveId" clId="{ACCD79ED-BFAE-4857-8FB5-603E641725DE}" dt="2024-01-23T22:22:47.238" v="1695" actId="26606"/>
+          <ac:cxnSpMkLst>
+            <pc:docMk/>
+            <pc:sldMk cId="427290740" sldId="257"/>
+            <ac:cxnSpMk id="18" creationId="{49CD1692-827B-4C8D-B4A1-134FD04CF45C}"/>
+          </ac:cxnSpMkLst>
+        </pc:cxnChg>
+      </pc:sldChg>
+      <pc:sldChg chg="addSp delSp modSp new mod setBg">
+        <pc:chgData name="Hunter Ceranic" userId="55b8025d37c61089" providerId="LiveId" clId="{ACCD79ED-BFAE-4857-8FB5-603E641725DE}" dt="2024-01-23T23:28:41.656" v="2165" actId="20577"/>
+        <pc:sldMkLst>
+          <pc:docMk/>
+          <pc:sldMk cId="356722889" sldId="258"/>
+        </pc:sldMkLst>
+        <pc:spChg chg="mod">
+          <ac:chgData name="Hunter Ceranic" userId="55b8025d37c61089" providerId="LiveId" clId="{ACCD79ED-BFAE-4857-8FB5-603E641725DE}" dt="2024-01-23T22:43:53.487" v="1902" actId="26606"/>
+          <ac:spMkLst>
+            <pc:docMk/>
+            <pc:sldMk cId="356722889" sldId="258"/>
+            <ac:spMk id="2" creationId="{99A0820E-216D-F7CC-0905-014594A9C1A4}"/>
+          </ac:spMkLst>
+        </pc:spChg>
+        <pc:spChg chg="del">
+          <ac:chgData name="Hunter Ceranic" userId="55b8025d37c61089" providerId="LiveId" clId="{ACCD79ED-BFAE-4857-8FB5-603E641725DE}" dt="2024-01-23T22:29:58.817" v="1698" actId="478"/>
+          <ac:spMkLst>
+            <pc:docMk/>
+            <pc:sldMk cId="356722889" sldId="258"/>
+            <ac:spMk id="3" creationId="{31EE65BB-7C1C-EBF3-F280-88F1218E736F}"/>
+          </ac:spMkLst>
+        </pc:spChg>
+        <pc:spChg chg="add mod ord">
+          <ac:chgData name="Hunter Ceranic" userId="55b8025d37c61089" providerId="LiveId" clId="{ACCD79ED-BFAE-4857-8FB5-603E641725DE}" dt="2024-01-23T22:57:37.871" v="1990" actId="20577"/>
+          <ac:spMkLst>
+            <pc:docMk/>
+            <pc:sldMk cId="356722889" sldId="258"/>
+            <ac:spMk id="6" creationId="{CC7BCCCB-9907-FF0C-EEAB-CDCE4653FE88}"/>
+          </ac:spMkLst>
+        </pc:spChg>
+        <pc:spChg chg="del">
+          <ac:chgData name="Hunter Ceranic" userId="55b8025d37c61089" providerId="LiveId" clId="{ACCD79ED-BFAE-4857-8FB5-603E641725DE}" dt="2024-01-23T23:02:20.668" v="2052" actId="478"/>
+          <ac:spMkLst>
+            <pc:docMk/>
+            <pc:sldMk cId="356722889" sldId="258"/>
+            <ac:spMk id="12" creationId="{AA925B2B-F9CC-0BD8-52DC-A938C32C6863}"/>
+          </ac:spMkLst>
+        </pc:spChg>
+        <pc:spChg chg="add mod">
+          <ac:chgData name="Hunter Ceranic" userId="55b8025d37c61089" providerId="LiveId" clId="{ACCD79ED-BFAE-4857-8FB5-603E641725DE}" dt="2024-01-23T23:28:41.656" v="2165" actId="20577"/>
+          <ac:spMkLst>
+            <pc:docMk/>
+            <pc:sldMk cId="356722889" sldId="258"/>
+            <ac:spMk id="13" creationId="{B0F0E84C-F4C8-FB93-DEDB-FBAC071B797F}"/>
+          </ac:spMkLst>
+        </pc:spChg>
+        <pc:spChg chg="add">
+          <ac:chgData name="Hunter Ceranic" userId="55b8025d37c61089" providerId="LiveId" clId="{ACCD79ED-BFAE-4857-8FB5-603E641725DE}" dt="2024-01-23T22:43:53.487" v="1902" actId="26606"/>
+          <ac:spMkLst>
+            <pc:docMk/>
+            <pc:sldMk cId="356722889" sldId="258"/>
+            <ac:spMk id="16" creationId="{72D05657-94EE-4B2D-BC1B-A1D065063658}"/>
+          </ac:spMkLst>
+        </pc:spChg>
+        <pc:spChg chg="add">
+          <ac:chgData name="Hunter Ceranic" userId="55b8025d37c61089" providerId="LiveId" clId="{ACCD79ED-BFAE-4857-8FB5-603E641725DE}" dt="2024-01-23T22:43:53.487" v="1902" actId="26606"/>
+          <ac:spMkLst>
+            <pc:docMk/>
+            <pc:sldMk cId="356722889" sldId="258"/>
+            <ac:spMk id="18" creationId="{7586665A-47B3-4AEE-BC94-15D89FF706B3}"/>
+          </ac:spMkLst>
+        </pc:spChg>
+        <pc:picChg chg="add mod">
+          <ac:chgData name="Hunter Ceranic" userId="55b8025d37c61089" providerId="LiveId" clId="{ACCD79ED-BFAE-4857-8FB5-603E641725DE}" dt="2024-01-23T22:43:53.487" v="1902" actId="26606"/>
+          <ac:picMkLst>
+            <pc:docMk/>
+            <pc:sldMk cId="356722889" sldId="258"/>
+            <ac:picMk id="5" creationId="{CFFC0296-F13E-167E-0F33-27320DF18354}"/>
+          </ac:picMkLst>
+        </pc:picChg>
+        <pc:picChg chg="add mod">
+          <ac:chgData name="Hunter Ceranic" userId="55b8025d37c61089" providerId="LiveId" clId="{ACCD79ED-BFAE-4857-8FB5-603E641725DE}" dt="2024-01-23T22:43:53.487" v="1902" actId="26606"/>
+          <ac:picMkLst>
+            <pc:docMk/>
+            <pc:sldMk cId="356722889" sldId="258"/>
+            <ac:picMk id="11" creationId="{A82ADC44-FE62-0E4F-B61B-636F51C8ACE8}"/>
+          </ac:picMkLst>
+        </pc:picChg>
+        <pc:picChg chg="add del">
+          <ac:chgData name="Hunter Ceranic" userId="55b8025d37c61089" providerId="LiveId" clId="{ACCD79ED-BFAE-4857-8FB5-603E641725DE}" dt="2024-01-23T23:16:40.377" v="2092" actId="22"/>
+          <ac:picMkLst>
+            <pc:docMk/>
+            <pc:sldMk cId="356722889" sldId="258"/>
+            <ac:picMk id="15" creationId="{3C704A7D-35B0-ECA8-5701-D86001ABB30B}"/>
+          </ac:picMkLst>
+        </pc:picChg>
+        <pc:cxnChg chg="add del mod">
+          <ac:chgData name="Hunter Ceranic" userId="55b8025d37c61089" providerId="LiveId" clId="{ACCD79ED-BFAE-4857-8FB5-603E641725DE}" dt="2024-01-23T22:40:28.749" v="1839" actId="478"/>
+          <ac:cxnSpMkLst>
+            <pc:docMk/>
+            <pc:sldMk cId="356722889" sldId="258"/>
+            <ac:cxnSpMk id="8" creationId="{909E5A23-8745-0CF1-739D-B13D8849A089}"/>
+          </ac:cxnSpMkLst>
+        </pc:cxnChg>
+      </pc:sldChg>
+      <pc:sldChg chg="addSp delSp modSp new del mod">
+        <pc:chgData name="Hunter Ceranic" userId="55b8025d37c61089" providerId="LiveId" clId="{ACCD79ED-BFAE-4857-8FB5-603E641725DE}" dt="2024-01-25T17:57:10.263" v="2183" actId="47"/>
+        <pc:sldMkLst>
+          <pc:docMk/>
+          <pc:sldMk cId="1952224994" sldId="259"/>
+        </pc:sldMkLst>
+        <pc:spChg chg="del">
+          <ac:chgData name="Hunter Ceranic" userId="55b8025d37c61089" providerId="LiveId" clId="{ACCD79ED-BFAE-4857-8FB5-603E641725DE}" dt="2024-01-23T23:02:42.323" v="2058" actId="478"/>
+          <ac:spMkLst>
+            <pc:docMk/>
+            <pc:sldMk cId="1952224994" sldId="259"/>
+            <ac:spMk id="4" creationId="{96256866-0A8D-DA42-89E0-22339441C794}"/>
+          </ac:spMkLst>
+        </pc:spChg>
+        <pc:spChg chg="add mod">
+          <ac:chgData name="Hunter Ceranic" userId="55b8025d37c61089" providerId="LiveId" clId="{ACCD79ED-BFAE-4857-8FB5-603E641725DE}" dt="2024-01-23T23:29:04.464" v="2173" actId="20577"/>
+          <ac:spMkLst>
+            <pc:docMk/>
+            <pc:sldMk cId="1952224994" sldId="259"/>
+            <ac:spMk id="5" creationId="{23624874-B696-09C2-F784-44BA41FC2861}"/>
+          </ac:spMkLst>
+        </pc:spChg>
+      </pc:sldChg>
+      <pc:sldChg chg="addSp delSp modSp new mod ord">
+        <pc:chgData name="Hunter Ceranic" userId="55b8025d37c61089" providerId="LiveId" clId="{ACCD79ED-BFAE-4857-8FB5-603E641725DE}" dt="2024-01-26T19:32:54.795" v="3897" actId="20577"/>
+        <pc:sldMkLst>
+          <pc:docMk/>
+          <pc:sldMk cId="3488984038" sldId="260"/>
+        </pc:sldMkLst>
+        <pc:spChg chg="mod">
+          <ac:chgData name="Hunter Ceranic" userId="55b8025d37c61089" providerId="LiveId" clId="{ACCD79ED-BFAE-4857-8FB5-603E641725DE}" dt="2024-01-23T20:13:13.509" v="202" actId="20577"/>
+          <ac:spMkLst>
+            <pc:docMk/>
+            <pc:sldMk cId="3488984038" sldId="260"/>
+            <ac:spMk id="2" creationId="{3C732381-BFC2-6F3F-058A-7EAD61E5590C}"/>
+          </ac:spMkLst>
+        </pc:spChg>
+        <pc:spChg chg="del mod">
+          <ac:chgData name="Hunter Ceranic" userId="55b8025d37c61089" providerId="LiveId" clId="{ACCD79ED-BFAE-4857-8FB5-603E641725DE}" dt="2024-01-25T18:38:21.864" v="3721" actId="26606"/>
+          <ac:spMkLst>
+            <pc:docMk/>
+            <pc:sldMk cId="3488984038" sldId="260"/>
+            <ac:spMk id="3" creationId="{4F91F226-354F-27D2-1914-C5773798C0F9}"/>
+          </ac:spMkLst>
+        </pc:spChg>
+        <pc:spChg chg="del">
+          <ac:chgData name="Hunter Ceranic" userId="55b8025d37c61089" providerId="LiveId" clId="{ACCD79ED-BFAE-4857-8FB5-603E641725DE}" dt="2024-01-23T23:02:34.360" v="2056" actId="478"/>
+          <ac:spMkLst>
+            <pc:docMk/>
+            <pc:sldMk cId="3488984038" sldId="260"/>
+            <ac:spMk id="4" creationId="{2D85AB7E-DCC5-3DE3-15C2-FA318DBE4726}"/>
+          </ac:spMkLst>
+        </pc:spChg>
+        <pc:spChg chg="add mod">
+          <ac:chgData name="Hunter Ceranic" userId="55b8025d37c61089" providerId="LiveId" clId="{ACCD79ED-BFAE-4857-8FB5-603E641725DE}" dt="2024-01-23T23:28:59.502" v="2171" actId="20577"/>
+          <ac:spMkLst>
+            <pc:docMk/>
+            <pc:sldMk cId="3488984038" sldId="260"/>
+            <ac:spMk id="5" creationId="{1EF2BD1D-C346-969D-0000-25EBA3216018}"/>
+          </ac:spMkLst>
+        </pc:spChg>
+        <pc:graphicFrameChg chg="add mod">
+          <ac:chgData name="Hunter Ceranic" userId="55b8025d37c61089" providerId="LiveId" clId="{ACCD79ED-BFAE-4857-8FB5-603E641725DE}" dt="2024-01-26T19:32:54.795" v="3897" actId="20577"/>
+          <ac:graphicFrameMkLst>
+            <pc:docMk/>
+            <pc:sldMk cId="3488984038" sldId="260"/>
+            <ac:graphicFrameMk id="7" creationId="{F2613A3F-76FA-8E25-8998-F841CA6DA03F}"/>
+          </ac:graphicFrameMkLst>
+        </pc:graphicFrameChg>
+      </pc:sldChg>
+      <pc:sldChg chg="addSp delSp modSp new mod setBg">
+        <pc:chgData name="Hunter Ceranic" userId="55b8025d37c61089" providerId="LiveId" clId="{ACCD79ED-BFAE-4857-8FB5-603E641725DE}" dt="2024-01-23T23:28:36.785" v="2163" actId="20577"/>
+        <pc:sldMkLst>
+          <pc:docMk/>
+          <pc:sldMk cId="464311981" sldId="261"/>
+        </pc:sldMkLst>
+        <pc:spChg chg="mod">
+          <ac:chgData name="Hunter Ceranic" userId="55b8025d37c61089" providerId="LiveId" clId="{ACCD79ED-BFAE-4857-8FB5-603E641725DE}" dt="2024-01-23T21:46:29.427" v="694" actId="26606"/>
+          <ac:spMkLst>
+            <pc:docMk/>
+            <pc:sldMk cId="464311981" sldId="261"/>
+            <ac:spMk id="2" creationId="{5759A1AE-C6A2-3A06-2293-B3DF84DACCF5}"/>
+          </ac:spMkLst>
+        </pc:spChg>
+        <pc:spChg chg="mod">
+          <ac:chgData name="Hunter Ceranic" userId="55b8025d37c61089" providerId="LiveId" clId="{ACCD79ED-BFAE-4857-8FB5-603E641725DE}" dt="2024-01-23T21:46:29.427" v="694" actId="26606"/>
+          <ac:spMkLst>
+            <pc:docMk/>
+            <pc:sldMk cId="464311981" sldId="261"/>
+            <ac:spMk id="3" creationId="{695A74DB-2858-C407-697B-48AD50FE8872}"/>
+          </ac:spMkLst>
+        </pc:spChg>
+        <pc:spChg chg="del mod">
+          <ac:chgData name="Hunter Ceranic" userId="55b8025d37c61089" providerId="LiveId" clId="{ACCD79ED-BFAE-4857-8FB5-603E641725DE}" dt="2024-01-23T23:01:52.491" v="2049" actId="478"/>
+          <ac:spMkLst>
+            <pc:docMk/>
+            <pc:sldMk cId="464311981" sldId="261"/>
+            <ac:spMk id="4" creationId="{D30DDECE-581C-CDF6-B274-8DC06F6492D4}"/>
+          </ac:spMkLst>
+        </pc:spChg>
+        <pc:spChg chg="add del mod">
+          <ac:chgData name="Hunter Ceranic" userId="55b8025d37c61089" providerId="LiveId" clId="{ACCD79ED-BFAE-4857-8FB5-603E641725DE}" dt="2024-01-23T23:28:36.785" v="2163" actId="20577"/>
+          <ac:spMkLst>
+            <pc:docMk/>
+            <pc:sldMk cId="464311981" sldId="261"/>
+            <ac:spMk id="5" creationId="{2CDDB1A3-6053-6F50-7B03-6D5A338CD42D}"/>
+          </ac:spMkLst>
+        </pc:spChg>
+        <pc:spChg chg="add">
+          <ac:chgData name="Hunter Ceranic" userId="55b8025d37c61089" providerId="LiveId" clId="{ACCD79ED-BFAE-4857-8FB5-603E641725DE}" dt="2024-01-23T21:46:29.427" v="694" actId="26606"/>
+          <ac:spMkLst>
+            <pc:docMk/>
+            <pc:sldMk cId="464311981" sldId="261"/>
+            <ac:spMk id="1028" creationId="{4AC6B390-BC59-4F1D-A0EE-D71A92F0A0B2}"/>
+          </ac:spMkLst>
+        </pc:spChg>
+        <pc:spChg chg="add">
+          <ac:chgData name="Hunter Ceranic" userId="55b8025d37c61089" providerId="LiveId" clId="{ACCD79ED-BFAE-4857-8FB5-603E641725DE}" dt="2024-01-23T21:46:29.427" v="694" actId="26606"/>
+          <ac:spMkLst>
+            <pc:docMk/>
+            <pc:sldMk cId="464311981" sldId="261"/>
+            <ac:spMk id="1029" creationId="{B6C60D79-16F1-4C4B-B7E3-7634E7069CDE}"/>
+          </ac:spMkLst>
+        </pc:spChg>
+        <pc:spChg chg="add">
+          <ac:chgData name="Hunter Ceranic" userId="55b8025d37c61089" providerId="LiveId" clId="{ACCD79ED-BFAE-4857-8FB5-603E641725DE}" dt="2024-01-23T21:46:29.427" v="694" actId="26606"/>
+          <ac:spMkLst>
+            <pc:docMk/>
+            <pc:sldMk cId="464311981" sldId="261"/>
+            <ac:spMk id="1030" creationId="{426B127E-6498-4C77-9C9D-4553A5113B80}"/>
+          </ac:spMkLst>
+        </pc:spChg>
+        <pc:spChg chg="add del">
+          <ac:chgData name="Hunter Ceranic" userId="55b8025d37c61089" providerId="LiveId" clId="{ACCD79ED-BFAE-4857-8FB5-603E641725DE}" dt="2024-01-23T21:45:55.687" v="687" actId="26606"/>
+          <ac:spMkLst>
+            <pc:docMk/>
+            <pc:sldMk cId="464311981" sldId="261"/>
+            <ac:spMk id="1031" creationId="{DB304A14-32D0-4873-B914-423ED7B8DAFD}"/>
+          </ac:spMkLst>
+        </pc:spChg>
+        <pc:spChg chg="add del">
+          <ac:chgData name="Hunter Ceranic" userId="55b8025d37c61089" providerId="LiveId" clId="{ACCD79ED-BFAE-4857-8FB5-603E641725DE}" dt="2024-01-23T21:45:55.687" v="687" actId="26606"/>
+          <ac:spMkLst>
+            <pc:docMk/>
+            <pc:sldMk cId="464311981" sldId="261"/>
+            <ac:spMk id="1033" creationId="{1D460C86-854F-4FB3-ABC2-E823D8FEB9DB}"/>
+          </ac:spMkLst>
+        </pc:spChg>
+        <pc:spChg chg="add del">
+          <ac:chgData name="Hunter Ceranic" userId="55b8025d37c61089" providerId="LiveId" clId="{ACCD79ED-BFAE-4857-8FB5-603E641725DE}" dt="2024-01-23T21:45:55.687" v="687" actId="26606"/>
+          <ac:spMkLst>
+            <pc:docMk/>
+            <pc:sldMk cId="464311981" sldId="261"/>
+            <ac:spMk id="1035" creationId="{BB48116A-278A-4CC5-89D3-9DE8E8FF1245}"/>
+          </ac:spMkLst>
+        </pc:spChg>
+        <pc:spChg chg="add del">
+          <ac:chgData name="Hunter Ceranic" userId="55b8025d37c61089" providerId="LiveId" clId="{ACCD79ED-BFAE-4857-8FB5-603E641725DE}" dt="2024-01-23T21:45:46.681" v="684" actId="26606"/>
+          <ac:spMkLst>
+            <pc:docMk/>
+            <pc:sldMk cId="464311981" sldId="261"/>
+            <ac:spMk id="1040" creationId="{9F8A656C-0806-4677-A38B-DA5DF0F3C406}"/>
+          </ac:spMkLst>
+        </pc:spChg>
+        <pc:spChg chg="add del">
+          <ac:chgData name="Hunter Ceranic" userId="55b8025d37c61089" providerId="LiveId" clId="{ACCD79ED-BFAE-4857-8FB5-603E641725DE}" dt="2024-01-23T21:45:46.681" v="684" actId="26606"/>
+          <ac:spMkLst>
+            <pc:docMk/>
+            <pc:sldMk cId="464311981" sldId="261"/>
+            <ac:spMk id="1042" creationId="{9BEF8C6D-8BB3-473A-9607-D7381CC5C0A5}"/>
+          </ac:spMkLst>
+        </pc:spChg>
+        <pc:spChg chg="add del">
+          <ac:chgData name="Hunter Ceranic" userId="55b8025d37c61089" providerId="LiveId" clId="{ACCD79ED-BFAE-4857-8FB5-603E641725DE}" dt="2024-01-23T21:45:46.681" v="684" actId="26606"/>
+          <ac:spMkLst>
+            <pc:docMk/>
+            <pc:sldMk cId="464311981" sldId="261"/>
+            <ac:spMk id="1044" creationId="{DCFDFFB9-D302-4A05-A770-D33232254722}"/>
+          </ac:spMkLst>
+        </pc:spChg>
+        <pc:spChg chg="add del">
+          <ac:chgData name="Hunter Ceranic" userId="55b8025d37c61089" providerId="LiveId" clId="{ACCD79ED-BFAE-4857-8FB5-603E641725DE}" dt="2024-01-23T21:45:54.705" v="686" actId="26606"/>
+          <ac:spMkLst>
+            <pc:docMk/>
+            <pc:sldMk cId="464311981" sldId="261"/>
+            <ac:spMk id="1046" creationId="{5B7778FC-632E-4DCA-A7CB-0D7731CCF970}"/>
+          </ac:spMkLst>
+        </pc:spChg>
+        <pc:spChg chg="add del">
+          <ac:chgData name="Hunter Ceranic" userId="55b8025d37c61089" providerId="LiveId" clId="{ACCD79ED-BFAE-4857-8FB5-603E641725DE}" dt="2024-01-23T21:45:54.705" v="686" actId="26606"/>
+          <ac:spMkLst>
+            <pc:docMk/>
+            <pc:sldMk cId="464311981" sldId="261"/>
+            <ac:spMk id="1047" creationId="{66A3F9DB-B144-47A4-9DB2-706C3908B28B}"/>
+          </ac:spMkLst>
+        </pc:spChg>
+        <pc:spChg chg="add del">
+          <ac:chgData name="Hunter Ceranic" userId="55b8025d37c61089" providerId="LiveId" clId="{ACCD79ED-BFAE-4857-8FB5-603E641725DE}" dt="2024-01-23T21:45:54.705" v="686" actId="26606"/>
+          <ac:spMkLst>
+            <pc:docMk/>
+            <pc:sldMk cId="464311981" sldId="261"/>
+            <ac:spMk id="1048" creationId="{FA23A907-97FB-4A8F-880A-DD77401C4296}"/>
+          </ac:spMkLst>
+        </pc:spChg>
+        <pc:spChg chg="add del">
+          <ac:chgData name="Hunter Ceranic" userId="55b8025d37c61089" providerId="LiveId" clId="{ACCD79ED-BFAE-4857-8FB5-603E641725DE}" dt="2024-01-23T21:45:54.705" v="686" actId="26606"/>
+          <ac:spMkLst>
+            <pc:docMk/>
+            <pc:sldMk cId="464311981" sldId="261"/>
+            <ac:spMk id="1049" creationId="{3D9A74CD-249A-437B-A289-413676038C54}"/>
+          </ac:spMkLst>
+        </pc:spChg>
+        <pc:spChg chg="add del">
+          <ac:chgData name="Hunter Ceranic" userId="55b8025d37c61089" providerId="LiveId" clId="{ACCD79ED-BFAE-4857-8FB5-603E641725DE}" dt="2024-01-23T21:45:54.705" v="686" actId="26606"/>
+          <ac:spMkLst>
+            <pc:docMk/>
+            <pc:sldMk cId="464311981" sldId="261"/>
+            <ac:spMk id="1050" creationId="{B10BB131-AC8E-4A8E-A5D1-36260F720C3B}"/>
+          </ac:spMkLst>
+        </pc:spChg>
+        <pc:picChg chg="add mod ord">
+          <ac:chgData name="Hunter Ceranic" userId="55b8025d37c61089" providerId="LiveId" clId="{ACCD79ED-BFAE-4857-8FB5-603E641725DE}" dt="2024-01-23T21:47:14.701" v="707" actId="1076"/>
+          <ac:picMkLst>
+            <pc:docMk/>
+            <pc:sldMk cId="464311981" sldId="261"/>
+            <ac:picMk id="1026" creationId="{70ADD003-1E8C-44BA-531E-AC9C8AB34361}"/>
+          </ac:picMkLst>
+        </pc:picChg>
+      </pc:sldChg>
+      <pc:sldChg chg="modSp new del mod">
+        <pc:chgData name="Hunter Ceranic" userId="55b8025d37c61089" providerId="LiveId" clId="{ACCD79ED-BFAE-4857-8FB5-603E641725DE}" dt="2024-01-23T20:13:23.600" v="214" actId="47"/>
+        <pc:sldMkLst>
+          <pc:docMk/>
+          <pc:sldMk cId="3707100649" sldId="261"/>
+        </pc:sldMkLst>
+        <pc:spChg chg="mod">
+          <ac:chgData name="Hunter Ceranic" userId="55b8025d37c61089" providerId="LiveId" clId="{ACCD79ED-BFAE-4857-8FB5-603E641725DE}" dt="2024-01-23T20:13:20.100" v="213" actId="20577"/>
+          <ac:spMkLst>
+            <pc:docMk/>
+            <pc:sldMk cId="3707100649" sldId="261"/>
+            <ac:spMk id="2" creationId="{9D3A01FA-204E-455B-9EFB-5F0C2BD527F6}"/>
+          </ac:spMkLst>
+        </pc:spChg>
+      </pc:sldChg>
+      <pc:sldChg chg="addSp delSp modSp new mod">
+        <pc:chgData name="Hunter Ceranic" userId="55b8025d37c61089" providerId="LiveId" clId="{ACCD79ED-BFAE-4857-8FB5-603E641725DE}" dt="2024-01-25T18:40:01.439" v="3766" actId="20577"/>
+        <pc:sldMkLst>
+          <pc:docMk/>
+          <pc:sldMk cId="1282139663" sldId="262"/>
+        </pc:sldMkLst>
+        <pc:spChg chg="mod">
+          <ac:chgData name="Hunter Ceranic" userId="55b8025d37c61089" providerId="LiveId" clId="{ACCD79ED-BFAE-4857-8FB5-603E641725DE}" dt="2024-01-23T22:58:15.844" v="2034" actId="20577"/>
+          <ac:spMkLst>
+            <pc:docMk/>
+            <pc:sldMk cId="1282139663" sldId="262"/>
+            <ac:spMk id="2" creationId="{C7DF1014-ECEC-7D05-6120-59AD338C5A43}"/>
+          </ac:spMkLst>
+        </pc:spChg>
+        <pc:spChg chg="del">
+          <ac:chgData name="Hunter Ceranic" userId="55b8025d37c61089" providerId="LiveId" clId="{ACCD79ED-BFAE-4857-8FB5-603E641725DE}" dt="2024-01-23T23:05:33.657" v="2066" actId="22"/>
+          <ac:spMkLst>
+            <pc:docMk/>
+            <pc:sldMk cId="1282139663" sldId="262"/>
+            <ac:spMk id="3" creationId="{59C5325B-F8B9-2637-BA82-958759232544}"/>
+          </ac:spMkLst>
+        </pc:spChg>
+        <pc:spChg chg="add del mod">
+          <ac:chgData name="Hunter Ceranic" userId="55b8025d37c61089" providerId="LiveId" clId="{ACCD79ED-BFAE-4857-8FB5-603E641725DE}" dt="2024-01-25T18:20:46.932" v="2967"/>
+          <ac:spMkLst>
+            <pc:docMk/>
+            <pc:sldMk cId="1282139663" sldId="262"/>
+            <ac:spMk id="3" creationId="{ECC3CD7B-F688-43CC-85A5-F53C9476B355}"/>
+          </ac:spMkLst>
+        </pc:spChg>
+        <pc:spChg chg="del">
+          <ac:chgData name="Hunter Ceranic" userId="55b8025d37c61089" providerId="LiveId" clId="{ACCD79ED-BFAE-4857-8FB5-603E641725DE}" dt="2024-01-23T23:02:29.485" v="2054" actId="478"/>
+          <ac:spMkLst>
+            <pc:docMk/>
+            <pc:sldMk cId="1282139663" sldId="262"/>
+            <ac:spMk id="4" creationId="{75F6C9A0-FC62-99D8-A1BC-30B9E3E9DEC5}"/>
+          </ac:spMkLst>
+        </pc:spChg>
+        <pc:spChg chg="add mod">
+          <ac:chgData name="Hunter Ceranic" userId="55b8025d37c61089" providerId="LiveId" clId="{ACCD79ED-BFAE-4857-8FB5-603E641725DE}" dt="2024-01-25T18:40:01.439" v="3766" actId="20577"/>
+          <ac:spMkLst>
+            <pc:docMk/>
+            <pc:sldMk cId="1282139663" sldId="262"/>
+            <ac:spMk id="4" creationId="{879D1B30-BABA-4E25-8DC7-414D66E57876}"/>
+          </ac:spMkLst>
+        </pc:spChg>
+        <pc:spChg chg="add mod">
+          <ac:chgData name="Hunter Ceranic" userId="55b8025d37c61089" providerId="LiveId" clId="{ACCD79ED-BFAE-4857-8FB5-603E641725DE}" dt="2024-01-23T23:28:45.721" v="2167" actId="20577"/>
+          <ac:spMkLst>
+            <pc:docMk/>
+            <pc:sldMk cId="1282139663" sldId="262"/>
+            <ac:spMk id="5" creationId="{1C012839-D1DE-7D8C-C13D-1405FD0457A8}"/>
+          </ac:spMkLst>
+        </pc:spChg>
+        <pc:spChg chg="add del mod">
+          <ac:chgData name="Hunter Ceranic" userId="55b8025d37c61089" providerId="LiveId" clId="{ACCD79ED-BFAE-4857-8FB5-603E641725DE}" dt="2024-01-25T18:23:37.451" v="3115" actId="478"/>
+          <ac:spMkLst>
+            <pc:docMk/>
+            <pc:sldMk cId="1282139663" sldId="262"/>
+            <ac:spMk id="8" creationId="{4B460578-77A7-3F34-E220-6441A40FB3FE}"/>
+          </ac:spMkLst>
+        </pc:spChg>
+        <pc:spChg chg="add mod">
+          <ac:chgData name="Hunter Ceranic" userId="55b8025d37c61089" providerId="LiveId" clId="{ACCD79ED-BFAE-4857-8FB5-603E641725DE}" dt="2024-01-25T18:28:58.057" v="3279" actId="20577"/>
+          <ac:spMkLst>
+            <pc:docMk/>
+            <pc:sldMk cId="1282139663" sldId="262"/>
+            <ac:spMk id="10" creationId="{F2FFC939-605E-CFC2-B711-0B24C4C1DF3D}"/>
+          </ac:spMkLst>
+        </pc:spChg>
+        <pc:grpChg chg="add mod">
+          <ac:chgData name="Hunter Ceranic" userId="55b8025d37c61089" providerId="LiveId" clId="{ACCD79ED-BFAE-4857-8FB5-603E641725DE}" dt="2024-01-25T18:23:30.185" v="3112" actId="1076"/>
+          <ac:grpSpMkLst>
+            <pc:docMk/>
+            <pc:sldMk cId="1282139663" sldId="262"/>
+            <ac:grpSpMk id="15" creationId="{8BF43C64-2CCA-9F17-AB62-3165ADE233AB}"/>
+          </ac:grpSpMkLst>
+        </pc:grpChg>
+        <pc:picChg chg="add mod">
+          <ac:chgData name="Hunter Ceranic" userId="55b8025d37c61089" providerId="LiveId" clId="{ACCD79ED-BFAE-4857-8FB5-603E641725DE}" dt="2024-01-25T18:23:10.562" v="3108" actId="1076"/>
+          <ac:picMkLst>
+            <pc:docMk/>
+            <pc:sldMk cId="1282139663" sldId="262"/>
+            <ac:picMk id="7" creationId="{CAE9B0C0-7090-D085-8979-B49AF6DAF264}"/>
+          </ac:picMkLst>
+        </pc:picChg>
+        <pc:picChg chg="add mod">
+          <ac:chgData name="Hunter Ceranic" userId="55b8025d37c61089" providerId="LiveId" clId="{ACCD79ED-BFAE-4857-8FB5-603E641725DE}" dt="2024-01-25T18:23:10.562" v="3108" actId="1076"/>
+          <ac:picMkLst>
+            <pc:docMk/>
+            <pc:sldMk cId="1282139663" sldId="262"/>
+            <ac:picMk id="9" creationId="{4C1A88EA-8389-DD90-1A57-B3C56972839A}"/>
+          </ac:picMkLst>
+        </pc:picChg>
+        <pc:picChg chg="add mod ord">
+          <ac:chgData name="Hunter Ceranic" userId="55b8025d37c61089" providerId="LiveId" clId="{ACCD79ED-BFAE-4857-8FB5-603E641725DE}" dt="2024-01-25T18:23:30.185" v="3112" actId="1076"/>
+          <ac:picMkLst>
+            <pc:docMk/>
+            <pc:sldMk cId="1282139663" sldId="262"/>
+            <ac:picMk id="11" creationId="{3069CF3F-2488-0D3C-36B1-96C29EF328C3}"/>
+          </ac:picMkLst>
+        </pc:picChg>
+        <pc:picChg chg="add mod">
+          <ac:chgData name="Hunter Ceranic" userId="55b8025d37c61089" providerId="LiveId" clId="{ACCD79ED-BFAE-4857-8FB5-603E641725DE}" dt="2024-01-23T23:07:10.901" v="2086" actId="164"/>
+          <ac:picMkLst>
+            <pc:docMk/>
+            <pc:sldMk cId="1282139663" sldId="262"/>
+            <ac:picMk id="12" creationId="{1D66D614-DB0E-70BC-5CE5-E90ACF60A7ED}"/>
+          </ac:picMkLst>
+        </pc:picChg>
+        <pc:picChg chg="add mod">
+          <ac:chgData name="Hunter Ceranic" userId="55b8025d37c61089" providerId="LiveId" clId="{ACCD79ED-BFAE-4857-8FB5-603E641725DE}" dt="2024-01-23T23:07:10.901" v="2086" actId="164"/>
+          <ac:picMkLst>
+            <pc:docMk/>
+            <pc:sldMk cId="1282139663" sldId="262"/>
+            <ac:picMk id="14" creationId="{FC818FE4-B411-1A79-4D4F-931900CDC4FD}"/>
+          </ac:picMkLst>
+        </pc:picChg>
+        <pc:picChg chg="add mod">
+          <ac:chgData name="Hunter Ceranic" userId="55b8025d37c61089" providerId="LiveId" clId="{ACCD79ED-BFAE-4857-8FB5-603E641725DE}" dt="2024-01-25T18:23:30.185" v="3112" actId="1076"/>
+          <ac:picMkLst>
+            <pc:docMk/>
+            <pc:sldMk cId="1282139663" sldId="262"/>
+            <ac:picMk id="17" creationId="{8924486C-65A4-1784-1B5D-76149A672E25}"/>
+          </ac:picMkLst>
+        </pc:picChg>
+        <pc:picChg chg="add mod">
+          <ac:chgData name="Hunter Ceranic" userId="55b8025d37c61089" providerId="LiveId" clId="{ACCD79ED-BFAE-4857-8FB5-603E641725DE}" dt="2024-01-25T18:23:30.185" v="3112" actId="1076"/>
+          <ac:picMkLst>
+            <pc:docMk/>
+            <pc:sldMk cId="1282139663" sldId="262"/>
+            <ac:picMk id="19" creationId="{05A4DA08-7B97-9D43-0DBC-42C46123E6FC}"/>
+          </ac:picMkLst>
+        </pc:picChg>
+      </pc:sldChg>
+      <pc:sldChg chg="addSp delSp modSp add mod">
+        <pc:chgData name="Hunter Ceranic" userId="55b8025d37c61089" providerId="LiveId" clId="{ACCD79ED-BFAE-4857-8FB5-603E641725DE}" dt="2024-01-25T18:35:54.266" v="3602" actId="20577"/>
+        <pc:sldMkLst>
+          <pc:docMk/>
+          <pc:sldMk cId="3991598736" sldId="263"/>
+        </pc:sldMkLst>
+        <pc:spChg chg="mod">
+          <ac:chgData name="Hunter Ceranic" userId="55b8025d37c61089" providerId="LiveId" clId="{ACCD79ED-BFAE-4857-8FB5-603E641725DE}" dt="2024-01-23T23:23:23.894" v="2157" actId="1076"/>
+          <ac:spMkLst>
+            <pc:docMk/>
+            <pc:sldMk cId="3991598736" sldId="263"/>
+            <ac:spMk id="2" creationId="{C7DF1014-ECEC-7D05-6120-59AD338C5A43}"/>
+          </ac:spMkLst>
+        </pc:spChg>
+        <pc:spChg chg="mod">
+          <ac:chgData name="Hunter Ceranic" userId="55b8025d37c61089" providerId="LiveId" clId="{ACCD79ED-BFAE-4857-8FB5-603E641725DE}" dt="2024-01-23T23:28:50.673" v="2169" actId="20577"/>
+          <ac:spMkLst>
+            <pc:docMk/>
+            <pc:sldMk cId="3991598736" sldId="263"/>
+            <ac:spMk id="5" creationId="{1C012839-D1DE-7D8C-C13D-1405FD0457A8}"/>
+          </ac:spMkLst>
+        </pc:spChg>
+        <pc:spChg chg="add mod">
+          <ac:chgData name="Hunter Ceranic" userId="55b8025d37c61089" providerId="LiveId" clId="{ACCD79ED-BFAE-4857-8FB5-603E641725DE}" dt="2024-01-25T18:30:27.245" v="3389" actId="1076"/>
+          <ac:spMkLst>
+            <pc:docMk/>
+            <pc:sldMk cId="3991598736" sldId="263"/>
+            <ac:spMk id="7" creationId="{22456EFC-985E-970A-C327-2EB845063E37}"/>
+          </ac:spMkLst>
+        </pc:spChg>
+        <pc:spChg chg="add del mod">
+          <ac:chgData name="Hunter Ceranic" userId="55b8025d37c61089" providerId="LiveId" clId="{ACCD79ED-BFAE-4857-8FB5-603E641725DE}" dt="2024-01-25T18:31:39.591" v="3443" actId="478"/>
+          <ac:spMkLst>
+            <pc:docMk/>
+            <pc:sldMk cId="3991598736" sldId="263"/>
+            <ac:spMk id="9" creationId="{3F2C67EA-5276-6446-ED9E-06A767E64FA6}"/>
+          </ac:spMkLst>
+        </pc:spChg>
+        <pc:spChg chg="add del mod">
+          <ac:chgData name="Hunter Ceranic" userId="55b8025d37c61089" providerId="LiveId" clId="{ACCD79ED-BFAE-4857-8FB5-603E641725DE}" dt="2024-01-25T18:31:38.302" v="3442" actId="478"/>
+          <ac:spMkLst>
+            <pc:docMk/>
+            <pc:sldMk cId="3991598736" sldId="263"/>
+            <ac:spMk id="11" creationId="{4FFC0959-86ED-0779-02C5-C3A8D5996D11}"/>
+          </ac:spMkLst>
+        </pc:spChg>
+        <pc:spChg chg="add del mod">
+          <ac:chgData name="Hunter Ceranic" userId="55b8025d37c61089" providerId="LiveId" clId="{ACCD79ED-BFAE-4857-8FB5-603E641725DE}" dt="2024-01-23T23:17:50.713" v="2105" actId="478"/>
+          <ac:spMkLst>
+            <pc:docMk/>
+            <pc:sldMk cId="3991598736" sldId="263"/>
+            <ac:spMk id="13" creationId="{63C58497-E746-C9F9-0306-6697E82AD78F}"/>
+          </ac:spMkLst>
+        </pc:spChg>
+        <pc:spChg chg="add mod">
+          <ac:chgData name="Hunter Ceranic" userId="55b8025d37c61089" providerId="LiveId" clId="{ACCD79ED-BFAE-4857-8FB5-603E641725DE}" dt="2024-01-25T18:31:32.793" v="3437" actId="1076"/>
+          <ac:spMkLst>
+            <pc:docMk/>
+            <pc:sldMk cId="3991598736" sldId="263"/>
+            <ac:spMk id="13" creationId="{E43FED9A-2A92-4571-1C1C-6656F34985C2}"/>
+          </ac:spMkLst>
+        </pc:spChg>
+        <pc:spChg chg="add mod">
+          <ac:chgData name="Hunter Ceranic" userId="55b8025d37c61089" providerId="LiveId" clId="{ACCD79ED-BFAE-4857-8FB5-603E641725DE}" dt="2024-01-25T18:34:40.932" v="3481" actId="20577"/>
+          <ac:spMkLst>
+            <pc:docMk/>
+            <pc:sldMk cId="3991598736" sldId="263"/>
+            <ac:spMk id="16" creationId="{EED00A11-2962-E5ED-5BC0-9866E16ACA9D}"/>
+          </ac:spMkLst>
+        </pc:spChg>
+        <pc:spChg chg="add mod">
+          <ac:chgData name="Hunter Ceranic" userId="55b8025d37c61089" providerId="LiveId" clId="{ACCD79ED-BFAE-4857-8FB5-603E641725DE}" dt="2024-01-25T18:35:54.266" v="3602" actId="20577"/>
+          <ac:spMkLst>
+            <pc:docMk/>
+            <pc:sldMk cId="3991598736" sldId="263"/>
+            <ac:spMk id="20" creationId="{83EB794A-CC3C-62A8-A283-6C146460011C}"/>
+          </ac:spMkLst>
+        </pc:spChg>
+        <pc:spChg chg="add mod">
+          <ac:chgData name="Hunter Ceranic" userId="55b8025d37c61089" providerId="LiveId" clId="{ACCD79ED-BFAE-4857-8FB5-603E641725DE}" dt="2024-01-23T23:23:13.581" v="2155" actId="164"/>
+          <ac:spMkLst>
+            <pc:docMk/>
+            <pc:sldMk cId="3991598736" sldId="263"/>
+            <ac:spMk id="24" creationId="{EB34267C-288C-639B-66A1-4905FC7EC930}"/>
+          </ac:spMkLst>
+        </pc:spChg>
+        <pc:grpChg chg="add mod">
+          <ac:chgData name="Hunter Ceranic" userId="55b8025d37c61089" providerId="LiveId" clId="{ACCD79ED-BFAE-4857-8FB5-603E641725DE}" dt="2024-01-25T18:29:45.977" v="3281" actId="1076"/>
+          <ac:grpSpMkLst>
+            <pc:docMk/>
+            <pc:sldMk cId="3991598736" sldId="263"/>
+            <ac:grpSpMk id="4" creationId="{C8DB01BA-7B2F-4507-076E-3088CE34B57D}"/>
+          </ac:grpSpMkLst>
+        </pc:grpChg>
+        <pc:grpChg chg="del mod">
+          <ac:chgData name="Hunter Ceranic" userId="55b8025d37c61089" providerId="LiveId" clId="{ACCD79ED-BFAE-4857-8FB5-603E641725DE}" dt="2024-01-23T23:17:48.564" v="2103" actId="478"/>
+          <ac:grpSpMkLst>
+            <pc:docMk/>
+            <pc:sldMk cId="3991598736" sldId="263"/>
+            <ac:grpSpMk id="15" creationId="{8BF43C64-2CCA-9F17-AB62-3165ADE233AB}"/>
+          </ac:grpSpMkLst>
+        </pc:grpChg>
+        <pc:grpChg chg="add mod">
+          <ac:chgData name="Hunter Ceranic" userId="55b8025d37c61089" providerId="LiveId" clId="{ACCD79ED-BFAE-4857-8FB5-603E641725DE}" dt="2024-01-25T18:31:32.793" v="3437" actId="1076"/>
+          <ac:grpSpMkLst>
+            <pc:docMk/>
+            <pc:sldMk cId="3991598736" sldId="263"/>
+            <ac:grpSpMk id="25" creationId="{60D647CB-16C3-AAA2-9107-5D1150C5A87B}"/>
+          </ac:grpSpMkLst>
+        </pc:grpChg>
+        <pc:picChg chg="add mod">
+          <ac:chgData name="Hunter Ceranic" userId="55b8025d37c61089" providerId="LiveId" clId="{ACCD79ED-BFAE-4857-8FB5-603E641725DE}" dt="2024-01-25T18:29:45.977" v="3281" actId="1076"/>
+          <ac:picMkLst>
+            <pc:docMk/>
+            <pc:sldMk cId="3991598736" sldId="263"/>
+            <ac:picMk id="3" creationId="{188D2A99-F2E5-CD1E-1A92-A24E47DCB195}"/>
+          </ac:picMkLst>
+        </pc:picChg>
+        <pc:picChg chg="mod">
+          <ac:chgData name="Hunter Ceranic" userId="55b8025d37c61089" providerId="LiveId" clId="{ACCD79ED-BFAE-4857-8FB5-603E641725DE}" dt="2024-01-23T23:17:38.209" v="2098" actId="571"/>
+          <ac:picMkLst>
+            <pc:docMk/>
+            <pc:sldMk cId="3991598736" sldId="263"/>
+            <ac:picMk id="6" creationId="{FDE3D38A-9C66-6F73-2041-023FA88F7996}"/>
+          </ac:picMkLst>
+        </pc:picChg>
+        <pc:picChg chg="del">
+          <ac:chgData name="Hunter Ceranic" userId="55b8025d37c61089" providerId="LiveId" clId="{ACCD79ED-BFAE-4857-8FB5-603E641725DE}" dt="2024-01-23T23:16:55.113" v="2094" actId="478"/>
+          <ac:picMkLst>
+            <pc:docMk/>
+            <pc:sldMk cId="3991598736" sldId="263"/>
+            <ac:picMk id="7" creationId="{CAE9B0C0-7090-D085-8979-B49AF6DAF264}"/>
+          </ac:picMkLst>
+        </pc:picChg>
+        <pc:picChg chg="mod">
+          <ac:chgData name="Hunter Ceranic" userId="55b8025d37c61089" providerId="LiveId" clId="{ACCD79ED-BFAE-4857-8FB5-603E641725DE}" dt="2024-01-23T23:17:38.209" v="2098" actId="571"/>
+          <ac:picMkLst>
+            <pc:docMk/>
+            <pc:sldMk cId="3991598736" sldId="263"/>
+            <ac:picMk id="8" creationId="{F9DC0517-381E-8C68-0772-9D311F56BD9D}"/>
+          </ac:picMkLst>
+        </pc:picChg>
+        <pc:picChg chg="del">
+          <ac:chgData name="Hunter Ceranic" userId="55b8025d37c61089" providerId="LiveId" clId="{ACCD79ED-BFAE-4857-8FB5-603E641725DE}" dt="2024-01-23T23:16:56.611" v="2095" actId="478"/>
+          <ac:picMkLst>
+            <pc:docMk/>
+            <pc:sldMk cId="3991598736" sldId="263"/>
+            <ac:picMk id="9" creationId="{4C1A88EA-8389-DD90-1A57-B3C56972839A}"/>
+          </ac:picMkLst>
+        </pc:picChg>
+        <pc:picChg chg="add del mod">
+          <ac:chgData name="Hunter Ceranic" userId="55b8025d37c61089" providerId="LiveId" clId="{ACCD79ED-BFAE-4857-8FB5-603E641725DE}" dt="2024-01-25T18:31:35.133" v="3438" actId="478"/>
+          <ac:picMkLst>
+            <pc:docMk/>
+            <pc:sldMk cId="3991598736" sldId="263"/>
+            <ac:picMk id="10" creationId="{FE6021C7-3858-9194-3F46-1860A92FDA46}"/>
+          </ac:picMkLst>
+        </pc:picChg>
+        <pc:picChg chg="del mod">
+          <ac:chgData name="Hunter Ceranic" userId="55b8025d37c61089" providerId="LiveId" clId="{ACCD79ED-BFAE-4857-8FB5-603E641725DE}" dt="2024-01-23T23:17:46.143" v="2101" actId="478"/>
+          <ac:picMkLst>
+            <pc:docMk/>
+            <pc:sldMk cId="3991598736" sldId="263"/>
+            <ac:picMk id="11" creationId="{3069CF3F-2488-0D3C-36B1-96C29EF328C3}"/>
+          </ac:picMkLst>
+        </pc:picChg>
+        <pc:picChg chg="add mod">
+          <ac:chgData name="Hunter Ceranic" userId="55b8025d37c61089" providerId="LiveId" clId="{ACCD79ED-BFAE-4857-8FB5-603E641725DE}" dt="2024-01-25T18:31:32.793" v="3437" actId="1076"/>
+          <ac:picMkLst>
+            <pc:docMk/>
+            <pc:sldMk cId="3991598736" sldId="263"/>
+            <ac:picMk id="12" creationId="{DF53D8E0-B665-2D4A-348D-B47AFE9708C9}"/>
+          </ac:picMkLst>
+        </pc:picChg>
+        <pc:picChg chg="add mod">
+          <ac:chgData name="Hunter Ceranic" userId="55b8025d37c61089" providerId="LiveId" clId="{ACCD79ED-BFAE-4857-8FB5-603E641725DE}" dt="2024-01-25T18:34:55.793" v="3488" actId="1076"/>
+          <ac:picMkLst>
+            <pc:docMk/>
+            <pc:sldMk cId="3991598736" sldId="263"/>
+            <ac:picMk id="15" creationId="{852CFD5C-D134-1217-A844-D8C319D5B4D9}"/>
+          </ac:picMkLst>
+        </pc:picChg>
+        <pc:picChg chg="mod">
+          <ac:chgData name="Hunter Ceranic" userId="55b8025d37c61089" providerId="LiveId" clId="{ACCD79ED-BFAE-4857-8FB5-603E641725DE}" dt="2024-01-25T18:29:45.977" v="3281" actId="1076"/>
+          <ac:picMkLst>
+            <pc:docMk/>
+            <pc:sldMk cId="3991598736" sldId="263"/>
+            <ac:picMk id="17" creationId="{8924486C-65A4-1784-1B5D-76149A672E25}"/>
+          </ac:picMkLst>
+        </pc:picChg>
+        <pc:picChg chg="add mod">
+          <ac:chgData name="Hunter Ceranic" userId="55b8025d37c61089" providerId="LiveId" clId="{ACCD79ED-BFAE-4857-8FB5-603E641725DE}" dt="2024-01-23T23:18:19.273" v="2112" actId="1076"/>
+          <ac:picMkLst>
+            <pc:docMk/>
+            <pc:sldMk cId="3991598736" sldId="263"/>
+            <ac:picMk id="18" creationId="{008207FC-5882-DC9A-0373-D4D4E6A2A2C9}"/>
+          </ac:picMkLst>
+        </pc:picChg>
+        <pc:picChg chg="add mod">
+          <ac:chgData name="Hunter Ceranic" userId="55b8025d37c61089" providerId="LiveId" clId="{ACCD79ED-BFAE-4857-8FB5-603E641725DE}" dt="2024-01-25T18:29:45.977" v="3281" actId="1076"/>
+          <ac:picMkLst>
+            <pc:docMk/>
+            <pc:sldMk cId="3991598736" sldId="263"/>
+            <ac:picMk id="19" creationId="{C472703C-E5CB-485B-1C4B-6C06C353025B}"/>
+          </ac:picMkLst>
+        </pc:picChg>
+        <pc:picChg chg="add del mod">
+          <ac:chgData name="Hunter Ceranic" userId="55b8025d37c61089" providerId="LiveId" clId="{ACCD79ED-BFAE-4857-8FB5-603E641725DE}" dt="2024-01-25T18:31:35.859" v="3440" actId="478"/>
+          <ac:picMkLst>
+            <pc:docMk/>
+            <pc:sldMk cId="3991598736" sldId="263"/>
+            <ac:picMk id="21" creationId="{22BCAE72-C73D-9A1B-AD54-EF4BE002B961}"/>
+          </ac:picMkLst>
+        </pc:picChg>
+        <pc:picChg chg="add mod">
+          <ac:chgData name="Hunter Ceranic" userId="55b8025d37c61089" providerId="LiveId" clId="{ACCD79ED-BFAE-4857-8FB5-603E641725DE}" dt="2024-01-23T23:23:13.581" v="2155" actId="164"/>
+          <ac:picMkLst>
+            <pc:docMk/>
+            <pc:sldMk cId="3991598736" sldId="263"/>
+            <ac:picMk id="23" creationId="{D5A7F495-D13B-6671-931E-84CDD5F86A04}"/>
+          </ac:picMkLst>
+        </pc:picChg>
+        <pc:cxnChg chg="add del">
+          <ac:chgData name="Hunter Ceranic" userId="55b8025d37c61089" providerId="LiveId" clId="{ACCD79ED-BFAE-4857-8FB5-603E641725DE}" dt="2024-01-23T23:23:40.994" v="2159" actId="11529"/>
+          <ac:cxnSpMkLst>
+            <pc:docMk/>
+            <pc:sldMk cId="3991598736" sldId="263"/>
+            <ac:cxnSpMk id="27" creationId="{9968B0D0-7ADE-3600-D321-29F36A077B89}"/>
+          </ac:cxnSpMkLst>
+        </pc:cxnChg>
+      </pc:sldChg>
+      <pc:sldChg chg="addSp delSp modSp new mod setBg modClrScheme addAnim setClrOvrMap chgLayout">
+        <pc:chgData name="Hunter Ceranic" userId="55b8025d37c61089" providerId="LiveId" clId="{ACCD79ED-BFAE-4857-8FB5-603E641725DE}" dt="2024-01-25T18:38:04.545" v="3720" actId="20577"/>
+        <pc:sldMkLst>
+          <pc:docMk/>
+          <pc:sldMk cId="998881358" sldId="264"/>
+        </pc:sldMkLst>
+        <pc:spChg chg="del mod ord">
+          <ac:chgData name="Hunter Ceranic" userId="55b8025d37c61089" providerId="LiveId" clId="{ACCD79ED-BFAE-4857-8FB5-603E641725DE}" dt="2024-01-25T18:37:29.838" v="3664" actId="700"/>
+          <ac:spMkLst>
+            <pc:docMk/>
+            <pc:sldMk cId="998881358" sldId="264"/>
+            <ac:spMk id="2" creationId="{0EC9A651-EBA2-BCC3-50E8-143A868D23F0}"/>
+          </ac:spMkLst>
+        </pc:spChg>
+        <pc:spChg chg="del mod ord">
+          <ac:chgData name="Hunter Ceranic" userId="55b8025d37c61089" providerId="LiveId" clId="{ACCD79ED-BFAE-4857-8FB5-603E641725DE}" dt="2024-01-25T18:37:29.838" v="3664" actId="700"/>
+          <ac:spMkLst>
+            <pc:docMk/>
+            <pc:sldMk cId="998881358" sldId="264"/>
+            <ac:spMk id="3" creationId="{B3A338AE-D5B8-D9CA-36E4-B21C2987CA31}"/>
+          </ac:spMkLst>
+        </pc:spChg>
+        <pc:spChg chg="mod ord">
+          <ac:chgData name="Hunter Ceranic" userId="55b8025d37c61089" providerId="LiveId" clId="{ACCD79ED-BFAE-4857-8FB5-603E641725DE}" dt="2024-01-25T18:37:57.008" v="3715" actId="26606"/>
+          <ac:spMkLst>
+            <pc:docMk/>
+            <pc:sldMk cId="998881358" sldId="264"/>
+            <ac:spMk id="4" creationId="{C453327A-C23C-C9D1-22BB-AE6780AE9D55}"/>
+          </ac:spMkLst>
+        </pc:spChg>
+        <pc:spChg chg="add mod ord">
+          <ac:chgData name="Hunter Ceranic" userId="55b8025d37c61089" providerId="LiveId" clId="{ACCD79ED-BFAE-4857-8FB5-603E641725DE}" dt="2024-01-25T18:37:57.008" v="3715" actId="26606"/>
+          <ac:spMkLst>
+            <pc:docMk/>
+            <pc:sldMk cId="998881358" sldId="264"/>
+            <ac:spMk id="5" creationId="{49CB1C78-12AF-9A3C-FA38-1ECA637CC7AB}"/>
+          </ac:spMkLst>
+        </pc:spChg>
+        <pc:spChg chg="add mod ord">
+          <ac:chgData name="Hunter Ceranic" userId="55b8025d37c61089" providerId="LiveId" clId="{ACCD79ED-BFAE-4857-8FB5-603E641725DE}" dt="2024-01-25T18:38:04.545" v="3720" actId="20577"/>
+          <ac:spMkLst>
+            <pc:docMk/>
+            <pc:sldMk cId="998881358" sldId="264"/>
+            <ac:spMk id="6" creationId="{666762D2-772A-C48E-C9CF-8B510F2FA513}"/>
+          </ac:spMkLst>
+        </pc:spChg>
+        <pc:spChg chg="add">
+          <ac:chgData name="Hunter Ceranic" userId="55b8025d37c61089" providerId="LiveId" clId="{ACCD79ED-BFAE-4857-8FB5-603E641725DE}" dt="2024-01-25T18:37:57.008" v="3715" actId="26606"/>
+          <ac:spMkLst>
+            <pc:docMk/>
+            <pc:sldMk cId="998881358" sldId="264"/>
+            <ac:spMk id="12" creationId="{0671A8AE-40A1-4631-A6B8-581AFF065482}"/>
+          </ac:spMkLst>
+        </pc:spChg>
+        <pc:spChg chg="add">
+          <ac:chgData name="Hunter Ceranic" userId="55b8025d37c61089" providerId="LiveId" clId="{ACCD79ED-BFAE-4857-8FB5-603E641725DE}" dt="2024-01-25T18:37:57.008" v="3715" actId="26606"/>
+          <ac:spMkLst>
+            <pc:docMk/>
+            <pc:sldMk cId="998881358" sldId="264"/>
+            <ac:spMk id="14" creationId="{A44CD100-6267-4E62-AA64-2182A3A6A1C0}"/>
+          </ac:spMkLst>
+        </pc:spChg>
+        <pc:picChg chg="add">
+          <ac:chgData name="Hunter Ceranic" userId="55b8025d37c61089" providerId="LiveId" clId="{ACCD79ED-BFAE-4857-8FB5-603E641725DE}" dt="2024-01-25T18:37:57.008" v="3715" actId="26606"/>
+          <ac:picMkLst>
+            <pc:docMk/>
+            <pc:sldMk cId="998881358" sldId="264"/>
+            <ac:picMk id="8" creationId="{6F197B8F-C90C-17EF-FBF7-04F6F2F6EF94}"/>
+          </ac:picMkLst>
+        </pc:picChg>
+      </pc:sldChg>
+      <pc:sldChg chg="new del">
+        <pc:chgData name="Hunter Ceranic" userId="55b8025d37c61089" providerId="LiveId" clId="{ACCD79ED-BFAE-4857-8FB5-603E641725DE}" dt="2024-01-26T18:32:03.346" v="3768" actId="680"/>
+        <pc:sldMkLst>
+          <pc:docMk/>
+          <pc:sldMk cId="1351124811" sldId="265"/>
+        </pc:sldMkLst>
+      </pc:sldChg>
+      <pc:sldMasterChg chg="add del addSldLayout delSldLayout">
+        <pc:chgData name="Hunter Ceranic" userId="55b8025d37c61089" providerId="LiveId" clId="{ACCD79ED-BFAE-4857-8FB5-603E641725DE}" dt="2024-01-23T20:03:02.922" v="3" actId="26606"/>
+        <pc:sldMasterMkLst>
+          <pc:docMk/>
+          <pc:sldMasterMk cId="3109401901" sldId="2147483648"/>
+        </pc:sldMasterMkLst>
+        <pc:sldLayoutChg chg="add del">
+          <pc:chgData name="Hunter Ceranic" userId="55b8025d37c61089" providerId="LiveId" clId="{ACCD79ED-BFAE-4857-8FB5-603E641725DE}" dt="2024-01-23T20:03:02.922" v="3" actId="26606"/>
+          <pc:sldLayoutMkLst>
+            <pc:docMk/>
+            <pc:sldMasterMk cId="3109401901" sldId="2147483648"/>
+            <pc:sldLayoutMk cId="513548861" sldId="2147483649"/>
+          </pc:sldLayoutMkLst>
+        </pc:sldLayoutChg>
+        <pc:sldLayoutChg chg="add del">
+          <pc:chgData name="Hunter Ceranic" userId="55b8025d37c61089" providerId="LiveId" clId="{ACCD79ED-BFAE-4857-8FB5-603E641725DE}" dt="2024-01-23T20:03:02.922" v="3" actId="26606"/>
+          <pc:sldLayoutMkLst>
+            <pc:docMk/>
+            <pc:sldMasterMk cId="3109401901" sldId="2147483648"/>
+            <pc:sldLayoutMk cId="4183330876" sldId="2147483650"/>
+          </pc:sldLayoutMkLst>
+        </pc:sldLayoutChg>
+        <pc:sldLayoutChg chg="add del">
+          <pc:chgData name="Hunter Ceranic" userId="55b8025d37c61089" providerId="LiveId" clId="{ACCD79ED-BFAE-4857-8FB5-603E641725DE}" dt="2024-01-23T20:03:02.922" v="3" actId="26606"/>
+          <pc:sldLayoutMkLst>
+            <pc:docMk/>
+            <pc:sldMasterMk cId="3109401901" sldId="2147483648"/>
+            <pc:sldLayoutMk cId="2763240192" sldId="2147483651"/>
+          </pc:sldLayoutMkLst>
+        </pc:sldLayoutChg>
+        <pc:sldLayoutChg chg="add del">
+          <pc:chgData name="Hunter Ceranic" userId="55b8025d37c61089" providerId="LiveId" clId="{ACCD79ED-BFAE-4857-8FB5-603E641725DE}" dt="2024-01-23T20:03:02.922" v="3" actId="26606"/>
+          <pc:sldLayoutMkLst>
+            <pc:docMk/>
+            <pc:sldMasterMk cId="3109401901" sldId="2147483648"/>
+            <pc:sldLayoutMk cId="3508845573" sldId="2147483652"/>
+          </pc:sldLayoutMkLst>
+        </pc:sldLayoutChg>
+        <pc:sldLayoutChg chg="add del">
+          <pc:chgData name="Hunter Ceranic" userId="55b8025d37c61089" providerId="LiveId" clId="{ACCD79ED-BFAE-4857-8FB5-603E641725DE}" dt="2024-01-23T20:03:02.922" v="3" actId="26606"/>
+          <pc:sldLayoutMkLst>
+            <pc:docMk/>
+            <pc:sldMasterMk cId="3109401901" sldId="2147483648"/>
+            <pc:sldLayoutMk cId="2110172368" sldId="2147483653"/>
+          </pc:sldLayoutMkLst>
+        </pc:sldLayoutChg>
+        <pc:sldLayoutChg chg="add del">
+          <pc:chgData name="Hunter Ceranic" userId="55b8025d37c61089" providerId="LiveId" clId="{ACCD79ED-BFAE-4857-8FB5-603E641725DE}" dt="2024-01-23T20:03:02.922" v="3" actId="26606"/>
+          <pc:sldLayoutMkLst>
+            <pc:docMk/>
+            <pc:sldMasterMk cId="3109401901" sldId="2147483648"/>
+            <pc:sldLayoutMk cId="2210393177" sldId="2147483654"/>
+          </pc:sldLayoutMkLst>
+        </pc:sldLayoutChg>
+        <pc:sldLayoutChg chg="add del">
+          <pc:chgData name="Hunter Ceranic" userId="55b8025d37c61089" providerId="LiveId" clId="{ACCD79ED-BFAE-4857-8FB5-603E641725DE}" dt="2024-01-23T20:03:02.922" v="3" actId="26606"/>
+          <pc:sldLayoutMkLst>
+            <pc:docMk/>
+            <pc:sldMasterMk cId="3109401901" sldId="2147483648"/>
+            <pc:sldLayoutMk cId="2886718544" sldId="2147483655"/>
+          </pc:sldLayoutMkLst>
+        </pc:sldLayoutChg>
+        <pc:sldLayoutChg chg="add del">
+          <pc:chgData name="Hunter Ceranic" userId="55b8025d37c61089" providerId="LiveId" clId="{ACCD79ED-BFAE-4857-8FB5-603E641725DE}" dt="2024-01-23T20:03:02.922" v="3" actId="26606"/>
+          <pc:sldLayoutMkLst>
+            <pc:docMk/>
+            <pc:sldMasterMk cId="3109401901" sldId="2147483648"/>
+            <pc:sldLayoutMk cId="3850669462" sldId="2147483656"/>
+          </pc:sldLayoutMkLst>
+        </pc:sldLayoutChg>
+        <pc:sldLayoutChg chg="add del">
+          <pc:chgData name="Hunter Ceranic" userId="55b8025d37c61089" providerId="LiveId" clId="{ACCD79ED-BFAE-4857-8FB5-603E641725DE}" dt="2024-01-23T20:03:02.922" v="3" actId="26606"/>
+          <pc:sldLayoutMkLst>
+            <pc:docMk/>
+            <pc:sldMasterMk cId="3109401901" sldId="2147483648"/>
+            <pc:sldLayoutMk cId="2647324278" sldId="2147483657"/>
+          </pc:sldLayoutMkLst>
+        </pc:sldLayoutChg>
+        <pc:sldLayoutChg chg="add del">
+          <pc:chgData name="Hunter Ceranic" userId="55b8025d37c61089" providerId="LiveId" clId="{ACCD79ED-BFAE-4857-8FB5-603E641725DE}" dt="2024-01-23T20:03:02.922" v="3" actId="26606"/>
+          <pc:sldLayoutMkLst>
+            <pc:docMk/>
+            <pc:sldMasterMk cId="3109401901" sldId="2147483648"/>
+            <pc:sldLayoutMk cId="1491557029" sldId="2147483658"/>
+          </pc:sldLayoutMkLst>
+        </pc:sldLayoutChg>
+        <pc:sldLayoutChg chg="add del">
+          <pc:chgData name="Hunter Ceranic" userId="55b8025d37c61089" providerId="LiveId" clId="{ACCD79ED-BFAE-4857-8FB5-603E641725DE}" dt="2024-01-23T20:03:02.922" v="3" actId="26606"/>
+          <pc:sldLayoutMkLst>
+            <pc:docMk/>
+            <pc:sldMasterMk cId="3109401901" sldId="2147483648"/>
+            <pc:sldLayoutMk cId="1150607811" sldId="2147483659"/>
+          </pc:sldLayoutMkLst>
+        </pc:sldLayoutChg>
+      </pc:sldMasterChg>
+      <pc:sldMasterChg chg="add del addSldLayout delSldLayout">
+        <pc:chgData name="Hunter Ceranic" userId="55b8025d37c61089" providerId="LiveId" clId="{ACCD79ED-BFAE-4857-8FB5-603E641725DE}" dt="2024-01-23T20:03:41.234" v="35" actId="26606"/>
+        <pc:sldMasterMkLst>
+          <pc:docMk/>
+          <pc:sldMasterMk cId="3625141046" sldId="2147483699"/>
+        </pc:sldMasterMkLst>
+        <pc:sldLayoutChg chg="add del">
+          <pc:chgData name="Hunter Ceranic" userId="55b8025d37c61089" providerId="LiveId" clId="{ACCD79ED-BFAE-4857-8FB5-603E641725DE}" dt="2024-01-23T20:03:41.234" v="35" actId="26606"/>
+          <pc:sldLayoutMkLst>
+            <pc:docMk/>
+            <pc:sldMasterMk cId="3625141046" sldId="2147483699"/>
+            <pc:sldLayoutMk cId="1127557602" sldId="2147483688"/>
+          </pc:sldLayoutMkLst>
+        </pc:sldLayoutChg>
+        <pc:sldLayoutChg chg="add del">
+          <pc:chgData name="Hunter Ceranic" userId="55b8025d37c61089" providerId="LiveId" clId="{ACCD79ED-BFAE-4857-8FB5-603E641725DE}" dt="2024-01-23T20:03:41.234" v="35" actId="26606"/>
+          <pc:sldLayoutMkLst>
+            <pc:docMk/>
+            <pc:sldMasterMk cId="3625141046" sldId="2147483699"/>
+            <pc:sldLayoutMk cId="2200874226" sldId="2147483689"/>
+          </pc:sldLayoutMkLst>
+        </pc:sldLayoutChg>
+        <pc:sldLayoutChg chg="add del">
+          <pc:chgData name="Hunter Ceranic" userId="55b8025d37c61089" providerId="LiveId" clId="{ACCD79ED-BFAE-4857-8FB5-603E641725DE}" dt="2024-01-23T20:03:41.234" v="35" actId="26606"/>
+          <pc:sldLayoutMkLst>
+            <pc:docMk/>
+            <pc:sldMasterMk cId="3625141046" sldId="2147483699"/>
+            <pc:sldLayoutMk cId="3914437980" sldId="2147483690"/>
+          </pc:sldLayoutMkLst>
+        </pc:sldLayoutChg>
+        <pc:sldLayoutChg chg="add del">
+          <pc:chgData name="Hunter Ceranic" userId="55b8025d37c61089" providerId="LiveId" clId="{ACCD79ED-BFAE-4857-8FB5-603E641725DE}" dt="2024-01-23T20:03:41.234" v="35" actId="26606"/>
+          <pc:sldLayoutMkLst>
+            <pc:docMk/>
+            <pc:sldMasterMk cId="3625141046" sldId="2147483699"/>
+            <pc:sldLayoutMk cId="946984127" sldId="2147483691"/>
+          </pc:sldLayoutMkLst>
+        </pc:sldLayoutChg>
+        <pc:sldLayoutChg chg="add del">
+          <pc:chgData name="Hunter Ceranic" userId="55b8025d37c61089" providerId="LiveId" clId="{ACCD79ED-BFAE-4857-8FB5-603E641725DE}" dt="2024-01-23T20:03:41.234" v="35" actId="26606"/>
+          <pc:sldLayoutMkLst>
+            <pc:docMk/>
+            <pc:sldMasterMk cId="3625141046" sldId="2147483699"/>
+            <pc:sldLayoutMk cId="4284967081" sldId="2147483692"/>
+          </pc:sldLayoutMkLst>
+        </pc:sldLayoutChg>
+        <pc:sldLayoutChg chg="add del">
+          <pc:chgData name="Hunter Ceranic" userId="55b8025d37c61089" providerId="LiveId" clId="{ACCD79ED-BFAE-4857-8FB5-603E641725DE}" dt="2024-01-23T20:03:41.234" v="35" actId="26606"/>
+          <pc:sldLayoutMkLst>
+            <pc:docMk/>
+            <pc:sldMasterMk cId="3625141046" sldId="2147483699"/>
+            <pc:sldLayoutMk cId="1216617267" sldId="2147483693"/>
+          </pc:sldLayoutMkLst>
+        </pc:sldLayoutChg>
+        <pc:sldLayoutChg chg="add del">
+          <pc:chgData name="Hunter Ceranic" userId="55b8025d37c61089" providerId="LiveId" clId="{ACCD79ED-BFAE-4857-8FB5-603E641725DE}" dt="2024-01-23T20:03:41.234" v="35" actId="26606"/>
+          <pc:sldLayoutMkLst>
+            <pc:docMk/>
+            <pc:sldMasterMk cId="3625141046" sldId="2147483699"/>
+            <pc:sldLayoutMk cId="2830778015" sldId="2147483694"/>
+          </pc:sldLayoutMkLst>
+        </pc:sldLayoutChg>
+        <pc:sldLayoutChg chg="add del">
+          <pc:chgData name="Hunter Ceranic" userId="55b8025d37c61089" providerId="LiveId" clId="{ACCD79ED-BFAE-4857-8FB5-603E641725DE}" dt="2024-01-23T20:03:41.234" v="35" actId="26606"/>
+          <pc:sldLayoutMkLst>
+            <pc:docMk/>
+            <pc:sldMasterMk cId="3625141046" sldId="2147483699"/>
+            <pc:sldLayoutMk cId="1653061690" sldId="2147483695"/>
+          </pc:sldLayoutMkLst>
+        </pc:sldLayoutChg>
+        <pc:sldLayoutChg chg="add del">
+          <pc:chgData name="Hunter Ceranic" userId="55b8025d37c61089" providerId="LiveId" clId="{ACCD79ED-BFAE-4857-8FB5-603E641725DE}" dt="2024-01-23T20:03:41.234" v="35" actId="26606"/>
+          <pc:sldLayoutMkLst>
+            <pc:docMk/>
+            <pc:sldMasterMk cId="3625141046" sldId="2147483699"/>
+            <pc:sldLayoutMk cId="1884769510" sldId="2147483696"/>
+          </pc:sldLayoutMkLst>
+        </pc:sldLayoutChg>
+        <pc:sldLayoutChg chg="add del">
+          <pc:chgData name="Hunter Ceranic" userId="55b8025d37c61089" providerId="LiveId" clId="{ACCD79ED-BFAE-4857-8FB5-603E641725DE}" dt="2024-01-23T20:03:41.234" v="35" actId="26606"/>
+          <pc:sldLayoutMkLst>
+            <pc:docMk/>
+            <pc:sldMasterMk cId="3625141046" sldId="2147483699"/>
+            <pc:sldLayoutMk cId="520030635" sldId="2147483697"/>
+          </pc:sldLayoutMkLst>
+        </pc:sldLayoutChg>
+        <pc:sldLayoutChg chg="add del">
+          <pc:chgData name="Hunter Ceranic" userId="55b8025d37c61089" providerId="LiveId" clId="{ACCD79ED-BFAE-4857-8FB5-603E641725DE}" dt="2024-01-23T20:03:41.234" v="35" actId="26606"/>
+          <pc:sldLayoutMkLst>
+            <pc:docMk/>
+            <pc:sldMasterMk cId="3625141046" sldId="2147483699"/>
+            <pc:sldLayoutMk cId="3334971624" sldId="2147483698"/>
+          </pc:sldLayoutMkLst>
+        </pc:sldLayoutChg>
+      </pc:sldMasterChg>
+      <pc:sldMasterChg chg="add del addSldLayout delSldLayout">
+        <pc:chgData name="Hunter Ceranic" userId="55b8025d37c61089" providerId="LiveId" clId="{ACCD79ED-BFAE-4857-8FB5-603E641725DE}" dt="2024-01-23T20:03:02.868" v="2" actId="26606"/>
+        <pc:sldMasterMkLst>
+          <pc:docMk/>
+          <pc:sldMasterMk cId="2202494251" sldId="2147483712"/>
+        </pc:sldMasterMkLst>
+        <pc:sldLayoutChg chg="add del">
+          <pc:chgData name="Hunter Ceranic" userId="55b8025d37c61089" providerId="LiveId" clId="{ACCD79ED-BFAE-4857-8FB5-603E641725DE}" dt="2024-01-23T20:03:02.868" v="2" actId="26606"/>
+          <pc:sldLayoutMkLst>
+            <pc:docMk/>
+            <pc:sldMasterMk cId="2202494251" sldId="2147483712"/>
+            <pc:sldLayoutMk cId="591244846" sldId="2147483701"/>
+          </pc:sldLayoutMkLst>
+        </pc:sldLayoutChg>
+        <pc:sldLayoutChg chg="add del">
+          <pc:chgData name="Hunter Ceranic" userId="55b8025d37c61089" providerId="LiveId" clId="{ACCD79ED-BFAE-4857-8FB5-603E641725DE}" dt="2024-01-23T20:03:02.868" v="2" actId="26606"/>
+          <pc:sldLayoutMkLst>
+            <pc:docMk/>
+            <pc:sldMasterMk cId="2202494251" sldId="2147483712"/>
+            <pc:sldLayoutMk cId="2331399181" sldId="2147483702"/>
+          </pc:sldLayoutMkLst>
+        </pc:sldLayoutChg>
+        <pc:sldLayoutChg chg="add del">
+          <pc:chgData name="Hunter Ceranic" userId="55b8025d37c61089" providerId="LiveId" clId="{ACCD79ED-BFAE-4857-8FB5-603E641725DE}" dt="2024-01-23T20:03:02.868" v="2" actId="26606"/>
+          <pc:sldLayoutMkLst>
+            <pc:docMk/>
+            <pc:sldMasterMk cId="2202494251" sldId="2147483712"/>
+            <pc:sldLayoutMk cId="3388230769" sldId="2147483703"/>
+          </pc:sldLayoutMkLst>
+        </pc:sldLayoutChg>
+        <pc:sldLayoutChg chg="add del">
+          <pc:chgData name="Hunter Ceranic" userId="55b8025d37c61089" providerId="LiveId" clId="{ACCD79ED-BFAE-4857-8FB5-603E641725DE}" dt="2024-01-23T20:03:02.868" v="2" actId="26606"/>
+          <pc:sldLayoutMkLst>
+            <pc:docMk/>
+            <pc:sldMasterMk cId="2202494251" sldId="2147483712"/>
+            <pc:sldLayoutMk cId="3869490735" sldId="2147483704"/>
+          </pc:sldLayoutMkLst>
+        </pc:sldLayoutChg>
+        <pc:sldLayoutChg chg="add del">
+          <pc:chgData name="Hunter Ceranic" userId="55b8025d37c61089" providerId="LiveId" clId="{ACCD79ED-BFAE-4857-8FB5-603E641725DE}" dt="2024-01-23T20:03:02.868" v="2" actId="26606"/>
+          <pc:sldLayoutMkLst>
+            <pc:docMk/>
+            <pc:sldMasterMk cId="2202494251" sldId="2147483712"/>
+            <pc:sldLayoutMk cId="886192896" sldId="2147483705"/>
+          </pc:sldLayoutMkLst>
+        </pc:sldLayoutChg>
+        <pc:sldLayoutChg chg="add del">
+          <pc:chgData name="Hunter Ceranic" userId="55b8025d37c61089" providerId="LiveId" clId="{ACCD79ED-BFAE-4857-8FB5-603E641725DE}" dt="2024-01-23T20:03:02.868" v="2" actId="26606"/>
+          <pc:sldLayoutMkLst>
+            <pc:docMk/>
+            <pc:sldMasterMk cId="2202494251" sldId="2147483712"/>
+            <pc:sldLayoutMk cId="4111025588" sldId="2147483706"/>
+          </pc:sldLayoutMkLst>
+        </pc:sldLayoutChg>
+        <pc:sldLayoutChg chg="add del">
+          <pc:chgData name="Hunter Ceranic" userId="55b8025d37c61089" providerId="LiveId" clId="{ACCD79ED-BFAE-4857-8FB5-603E641725DE}" dt="2024-01-23T20:03:02.868" v="2" actId="26606"/>
+          <pc:sldLayoutMkLst>
+            <pc:docMk/>
+            <pc:sldMasterMk cId="2202494251" sldId="2147483712"/>
+            <pc:sldLayoutMk cId="2309390667" sldId="2147483707"/>
+          </pc:sldLayoutMkLst>
+        </pc:sldLayoutChg>
+        <pc:sldLayoutChg chg="add del">
+          <pc:chgData name="Hunter Ceranic" userId="55b8025d37c61089" providerId="LiveId" clId="{ACCD79ED-BFAE-4857-8FB5-603E641725DE}" dt="2024-01-23T20:03:02.868" v="2" actId="26606"/>
+          <pc:sldLayoutMkLst>
+            <pc:docMk/>
+            <pc:sldMasterMk cId="2202494251" sldId="2147483712"/>
+            <pc:sldLayoutMk cId="1072143547" sldId="2147483708"/>
+          </pc:sldLayoutMkLst>
+        </pc:sldLayoutChg>
+        <pc:sldLayoutChg chg="add del">
+          <pc:chgData name="Hunter Ceranic" userId="55b8025d37c61089" providerId="LiveId" clId="{ACCD79ED-BFAE-4857-8FB5-603E641725DE}" dt="2024-01-23T20:03:02.868" v="2" actId="26606"/>
+          <pc:sldLayoutMkLst>
+            <pc:docMk/>
+            <pc:sldMasterMk cId="2202494251" sldId="2147483712"/>
+            <pc:sldLayoutMk cId="2466298444" sldId="2147483709"/>
+          </pc:sldLayoutMkLst>
+        </pc:sldLayoutChg>
+        <pc:sldLayoutChg chg="add del">
+          <pc:chgData name="Hunter Ceranic" userId="55b8025d37c61089" providerId="LiveId" clId="{ACCD79ED-BFAE-4857-8FB5-603E641725DE}" dt="2024-01-23T20:03:02.868" v="2" actId="26606"/>
+          <pc:sldLayoutMkLst>
+            <pc:docMk/>
+            <pc:sldMasterMk cId="2202494251" sldId="2147483712"/>
+            <pc:sldLayoutMk cId="804213471" sldId="2147483710"/>
+          </pc:sldLayoutMkLst>
+        </pc:sldLayoutChg>
+        <pc:sldLayoutChg chg="add del">
+          <pc:chgData name="Hunter Ceranic" userId="55b8025d37c61089" providerId="LiveId" clId="{ACCD79ED-BFAE-4857-8FB5-603E641725DE}" dt="2024-01-23T20:03:02.868" v="2" actId="26606"/>
+          <pc:sldLayoutMkLst>
+            <pc:docMk/>
+            <pc:sldMasterMk cId="2202494251" sldId="2147483712"/>
+            <pc:sldLayoutMk cId="2386803905" sldId="2147483711"/>
+          </pc:sldLayoutMkLst>
+        </pc:sldLayoutChg>
+      </pc:sldMasterChg>
+      <pc:sldMasterChg chg="add addSldLayout">
+        <pc:chgData name="Hunter Ceranic" userId="55b8025d37c61089" providerId="LiveId" clId="{ACCD79ED-BFAE-4857-8FB5-603E641725DE}" dt="2024-01-23T20:03:41.234" v="35" actId="26606"/>
+        <pc:sldMasterMkLst>
+          <pc:docMk/>
+          <pc:sldMasterMk cId="1299206643" sldId="2147483788"/>
+        </pc:sldMasterMkLst>
+        <pc:sldLayoutChg chg="add">
+          <pc:chgData name="Hunter Ceranic" userId="55b8025d37c61089" providerId="LiveId" clId="{ACCD79ED-BFAE-4857-8FB5-603E641725DE}" dt="2024-01-23T20:03:41.234" v="35" actId="26606"/>
+          <pc:sldLayoutMkLst>
+            <pc:docMk/>
+            <pc:sldMasterMk cId="1299206643" sldId="2147483788"/>
+            <pc:sldLayoutMk cId="3828061927" sldId="2147483777"/>
+          </pc:sldLayoutMkLst>
+        </pc:sldLayoutChg>
+        <pc:sldLayoutChg chg="add">
+          <pc:chgData name="Hunter Ceranic" userId="55b8025d37c61089" providerId="LiveId" clId="{ACCD79ED-BFAE-4857-8FB5-603E641725DE}" dt="2024-01-23T20:03:41.234" v="35" actId="26606"/>
+          <pc:sldLayoutMkLst>
+            <pc:docMk/>
+            <pc:sldMasterMk cId="1299206643" sldId="2147483788"/>
+            <pc:sldLayoutMk cId="2411539174" sldId="2147483778"/>
+          </pc:sldLayoutMkLst>
+        </pc:sldLayoutChg>
+        <pc:sldLayoutChg chg="add">
+          <pc:chgData name="Hunter Ceranic" userId="55b8025d37c61089" providerId="LiveId" clId="{ACCD79ED-BFAE-4857-8FB5-603E641725DE}" dt="2024-01-23T20:03:41.234" v="35" actId="26606"/>
+          <pc:sldLayoutMkLst>
+            <pc:docMk/>
+            <pc:sldMasterMk cId="1299206643" sldId="2147483788"/>
+            <pc:sldLayoutMk cId="2382623034" sldId="2147483779"/>
+          </pc:sldLayoutMkLst>
+        </pc:sldLayoutChg>
+        <pc:sldLayoutChg chg="add">
+          <pc:chgData name="Hunter Ceranic" userId="55b8025d37c61089" providerId="LiveId" clId="{ACCD79ED-BFAE-4857-8FB5-603E641725DE}" dt="2024-01-23T20:03:41.234" v="35" actId="26606"/>
+          <pc:sldLayoutMkLst>
+            <pc:docMk/>
+            <pc:sldMasterMk cId="1299206643" sldId="2147483788"/>
+            <pc:sldLayoutMk cId="1887262989" sldId="2147483780"/>
+          </pc:sldLayoutMkLst>
+        </pc:sldLayoutChg>
+        <pc:sldLayoutChg chg="add">
+          <pc:chgData name="Hunter Ceranic" userId="55b8025d37c61089" providerId="LiveId" clId="{ACCD79ED-BFAE-4857-8FB5-603E641725DE}" dt="2024-01-23T20:03:41.234" v="35" actId="26606"/>
+          <pc:sldLayoutMkLst>
+            <pc:docMk/>
+            <pc:sldMasterMk cId="1299206643" sldId="2147483788"/>
+            <pc:sldLayoutMk cId="2611365127" sldId="2147483781"/>
+          </pc:sldLayoutMkLst>
+        </pc:sldLayoutChg>
+        <pc:sldLayoutChg chg="add">
+          <pc:chgData name="Hunter Ceranic" userId="55b8025d37c61089" providerId="LiveId" clId="{ACCD79ED-BFAE-4857-8FB5-603E641725DE}" dt="2024-01-23T20:03:41.234" v="35" actId="26606"/>
+          <pc:sldLayoutMkLst>
+            <pc:docMk/>
+            <pc:sldMasterMk cId="1299206643" sldId="2147483788"/>
+            <pc:sldLayoutMk cId="825454338" sldId="2147483782"/>
+          </pc:sldLayoutMkLst>
+        </pc:sldLayoutChg>
+        <pc:sldLayoutChg chg="add">
+          <pc:chgData name="Hunter Ceranic" userId="55b8025d37c61089" providerId="LiveId" clId="{ACCD79ED-BFAE-4857-8FB5-603E641725DE}" dt="2024-01-23T20:03:41.234" v="35" actId="26606"/>
+          <pc:sldLayoutMkLst>
+            <pc:docMk/>
+            <pc:sldMasterMk cId="1299206643" sldId="2147483788"/>
+            <pc:sldLayoutMk cId="3585152483" sldId="2147483783"/>
+          </pc:sldLayoutMkLst>
+        </pc:sldLayoutChg>
+        <pc:sldLayoutChg chg="add">
+          <pc:chgData name="Hunter Ceranic" userId="55b8025d37c61089" providerId="LiveId" clId="{ACCD79ED-BFAE-4857-8FB5-603E641725DE}" dt="2024-01-23T20:03:41.234" v="35" actId="26606"/>
+          <pc:sldLayoutMkLst>
+            <pc:docMk/>
+            <pc:sldMasterMk cId="1299206643" sldId="2147483788"/>
+            <pc:sldLayoutMk cId="676146419" sldId="2147483784"/>
+          </pc:sldLayoutMkLst>
+        </pc:sldLayoutChg>
+        <pc:sldLayoutChg chg="add">
+          <pc:chgData name="Hunter Ceranic" userId="55b8025d37c61089" providerId="LiveId" clId="{ACCD79ED-BFAE-4857-8FB5-603E641725DE}" dt="2024-01-23T20:03:41.234" v="35" actId="26606"/>
+          <pc:sldLayoutMkLst>
+            <pc:docMk/>
+            <pc:sldMasterMk cId="1299206643" sldId="2147483788"/>
+            <pc:sldLayoutMk cId="327102813" sldId="2147483785"/>
+          </pc:sldLayoutMkLst>
+        </pc:sldLayoutChg>
+        <pc:sldLayoutChg chg="add">
+          <pc:chgData name="Hunter Ceranic" userId="55b8025d37c61089" providerId="LiveId" clId="{ACCD79ED-BFAE-4857-8FB5-603E641725DE}" dt="2024-01-23T20:03:41.234" v="35" actId="26606"/>
+          <pc:sldLayoutMkLst>
+            <pc:docMk/>
+            <pc:sldMasterMk cId="1299206643" sldId="2147483788"/>
+            <pc:sldLayoutMk cId="4261281538" sldId="2147483786"/>
+          </pc:sldLayoutMkLst>
+        </pc:sldLayoutChg>
+        <pc:sldLayoutChg chg="add">
+          <pc:chgData name="Hunter Ceranic" userId="55b8025d37c61089" providerId="LiveId" clId="{ACCD79ED-BFAE-4857-8FB5-603E641725DE}" dt="2024-01-23T20:03:41.234" v="35" actId="26606"/>
+          <pc:sldLayoutMkLst>
+            <pc:docMk/>
+            <pc:sldMasterMk cId="1299206643" sldId="2147483788"/>
+            <pc:sldLayoutMk cId="3516666301" sldId="2147483787"/>
+          </pc:sldLayoutMkLst>
+        </pc:sldLayoutChg>
+      </pc:sldMasterChg>
+    </pc:docChg>
+  </pc:docChgLst>
+  <pc:docChgLst>
     <pc:chgData name="Hunter Ceranic" userId="55b8025d37c61089" providerId="LiveId" clId="{F0BA40D0-9182-44C0-BEDE-14048F85CCAB}"/>
     <pc:docChg chg="undo custSel addSld delSld modSld">
       <pc:chgData name="Hunter Ceranic" userId="55b8025d37c61089" providerId="LiveId" clId="{F0BA40D0-9182-44C0-BEDE-14048F85CCAB}" dt="2024-02-13T20:38:46.854" v="3903" actId="20577"/>
@@ -1595,1408 +2997,6 @@
           </ac:picMkLst>
         </pc:picChg>
       </pc:sldChg>
-    </pc:docChg>
-  </pc:docChgLst>
-  <pc:docChgLst>
-    <pc:chgData name="Hunter Ceranic" userId="55b8025d37c61089" providerId="LiveId" clId="{ACCD79ED-BFAE-4857-8FB5-603E641725DE}"/>
-    <pc:docChg chg="undo redo custSel addSld delSld modSld sldOrd addMainMaster delMainMaster">
-      <pc:chgData name="Hunter Ceranic" userId="55b8025d37c61089" providerId="LiveId" clId="{ACCD79ED-BFAE-4857-8FB5-603E641725DE}" dt="2024-01-26T19:32:54.795" v="3897" actId="20577"/>
-      <pc:docMkLst>
-        <pc:docMk/>
-      </pc:docMkLst>
-      <pc:sldChg chg="addSp delSp modSp new mod setBg modClrScheme chgLayout">
-        <pc:chgData name="Hunter Ceranic" userId="55b8025d37c61089" providerId="LiveId" clId="{ACCD79ED-BFAE-4857-8FB5-603E641725DE}" dt="2024-01-23T20:11:06.058" v="150" actId="2085"/>
-        <pc:sldMkLst>
-          <pc:docMk/>
-          <pc:sldMk cId="3079278799" sldId="256"/>
-        </pc:sldMkLst>
-        <pc:spChg chg="mod">
-          <ac:chgData name="Hunter Ceranic" userId="55b8025d37c61089" providerId="LiveId" clId="{ACCD79ED-BFAE-4857-8FB5-603E641725DE}" dt="2024-01-23T20:11:06.058" v="150" actId="2085"/>
-          <ac:spMkLst>
-            <pc:docMk/>
-            <pc:sldMk cId="3079278799" sldId="256"/>
-            <ac:spMk id="2" creationId="{757F2756-77AC-6ECF-6B19-F194FDB5096B}"/>
-          </ac:spMkLst>
-        </pc:spChg>
-        <pc:spChg chg="mod">
-          <ac:chgData name="Hunter Ceranic" userId="55b8025d37c61089" providerId="LiveId" clId="{ACCD79ED-BFAE-4857-8FB5-603E641725DE}" dt="2024-01-23T20:05:22.836" v="115" actId="1076"/>
-          <ac:spMkLst>
-            <pc:docMk/>
-            <pc:sldMk cId="3079278799" sldId="256"/>
-            <ac:spMk id="3" creationId="{DF771E06-46C7-88C5-B4FC-0AB8360AD021}"/>
-          </ac:spMkLst>
-        </pc:spChg>
-        <pc:spChg chg="add mod">
-          <ac:chgData name="Hunter Ceranic" userId="55b8025d37c61089" providerId="LiveId" clId="{ACCD79ED-BFAE-4857-8FB5-603E641725DE}" dt="2024-01-23T20:10:21.670" v="143" actId="208"/>
-          <ac:spMkLst>
-            <pc:docMk/>
-            <pc:sldMk cId="3079278799" sldId="256"/>
-            <ac:spMk id="6" creationId="{A598BD13-5C63-68F7-ED2D-22E7C4ECEB99}"/>
-          </ac:spMkLst>
-        </pc:spChg>
-        <pc:spChg chg="add del">
-          <ac:chgData name="Hunter Ceranic" userId="55b8025d37c61089" providerId="LiveId" clId="{ACCD79ED-BFAE-4857-8FB5-603E641725DE}" dt="2024-01-23T20:03:41.234" v="35" actId="26606"/>
-          <ac:spMkLst>
-            <pc:docMk/>
-            <pc:sldMk cId="3079278799" sldId="256"/>
-            <ac:spMk id="9" creationId="{ECD84B89-83B1-AA44-B9BE-C68A3A346981}"/>
-          </ac:spMkLst>
-        </pc:spChg>
-        <pc:spChg chg="add del">
-          <ac:chgData name="Hunter Ceranic" userId="55b8025d37c61089" providerId="LiveId" clId="{ACCD79ED-BFAE-4857-8FB5-603E641725DE}" dt="2024-01-23T20:03:02.868" v="2" actId="26606"/>
-          <ac:spMkLst>
-            <pc:docMk/>
-            <pc:sldMk cId="3079278799" sldId="256"/>
-            <ac:spMk id="10" creationId="{8C37C960-91F5-4F61-B2CD-8A037920720B}"/>
-          </ac:spMkLst>
-        </pc:spChg>
-        <pc:spChg chg="add del">
-          <ac:chgData name="Hunter Ceranic" userId="55b8025d37c61089" providerId="LiveId" clId="{ACCD79ED-BFAE-4857-8FB5-603E641725DE}" dt="2024-01-23T20:03:41.234" v="35" actId="26606"/>
-          <ac:spMkLst>
-            <pc:docMk/>
-            <pc:sldMk cId="3079278799" sldId="256"/>
-            <ac:spMk id="11" creationId="{DF3B9D9F-2555-4B2E-AD17-056B66596D5A}"/>
-          </ac:spMkLst>
-        </pc:spChg>
-        <pc:spChg chg="add del">
-          <ac:chgData name="Hunter Ceranic" userId="55b8025d37c61089" providerId="LiveId" clId="{ACCD79ED-BFAE-4857-8FB5-603E641725DE}" dt="2024-01-23T20:03:41.234" v="35" actId="26606"/>
-          <ac:spMkLst>
-            <pc:docMk/>
-            <pc:sldMk cId="3079278799" sldId="256"/>
-            <ac:spMk id="13" creationId="{98F816C8-664D-4D46-87AC-DD7054006763}"/>
-          </ac:spMkLst>
-        </pc:spChg>
-        <pc:spChg chg="add">
-          <ac:chgData name="Hunter Ceranic" userId="55b8025d37c61089" providerId="LiveId" clId="{ACCD79ED-BFAE-4857-8FB5-603E641725DE}" dt="2024-01-23T20:03:41.234" v="35" actId="26606"/>
-          <ac:spMkLst>
-            <pc:docMk/>
-            <pc:sldMk cId="3079278799" sldId="256"/>
-            <ac:spMk id="18" creationId="{A1D7EC86-7CB9-431D-8AC3-8AAF0440B162}"/>
-          </ac:spMkLst>
-        </pc:spChg>
-        <pc:spChg chg="add">
-          <ac:chgData name="Hunter Ceranic" userId="55b8025d37c61089" providerId="LiveId" clId="{ACCD79ED-BFAE-4857-8FB5-603E641725DE}" dt="2024-01-23T20:03:41.234" v="35" actId="26606"/>
-          <ac:spMkLst>
-            <pc:docMk/>
-            <pc:sldMk cId="3079278799" sldId="256"/>
-            <ac:spMk id="20" creationId="{D4B9777F-B610-419B-9193-80306388F3E2}"/>
-          </ac:spMkLst>
-        </pc:spChg>
-        <pc:spChg chg="add">
-          <ac:chgData name="Hunter Ceranic" userId="55b8025d37c61089" providerId="LiveId" clId="{ACCD79ED-BFAE-4857-8FB5-603E641725DE}" dt="2024-01-23T20:03:41.234" v="35" actId="26606"/>
-          <ac:spMkLst>
-            <pc:docMk/>
-            <pc:sldMk cId="3079278799" sldId="256"/>
-            <ac:spMk id="22" creationId="{311F016A-A753-449B-9EA6-322199B7119E}"/>
-          </ac:spMkLst>
-        </pc:spChg>
-        <pc:spChg chg="add">
-          <ac:chgData name="Hunter Ceranic" userId="55b8025d37c61089" providerId="LiveId" clId="{ACCD79ED-BFAE-4857-8FB5-603E641725DE}" dt="2024-01-23T20:03:41.234" v="35" actId="26606"/>
-          <ac:spMkLst>
-            <pc:docMk/>
-            <pc:sldMk cId="3079278799" sldId="256"/>
-            <ac:spMk id="24" creationId="{95106A28-883A-4993-BF9E-C403B81A8D66}"/>
-          </ac:spMkLst>
-        </pc:spChg>
-        <pc:spChg chg="add">
-          <ac:chgData name="Hunter Ceranic" userId="55b8025d37c61089" providerId="LiveId" clId="{ACCD79ED-BFAE-4857-8FB5-603E641725DE}" dt="2024-01-23T20:03:41.234" v="35" actId="26606"/>
-          <ac:spMkLst>
-            <pc:docMk/>
-            <pc:sldMk cId="3079278799" sldId="256"/>
-            <ac:spMk id="26" creationId="{F5AE4E4F-9F4C-43ED-8299-9BD63B74E8F0}"/>
-          </ac:spMkLst>
-        </pc:spChg>
-        <pc:picChg chg="add del">
-          <ac:chgData name="Hunter Ceranic" userId="55b8025d37c61089" providerId="LiveId" clId="{ACCD79ED-BFAE-4857-8FB5-603E641725DE}" dt="2024-01-23T20:03:02.868" v="2" actId="26606"/>
-          <ac:picMkLst>
-            <pc:docMk/>
-            <pc:sldMk cId="3079278799" sldId="256"/>
-            <ac:picMk id="4" creationId="{BFC42171-CD21-0205-8DA1-6384FC5DE1B8}"/>
-          </ac:picMkLst>
-        </pc:picChg>
-        <pc:picChg chg="add del">
-          <ac:chgData name="Hunter Ceranic" userId="55b8025d37c61089" providerId="LiveId" clId="{ACCD79ED-BFAE-4857-8FB5-603E641725DE}" dt="2024-01-23T20:03:02.868" v="2" actId="26606"/>
-          <ac:picMkLst>
-            <pc:docMk/>
-            <pc:sldMk cId="3079278799" sldId="256"/>
-            <ac:picMk id="5" creationId="{4B7CE3BD-1D42-943D-2C8C-0F16CCF8C897}"/>
-          </ac:picMkLst>
-        </pc:picChg>
-        <pc:picChg chg="add mod ord">
-          <ac:chgData name="Hunter Ceranic" userId="55b8025d37c61089" providerId="LiveId" clId="{ACCD79ED-BFAE-4857-8FB5-603E641725DE}" dt="2024-01-23T20:10:54.634" v="147" actId="1076"/>
-          <ac:picMkLst>
-            <pc:docMk/>
-            <pc:sldMk cId="3079278799" sldId="256"/>
-            <ac:picMk id="12" creationId="{2C9D627D-6E69-94C6-4924-B84A51E3A1F5}"/>
-          </ac:picMkLst>
-        </pc:picChg>
-      </pc:sldChg>
-      <pc:sldChg chg="addSp modSp new mod setBg">
-        <pc:chgData name="Hunter Ceranic" userId="55b8025d37c61089" providerId="LiveId" clId="{ACCD79ED-BFAE-4857-8FB5-603E641725DE}" dt="2024-01-23T23:28:31.483" v="2161" actId="20577"/>
-        <pc:sldMkLst>
-          <pc:docMk/>
-          <pc:sldMk cId="427290740" sldId="257"/>
-        </pc:sldMkLst>
-        <pc:spChg chg="mod">
-          <ac:chgData name="Hunter Ceranic" userId="55b8025d37c61089" providerId="LiveId" clId="{ACCD79ED-BFAE-4857-8FB5-603E641725DE}" dt="2024-01-23T22:22:47.238" v="1695" actId="26606"/>
-          <ac:spMkLst>
-            <pc:docMk/>
-            <pc:sldMk cId="427290740" sldId="257"/>
-            <ac:spMk id="2" creationId="{7D2F6F69-BD97-22EF-CF32-EB1A205B215C}"/>
-          </ac:spMkLst>
-        </pc:spChg>
-        <pc:spChg chg="mod">
-          <ac:chgData name="Hunter Ceranic" userId="55b8025d37c61089" providerId="LiveId" clId="{ACCD79ED-BFAE-4857-8FB5-603E641725DE}" dt="2024-01-23T22:53:23.317" v="1943" actId="20577"/>
-          <ac:spMkLst>
-            <pc:docMk/>
-            <pc:sldMk cId="427290740" sldId="257"/>
-            <ac:spMk id="3" creationId="{1AEB8B50-8C85-0729-64B2-671AE19C2815}"/>
-          </ac:spMkLst>
-        </pc:spChg>
-        <pc:spChg chg="mod">
-          <ac:chgData name="Hunter Ceranic" userId="55b8025d37c61089" providerId="LiveId" clId="{ACCD79ED-BFAE-4857-8FB5-603E641725DE}" dt="2024-01-23T23:28:31.483" v="2161" actId="20577"/>
-          <ac:spMkLst>
-            <pc:docMk/>
-            <pc:sldMk cId="427290740" sldId="257"/>
-            <ac:spMk id="4" creationId="{3F70354C-224E-1AAB-3BB6-4F2536217202}"/>
-          </ac:spMkLst>
-        </pc:spChg>
-        <pc:spChg chg="add">
-          <ac:chgData name="Hunter Ceranic" userId="55b8025d37c61089" providerId="LiveId" clId="{ACCD79ED-BFAE-4857-8FB5-603E641725DE}" dt="2024-01-23T22:22:47.238" v="1695" actId="26606"/>
-          <ac:spMkLst>
-            <pc:docMk/>
-            <pc:sldMk cId="427290740" sldId="257"/>
-            <ac:spMk id="10" creationId="{1CD81A2A-6ED4-4EF4-A14C-912D31E14800}"/>
-          </ac:spMkLst>
-        </pc:spChg>
-        <pc:spChg chg="add">
-          <ac:chgData name="Hunter Ceranic" userId="55b8025d37c61089" providerId="LiveId" clId="{ACCD79ED-BFAE-4857-8FB5-603E641725DE}" dt="2024-01-23T22:22:47.238" v="1695" actId="26606"/>
-          <ac:spMkLst>
-            <pc:docMk/>
-            <pc:sldMk cId="427290740" sldId="257"/>
-            <ac:spMk id="12" creationId="{1661932C-CA15-4E17-B115-FAE7CBEE4789}"/>
-          </ac:spMkLst>
-        </pc:spChg>
-        <pc:spChg chg="add">
-          <ac:chgData name="Hunter Ceranic" userId="55b8025d37c61089" providerId="LiveId" clId="{ACCD79ED-BFAE-4857-8FB5-603E641725DE}" dt="2024-01-23T22:22:47.238" v="1695" actId="26606"/>
-          <ac:spMkLst>
-            <pc:docMk/>
-            <pc:sldMk cId="427290740" sldId="257"/>
-            <ac:spMk id="14" creationId="{8590ADD5-9383-4D3D-9047-3DA2593CCB5D}"/>
-          </ac:spMkLst>
-        </pc:spChg>
-        <pc:spChg chg="add">
-          <ac:chgData name="Hunter Ceranic" userId="55b8025d37c61089" providerId="LiveId" clId="{ACCD79ED-BFAE-4857-8FB5-603E641725DE}" dt="2024-01-23T22:22:47.238" v="1695" actId="26606"/>
-          <ac:spMkLst>
-            <pc:docMk/>
-            <pc:sldMk cId="427290740" sldId="257"/>
-            <ac:spMk id="16" creationId="{DABE3E45-88CF-45D8-8D40-C773324D93F6}"/>
-          </ac:spMkLst>
-        </pc:spChg>
-        <pc:spChg chg="add">
-          <ac:chgData name="Hunter Ceranic" userId="55b8025d37c61089" providerId="LiveId" clId="{ACCD79ED-BFAE-4857-8FB5-603E641725DE}" dt="2024-01-23T22:22:47.238" v="1695" actId="26606"/>
-          <ac:spMkLst>
-            <pc:docMk/>
-            <pc:sldMk cId="427290740" sldId="257"/>
-            <ac:spMk id="20" creationId="{B91ECDA9-56DC-4270-8F33-01C5637B8CEB}"/>
-          </ac:spMkLst>
-        </pc:spChg>
-        <pc:spChg chg="add">
-          <ac:chgData name="Hunter Ceranic" userId="55b8025d37c61089" providerId="LiveId" clId="{ACCD79ED-BFAE-4857-8FB5-603E641725DE}" dt="2024-01-23T22:22:47.238" v="1695" actId="26606"/>
-          <ac:spMkLst>
-            <pc:docMk/>
-            <pc:sldMk cId="427290740" sldId="257"/>
-            <ac:spMk id="22" creationId="{75F47824-961D-465D-84F9-EAE11BC6173B}"/>
-          </ac:spMkLst>
-        </pc:spChg>
-        <pc:spChg chg="add">
-          <ac:chgData name="Hunter Ceranic" userId="55b8025d37c61089" providerId="LiveId" clId="{ACCD79ED-BFAE-4857-8FB5-603E641725DE}" dt="2024-01-23T22:22:47.238" v="1695" actId="26606"/>
-          <ac:spMkLst>
-            <pc:docMk/>
-            <pc:sldMk cId="427290740" sldId="257"/>
-            <ac:spMk id="24" creationId="{FEC9DA3E-C1D7-472D-B7C0-F71AE41FBA23}"/>
-          </ac:spMkLst>
-        </pc:spChg>
-        <pc:picChg chg="add">
-          <ac:chgData name="Hunter Ceranic" userId="55b8025d37c61089" providerId="LiveId" clId="{ACCD79ED-BFAE-4857-8FB5-603E641725DE}" dt="2024-01-23T22:22:47.238" v="1695" actId="26606"/>
-          <ac:picMkLst>
-            <pc:docMk/>
-            <pc:sldMk cId="427290740" sldId="257"/>
-            <ac:picMk id="7" creationId="{947BE24C-2029-BD0A-C300-37A124369839}"/>
-          </ac:picMkLst>
-        </pc:picChg>
-        <pc:cxnChg chg="add">
-          <ac:chgData name="Hunter Ceranic" userId="55b8025d37c61089" providerId="LiveId" clId="{ACCD79ED-BFAE-4857-8FB5-603E641725DE}" dt="2024-01-23T22:22:47.238" v="1695" actId="26606"/>
-          <ac:cxnSpMkLst>
-            <pc:docMk/>
-            <pc:sldMk cId="427290740" sldId="257"/>
-            <ac:cxnSpMk id="18" creationId="{49CD1692-827B-4C8D-B4A1-134FD04CF45C}"/>
-          </ac:cxnSpMkLst>
-        </pc:cxnChg>
-      </pc:sldChg>
-      <pc:sldChg chg="addSp delSp modSp new mod setBg">
-        <pc:chgData name="Hunter Ceranic" userId="55b8025d37c61089" providerId="LiveId" clId="{ACCD79ED-BFAE-4857-8FB5-603E641725DE}" dt="2024-01-23T23:28:41.656" v="2165" actId="20577"/>
-        <pc:sldMkLst>
-          <pc:docMk/>
-          <pc:sldMk cId="356722889" sldId="258"/>
-        </pc:sldMkLst>
-        <pc:spChg chg="mod">
-          <ac:chgData name="Hunter Ceranic" userId="55b8025d37c61089" providerId="LiveId" clId="{ACCD79ED-BFAE-4857-8FB5-603E641725DE}" dt="2024-01-23T22:43:53.487" v="1902" actId="26606"/>
-          <ac:spMkLst>
-            <pc:docMk/>
-            <pc:sldMk cId="356722889" sldId="258"/>
-            <ac:spMk id="2" creationId="{99A0820E-216D-F7CC-0905-014594A9C1A4}"/>
-          </ac:spMkLst>
-        </pc:spChg>
-        <pc:spChg chg="del">
-          <ac:chgData name="Hunter Ceranic" userId="55b8025d37c61089" providerId="LiveId" clId="{ACCD79ED-BFAE-4857-8FB5-603E641725DE}" dt="2024-01-23T22:29:58.817" v="1698" actId="478"/>
-          <ac:spMkLst>
-            <pc:docMk/>
-            <pc:sldMk cId="356722889" sldId="258"/>
-            <ac:spMk id="3" creationId="{31EE65BB-7C1C-EBF3-F280-88F1218E736F}"/>
-          </ac:spMkLst>
-        </pc:spChg>
-        <pc:spChg chg="add mod ord">
-          <ac:chgData name="Hunter Ceranic" userId="55b8025d37c61089" providerId="LiveId" clId="{ACCD79ED-BFAE-4857-8FB5-603E641725DE}" dt="2024-01-23T22:57:37.871" v="1990" actId="20577"/>
-          <ac:spMkLst>
-            <pc:docMk/>
-            <pc:sldMk cId="356722889" sldId="258"/>
-            <ac:spMk id="6" creationId="{CC7BCCCB-9907-FF0C-EEAB-CDCE4653FE88}"/>
-          </ac:spMkLst>
-        </pc:spChg>
-        <pc:spChg chg="del">
-          <ac:chgData name="Hunter Ceranic" userId="55b8025d37c61089" providerId="LiveId" clId="{ACCD79ED-BFAE-4857-8FB5-603E641725DE}" dt="2024-01-23T23:02:20.668" v="2052" actId="478"/>
-          <ac:spMkLst>
-            <pc:docMk/>
-            <pc:sldMk cId="356722889" sldId="258"/>
-            <ac:spMk id="12" creationId="{AA925B2B-F9CC-0BD8-52DC-A938C32C6863}"/>
-          </ac:spMkLst>
-        </pc:spChg>
-        <pc:spChg chg="add mod">
-          <ac:chgData name="Hunter Ceranic" userId="55b8025d37c61089" providerId="LiveId" clId="{ACCD79ED-BFAE-4857-8FB5-603E641725DE}" dt="2024-01-23T23:28:41.656" v="2165" actId="20577"/>
-          <ac:spMkLst>
-            <pc:docMk/>
-            <pc:sldMk cId="356722889" sldId="258"/>
-            <ac:spMk id="13" creationId="{B0F0E84C-F4C8-FB93-DEDB-FBAC071B797F}"/>
-          </ac:spMkLst>
-        </pc:spChg>
-        <pc:spChg chg="add">
-          <ac:chgData name="Hunter Ceranic" userId="55b8025d37c61089" providerId="LiveId" clId="{ACCD79ED-BFAE-4857-8FB5-603E641725DE}" dt="2024-01-23T22:43:53.487" v="1902" actId="26606"/>
-          <ac:spMkLst>
-            <pc:docMk/>
-            <pc:sldMk cId="356722889" sldId="258"/>
-            <ac:spMk id="16" creationId="{72D05657-94EE-4B2D-BC1B-A1D065063658}"/>
-          </ac:spMkLst>
-        </pc:spChg>
-        <pc:spChg chg="add">
-          <ac:chgData name="Hunter Ceranic" userId="55b8025d37c61089" providerId="LiveId" clId="{ACCD79ED-BFAE-4857-8FB5-603E641725DE}" dt="2024-01-23T22:43:53.487" v="1902" actId="26606"/>
-          <ac:spMkLst>
-            <pc:docMk/>
-            <pc:sldMk cId="356722889" sldId="258"/>
-            <ac:spMk id="18" creationId="{7586665A-47B3-4AEE-BC94-15D89FF706B3}"/>
-          </ac:spMkLst>
-        </pc:spChg>
-        <pc:picChg chg="add mod">
-          <ac:chgData name="Hunter Ceranic" userId="55b8025d37c61089" providerId="LiveId" clId="{ACCD79ED-BFAE-4857-8FB5-603E641725DE}" dt="2024-01-23T22:43:53.487" v="1902" actId="26606"/>
-          <ac:picMkLst>
-            <pc:docMk/>
-            <pc:sldMk cId="356722889" sldId="258"/>
-            <ac:picMk id="5" creationId="{CFFC0296-F13E-167E-0F33-27320DF18354}"/>
-          </ac:picMkLst>
-        </pc:picChg>
-        <pc:picChg chg="add mod">
-          <ac:chgData name="Hunter Ceranic" userId="55b8025d37c61089" providerId="LiveId" clId="{ACCD79ED-BFAE-4857-8FB5-603E641725DE}" dt="2024-01-23T22:43:53.487" v="1902" actId="26606"/>
-          <ac:picMkLst>
-            <pc:docMk/>
-            <pc:sldMk cId="356722889" sldId="258"/>
-            <ac:picMk id="11" creationId="{A82ADC44-FE62-0E4F-B61B-636F51C8ACE8}"/>
-          </ac:picMkLst>
-        </pc:picChg>
-        <pc:picChg chg="add del">
-          <ac:chgData name="Hunter Ceranic" userId="55b8025d37c61089" providerId="LiveId" clId="{ACCD79ED-BFAE-4857-8FB5-603E641725DE}" dt="2024-01-23T23:16:40.377" v="2092" actId="22"/>
-          <ac:picMkLst>
-            <pc:docMk/>
-            <pc:sldMk cId="356722889" sldId="258"/>
-            <ac:picMk id="15" creationId="{3C704A7D-35B0-ECA8-5701-D86001ABB30B}"/>
-          </ac:picMkLst>
-        </pc:picChg>
-        <pc:cxnChg chg="add del mod">
-          <ac:chgData name="Hunter Ceranic" userId="55b8025d37c61089" providerId="LiveId" clId="{ACCD79ED-BFAE-4857-8FB5-603E641725DE}" dt="2024-01-23T22:40:28.749" v="1839" actId="478"/>
-          <ac:cxnSpMkLst>
-            <pc:docMk/>
-            <pc:sldMk cId="356722889" sldId="258"/>
-            <ac:cxnSpMk id="8" creationId="{909E5A23-8745-0CF1-739D-B13D8849A089}"/>
-          </ac:cxnSpMkLst>
-        </pc:cxnChg>
-      </pc:sldChg>
-      <pc:sldChg chg="addSp delSp modSp new del mod">
-        <pc:chgData name="Hunter Ceranic" userId="55b8025d37c61089" providerId="LiveId" clId="{ACCD79ED-BFAE-4857-8FB5-603E641725DE}" dt="2024-01-25T17:57:10.263" v="2183" actId="47"/>
-        <pc:sldMkLst>
-          <pc:docMk/>
-          <pc:sldMk cId="1952224994" sldId="259"/>
-        </pc:sldMkLst>
-        <pc:spChg chg="del">
-          <ac:chgData name="Hunter Ceranic" userId="55b8025d37c61089" providerId="LiveId" clId="{ACCD79ED-BFAE-4857-8FB5-603E641725DE}" dt="2024-01-23T23:02:42.323" v="2058" actId="478"/>
-          <ac:spMkLst>
-            <pc:docMk/>
-            <pc:sldMk cId="1952224994" sldId="259"/>
-            <ac:spMk id="4" creationId="{96256866-0A8D-DA42-89E0-22339441C794}"/>
-          </ac:spMkLst>
-        </pc:spChg>
-        <pc:spChg chg="add mod">
-          <ac:chgData name="Hunter Ceranic" userId="55b8025d37c61089" providerId="LiveId" clId="{ACCD79ED-BFAE-4857-8FB5-603E641725DE}" dt="2024-01-23T23:29:04.464" v="2173" actId="20577"/>
-          <ac:spMkLst>
-            <pc:docMk/>
-            <pc:sldMk cId="1952224994" sldId="259"/>
-            <ac:spMk id="5" creationId="{23624874-B696-09C2-F784-44BA41FC2861}"/>
-          </ac:spMkLst>
-        </pc:spChg>
-      </pc:sldChg>
-      <pc:sldChg chg="addSp delSp modSp new mod ord">
-        <pc:chgData name="Hunter Ceranic" userId="55b8025d37c61089" providerId="LiveId" clId="{ACCD79ED-BFAE-4857-8FB5-603E641725DE}" dt="2024-01-26T19:32:54.795" v="3897" actId="20577"/>
-        <pc:sldMkLst>
-          <pc:docMk/>
-          <pc:sldMk cId="3488984038" sldId="260"/>
-        </pc:sldMkLst>
-        <pc:spChg chg="mod">
-          <ac:chgData name="Hunter Ceranic" userId="55b8025d37c61089" providerId="LiveId" clId="{ACCD79ED-BFAE-4857-8FB5-603E641725DE}" dt="2024-01-23T20:13:13.509" v="202" actId="20577"/>
-          <ac:spMkLst>
-            <pc:docMk/>
-            <pc:sldMk cId="3488984038" sldId="260"/>
-            <ac:spMk id="2" creationId="{3C732381-BFC2-6F3F-058A-7EAD61E5590C}"/>
-          </ac:spMkLst>
-        </pc:spChg>
-        <pc:spChg chg="del mod">
-          <ac:chgData name="Hunter Ceranic" userId="55b8025d37c61089" providerId="LiveId" clId="{ACCD79ED-BFAE-4857-8FB5-603E641725DE}" dt="2024-01-25T18:38:21.864" v="3721" actId="26606"/>
-          <ac:spMkLst>
-            <pc:docMk/>
-            <pc:sldMk cId="3488984038" sldId="260"/>
-            <ac:spMk id="3" creationId="{4F91F226-354F-27D2-1914-C5773798C0F9}"/>
-          </ac:spMkLst>
-        </pc:spChg>
-        <pc:spChg chg="del">
-          <ac:chgData name="Hunter Ceranic" userId="55b8025d37c61089" providerId="LiveId" clId="{ACCD79ED-BFAE-4857-8FB5-603E641725DE}" dt="2024-01-23T23:02:34.360" v="2056" actId="478"/>
-          <ac:spMkLst>
-            <pc:docMk/>
-            <pc:sldMk cId="3488984038" sldId="260"/>
-            <ac:spMk id="4" creationId="{2D85AB7E-DCC5-3DE3-15C2-FA318DBE4726}"/>
-          </ac:spMkLst>
-        </pc:spChg>
-        <pc:spChg chg="add mod">
-          <ac:chgData name="Hunter Ceranic" userId="55b8025d37c61089" providerId="LiveId" clId="{ACCD79ED-BFAE-4857-8FB5-603E641725DE}" dt="2024-01-23T23:28:59.502" v="2171" actId="20577"/>
-          <ac:spMkLst>
-            <pc:docMk/>
-            <pc:sldMk cId="3488984038" sldId="260"/>
-            <ac:spMk id="5" creationId="{1EF2BD1D-C346-969D-0000-25EBA3216018}"/>
-          </ac:spMkLst>
-        </pc:spChg>
-        <pc:graphicFrameChg chg="add mod">
-          <ac:chgData name="Hunter Ceranic" userId="55b8025d37c61089" providerId="LiveId" clId="{ACCD79ED-BFAE-4857-8FB5-603E641725DE}" dt="2024-01-26T19:32:54.795" v="3897" actId="20577"/>
-          <ac:graphicFrameMkLst>
-            <pc:docMk/>
-            <pc:sldMk cId="3488984038" sldId="260"/>
-            <ac:graphicFrameMk id="7" creationId="{F2613A3F-76FA-8E25-8998-F841CA6DA03F}"/>
-          </ac:graphicFrameMkLst>
-        </pc:graphicFrameChg>
-      </pc:sldChg>
-      <pc:sldChg chg="addSp delSp modSp new mod setBg">
-        <pc:chgData name="Hunter Ceranic" userId="55b8025d37c61089" providerId="LiveId" clId="{ACCD79ED-BFAE-4857-8FB5-603E641725DE}" dt="2024-01-23T23:28:36.785" v="2163" actId="20577"/>
-        <pc:sldMkLst>
-          <pc:docMk/>
-          <pc:sldMk cId="464311981" sldId="261"/>
-        </pc:sldMkLst>
-        <pc:spChg chg="mod">
-          <ac:chgData name="Hunter Ceranic" userId="55b8025d37c61089" providerId="LiveId" clId="{ACCD79ED-BFAE-4857-8FB5-603E641725DE}" dt="2024-01-23T21:46:29.427" v="694" actId="26606"/>
-          <ac:spMkLst>
-            <pc:docMk/>
-            <pc:sldMk cId="464311981" sldId="261"/>
-            <ac:spMk id="2" creationId="{5759A1AE-C6A2-3A06-2293-B3DF84DACCF5}"/>
-          </ac:spMkLst>
-        </pc:spChg>
-        <pc:spChg chg="mod">
-          <ac:chgData name="Hunter Ceranic" userId="55b8025d37c61089" providerId="LiveId" clId="{ACCD79ED-BFAE-4857-8FB5-603E641725DE}" dt="2024-01-23T21:46:29.427" v="694" actId="26606"/>
-          <ac:spMkLst>
-            <pc:docMk/>
-            <pc:sldMk cId="464311981" sldId="261"/>
-            <ac:spMk id="3" creationId="{695A74DB-2858-C407-697B-48AD50FE8872}"/>
-          </ac:spMkLst>
-        </pc:spChg>
-        <pc:spChg chg="del mod">
-          <ac:chgData name="Hunter Ceranic" userId="55b8025d37c61089" providerId="LiveId" clId="{ACCD79ED-BFAE-4857-8FB5-603E641725DE}" dt="2024-01-23T23:01:52.491" v="2049" actId="478"/>
-          <ac:spMkLst>
-            <pc:docMk/>
-            <pc:sldMk cId="464311981" sldId="261"/>
-            <ac:spMk id="4" creationId="{D30DDECE-581C-CDF6-B274-8DC06F6492D4}"/>
-          </ac:spMkLst>
-        </pc:spChg>
-        <pc:spChg chg="add del mod">
-          <ac:chgData name="Hunter Ceranic" userId="55b8025d37c61089" providerId="LiveId" clId="{ACCD79ED-BFAE-4857-8FB5-603E641725DE}" dt="2024-01-23T23:28:36.785" v="2163" actId="20577"/>
-          <ac:spMkLst>
-            <pc:docMk/>
-            <pc:sldMk cId="464311981" sldId="261"/>
-            <ac:spMk id="5" creationId="{2CDDB1A3-6053-6F50-7B03-6D5A338CD42D}"/>
-          </ac:spMkLst>
-        </pc:spChg>
-        <pc:spChg chg="add">
-          <ac:chgData name="Hunter Ceranic" userId="55b8025d37c61089" providerId="LiveId" clId="{ACCD79ED-BFAE-4857-8FB5-603E641725DE}" dt="2024-01-23T21:46:29.427" v="694" actId="26606"/>
-          <ac:spMkLst>
-            <pc:docMk/>
-            <pc:sldMk cId="464311981" sldId="261"/>
-            <ac:spMk id="1028" creationId="{4AC6B390-BC59-4F1D-A0EE-D71A92F0A0B2}"/>
-          </ac:spMkLst>
-        </pc:spChg>
-        <pc:spChg chg="add">
-          <ac:chgData name="Hunter Ceranic" userId="55b8025d37c61089" providerId="LiveId" clId="{ACCD79ED-BFAE-4857-8FB5-603E641725DE}" dt="2024-01-23T21:46:29.427" v="694" actId="26606"/>
-          <ac:spMkLst>
-            <pc:docMk/>
-            <pc:sldMk cId="464311981" sldId="261"/>
-            <ac:spMk id="1029" creationId="{B6C60D79-16F1-4C4B-B7E3-7634E7069CDE}"/>
-          </ac:spMkLst>
-        </pc:spChg>
-        <pc:spChg chg="add">
-          <ac:chgData name="Hunter Ceranic" userId="55b8025d37c61089" providerId="LiveId" clId="{ACCD79ED-BFAE-4857-8FB5-603E641725DE}" dt="2024-01-23T21:46:29.427" v="694" actId="26606"/>
-          <ac:spMkLst>
-            <pc:docMk/>
-            <pc:sldMk cId="464311981" sldId="261"/>
-            <ac:spMk id="1030" creationId="{426B127E-6498-4C77-9C9D-4553A5113B80}"/>
-          </ac:spMkLst>
-        </pc:spChg>
-        <pc:spChg chg="add del">
-          <ac:chgData name="Hunter Ceranic" userId="55b8025d37c61089" providerId="LiveId" clId="{ACCD79ED-BFAE-4857-8FB5-603E641725DE}" dt="2024-01-23T21:45:55.687" v="687" actId="26606"/>
-          <ac:spMkLst>
-            <pc:docMk/>
-            <pc:sldMk cId="464311981" sldId="261"/>
-            <ac:spMk id="1031" creationId="{DB304A14-32D0-4873-B914-423ED7B8DAFD}"/>
-          </ac:spMkLst>
-        </pc:spChg>
-        <pc:spChg chg="add del">
-          <ac:chgData name="Hunter Ceranic" userId="55b8025d37c61089" providerId="LiveId" clId="{ACCD79ED-BFAE-4857-8FB5-603E641725DE}" dt="2024-01-23T21:45:55.687" v="687" actId="26606"/>
-          <ac:spMkLst>
-            <pc:docMk/>
-            <pc:sldMk cId="464311981" sldId="261"/>
-            <ac:spMk id="1033" creationId="{1D460C86-854F-4FB3-ABC2-E823D8FEB9DB}"/>
-          </ac:spMkLst>
-        </pc:spChg>
-        <pc:spChg chg="add del">
-          <ac:chgData name="Hunter Ceranic" userId="55b8025d37c61089" providerId="LiveId" clId="{ACCD79ED-BFAE-4857-8FB5-603E641725DE}" dt="2024-01-23T21:45:55.687" v="687" actId="26606"/>
-          <ac:spMkLst>
-            <pc:docMk/>
-            <pc:sldMk cId="464311981" sldId="261"/>
-            <ac:spMk id="1035" creationId="{BB48116A-278A-4CC5-89D3-9DE8E8FF1245}"/>
-          </ac:spMkLst>
-        </pc:spChg>
-        <pc:spChg chg="add del">
-          <ac:chgData name="Hunter Ceranic" userId="55b8025d37c61089" providerId="LiveId" clId="{ACCD79ED-BFAE-4857-8FB5-603E641725DE}" dt="2024-01-23T21:45:46.681" v="684" actId="26606"/>
-          <ac:spMkLst>
-            <pc:docMk/>
-            <pc:sldMk cId="464311981" sldId="261"/>
-            <ac:spMk id="1040" creationId="{9F8A656C-0806-4677-A38B-DA5DF0F3C406}"/>
-          </ac:spMkLst>
-        </pc:spChg>
-        <pc:spChg chg="add del">
-          <ac:chgData name="Hunter Ceranic" userId="55b8025d37c61089" providerId="LiveId" clId="{ACCD79ED-BFAE-4857-8FB5-603E641725DE}" dt="2024-01-23T21:45:46.681" v="684" actId="26606"/>
-          <ac:spMkLst>
-            <pc:docMk/>
-            <pc:sldMk cId="464311981" sldId="261"/>
-            <ac:spMk id="1042" creationId="{9BEF8C6D-8BB3-473A-9607-D7381CC5C0A5}"/>
-          </ac:spMkLst>
-        </pc:spChg>
-        <pc:spChg chg="add del">
-          <ac:chgData name="Hunter Ceranic" userId="55b8025d37c61089" providerId="LiveId" clId="{ACCD79ED-BFAE-4857-8FB5-603E641725DE}" dt="2024-01-23T21:45:46.681" v="684" actId="26606"/>
-          <ac:spMkLst>
-            <pc:docMk/>
-            <pc:sldMk cId="464311981" sldId="261"/>
-            <ac:spMk id="1044" creationId="{DCFDFFB9-D302-4A05-A770-D33232254722}"/>
-          </ac:spMkLst>
-        </pc:spChg>
-        <pc:spChg chg="add del">
-          <ac:chgData name="Hunter Ceranic" userId="55b8025d37c61089" providerId="LiveId" clId="{ACCD79ED-BFAE-4857-8FB5-603E641725DE}" dt="2024-01-23T21:45:54.705" v="686" actId="26606"/>
-          <ac:spMkLst>
-            <pc:docMk/>
-            <pc:sldMk cId="464311981" sldId="261"/>
-            <ac:spMk id="1046" creationId="{5B7778FC-632E-4DCA-A7CB-0D7731CCF970}"/>
-          </ac:spMkLst>
-        </pc:spChg>
-        <pc:spChg chg="add del">
-          <ac:chgData name="Hunter Ceranic" userId="55b8025d37c61089" providerId="LiveId" clId="{ACCD79ED-BFAE-4857-8FB5-603E641725DE}" dt="2024-01-23T21:45:54.705" v="686" actId="26606"/>
-          <ac:spMkLst>
-            <pc:docMk/>
-            <pc:sldMk cId="464311981" sldId="261"/>
-            <ac:spMk id="1047" creationId="{66A3F9DB-B144-47A4-9DB2-706C3908B28B}"/>
-          </ac:spMkLst>
-        </pc:spChg>
-        <pc:spChg chg="add del">
-          <ac:chgData name="Hunter Ceranic" userId="55b8025d37c61089" providerId="LiveId" clId="{ACCD79ED-BFAE-4857-8FB5-603E641725DE}" dt="2024-01-23T21:45:54.705" v="686" actId="26606"/>
-          <ac:spMkLst>
-            <pc:docMk/>
-            <pc:sldMk cId="464311981" sldId="261"/>
-            <ac:spMk id="1048" creationId="{FA23A907-97FB-4A8F-880A-DD77401C4296}"/>
-          </ac:spMkLst>
-        </pc:spChg>
-        <pc:spChg chg="add del">
-          <ac:chgData name="Hunter Ceranic" userId="55b8025d37c61089" providerId="LiveId" clId="{ACCD79ED-BFAE-4857-8FB5-603E641725DE}" dt="2024-01-23T21:45:54.705" v="686" actId="26606"/>
-          <ac:spMkLst>
-            <pc:docMk/>
-            <pc:sldMk cId="464311981" sldId="261"/>
-            <ac:spMk id="1049" creationId="{3D9A74CD-249A-437B-A289-413676038C54}"/>
-          </ac:spMkLst>
-        </pc:spChg>
-        <pc:spChg chg="add del">
-          <ac:chgData name="Hunter Ceranic" userId="55b8025d37c61089" providerId="LiveId" clId="{ACCD79ED-BFAE-4857-8FB5-603E641725DE}" dt="2024-01-23T21:45:54.705" v="686" actId="26606"/>
-          <ac:spMkLst>
-            <pc:docMk/>
-            <pc:sldMk cId="464311981" sldId="261"/>
-            <ac:spMk id="1050" creationId="{B10BB131-AC8E-4A8E-A5D1-36260F720C3B}"/>
-          </ac:spMkLst>
-        </pc:spChg>
-        <pc:picChg chg="add mod ord">
-          <ac:chgData name="Hunter Ceranic" userId="55b8025d37c61089" providerId="LiveId" clId="{ACCD79ED-BFAE-4857-8FB5-603E641725DE}" dt="2024-01-23T21:47:14.701" v="707" actId="1076"/>
-          <ac:picMkLst>
-            <pc:docMk/>
-            <pc:sldMk cId="464311981" sldId="261"/>
-            <ac:picMk id="1026" creationId="{70ADD003-1E8C-44BA-531E-AC9C8AB34361}"/>
-          </ac:picMkLst>
-        </pc:picChg>
-      </pc:sldChg>
-      <pc:sldChg chg="modSp new del mod">
-        <pc:chgData name="Hunter Ceranic" userId="55b8025d37c61089" providerId="LiveId" clId="{ACCD79ED-BFAE-4857-8FB5-603E641725DE}" dt="2024-01-23T20:13:23.600" v="214" actId="47"/>
-        <pc:sldMkLst>
-          <pc:docMk/>
-          <pc:sldMk cId="3707100649" sldId="261"/>
-        </pc:sldMkLst>
-        <pc:spChg chg="mod">
-          <ac:chgData name="Hunter Ceranic" userId="55b8025d37c61089" providerId="LiveId" clId="{ACCD79ED-BFAE-4857-8FB5-603E641725DE}" dt="2024-01-23T20:13:20.100" v="213" actId="20577"/>
-          <ac:spMkLst>
-            <pc:docMk/>
-            <pc:sldMk cId="3707100649" sldId="261"/>
-            <ac:spMk id="2" creationId="{9D3A01FA-204E-455B-9EFB-5F0C2BD527F6}"/>
-          </ac:spMkLst>
-        </pc:spChg>
-      </pc:sldChg>
-      <pc:sldChg chg="addSp delSp modSp new mod">
-        <pc:chgData name="Hunter Ceranic" userId="55b8025d37c61089" providerId="LiveId" clId="{ACCD79ED-BFAE-4857-8FB5-603E641725DE}" dt="2024-01-25T18:40:01.439" v="3766" actId="20577"/>
-        <pc:sldMkLst>
-          <pc:docMk/>
-          <pc:sldMk cId="1282139663" sldId="262"/>
-        </pc:sldMkLst>
-        <pc:spChg chg="mod">
-          <ac:chgData name="Hunter Ceranic" userId="55b8025d37c61089" providerId="LiveId" clId="{ACCD79ED-BFAE-4857-8FB5-603E641725DE}" dt="2024-01-23T22:58:15.844" v="2034" actId="20577"/>
-          <ac:spMkLst>
-            <pc:docMk/>
-            <pc:sldMk cId="1282139663" sldId="262"/>
-            <ac:spMk id="2" creationId="{C7DF1014-ECEC-7D05-6120-59AD338C5A43}"/>
-          </ac:spMkLst>
-        </pc:spChg>
-        <pc:spChg chg="del">
-          <ac:chgData name="Hunter Ceranic" userId="55b8025d37c61089" providerId="LiveId" clId="{ACCD79ED-BFAE-4857-8FB5-603E641725DE}" dt="2024-01-23T23:05:33.657" v="2066" actId="22"/>
-          <ac:spMkLst>
-            <pc:docMk/>
-            <pc:sldMk cId="1282139663" sldId="262"/>
-            <ac:spMk id="3" creationId="{59C5325B-F8B9-2637-BA82-958759232544}"/>
-          </ac:spMkLst>
-        </pc:spChg>
-        <pc:spChg chg="add del mod">
-          <ac:chgData name="Hunter Ceranic" userId="55b8025d37c61089" providerId="LiveId" clId="{ACCD79ED-BFAE-4857-8FB5-603E641725DE}" dt="2024-01-25T18:20:46.932" v="2967"/>
-          <ac:spMkLst>
-            <pc:docMk/>
-            <pc:sldMk cId="1282139663" sldId="262"/>
-            <ac:spMk id="3" creationId="{ECC3CD7B-F688-43CC-85A5-F53C9476B355}"/>
-          </ac:spMkLst>
-        </pc:spChg>
-        <pc:spChg chg="del">
-          <ac:chgData name="Hunter Ceranic" userId="55b8025d37c61089" providerId="LiveId" clId="{ACCD79ED-BFAE-4857-8FB5-603E641725DE}" dt="2024-01-23T23:02:29.485" v="2054" actId="478"/>
-          <ac:spMkLst>
-            <pc:docMk/>
-            <pc:sldMk cId="1282139663" sldId="262"/>
-            <ac:spMk id="4" creationId="{75F6C9A0-FC62-99D8-A1BC-30B9E3E9DEC5}"/>
-          </ac:spMkLst>
-        </pc:spChg>
-        <pc:spChg chg="add mod">
-          <ac:chgData name="Hunter Ceranic" userId="55b8025d37c61089" providerId="LiveId" clId="{ACCD79ED-BFAE-4857-8FB5-603E641725DE}" dt="2024-01-25T18:40:01.439" v="3766" actId="20577"/>
-          <ac:spMkLst>
-            <pc:docMk/>
-            <pc:sldMk cId="1282139663" sldId="262"/>
-            <ac:spMk id="4" creationId="{879D1B30-BABA-4E25-8DC7-414D66E57876}"/>
-          </ac:spMkLst>
-        </pc:spChg>
-        <pc:spChg chg="add mod">
-          <ac:chgData name="Hunter Ceranic" userId="55b8025d37c61089" providerId="LiveId" clId="{ACCD79ED-BFAE-4857-8FB5-603E641725DE}" dt="2024-01-23T23:28:45.721" v="2167" actId="20577"/>
-          <ac:spMkLst>
-            <pc:docMk/>
-            <pc:sldMk cId="1282139663" sldId="262"/>
-            <ac:spMk id="5" creationId="{1C012839-D1DE-7D8C-C13D-1405FD0457A8}"/>
-          </ac:spMkLst>
-        </pc:spChg>
-        <pc:spChg chg="add del mod">
-          <ac:chgData name="Hunter Ceranic" userId="55b8025d37c61089" providerId="LiveId" clId="{ACCD79ED-BFAE-4857-8FB5-603E641725DE}" dt="2024-01-25T18:23:37.451" v="3115" actId="478"/>
-          <ac:spMkLst>
-            <pc:docMk/>
-            <pc:sldMk cId="1282139663" sldId="262"/>
-            <ac:spMk id="8" creationId="{4B460578-77A7-3F34-E220-6441A40FB3FE}"/>
-          </ac:spMkLst>
-        </pc:spChg>
-        <pc:spChg chg="add mod">
-          <ac:chgData name="Hunter Ceranic" userId="55b8025d37c61089" providerId="LiveId" clId="{ACCD79ED-BFAE-4857-8FB5-603E641725DE}" dt="2024-01-25T18:28:58.057" v="3279" actId="20577"/>
-          <ac:spMkLst>
-            <pc:docMk/>
-            <pc:sldMk cId="1282139663" sldId="262"/>
-            <ac:spMk id="10" creationId="{F2FFC939-605E-CFC2-B711-0B24C4C1DF3D}"/>
-          </ac:spMkLst>
-        </pc:spChg>
-        <pc:grpChg chg="add mod">
-          <ac:chgData name="Hunter Ceranic" userId="55b8025d37c61089" providerId="LiveId" clId="{ACCD79ED-BFAE-4857-8FB5-603E641725DE}" dt="2024-01-25T18:23:30.185" v="3112" actId="1076"/>
-          <ac:grpSpMkLst>
-            <pc:docMk/>
-            <pc:sldMk cId="1282139663" sldId="262"/>
-            <ac:grpSpMk id="15" creationId="{8BF43C64-2CCA-9F17-AB62-3165ADE233AB}"/>
-          </ac:grpSpMkLst>
-        </pc:grpChg>
-        <pc:picChg chg="add mod">
-          <ac:chgData name="Hunter Ceranic" userId="55b8025d37c61089" providerId="LiveId" clId="{ACCD79ED-BFAE-4857-8FB5-603E641725DE}" dt="2024-01-25T18:23:10.562" v="3108" actId="1076"/>
-          <ac:picMkLst>
-            <pc:docMk/>
-            <pc:sldMk cId="1282139663" sldId="262"/>
-            <ac:picMk id="7" creationId="{CAE9B0C0-7090-D085-8979-B49AF6DAF264}"/>
-          </ac:picMkLst>
-        </pc:picChg>
-        <pc:picChg chg="add mod">
-          <ac:chgData name="Hunter Ceranic" userId="55b8025d37c61089" providerId="LiveId" clId="{ACCD79ED-BFAE-4857-8FB5-603E641725DE}" dt="2024-01-25T18:23:10.562" v="3108" actId="1076"/>
-          <ac:picMkLst>
-            <pc:docMk/>
-            <pc:sldMk cId="1282139663" sldId="262"/>
-            <ac:picMk id="9" creationId="{4C1A88EA-8389-DD90-1A57-B3C56972839A}"/>
-          </ac:picMkLst>
-        </pc:picChg>
-        <pc:picChg chg="add mod ord">
-          <ac:chgData name="Hunter Ceranic" userId="55b8025d37c61089" providerId="LiveId" clId="{ACCD79ED-BFAE-4857-8FB5-603E641725DE}" dt="2024-01-25T18:23:30.185" v="3112" actId="1076"/>
-          <ac:picMkLst>
-            <pc:docMk/>
-            <pc:sldMk cId="1282139663" sldId="262"/>
-            <ac:picMk id="11" creationId="{3069CF3F-2488-0D3C-36B1-96C29EF328C3}"/>
-          </ac:picMkLst>
-        </pc:picChg>
-        <pc:picChg chg="add mod">
-          <ac:chgData name="Hunter Ceranic" userId="55b8025d37c61089" providerId="LiveId" clId="{ACCD79ED-BFAE-4857-8FB5-603E641725DE}" dt="2024-01-23T23:07:10.901" v="2086" actId="164"/>
-          <ac:picMkLst>
-            <pc:docMk/>
-            <pc:sldMk cId="1282139663" sldId="262"/>
-            <ac:picMk id="12" creationId="{1D66D614-DB0E-70BC-5CE5-E90ACF60A7ED}"/>
-          </ac:picMkLst>
-        </pc:picChg>
-        <pc:picChg chg="add mod">
-          <ac:chgData name="Hunter Ceranic" userId="55b8025d37c61089" providerId="LiveId" clId="{ACCD79ED-BFAE-4857-8FB5-603E641725DE}" dt="2024-01-23T23:07:10.901" v="2086" actId="164"/>
-          <ac:picMkLst>
-            <pc:docMk/>
-            <pc:sldMk cId="1282139663" sldId="262"/>
-            <ac:picMk id="14" creationId="{FC818FE4-B411-1A79-4D4F-931900CDC4FD}"/>
-          </ac:picMkLst>
-        </pc:picChg>
-        <pc:picChg chg="add mod">
-          <ac:chgData name="Hunter Ceranic" userId="55b8025d37c61089" providerId="LiveId" clId="{ACCD79ED-BFAE-4857-8FB5-603E641725DE}" dt="2024-01-25T18:23:30.185" v="3112" actId="1076"/>
-          <ac:picMkLst>
-            <pc:docMk/>
-            <pc:sldMk cId="1282139663" sldId="262"/>
-            <ac:picMk id="17" creationId="{8924486C-65A4-1784-1B5D-76149A672E25}"/>
-          </ac:picMkLst>
-        </pc:picChg>
-        <pc:picChg chg="add mod">
-          <ac:chgData name="Hunter Ceranic" userId="55b8025d37c61089" providerId="LiveId" clId="{ACCD79ED-BFAE-4857-8FB5-603E641725DE}" dt="2024-01-25T18:23:30.185" v="3112" actId="1076"/>
-          <ac:picMkLst>
-            <pc:docMk/>
-            <pc:sldMk cId="1282139663" sldId="262"/>
-            <ac:picMk id="19" creationId="{05A4DA08-7B97-9D43-0DBC-42C46123E6FC}"/>
-          </ac:picMkLst>
-        </pc:picChg>
-      </pc:sldChg>
-      <pc:sldChg chg="addSp delSp modSp add mod">
-        <pc:chgData name="Hunter Ceranic" userId="55b8025d37c61089" providerId="LiveId" clId="{ACCD79ED-BFAE-4857-8FB5-603E641725DE}" dt="2024-01-25T18:35:54.266" v="3602" actId="20577"/>
-        <pc:sldMkLst>
-          <pc:docMk/>
-          <pc:sldMk cId="3991598736" sldId="263"/>
-        </pc:sldMkLst>
-        <pc:spChg chg="mod">
-          <ac:chgData name="Hunter Ceranic" userId="55b8025d37c61089" providerId="LiveId" clId="{ACCD79ED-BFAE-4857-8FB5-603E641725DE}" dt="2024-01-23T23:23:23.894" v="2157" actId="1076"/>
-          <ac:spMkLst>
-            <pc:docMk/>
-            <pc:sldMk cId="3991598736" sldId="263"/>
-            <ac:spMk id="2" creationId="{C7DF1014-ECEC-7D05-6120-59AD338C5A43}"/>
-          </ac:spMkLst>
-        </pc:spChg>
-        <pc:spChg chg="mod">
-          <ac:chgData name="Hunter Ceranic" userId="55b8025d37c61089" providerId="LiveId" clId="{ACCD79ED-BFAE-4857-8FB5-603E641725DE}" dt="2024-01-23T23:28:50.673" v="2169" actId="20577"/>
-          <ac:spMkLst>
-            <pc:docMk/>
-            <pc:sldMk cId="3991598736" sldId="263"/>
-            <ac:spMk id="5" creationId="{1C012839-D1DE-7D8C-C13D-1405FD0457A8}"/>
-          </ac:spMkLst>
-        </pc:spChg>
-        <pc:spChg chg="add mod">
-          <ac:chgData name="Hunter Ceranic" userId="55b8025d37c61089" providerId="LiveId" clId="{ACCD79ED-BFAE-4857-8FB5-603E641725DE}" dt="2024-01-25T18:30:27.245" v="3389" actId="1076"/>
-          <ac:spMkLst>
-            <pc:docMk/>
-            <pc:sldMk cId="3991598736" sldId="263"/>
-            <ac:spMk id="7" creationId="{22456EFC-985E-970A-C327-2EB845063E37}"/>
-          </ac:spMkLst>
-        </pc:spChg>
-        <pc:spChg chg="add del mod">
-          <ac:chgData name="Hunter Ceranic" userId="55b8025d37c61089" providerId="LiveId" clId="{ACCD79ED-BFAE-4857-8FB5-603E641725DE}" dt="2024-01-25T18:31:39.591" v="3443" actId="478"/>
-          <ac:spMkLst>
-            <pc:docMk/>
-            <pc:sldMk cId="3991598736" sldId="263"/>
-            <ac:spMk id="9" creationId="{3F2C67EA-5276-6446-ED9E-06A767E64FA6}"/>
-          </ac:spMkLst>
-        </pc:spChg>
-        <pc:spChg chg="add del mod">
-          <ac:chgData name="Hunter Ceranic" userId="55b8025d37c61089" providerId="LiveId" clId="{ACCD79ED-BFAE-4857-8FB5-603E641725DE}" dt="2024-01-25T18:31:38.302" v="3442" actId="478"/>
-          <ac:spMkLst>
-            <pc:docMk/>
-            <pc:sldMk cId="3991598736" sldId="263"/>
-            <ac:spMk id="11" creationId="{4FFC0959-86ED-0779-02C5-C3A8D5996D11}"/>
-          </ac:spMkLst>
-        </pc:spChg>
-        <pc:spChg chg="add del mod">
-          <ac:chgData name="Hunter Ceranic" userId="55b8025d37c61089" providerId="LiveId" clId="{ACCD79ED-BFAE-4857-8FB5-603E641725DE}" dt="2024-01-23T23:17:50.713" v="2105" actId="478"/>
-          <ac:spMkLst>
-            <pc:docMk/>
-            <pc:sldMk cId="3991598736" sldId="263"/>
-            <ac:spMk id="13" creationId="{63C58497-E746-C9F9-0306-6697E82AD78F}"/>
-          </ac:spMkLst>
-        </pc:spChg>
-        <pc:spChg chg="add mod">
-          <ac:chgData name="Hunter Ceranic" userId="55b8025d37c61089" providerId="LiveId" clId="{ACCD79ED-BFAE-4857-8FB5-603E641725DE}" dt="2024-01-25T18:31:32.793" v="3437" actId="1076"/>
-          <ac:spMkLst>
-            <pc:docMk/>
-            <pc:sldMk cId="3991598736" sldId="263"/>
-            <ac:spMk id="13" creationId="{E43FED9A-2A92-4571-1C1C-6656F34985C2}"/>
-          </ac:spMkLst>
-        </pc:spChg>
-        <pc:spChg chg="add mod">
-          <ac:chgData name="Hunter Ceranic" userId="55b8025d37c61089" providerId="LiveId" clId="{ACCD79ED-BFAE-4857-8FB5-603E641725DE}" dt="2024-01-25T18:34:40.932" v="3481" actId="20577"/>
-          <ac:spMkLst>
-            <pc:docMk/>
-            <pc:sldMk cId="3991598736" sldId="263"/>
-            <ac:spMk id="16" creationId="{EED00A11-2962-E5ED-5BC0-9866E16ACA9D}"/>
-          </ac:spMkLst>
-        </pc:spChg>
-        <pc:spChg chg="add mod">
-          <ac:chgData name="Hunter Ceranic" userId="55b8025d37c61089" providerId="LiveId" clId="{ACCD79ED-BFAE-4857-8FB5-603E641725DE}" dt="2024-01-25T18:35:54.266" v="3602" actId="20577"/>
-          <ac:spMkLst>
-            <pc:docMk/>
-            <pc:sldMk cId="3991598736" sldId="263"/>
-            <ac:spMk id="20" creationId="{83EB794A-CC3C-62A8-A283-6C146460011C}"/>
-          </ac:spMkLst>
-        </pc:spChg>
-        <pc:spChg chg="add mod">
-          <ac:chgData name="Hunter Ceranic" userId="55b8025d37c61089" providerId="LiveId" clId="{ACCD79ED-BFAE-4857-8FB5-603E641725DE}" dt="2024-01-23T23:23:13.581" v="2155" actId="164"/>
-          <ac:spMkLst>
-            <pc:docMk/>
-            <pc:sldMk cId="3991598736" sldId="263"/>
-            <ac:spMk id="24" creationId="{EB34267C-288C-639B-66A1-4905FC7EC930}"/>
-          </ac:spMkLst>
-        </pc:spChg>
-        <pc:grpChg chg="add mod">
-          <ac:chgData name="Hunter Ceranic" userId="55b8025d37c61089" providerId="LiveId" clId="{ACCD79ED-BFAE-4857-8FB5-603E641725DE}" dt="2024-01-25T18:29:45.977" v="3281" actId="1076"/>
-          <ac:grpSpMkLst>
-            <pc:docMk/>
-            <pc:sldMk cId="3991598736" sldId="263"/>
-            <ac:grpSpMk id="4" creationId="{C8DB01BA-7B2F-4507-076E-3088CE34B57D}"/>
-          </ac:grpSpMkLst>
-        </pc:grpChg>
-        <pc:grpChg chg="del mod">
-          <ac:chgData name="Hunter Ceranic" userId="55b8025d37c61089" providerId="LiveId" clId="{ACCD79ED-BFAE-4857-8FB5-603E641725DE}" dt="2024-01-23T23:17:48.564" v="2103" actId="478"/>
-          <ac:grpSpMkLst>
-            <pc:docMk/>
-            <pc:sldMk cId="3991598736" sldId="263"/>
-            <ac:grpSpMk id="15" creationId="{8BF43C64-2CCA-9F17-AB62-3165ADE233AB}"/>
-          </ac:grpSpMkLst>
-        </pc:grpChg>
-        <pc:grpChg chg="add mod">
-          <ac:chgData name="Hunter Ceranic" userId="55b8025d37c61089" providerId="LiveId" clId="{ACCD79ED-BFAE-4857-8FB5-603E641725DE}" dt="2024-01-25T18:31:32.793" v="3437" actId="1076"/>
-          <ac:grpSpMkLst>
-            <pc:docMk/>
-            <pc:sldMk cId="3991598736" sldId="263"/>
-            <ac:grpSpMk id="25" creationId="{60D647CB-16C3-AAA2-9107-5D1150C5A87B}"/>
-          </ac:grpSpMkLst>
-        </pc:grpChg>
-        <pc:picChg chg="add mod">
-          <ac:chgData name="Hunter Ceranic" userId="55b8025d37c61089" providerId="LiveId" clId="{ACCD79ED-BFAE-4857-8FB5-603E641725DE}" dt="2024-01-25T18:29:45.977" v="3281" actId="1076"/>
-          <ac:picMkLst>
-            <pc:docMk/>
-            <pc:sldMk cId="3991598736" sldId="263"/>
-            <ac:picMk id="3" creationId="{188D2A99-F2E5-CD1E-1A92-A24E47DCB195}"/>
-          </ac:picMkLst>
-        </pc:picChg>
-        <pc:picChg chg="mod">
-          <ac:chgData name="Hunter Ceranic" userId="55b8025d37c61089" providerId="LiveId" clId="{ACCD79ED-BFAE-4857-8FB5-603E641725DE}" dt="2024-01-23T23:17:38.209" v="2098" actId="571"/>
-          <ac:picMkLst>
-            <pc:docMk/>
-            <pc:sldMk cId="3991598736" sldId="263"/>
-            <ac:picMk id="6" creationId="{FDE3D38A-9C66-6F73-2041-023FA88F7996}"/>
-          </ac:picMkLst>
-        </pc:picChg>
-        <pc:picChg chg="del">
-          <ac:chgData name="Hunter Ceranic" userId="55b8025d37c61089" providerId="LiveId" clId="{ACCD79ED-BFAE-4857-8FB5-603E641725DE}" dt="2024-01-23T23:16:55.113" v="2094" actId="478"/>
-          <ac:picMkLst>
-            <pc:docMk/>
-            <pc:sldMk cId="3991598736" sldId="263"/>
-            <ac:picMk id="7" creationId="{CAE9B0C0-7090-D085-8979-B49AF6DAF264}"/>
-          </ac:picMkLst>
-        </pc:picChg>
-        <pc:picChg chg="mod">
-          <ac:chgData name="Hunter Ceranic" userId="55b8025d37c61089" providerId="LiveId" clId="{ACCD79ED-BFAE-4857-8FB5-603E641725DE}" dt="2024-01-23T23:17:38.209" v="2098" actId="571"/>
-          <ac:picMkLst>
-            <pc:docMk/>
-            <pc:sldMk cId="3991598736" sldId="263"/>
-            <ac:picMk id="8" creationId="{F9DC0517-381E-8C68-0772-9D311F56BD9D}"/>
-          </ac:picMkLst>
-        </pc:picChg>
-        <pc:picChg chg="del">
-          <ac:chgData name="Hunter Ceranic" userId="55b8025d37c61089" providerId="LiveId" clId="{ACCD79ED-BFAE-4857-8FB5-603E641725DE}" dt="2024-01-23T23:16:56.611" v="2095" actId="478"/>
-          <ac:picMkLst>
-            <pc:docMk/>
-            <pc:sldMk cId="3991598736" sldId="263"/>
-            <ac:picMk id="9" creationId="{4C1A88EA-8389-DD90-1A57-B3C56972839A}"/>
-          </ac:picMkLst>
-        </pc:picChg>
-        <pc:picChg chg="add del mod">
-          <ac:chgData name="Hunter Ceranic" userId="55b8025d37c61089" providerId="LiveId" clId="{ACCD79ED-BFAE-4857-8FB5-603E641725DE}" dt="2024-01-25T18:31:35.133" v="3438" actId="478"/>
-          <ac:picMkLst>
-            <pc:docMk/>
-            <pc:sldMk cId="3991598736" sldId="263"/>
-            <ac:picMk id="10" creationId="{FE6021C7-3858-9194-3F46-1860A92FDA46}"/>
-          </ac:picMkLst>
-        </pc:picChg>
-        <pc:picChg chg="del mod">
-          <ac:chgData name="Hunter Ceranic" userId="55b8025d37c61089" providerId="LiveId" clId="{ACCD79ED-BFAE-4857-8FB5-603E641725DE}" dt="2024-01-23T23:17:46.143" v="2101" actId="478"/>
-          <ac:picMkLst>
-            <pc:docMk/>
-            <pc:sldMk cId="3991598736" sldId="263"/>
-            <ac:picMk id="11" creationId="{3069CF3F-2488-0D3C-36B1-96C29EF328C3}"/>
-          </ac:picMkLst>
-        </pc:picChg>
-        <pc:picChg chg="add mod">
-          <ac:chgData name="Hunter Ceranic" userId="55b8025d37c61089" providerId="LiveId" clId="{ACCD79ED-BFAE-4857-8FB5-603E641725DE}" dt="2024-01-25T18:31:32.793" v="3437" actId="1076"/>
-          <ac:picMkLst>
-            <pc:docMk/>
-            <pc:sldMk cId="3991598736" sldId="263"/>
-            <ac:picMk id="12" creationId="{DF53D8E0-B665-2D4A-348D-B47AFE9708C9}"/>
-          </ac:picMkLst>
-        </pc:picChg>
-        <pc:picChg chg="add mod">
-          <ac:chgData name="Hunter Ceranic" userId="55b8025d37c61089" providerId="LiveId" clId="{ACCD79ED-BFAE-4857-8FB5-603E641725DE}" dt="2024-01-25T18:34:55.793" v="3488" actId="1076"/>
-          <ac:picMkLst>
-            <pc:docMk/>
-            <pc:sldMk cId="3991598736" sldId="263"/>
-            <ac:picMk id="15" creationId="{852CFD5C-D134-1217-A844-D8C319D5B4D9}"/>
-          </ac:picMkLst>
-        </pc:picChg>
-        <pc:picChg chg="mod">
-          <ac:chgData name="Hunter Ceranic" userId="55b8025d37c61089" providerId="LiveId" clId="{ACCD79ED-BFAE-4857-8FB5-603E641725DE}" dt="2024-01-25T18:29:45.977" v="3281" actId="1076"/>
-          <ac:picMkLst>
-            <pc:docMk/>
-            <pc:sldMk cId="3991598736" sldId="263"/>
-            <ac:picMk id="17" creationId="{8924486C-65A4-1784-1B5D-76149A672E25}"/>
-          </ac:picMkLst>
-        </pc:picChg>
-        <pc:picChg chg="add mod">
-          <ac:chgData name="Hunter Ceranic" userId="55b8025d37c61089" providerId="LiveId" clId="{ACCD79ED-BFAE-4857-8FB5-603E641725DE}" dt="2024-01-23T23:18:19.273" v="2112" actId="1076"/>
-          <ac:picMkLst>
-            <pc:docMk/>
-            <pc:sldMk cId="3991598736" sldId="263"/>
-            <ac:picMk id="18" creationId="{008207FC-5882-DC9A-0373-D4D4E6A2A2C9}"/>
-          </ac:picMkLst>
-        </pc:picChg>
-        <pc:picChg chg="add mod">
-          <ac:chgData name="Hunter Ceranic" userId="55b8025d37c61089" providerId="LiveId" clId="{ACCD79ED-BFAE-4857-8FB5-603E641725DE}" dt="2024-01-25T18:29:45.977" v="3281" actId="1076"/>
-          <ac:picMkLst>
-            <pc:docMk/>
-            <pc:sldMk cId="3991598736" sldId="263"/>
-            <ac:picMk id="19" creationId="{C472703C-E5CB-485B-1C4B-6C06C353025B}"/>
-          </ac:picMkLst>
-        </pc:picChg>
-        <pc:picChg chg="add del mod">
-          <ac:chgData name="Hunter Ceranic" userId="55b8025d37c61089" providerId="LiveId" clId="{ACCD79ED-BFAE-4857-8FB5-603E641725DE}" dt="2024-01-25T18:31:35.859" v="3440" actId="478"/>
-          <ac:picMkLst>
-            <pc:docMk/>
-            <pc:sldMk cId="3991598736" sldId="263"/>
-            <ac:picMk id="21" creationId="{22BCAE72-C73D-9A1B-AD54-EF4BE002B961}"/>
-          </ac:picMkLst>
-        </pc:picChg>
-        <pc:picChg chg="add mod">
-          <ac:chgData name="Hunter Ceranic" userId="55b8025d37c61089" providerId="LiveId" clId="{ACCD79ED-BFAE-4857-8FB5-603E641725DE}" dt="2024-01-23T23:23:13.581" v="2155" actId="164"/>
-          <ac:picMkLst>
-            <pc:docMk/>
-            <pc:sldMk cId="3991598736" sldId="263"/>
-            <ac:picMk id="23" creationId="{D5A7F495-D13B-6671-931E-84CDD5F86A04}"/>
-          </ac:picMkLst>
-        </pc:picChg>
-        <pc:cxnChg chg="add del">
-          <ac:chgData name="Hunter Ceranic" userId="55b8025d37c61089" providerId="LiveId" clId="{ACCD79ED-BFAE-4857-8FB5-603E641725DE}" dt="2024-01-23T23:23:40.994" v="2159" actId="11529"/>
-          <ac:cxnSpMkLst>
-            <pc:docMk/>
-            <pc:sldMk cId="3991598736" sldId="263"/>
-            <ac:cxnSpMk id="27" creationId="{9968B0D0-7ADE-3600-D321-29F36A077B89}"/>
-          </ac:cxnSpMkLst>
-        </pc:cxnChg>
-      </pc:sldChg>
-      <pc:sldChg chg="addSp delSp modSp new mod setBg modClrScheme addAnim setClrOvrMap chgLayout">
-        <pc:chgData name="Hunter Ceranic" userId="55b8025d37c61089" providerId="LiveId" clId="{ACCD79ED-BFAE-4857-8FB5-603E641725DE}" dt="2024-01-25T18:38:04.545" v="3720" actId="20577"/>
-        <pc:sldMkLst>
-          <pc:docMk/>
-          <pc:sldMk cId="998881358" sldId="264"/>
-        </pc:sldMkLst>
-        <pc:spChg chg="del mod ord">
-          <ac:chgData name="Hunter Ceranic" userId="55b8025d37c61089" providerId="LiveId" clId="{ACCD79ED-BFAE-4857-8FB5-603E641725DE}" dt="2024-01-25T18:37:29.838" v="3664" actId="700"/>
-          <ac:spMkLst>
-            <pc:docMk/>
-            <pc:sldMk cId="998881358" sldId="264"/>
-            <ac:spMk id="2" creationId="{0EC9A651-EBA2-BCC3-50E8-143A868D23F0}"/>
-          </ac:spMkLst>
-        </pc:spChg>
-        <pc:spChg chg="del mod ord">
-          <ac:chgData name="Hunter Ceranic" userId="55b8025d37c61089" providerId="LiveId" clId="{ACCD79ED-BFAE-4857-8FB5-603E641725DE}" dt="2024-01-25T18:37:29.838" v="3664" actId="700"/>
-          <ac:spMkLst>
-            <pc:docMk/>
-            <pc:sldMk cId="998881358" sldId="264"/>
-            <ac:spMk id="3" creationId="{B3A338AE-D5B8-D9CA-36E4-B21C2987CA31}"/>
-          </ac:spMkLst>
-        </pc:spChg>
-        <pc:spChg chg="mod ord">
-          <ac:chgData name="Hunter Ceranic" userId="55b8025d37c61089" providerId="LiveId" clId="{ACCD79ED-BFAE-4857-8FB5-603E641725DE}" dt="2024-01-25T18:37:57.008" v="3715" actId="26606"/>
-          <ac:spMkLst>
-            <pc:docMk/>
-            <pc:sldMk cId="998881358" sldId="264"/>
-            <ac:spMk id="4" creationId="{C453327A-C23C-C9D1-22BB-AE6780AE9D55}"/>
-          </ac:spMkLst>
-        </pc:spChg>
-        <pc:spChg chg="add mod ord">
-          <ac:chgData name="Hunter Ceranic" userId="55b8025d37c61089" providerId="LiveId" clId="{ACCD79ED-BFAE-4857-8FB5-603E641725DE}" dt="2024-01-25T18:37:57.008" v="3715" actId="26606"/>
-          <ac:spMkLst>
-            <pc:docMk/>
-            <pc:sldMk cId="998881358" sldId="264"/>
-            <ac:spMk id="5" creationId="{49CB1C78-12AF-9A3C-FA38-1ECA637CC7AB}"/>
-          </ac:spMkLst>
-        </pc:spChg>
-        <pc:spChg chg="add mod ord">
-          <ac:chgData name="Hunter Ceranic" userId="55b8025d37c61089" providerId="LiveId" clId="{ACCD79ED-BFAE-4857-8FB5-603E641725DE}" dt="2024-01-25T18:38:04.545" v="3720" actId="20577"/>
-          <ac:spMkLst>
-            <pc:docMk/>
-            <pc:sldMk cId="998881358" sldId="264"/>
-            <ac:spMk id="6" creationId="{666762D2-772A-C48E-C9CF-8B510F2FA513}"/>
-          </ac:spMkLst>
-        </pc:spChg>
-        <pc:spChg chg="add">
-          <ac:chgData name="Hunter Ceranic" userId="55b8025d37c61089" providerId="LiveId" clId="{ACCD79ED-BFAE-4857-8FB5-603E641725DE}" dt="2024-01-25T18:37:57.008" v="3715" actId="26606"/>
-          <ac:spMkLst>
-            <pc:docMk/>
-            <pc:sldMk cId="998881358" sldId="264"/>
-            <ac:spMk id="12" creationId="{0671A8AE-40A1-4631-A6B8-581AFF065482}"/>
-          </ac:spMkLst>
-        </pc:spChg>
-        <pc:spChg chg="add">
-          <ac:chgData name="Hunter Ceranic" userId="55b8025d37c61089" providerId="LiveId" clId="{ACCD79ED-BFAE-4857-8FB5-603E641725DE}" dt="2024-01-25T18:37:57.008" v="3715" actId="26606"/>
-          <ac:spMkLst>
-            <pc:docMk/>
-            <pc:sldMk cId="998881358" sldId="264"/>
-            <ac:spMk id="14" creationId="{A44CD100-6267-4E62-AA64-2182A3A6A1C0}"/>
-          </ac:spMkLst>
-        </pc:spChg>
-        <pc:picChg chg="add">
-          <ac:chgData name="Hunter Ceranic" userId="55b8025d37c61089" providerId="LiveId" clId="{ACCD79ED-BFAE-4857-8FB5-603E641725DE}" dt="2024-01-25T18:37:57.008" v="3715" actId="26606"/>
-          <ac:picMkLst>
-            <pc:docMk/>
-            <pc:sldMk cId="998881358" sldId="264"/>
-            <ac:picMk id="8" creationId="{6F197B8F-C90C-17EF-FBF7-04F6F2F6EF94}"/>
-          </ac:picMkLst>
-        </pc:picChg>
-      </pc:sldChg>
-      <pc:sldChg chg="new del">
-        <pc:chgData name="Hunter Ceranic" userId="55b8025d37c61089" providerId="LiveId" clId="{ACCD79ED-BFAE-4857-8FB5-603E641725DE}" dt="2024-01-26T18:32:03.346" v="3768" actId="680"/>
-        <pc:sldMkLst>
-          <pc:docMk/>
-          <pc:sldMk cId="1351124811" sldId="265"/>
-        </pc:sldMkLst>
-      </pc:sldChg>
-      <pc:sldMasterChg chg="add del addSldLayout delSldLayout">
-        <pc:chgData name="Hunter Ceranic" userId="55b8025d37c61089" providerId="LiveId" clId="{ACCD79ED-BFAE-4857-8FB5-603E641725DE}" dt="2024-01-23T20:03:02.922" v="3" actId="26606"/>
-        <pc:sldMasterMkLst>
-          <pc:docMk/>
-          <pc:sldMasterMk cId="3109401901" sldId="2147483648"/>
-        </pc:sldMasterMkLst>
-        <pc:sldLayoutChg chg="add del">
-          <pc:chgData name="Hunter Ceranic" userId="55b8025d37c61089" providerId="LiveId" clId="{ACCD79ED-BFAE-4857-8FB5-603E641725DE}" dt="2024-01-23T20:03:02.922" v="3" actId="26606"/>
-          <pc:sldLayoutMkLst>
-            <pc:docMk/>
-            <pc:sldMasterMk cId="3109401901" sldId="2147483648"/>
-            <pc:sldLayoutMk cId="513548861" sldId="2147483649"/>
-          </pc:sldLayoutMkLst>
-        </pc:sldLayoutChg>
-        <pc:sldLayoutChg chg="add del">
-          <pc:chgData name="Hunter Ceranic" userId="55b8025d37c61089" providerId="LiveId" clId="{ACCD79ED-BFAE-4857-8FB5-603E641725DE}" dt="2024-01-23T20:03:02.922" v="3" actId="26606"/>
-          <pc:sldLayoutMkLst>
-            <pc:docMk/>
-            <pc:sldMasterMk cId="3109401901" sldId="2147483648"/>
-            <pc:sldLayoutMk cId="4183330876" sldId="2147483650"/>
-          </pc:sldLayoutMkLst>
-        </pc:sldLayoutChg>
-        <pc:sldLayoutChg chg="add del">
-          <pc:chgData name="Hunter Ceranic" userId="55b8025d37c61089" providerId="LiveId" clId="{ACCD79ED-BFAE-4857-8FB5-603E641725DE}" dt="2024-01-23T20:03:02.922" v="3" actId="26606"/>
-          <pc:sldLayoutMkLst>
-            <pc:docMk/>
-            <pc:sldMasterMk cId="3109401901" sldId="2147483648"/>
-            <pc:sldLayoutMk cId="2763240192" sldId="2147483651"/>
-          </pc:sldLayoutMkLst>
-        </pc:sldLayoutChg>
-        <pc:sldLayoutChg chg="add del">
-          <pc:chgData name="Hunter Ceranic" userId="55b8025d37c61089" providerId="LiveId" clId="{ACCD79ED-BFAE-4857-8FB5-603E641725DE}" dt="2024-01-23T20:03:02.922" v="3" actId="26606"/>
-          <pc:sldLayoutMkLst>
-            <pc:docMk/>
-            <pc:sldMasterMk cId="3109401901" sldId="2147483648"/>
-            <pc:sldLayoutMk cId="3508845573" sldId="2147483652"/>
-          </pc:sldLayoutMkLst>
-        </pc:sldLayoutChg>
-        <pc:sldLayoutChg chg="add del">
-          <pc:chgData name="Hunter Ceranic" userId="55b8025d37c61089" providerId="LiveId" clId="{ACCD79ED-BFAE-4857-8FB5-603E641725DE}" dt="2024-01-23T20:03:02.922" v="3" actId="26606"/>
-          <pc:sldLayoutMkLst>
-            <pc:docMk/>
-            <pc:sldMasterMk cId="3109401901" sldId="2147483648"/>
-            <pc:sldLayoutMk cId="2110172368" sldId="2147483653"/>
-          </pc:sldLayoutMkLst>
-        </pc:sldLayoutChg>
-        <pc:sldLayoutChg chg="add del">
-          <pc:chgData name="Hunter Ceranic" userId="55b8025d37c61089" providerId="LiveId" clId="{ACCD79ED-BFAE-4857-8FB5-603E641725DE}" dt="2024-01-23T20:03:02.922" v="3" actId="26606"/>
-          <pc:sldLayoutMkLst>
-            <pc:docMk/>
-            <pc:sldMasterMk cId="3109401901" sldId="2147483648"/>
-            <pc:sldLayoutMk cId="2210393177" sldId="2147483654"/>
-          </pc:sldLayoutMkLst>
-        </pc:sldLayoutChg>
-        <pc:sldLayoutChg chg="add del">
-          <pc:chgData name="Hunter Ceranic" userId="55b8025d37c61089" providerId="LiveId" clId="{ACCD79ED-BFAE-4857-8FB5-603E641725DE}" dt="2024-01-23T20:03:02.922" v="3" actId="26606"/>
-          <pc:sldLayoutMkLst>
-            <pc:docMk/>
-            <pc:sldMasterMk cId="3109401901" sldId="2147483648"/>
-            <pc:sldLayoutMk cId="2886718544" sldId="2147483655"/>
-          </pc:sldLayoutMkLst>
-        </pc:sldLayoutChg>
-        <pc:sldLayoutChg chg="add del">
-          <pc:chgData name="Hunter Ceranic" userId="55b8025d37c61089" providerId="LiveId" clId="{ACCD79ED-BFAE-4857-8FB5-603E641725DE}" dt="2024-01-23T20:03:02.922" v="3" actId="26606"/>
-          <pc:sldLayoutMkLst>
-            <pc:docMk/>
-            <pc:sldMasterMk cId="3109401901" sldId="2147483648"/>
-            <pc:sldLayoutMk cId="3850669462" sldId="2147483656"/>
-          </pc:sldLayoutMkLst>
-        </pc:sldLayoutChg>
-        <pc:sldLayoutChg chg="add del">
-          <pc:chgData name="Hunter Ceranic" userId="55b8025d37c61089" providerId="LiveId" clId="{ACCD79ED-BFAE-4857-8FB5-603E641725DE}" dt="2024-01-23T20:03:02.922" v="3" actId="26606"/>
-          <pc:sldLayoutMkLst>
-            <pc:docMk/>
-            <pc:sldMasterMk cId="3109401901" sldId="2147483648"/>
-            <pc:sldLayoutMk cId="2647324278" sldId="2147483657"/>
-          </pc:sldLayoutMkLst>
-        </pc:sldLayoutChg>
-        <pc:sldLayoutChg chg="add del">
-          <pc:chgData name="Hunter Ceranic" userId="55b8025d37c61089" providerId="LiveId" clId="{ACCD79ED-BFAE-4857-8FB5-603E641725DE}" dt="2024-01-23T20:03:02.922" v="3" actId="26606"/>
-          <pc:sldLayoutMkLst>
-            <pc:docMk/>
-            <pc:sldMasterMk cId="3109401901" sldId="2147483648"/>
-            <pc:sldLayoutMk cId="1491557029" sldId="2147483658"/>
-          </pc:sldLayoutMkLst>
-        </pc:sldLayoutChg>
-        <pc:sldLayoutChg chg="add del">
-          <pc:chgData name="Hunter Ceranic" userId="55b8025d37c61089" providerId="LiveId" clId="{ACCD79ED-BFAE-4857-8FB5-603E641725DE}" dt="2024-01-23T20:03:02.922" v="3" actId="26606"/>
-          <pc:sldLayoutMkLst>
-            <pc:docMk/>
-            <pc:sldMasterMk cId="3109401901" sldId="2147483648"/>
-            <pc:sldLayoutMk cId="1150607811" sldId="2147483659"/>
-          </pc:sldLayoutMkLst>
-        </pc:sldLayoutChg>
-      </pc:sldMasterChg>
-      <pc:sldMasterChg chg="add del addSldLayout delSldLayout">
-        <pc:chgData name="Hunter Ceranic" userId="55b8025d37c61089" providerId="LiveId" clId="{ACCD79ED-BFAE-4857-8FB5-603E641725DE}" dt="2024-01-23T20:03:41.234" v="35" actId="26606"/>
-        <pc:sldMasterMkLst>
-          <pc:docMk/>
-          <pc:sldMasterMk cId="3625141046" sldId="2147483699"/>
-        </pc:sldMasterMkLst>
-        <pc:sldLayoutChg chg="add del">
-          <pc:chgData name="Hunter Ceranic" userId="55b8025d37c61089" providerId="LiveId" clId="{ACCD79ED-BFAE-4857-8FB5-603E641725DE}" dt="2024-01-23T20:03:41.234" v="35" actId="26606"/>
-          <pc:sldLayoutMkLst>
-            <pc:docMk/>
-            <pc:sldMasterMk cId="3625141046" sldId="2147483699"/>
-            <pc:sldLayoutMk cId="1127557602" sldId="2147483688"/>
-          </pc:sldLayoutMkLst>
-        </pc:sldLayoutChg>
-        <pc:sldLayoutChg chg="add del">
-          <pc:chgData name="Hunter Ceranic" userId="55b8025d37c61089" providerId="LiveId" clId="{ACCD79ED-BFAE-4857-8FB5-603E641725DE}" dt="2024-01-23T20:03:41.234" v="35" actId="26606"/>
-          <pc:sldLayoutMkLst>
-            <pc:docMk/>
-            <pc:sldMasterMk cId="3625141046" sldId="2147483699"/>
-            <pc:sldLayoutMk cId="2200874226" sldId="2147483689"/>
-          </pc:sldLayoutMkLst>
-        </pc:sldLayoutChg>
-        <pc:sldLayoutChg chg="add del">
-          <pc:chgData name="Hunter Ceranic" userId="55b8025d37c61089" providerId="LiveId" clId="{ACCD79ED-BFAE-4857-8FB5-603E641725DE}" dt="2024-01-23T20:03:41.234" v="35" actId="26606"/>
-          <pc:sldLayoutMkLst>
-            <pc:docMk/>
-            <pc:sldMasterMk cId="3625141046" sldId="2147483699"/>
-            <pc:sldLayoutMk cId="3914437980" sldId="2147483690"/>
-          </pc:sldLayoutMkLst>
-        </pc:sldLayoutChg>
-        <pc:sldLayoutChg chg="add del">
-          <pc:chgData name="Hunter Ceranic" userId="55b8025d37c61089" providerId="LiveId" clId="{ACCD79ED-BFAE-4857-8FB5-603E641725DE}" dt="2024-01-23T20:03:41.234" v="35" actId="26606"/>
-          <pc:sldLayoutMkLst>
-            <pc:docMk/>
-            <pc:sldMasterMk cId="3625141046" sldId="2147483699"/>
-            <pc:sldLayoutMk cId="946984127" sldId="2147483691"/>
-          </pc:sldLayoutMkLst>
-        </pc:sldLayoutChg>
-        <pc:sldLayoutChg chg="add del">
-          <pc:chgData name="Hunter Ceranic" userId="55b8025d37c61089" providerId="LiveId" clId="{ACCD79ED-BFAE-4857-8FB5-603E641725DE}" dt="2024-01-23T20:03:41.234" v="35" actId="26606"/>
-          <pc:sldLayoutMkLst>
-            <pc:docMk/>
-            <pc:sldMasterMk cId="3625141046" sldId="2147483699"/>
-            <pc:sldLayoutMk cId="4284967081" sldId="2147483692"/>
-          </pc:sldLayoutMkLst>
-        </pc:sldLayoutChg>
-        <pc:sldLayoutChg chg="add del">
-          <pc:chgData name="Hunter Ceranic" userId="55b8025d37c61089" providerId="LiveId" clId="{ACCD79ED-BFAE-4857-8FB5-603E641725DE}" dt="2024-01-23T20:03:41.234" v="35" actId="26606"/>
-          <pc:sldLayoutMkLst>
-            <pc:docMk/>
-            <pc:sldMasterMk cId="3625141046" sldId="2147483699"/>
-            <pc:sldLayoutMk cId="1216617267" sldId="2147483693"/>
-          </pc:sldLayoutMkLst>
-        </pc:sldLayoutChg>
-        <pc:sldLayoutChg chg="add del">
-          <pc:chgData name="Hunter Ceranic" userId="55b8025d37c61089" providerId="LiveId" clId="{ACCD79ED-BFAE-4857-8FB5-603E641725DE}" dt="2024-01-23T20:03:41.234" v="35" actId="26606"/>
-          <pc:sldLayoutMkLst>
-            <pc:docMk/>
-            <pc:sldMasterMk cId="3625141046" sldId="2147483699"/>
-            <pc:sldLayoutMk cId="2830778015" sldId="2147483694"/>
-          </pc:sldLayoutMkLst>
-        </pc:sldLayoutChg>
-        <pc:sldLayoutChg chg="add del">
-          <pc:chgData name="Hunter Ceranic" userId="55b8025d37c61089" providerId="LiveId" clId="{ACCD79ED-BFAE-4857-8FB5-603E641725DE}" dt="2024-01-23T20:03:41.234" v="35" actId="26606"/>
-          <pc:sldLayoutMkLst>
-            <pc:docMk/>
-            <pc:sldMasterMk cId="3625141046" sldId="2147483699"/>
-            <pc:sldLayoutMk cId="1653061690" sldId="2147483695"/>
-          </pc:sldLayoutMkLst>
-        </pc:sldLayoutChg>
-        <pc:sldLayoutChg chg="add del">
-          <pc:chgData name="Hunter Ceranic" userId="55b8025d37c61089" providerId="LiveId" clId="{ACCD79ED-BFAE-4857-8FB5-603E641725DE}" dt="2024-01-23T20:03:41.234" v="35" actId="26606"/>
-          <pc:sldLayoutMkLst>
-            <pc:docMk/>
-            <pc:sldMasterMk cId="3625141046" sldId="2147483699"/>
-            <pc:sldLayoutMk cId="1884769510" sldId="2147483696"/>
-          </pc:sldLayoutMkLst>
-        </pc:sldLayoutChg>
-        <pc:sldLayoutChg chg="add del">
-          <pc:chgData name="Hunter Ceranic" userId="55b8025d37c61089" providerId="LiveId" clId="{ACCD79ED-BFAE-4857-8FB5-603E641725DE}" dt="2024-01-23T20:03:41.234" v="35" actId="26606"/>
-          <pc:sldLayoutMkLst>
-            <pc:docMk/>
-            <pc:sldMasterMk cId="3625141046" sldId="2147483699"/>
-            <pc:sldLayoutMk cId="520030635" sldId="2147483697"/>
-          </pc:sldLayoutMkLst>
-        </pc:sldLayoutChg>
-        <pc:sldLayoutChg chg="add del">
-          <pc:chgData name="Hunter Ceranic" userId="55b8025d37c61089" providerId="LiveId" clId="{ACCD79ED-BFAE-4857-8FB5-603E641725DE}" dt="2024-01-23T20:03:41.234" v="35" actId="26606"/>
-          <pc:sldLayoutMkLst>
-            <pc:docMk/>
-            <pc:sldMasterMk cId="3625141046" sldId="2147483699"/>
-            <pc:sldLayoutMk cId="3334971624" sldId="2147483698"/>
-          </pc:sldLayoutMkLst>
-        </pc:sldLayoutChg>
-      </pc:sldMasterChg>
-      <pc:sldMasterChg chg="add del addSldLayout delSldLayout">
-        <pc:chgData name="Hunter Ceranic" userId="55b8025d37c61089" providerId="LiveId" clId="{ACCD79ED-BFAE-4857-8FB5-603E641725DE}" dt="2024-01-23T20:03:02.868" v="2" actId="26606"/>
-        <pc:sldMasterMkLst>
-          <pc:docMk/>
-          <pc:sldMasterMk cId="2202494251" sldId="2147483712"/>
-        </pc:sldMasterMkLst>
-        <pc:sldLayoutChg chg="add del">
-          <pc:chgData name="Hunter Ceranic" userId="55b8025d37c61089" providerId="LiveId" clId="{ACCD79ED-BFAE-4857-8FB5-603E641725DE}" dt="2024-01-23T20:03:02.868" v="2" actId="26606"/>
-          <pc:sldLayoutMkLst>
-            <pc:docMk/>
-            <pc:sldMasterMk cId="2202494251" sldId="2147483712"/>
-            <pc:sldLayoutMk cId="591244846" sldId="2147483701"/>
-          </pc:sldLayoutMkLst>
-        </pc:sldLayoutChg>
-        <pc:sldLayoutChg chg="add del">
-          <pc:chgData name="Hunter Ceranic" userId="55b8025d37c61089" providerId="LiveId" clId="{ACCD79ED-BFAE-4857-8FB5-603E641725DE}" dt="2024-01-23T20:03:02.868" v="2" actId="26606"/>
-          <pc:sldLayoutMkLst>
-            <pc:docMk/>
-            <pc:sldMasterMk cId="2202494251" sldId="2147483712"/>
-            <pc:sldLayoutMk cId="2331399181" sldId="2147483702"/>
-          </pc:sldLayoutMkLst>
-        </pc:sldLayoutChg>
-        <pc:sldLayoutChg chg="add del">
-          <pc:chgData name="Hunter Ceranic" userId="55b8025d37c61089" providerId="LiveId" clId="{ACCD79ED-BFAE-4857-8FB5-603E641725DE}" dt="2024-01-23T20:03:02.868" v="2" actId="26606"/>
-          <pc:sldLayoutMkLst>
-            <pc:docMk/>
-            <pc:sldMasterMk cId="2202494251" sldId="2147483712"/>
-            <pc:sldLayoutMk cId="3388230769" sldId="2147483703"/>
-          </pc:sldLayoutMkLst>
-        </pc:sldLayoutChg>
-        <pc:sldLayoutChg chg="add del">
-          <pc:chgData name="Hunter Ceranic" userId="55b8025d37c61089" providerId="LiveId" clId="{ACCD79ED-BFAE-4857-8FB5-603E641725DE}" dt="2024-01-23T20:03:02.868" v="2" actId="26606"/>
-          <pc:sldLayoutMkLst>
-            <pc:docMk/>
-            <pc:sldMasterMk cId="2202494251" sldId="2147483712"/>
-            <pc:sldLayoutMk cId="3869490735" sldId="2147483704"/>
-          </pc:sldLayoutMkLst>
-        </pc:sldLayoutChg>
-        <pc:sldLayoutChg chg="add del">
-          <pc:chgData name="Hunter Ceranic" userId="55b8025d37c61089" providerId="LiveId" clId="{ACCD79ED-BFAE-4857-8FB5-603E641725DE}" dt="2024-01-23T20:03:02.868" v="2" actId="26606"/>
-          <pc:sldLayoutMkLst>
-            <pc:docMk/>
-            <pc:sldMasterMk cId="2202494251" sldId="2147483712"/>
-            <pc:sldLayoutMk cId="886192896" sldId="2147483705"/>
-          </pc:sldLayoutMkLst>
-        </pc:sldLayoutChg>
-        <pc:sldLayoutChg chg="add del">
-          <pc:chgData name="Hunter Ceranic" userId="55b8025d37c61089" providerId="LiveId" clId="{ACCD79ED-BFAE-4857-8FB5-603E641725DE}" dt="2024-01-23T20:03:02.868" v="2" actId="26606"/>
-          <pc:sldLayoutMkLst>
-            <pc:docMk/>
-            <pc:sldMasterMk cId="2202494251" sldId="2147483712"/>
-            <pc:sldLayoutMk cId="4111025588" sldId="2147483706"/>
-          </pc:sldLayoutMkLst>
-        </pc:sldLayoutChg>
-        <pc:sldLayoutChg chg="add del">
-          <pc:chgData name="Hunter Ceranic" userId="55b8025d37c61089" providerId="LiveId" clId="{ACCD79ED-BFAE-4857-8FB5-603E641725DE}" dt="2024-01-23T20:03:02.868" v="2" actId="26606"/>
-          <pc:sldLayoutMkLst>
-            <pc:docMk/>
-            <pc:sldMasterMk cId="2202494251" sldId="2147483712"/>
-            <pc:sldLayoutMk cId="2309390667" sldId="2147483707"/>
-          </pc:sldLayoutMkLst>
-        </pc:sldLayoutChg>
-        <pc:sldLayoutChg chg="add del">
-          <pc:chgData name="Hunter Ceranic" userId="55b8025d37c61089" providerId="LiveId" clId="{ACCD79ED-BFAE-4857-8FB5-603E641725DE}" dt="2024-01-23T20:03:02.868" v="2" actId="26606"/>
-          <pc:sldLayoutMkLst>
-            <pc:docMk/>
-            <pc:sldMasterMk cId="2202494251" sldId="2147483712"/>
-            <pc:sldLayoutMk cId="1072143547" sldId="2147483708"/>
-          </pc:sldLayoutMkLst>
-        </pc:sldLayoutChg>
-        <pc:sldLayoutChg chg="add del">
-          <pc:chgData name="Hunter Ceranic" userId="55b8025d37c61089" providerId="LiveId" clId="{ACCD79ED-BFAE-4857-8FB5-603E641725DE}" dt="2024-01-23T20:03:02.868" v="2" actId="26606"/>
-          <pc:sldLayoutMkLst>
-            <pc:docMk/>
-            <pc:sldMasterMk cId="2202494251" sldId="2147483712"/>
-            <pc:sldLayoutMk cId="2466298444" sldId="2147483709"/>
-          </pc:sldLayoutMkLst>
-        </pc:sldLayoutChg>
-        <pc:sldLayoutChg chg="add del">
-          <pc:chgData name="Hunter Ceranic" userId="55b8025d37c61089" providerId="LiveId" clId="{ACCD79ED-BFAE-4857-8FB5-603E641725DE}" dt="2024-01-23T20:03:02.868" v="2" actId="26606"/>
-          <pc:sldLayoutMkLst>
-            <pc:docMk/>
-            <pc:sldMasterMk cId="2202494251" sldId="2147483712"/>
-            <pc:sldLayoutMk cId="804213471" sldId="2147483710"/>
-          </pc:sldLayoutMkLst>
-        </pc:sldLayoutChg>
-        <pc:sldLayoutChg chg="add del">
-          <pc:chgData name="Hunter Ceranic" userId="55b8025d37c61089" providerId="LiveId" clId="{ACCD79ED-BFAE-4857-8FB5-603E641725DE}" dt="2024-01-23T20:03:02.868" v="2" actId="26606"/>
-          <pc:sldLayoutMkLst>
-            <pc:docMk/>
-            <pc:sldMasterMk cId="2202494251" sldId="2147483712"/>
-            <pc:sldLayoutMk cId="2386803905" sldId="2147483711"/>
-          </pc:sldLayoutMkLst>
-        </pc:sldLayoutChg>
-      </pc:sldMasterChg>
-      <pc:sldMasterChg chg="add addSldLayout">
-        <pc:chgData name="Hunter Ceranic" userId="55b8025d37c61089" providerId="LiveId" clId="{ACCD79ED-BFAE-4857-8FB5-603E641725DE}" dt="2024-01-23T20:03:41.234" v="35" actId="26606"/>
-        <pc:sldMasterMkLst>
-          <pc:docMk/>
-          <pc:sldMasterMk cId="1299206643" sldId="2147483788"/>
-        </pc:sldMasterMkLst>
-        <pc:sldLayoutChg chg="add">
-          <pc:chgData name="Hunter Ceranic" userId="55b8025d37c61089" providerId="LiveId" clId="{ACCD79ED-BFAE-4857-8FB5-603E641725DE}" dt="2024-01-23T20:03:41.234" v="35" actId="26606"/>
-          <pc:sldLayoutMkLst>
-            <pc:docMk/>
-            <pc:sldMasterMk cId="1299206643" sldId="2147483788"/>
-            <pc:sldLayoutMk cId="3828061927" sldId="2147483777"/>
-          </pc:sldLayoutMkLst>
-        </pc:sldLayoutChg>
-        <pc:sldLayoutChg chg="add">
-          <pc:chgData name="Hunter Ceranic" userId="55b8025d37c61089" providerId="LiveId" clId="{ACCD79ED-BFAE-4857-8FB5-603E641725DE}" dt="2024-01-23T20:03:41.234" v="35" actId="26606"/>
-          <pc:sldLayoutMkLst>
-            <pc:docMk/>
-            <pc:sldMasterMk cId="1299206643" sldId="2147483788"/>
-            <pc:sldLayoutMk cId="2411539174" sldId="2147483778"/>
-          </pc:sldLayoutMkLst>
-        </pc:sldLayoutChg>
-        <pc:sldLayoutChg chg="add">
-          <pc:chgData name="Hunter Ceranic" userId="55b8025d37c61089" providerId="LiveId" clId="{ACCD79ED-BFAE-4857-8FB5-603E641725DE}" dt="2024-01-23T20:03:41.234" v="35" actId="26606"/>
-          <pc:sldLayoutMkLst>
-            <pc:docMk/>
-            <pc:sldMasterMk cId="1299206643" sldId="2147483788"/>
-            <pc:sldLayoutMk cId="2382623034" sldId="2147483779"/>
-          </pc:sldLayoutMkLst>
-        </pc:sldLayoutChg>
-        <pc:sldLayoutChg chg="add">
-          <pc:chgData name="Hunter Ceranic" userId="55b8025d37c61089" providerId="LiveId" clId="{ACCD79ED-BFAE-4857-8FB5-603E641725DE}" dt="2024-01-23T20:03:41.234" v="35" actId="26606"/>
-          <pc:sldLayoutMkLst>
-            <pc:docMk/>
-            <pc:sldMasterMk cId="1299206643" sldId="2147483788"/>
-            <pc:sldLayoutMk cId="1887262989" sldId="2147483780"/>
-          </pc:sldLayoutMkLst>
-        </pc:sldLayoutChg>
-        <pc:sldLayoutChg chg="add">
-          <pc:chgData name="Hunter Ceranic" userId="55b8025d37c61089" providerId="LiveId" clId="{ACCD79ED-BFAE-4857-8FB5-603E641725DE}" dt="2024-01-23T20:03:41.234" v="35" actId="26606"/>
-          <pc:sldLayoutMkLst>
-            <pc:docMk/>
-            <pc:sldMasterMk cId="1299206643" sldId="2147483788"/>
-            <pc:sldLayoutMk cId="2611365127" sldId="2147483781"/>
-          </pc:sldLayoutMkLst>
-        </pc:sldLayoutChg>
-        <pc:sldLayoutChg chg="add">
-          <pc:chgData name="Hunter Ceranic" userId="55b8025d37c61089" providerId="LiveId" clId="{ACCD79ED-BFAE-4857-8FB5-603E641725DE}" dt="2024-01-23T20:03:41.234" v="35" actId="26606"/>
-          <pc:sldLayoutMkLst>
-            <pc:docMk/>
-            <pc:sldMasterMk cId="1299206643" sldId="2147483788"/>
-            <pc:sldLayoutMk cId="825454338" sldId="2147483782"/>
-          </pc:sldLayoutMkLst>
-        </pc:sldLayoutChg>
-        <pc:sldLayoutChg chg="add">
-          <pc:chgData name="Hunter Ceranic" userId="55b8025d37c61089" providerId="LiveId" clId="{ACCD79ED-BFAE-4857-8FB5-603E641725DE}" dt="2024-01-23T20:03:41.234" v="35" actId="26606"/>
-          <pc:sldLayoutMkLst>
-            <pc:docMk/>
-            <pc:sldMasterMk cId="1299206643" sldId="2147483788"/>
-            <pc:sldLayoutMk cId="3585152483" sldId="2147483783"/>
-          </pc:sldLayoutMkLst>
-        </pc:sldLayoutChg>
-        <pc:sldLayoutChg chg="add">
-          <pc:chgData name="Hunter Ceranic" userId="55b8025d37c61089" providerId="LiveId" clId="{ACCD79ED-BFAE-4857-8FB5-603E641725DE}" dt="2024-01-23T20:03:41.234" v="35" actId="26606"/>
-          <pc:sldLayoutMkLst>
-            <pc:docMk/>
-            <pc:sldMasterMk cId="1299206643" sldId="2147483788"/>
-            <pc:sldLayoutMk cId="676146419" sldId="2147483784"/>
-          </pc:sldLayoutMkLst>
-        </pc:sldLayoutChg>
-        <pc:sldLayoutChg chg="add">
-          <pc:chgData name="Hunter Ceranic" userId="55b8025d37c61089" providerId="LiveId" clId="{ACCD79ED-BFAE-4857-8FB5-603E641725DE}" dt="2024-01-23T20:03:41.234" v="35" actId="26606"/>
-          <pc:sldLayoutMkLst>
-            <pc:docMk/>
-            <pc:sldMasterMk cId="1299206643" sldId="2147483788"/>
-            <pc:sldLayoutMk cId="327102813" sldId="2147483785"/>
-          </pc:sldLayoutMkLst>
-        </pc:sldLayoutChg>
-        <pc:sldLayoutChg chg="add">
-          <pc:chgData name="Hunter Ceranic" userId="55b8025d37c61089" providerId="LiveId" clId="{ACCD79ED-BFAE-4857-8FB5-603E641725DE}" dt="2024-01-23T20:03:41.234" v="35" actId="26606"/>
-          <pc:sldLayoutMkLst>
-            <pc:docMk/>
-            <pc:sldMasterMk cId="1299206643" sldId="2147483788"/>
-            <pc:sldLayoutMk cId="4261281538" sldId="2147483786"/>
-          </pc:sldLayoutMkLst>
-        </pc:sldLayoutChg>
-        <pc:sldLayoutChg chg="add">
-          <pc:chgData name="Hunter Ceranic" userId="55b8025d37c61089" providerId="LiveId" clId="{ACCD79ED-BFAE-4857-8FB5-603E641725DE}" dt="2024-01-23T20:03:41.234" v="35" actId="26606"/>
-          <pc:sldLayoutMkLst>
-            <pc:docMk/>
-            <pc:sldMasterMk cId="1299206643" sldId="2147483788"/>
-            <pc:sldLayoutMk cId="3516666301" sldId="2147483787"/>
-          </pc:sldLayoutMkLst>
-        </pc:sldLayoutChg>
-      </pc:sldMasterChg>
     </pc:docChg>
   </pc:docChgLst>
 </pc:chgInfo>
@@ -3084,7 +3084,7 @@
           <a:p>
             <a:fld id="{9E418AF7-6E72-4403-B085-4589D1110134}" type="datetimeFigureOut">
               <a:rPr lang="en-CA" smtClean="0"/>
-              <a:t>2024-04-04</a:t>
+              <a:t>2024-04-05</a:t>
             </a:fld>
             <a:endParaRPr lang="en-CA"/>
           </a:p>
@@ -3499,7 +3499,7 @@
           <a:p>
             <a:fld id="{D64C250B-3F0E-4970-9318-C9D7D394820E}" type="datetime1">
               <a:rPr lang="en-US" smtClean="0"/>
-              <a:t>4/4/2024</a:t>
+              <a:t>4/5/2024</a:t>
             </a:fld>
             <a:endParaRPr lang="en-US" dirty="0"/>
           </a:p>
@@ -3914,7 +3914,7 @@
           <a:p>
             <a:fld id="{7ED2D475-D7C3-4D53-A451-04FF36E3C7CA}" type="datetime1">
               <a:rPr lang="en-US" smtClean="0"/>
-              <a:t>4/4/2024</a:t>
+              <a:t>4/5/2024</a:t>
             </a:fld>
             <a:endParaRPr lang="en-US"/>
           </a:p>
@@ -4406,7 +4406,7 @@
           <a:p>
             <a:fld id="{B13D53CE-B973-4FCF-BB6D-73B61285C9EE}" type="datetime1">
               <a:rPr lang="en-US" smtClean="0"/>
-              <a:t>4/4/2024</a:t>
+              <a:t>4/5/2024</a:t>
             </a:fld>
             <a:endParaRPr lang="en-US"/>
           </a:p>
@@ -4893,7 +4893,7 @@
           <a:p>
             <a:fld id="{6F168777-EDFC-4AB3-A960-739B6325059F}" type="datetime1">
               <a:rPr lang="en-US" smtClean="0"/>
-              <a:t>4/4/2024</a:t>
+              <a:t>4/5/2024</a:t>
             </a:fld>
             <a:endParaRPr lang="en-US" dirty="0"/>
           </a:p>
@@ -5662,7 +5662,7 @@
           <a:p>
             <a:fld id="{4D320339-89DE-45C9-8EA6-5855C5BC4EC8}" type="datetime1">
               <a:rPr lang="en-US" smtClean="0"/>
-              <a:t>4/4/2024</a:t>
+              <a:t>4/5/2024</a:t>
             </a:fld>
             <a:endParaRPr lang="en-US"/>
           </a:p>
@@ -6144,7 +6144,7 @@
           <a:p>
             <a:fld id="{D97A0DFF-DDA9-437C-A4F4-5DF1C7108CDC}" type="datetime1">
               <a:rPr lang="en-US" smtClean="0"/>
-              <a:t>4/4/2024</a:t>
+              <a:t>4/5/2024</a:t>
             </a:fld>
             <a:endParaRPr lang="en-US"/>
           </a:p>
@@ -6840,7 +6840,7 @@
           <a:p>
             <a:fld id="{673E6A36-CFDC-4F59-94D9-5938EA3FFC22}" type="datetime1">
               <a:rPr lang="en-US" smtClean="0"/>
-              <a:t>4/4/2024</a:t>
+              <a:t>4/5/2024</a:t>
             </a:fld>
             <a:endParaRPr lang="en-US"/>
           </a:p>
@@ -7265,7 +7265,7 @@
           <a:p>
             <a:fld id="{585D03DC-4143-495E-82F1-B947FE3989AD}" type="datetime1">
               <a:rPr lang="en-US" smtClean="0"/>
-              <a:t>4/4/2024</a:t>
+              <a:t>4/5/2024</a:t>
             </a:fld>
             <a:endParaRPr lang="en-US"/>
           </a:p>
@@ -7662,7 +7662,7 @@
           <a:p>
             <a:fld id="{933DFF73-74E1-4718-A7DF-CE04E8339893}" type="datetime1">
               <a:rPr lang="en-US" smtClean="0"/>
-              <a:t>4/4/2024</a:t>
+              <a:t>4/5/2024</a:t>
             </a:fld>
             <a:endParaRPr lang="en-US"/>
           </a:p>
@@ -8257,7 +8257,7 @@
           <a:p>
             <a:fld id="{4EB71C7E-24B9-48A5-BD1A-C92D07E70F00}" type="datetime1">
               <a:rPr lang="en-US" smtClean="0"/>
-              <a:t>4/4/2024</a:t>
+              <a:t>4/5/2024</a:t>
             </a:fld>
             <a:endParaRPr lang="en-US"/>
           </a:p>
@@ -8832,7 +8832,7 @@
           <a:p>
             <a:fld id="{2E0181FF-DCB4-4A8B-8A91-9A9A7438884D}" type="datetime1">
               <a:rPr lang="en-US" smtClean="0"/>
-              <a:t>4/4/2024</a:t>
+              <a:t>4/5/2024</a:t>
             </a:fld>
             <a:endParaRPr lang="en-US"/>
           </a:p>
@@ -9358,7 +9358,7 @@
           <a:p>
             <a:fld id="{69064C32-6B48-4F37-8ABD-2C75CE9DDDEF}" type="datetime1">
               <a:rPr lang="en-US" smtClean="0"/>
-              <a:t>4/4/2024</a:t>
+              <a:t>4/5/2024</a:t>
             </a:fld>
             <a:endParaRPr lang="en-US" dirty="0"/>
           </a:p>
@@ -10166,7 +10166,7 @@
         </p:blipFill>
         <p:spPr>
           <a:xfrm>
-            <a:off x="5733768" y="-1"/>
+            <a:off x="5733768" y="-2"/>
             <a:ext cx="6458232" cy="6858001"/>
           </a:xfrm>
           <a:custGeom>
@@ -11214,11 +11214,9 @@
               </a:spcAft>
             </a:pPr>
             <a:fld id="{4854181D-6920-4594-9A5D-6CE56DC9F8B2}" type="slidenum">
-              <a:rPr lang="en-US">
+              <a:rPr lang="en-US" smtClean="0">
                 <a:solidFill>
-                  <a:prstClr val="black">
-                    <a:tint val="75000"/>
-                  </a:prstClr>
+                  <a:schemeClr val="tx1"/>
                 </a:solidFill>
               </a:rPr>
               <a:pPr>
@@ -11228,13 +11226,14 @@
               </a:pPr>
               <a:t>2</a:t>
             </a:fld>
-            <a:endParaRPr lang="en-US">
-              <a:solidFill>
-                <a:prstClr val="black">
-                  <a:tint val="75000"/>
-                </a:prstClr>
-              </a:solidFill>
-            </a:endParaRPr>
+            <a:r>
+              <a:rPr lang="en-US" dirty="0">
+                <a:solidFill>
+                  <a:schemeClr val="tx1"/>
+                </a:solidFill>
+              </a:rPr>
+              <a:t>/9</a:t>
+            </a:r>
           </a:p>
         </p:txBody>
       </p:sp>
@@ -11382,10 +11381,21 @@
           <a:lstStyle/>
           <a:p>
             <a:fld id="{4854181D-6920-4594-9A5D-6CE56DC9F8B2}" type="slidenum">
-              <a:rPr lang="en-US" smtClean="0"/>
+              <a:rPr lang="en-US" smtClean="0">
+                <a:solidFill>
+                  <a:schemeClr val="tx1"/>
+                </a:solidFill>
+              </a:rPr>
               <a:t>3</a:t>
             </a:fld>
-            <a:endParaRPr lang="en-US"/>
+            <a:r>
+              <a:rPr lang="en-US" dirty="0">
+                <a:solidFill>
+                  <a:schemeClr val="tx1"/>
+                </a:solidFill>
+              </a:rPr>
+              <a:t>/9</a:t>
+            </a:r>
           </a:p>
         </p:txBody>
       </p:sp>
@@ -11904,7 +11914,7 @@
               </a:spcAft>
             </a:pPr>
             <a:fld id="{4854181D-6920-4594-9A5D-6CE56DC9F8B2}" type="slidenum">
-              <a:rPr lang="en-US">
+              <a:rPr lang="en-US" smtClean="0">
                 <a:solidFill>
                   <a:srgbClr val="FFFFFF"/>
                 </a:solidFill>
@@ -11916,11 +11926,14 @@
               </a:pPr>
               <a:t>4</a:t>
             </a:fld>
-            <a:endParaRPr lang="en-US">
-              <a:solidFill>
-                <a:srgbClr val="FFFFFF"/>
-              </a:solidFill>
-            </a:endParaRPr>
+            <a:r>
+              <a:rPr lang="en-US" dirty="0">
+                <a:solidFill>
+                  <a:srgbClr val="FFFFFF"/>
+                </a:solidFill>
+              </a:rPr>
+              <a:t>/9</a:t>
+            </a:r>
           </a:p>
         </p:txBody>
       </p:sp>
@@ -13102,6 +13115,160 @@
           </a:p>
         </p:txBody>
       </p:sp>
+      <p:sp>
+        <p:nvSpPr>
+          <p:cNvPr id="3" name="Slide Number Placeholder 3">
+            <a:extLst>
+              <a:ext uri="{FF2B5EF4-FFF2-40B4-BE49-F238E27FC236}">
+                <a16:creationId xmlns:a16="http://schemas.microsoft.com/office/drawing/2014/main" id="{FD1768D2-7FCB-9214-1DCF-90C428B1A474}"/>
+              </a:ext>
+            </a:extLst>
+          </p:cNvPr>
+          <p:cNvSpPr txBox="1">
+            <a:spLocks/>
+          </p:cNvSpPr>
+          <p:nvPr/>
+        </p:nvSpPr>
+        <p:spPr>
+          <a:xfrm>
+            <a:off x="9316915" y="6492874"/>
+            <a:ext cx="2743200" cy="365125"/>
+          </a:xfrm>
+          <a:prstGeom prst="rect">
+            <a:avLst/>
+          </a:prstGeom>
+        </p:spPr>
+        <p:txBody>
+          <a:bodyPr vert="horz" lIns="91440" tIns="45720" rIns="91440" bIns="45720" rtlCol="0" anchor="ctr">
+            <a:normAutofit/>
+          </a:bodyPr>
+          <a:lstStyle>
+            <a:defPPr>
+              <a:defRPr lang="en-US"/>
+            </a:defPPr>
+            <a:lvl1pPr marL="0" algn="r" defTabSz="914400" rtl="0" eaLnBrk="1" latinLnBrk="0" hangingPunct="1">
+              <a:defRPr sz="1200" kern="1200" cap="none" spc="0" baseline="0">
+                <a:solidFill>
+                  <a:schemeClr val="tx1">
+                    <a:tint val="75000"/>
+                  </a:schemeClr>
+                </a:solidFill>
+                <a:latin typeface="+mn-lt"/>
+                <a:ea typeface="+mn-ea"/>
+                <a:cs typeface="+mn-cs"/>
+              </a:defRPr>
+            </a:lvl1pPr>
+            <a:lvl2pPr marL="457200" algn="l" defTabSz="914400" rtl="0" eaLnBrk="1" latinLnBrk="0" hangingPunct="1">
+              <a:defRPr sz="1800" kern="1200">
+                <a:solidFill>
+                  <a:schemeClr val="tx1"/>
+                </a:solidFill>
+                <a:latin typeface="+mn-lt"/>
+                <a:ea typeface="+mn-ea"/>
+                <a:cs typeface="+mn-cs"/>
+              </a:defRPr>
+            </a:lvl2pPr>
+            <a:lvl3pPr marL="914400" algn="l" defTabSz="914400" rtl="0" eaLnBrk="1" latinLnBrk="0" hangingPunct="1">
+              <a:defRPr sz="1800" kern="1200">
+                <a:solidFill>
+                  <a:schemeClr val="tx1"/>
+                </a:solidFill>
+                <a:latin typeface="+mn-lt"/>
+                <a:ea typeface="+mn-ea"/>
+                <a:cs typeface="+mn-cs"/>
+              </a:defRPr>
+            </a:lvl3pPr>
+            <a:lvl4pPr marL="1371600" algn="l" defTabSz="914400" rtl="0" eaLnBrk="1" latinLnBrk="0" hangingPunct="1">
+              <a:defRPr sz="1800" kern="1200">
+                <a:solidFill>
+                  <a:schemeClr val="tx1"/>
+                </a:solidFill>
+                <a:latin typeface="+mn-lt"/>
+                <a:ea typeface="+mn-ea"/>
+                <a:cs typeface="+mn-cs"/>
+              </a:defRPr>
+            </a:lvl4pPr>
+            <a:lvl5pPr marL="1828800" algn="l" defTabSz="914400" rtl="0" eaLnBrk="1" latinLnBrk="0" hangingPunct="1">
+              <a:defRPr sz="1800" kern="1200">
+                <a:solidFill>
+                  <a:schemeClr val="tx1"/>
+                </a:solidFill>
+                <a:latin typeface="+mn-lt"/>
+                <a:ea typeface="+mn-ea"/>
+                <a:cs typeface="+mn-cs"/>
+              </a:defRPr>
+            </a:lvl5pPr>
+            <a:lvl6pPr marL="2286000" algn="l" defTabSz="914400" rtl="0" eaLnBrk="1" latinLnBrk="0" hangingPunct="1">
+              <a:defRPr sz="1800" kern="1200">
+                <a:solidFill>
+                  <a:schemeClr val="tx1"/>
+                </a:solidFill>
+                <a:latin typeface="+mn-lt"/>
+                <a:ea typeface="+mn-ea"/>
+                <a:cs typeface="+mn-cs"/>
+              </a:defRPr>
+            </a:lvl6pPr>
+            <a:lvl7pPr marL="2743200" algn="l" defTabSz="914400" rtl="0" eaLnBrk="1" latinLnBrk="0" hangingPunct="1">
+              <a:defRPr sz="1800" kern="1200">
+                <a:solidFill>
+                  <a:schemeClr val="tx1"/>
+                </a:solidFill>
+                <a:latin typeface="+mn-lt"/>
+                <a:ea typeface="+mn-ea"/>
+                <a:cs typeface="+mn-cs"/>
+              </a:defRPr>
+            </a:lvl7pPr>
+            <a:lvl8pPr marL="3200400" algn="l" defTabSz="914400" rtl="0" eaLnBrk="1" latinLnBrk="0" hangingPunct="1">
+              <a:defRPr sz="1800" kern="1200">
+                <a:solidFill>
+                  <a:schemeClr val="tx1"/>
+                </a:solidFill>
+                <a:latin typeface="+mn-lt"/>
+                <a:ea typeface="+mn-ea"/>
+                <a:cs typeface="+mn-cs"/>
+              </a:defRPr>
+            </a:lvl8pPr>
+            <a:lvl9pPr marL="3657600" algn="l" defTabSz="914400" rtl="0" eaLnBrk="1" latinLnBrk="0" hangingPunct="1">
+              <a:defRPr sz="1800" kern="1200">
+                <a:solidFill>
+                  <a:schemeClr val="tx1"/>
+                </a:solidFill>
+                <a:latin typeface="+mn-lt"/>
+                <a:ea typeface="+mn-ea"/>
+                <a:cs typeface="+mn-cs"/>
+              </a:defRPr>
+            </a:lvl9pPr>
+          </a:lstStyle>
+          <a:p>
+            <a:pPr>
+              <a:spcAft>
+                <a:spcPts val="600"/>
+              </a:spcAft>
+            </a:pPr>
+            <a:fld id="{4854181D-6920-4594-9A5D-6CE56DC9F8B2}" type="slidenum">
+              <a:rPr lang="en-US" smtClean="0">
+                <a:solidFill>
+                  <a:schemeClr val="tx1"/>
+                </a:solidFill>
+              </a:rPr>
+              <a:pPr>
+                <a:spcAft>
+                  <a:spcPts val="600"/>
+                </a:spcAft>
+              </a:pPr>
+              <a:t>5</a:t>
+            </a:fld>
+            <a:r>
+              <a:rPr lang="en-US" dirty="0">
+                <a:solidFill>
+                  <a:schemeClr val="tx1"/>
+                </a:solidFill>
+              </a:rPr>
+              <a:t>/9</a:t>
+            </a:r>
+          </a:p>
+        </p:txBody>
+      </p:sp>
     </p:spTree>
     <p:extLst>
       <p:ext uri="{BB962C8B-B14F-4D97-AF65-F5344CB8AC3E}">
@@ -13363,6 +13530,160 @@
           </a:prstGeom>
         </p:spPr>
       </p:pic>
+      <p:sp>
+        <p:nvSpPr>
+          <p:cNvPr id="5" name="Slide Number Placeholder 3">
+            <a:extLst>
+              <a:ext uri="{FF2B5EF4-FFF2-40B4-BE49-F238E27FC236}">
+                <a16:creationId xmlns:a16="http://schemas.microsoft.com/office/drawing/2014/main" id="{35219DE3-78B2-D791-3F23-7DF11BA5A0A0}"/>
+              </a:ext>
+            </a:extLst>
+          </p:cNvPr>
+          <p:cNvSpPr txBox="1">
+            <a:spLocks/>
+          </p:cNvSpPr>
+          <p:nvPr/>
+        </p:nvSpPr>
+        <p:spPr>
+          <a:xfrm>
+            <a:off x="9316915" y="6492874"/>
+            <a:ext cx="2743200" cy="365125"/>
+          </a:xfrm>
+          <a:prstGeom prst="rect">
+            <a:avLst/>
+          </a:prstGeom>
+        </p:spPr>
+        <p:txBody>
+          <a:bodyPr vert="horz" lIns="91440" tIns="45720" rIns="91440" bIns="45720" rtlCol="0" anchor="ctr">
+            <a:normAutofit/>
+          </a:bodyPr>
+          <a:lstStyle>
+            <a:defPPr>
+              <a:defRPr lang="en-US"/>
+            </a:defPPr>
+            <a:lvl1pPr marL="0" algn="r" defTabSz="914400" rtl="0" eaLnBrk="1" latinLnBrk="0" hangingPunct="1">
+              <a:defRPr sz="1200" kern="1200" cap="none" spc="0" baseline="0">
+                <a:solidFill>
+                  <a:schemeClr val="tx1">
+                    <a:tint val="75000"/>
+                  </a:schemeClr>
+                </a:solidFill>
+                <a:latin typeface="+mn-lt"/>
+                <a:ea typeface="+mn-ea"/>
+                <a:cs typeface="+mn-cs"/>
+              </a:defRPr>
+            </a:lvl1pPr>
+            <a:lvl2pPr marL="457200" algn="l" defTabSz="914400" rtl="0" eaLnBrk="1" latinLnBrk="0" hangingPunct="1">
+              <a:defRPr sz="1800" kern="1200">
+                <a:solidFill>
+                  <a:schemeClr val="tx1"/>
+                </a:solidFill>
+                <a:latin typeface="+mn-lt"/>
+                <a:ea typeface="+mn-ea"/>
+                <a:cs typeface="+mn-cs"/>
+              </a:defRPr>
+            </a:lvl2pPr>
+            <a:lvl3pPr marL="914400" algn="l" defTabSz="914400" rtl="0" eaLnBrk="1" latinLnBrk="0" hangingPunct="1">
+              <a:defRPr sz="1800" kern="1200">
+                <a:solidFill>
+                  <a:schemeClr val="tx1"/>
+                </a:solidFill>
+                <a:latin typeface="+mn-lt"/>
+                <a:ea typeface="+mn-ea"/>
+                <a:cs typeface="+mn-cs"/>
+              </a:defRPr>
+            </a:lvl3pPr>
+            <a:lvl4pPr marL="1371600" algn="l" defTabSz="914400" rtl="0" eaLnBrk="1" latinLnBrk="0" hangingPunct="1">
+              <a:defRPr sz="1800" kern="1200">
+                <a:solidFill>
+                  <a:schemeClr val="tx1"/>
+                </a:solidFill>
+                <a:latin typeface="+mn-lt"/>
+                <a:ea typeface="+mn-ea"/>
+                <a:cs typeface="+mn-cs"/>
+              </a:defRPr>
+            </a:lvl4pPr>
+            <a:lvl5pPr marL="1828800" algn="l" defTabSz="914400" rtl="0" eaLnBrk="1" latinLnBrk="0" hangingPunct="1">
+              <a:defRPr sz="1800" kern="1200">
+                <a:solidFill>
+                  <a:schemeClr val="tx1"/>
+                </a:solidFill>
+                <a:latin typeface="+mn-lt"/>
+                <a:ea typeface="+mn-ea"/>
+                <a:cs typeface="+mn-cs"/>
+              </a:defRPr>
+            </a:lvl5pPr>
+            <a:lvl6pPr marL="2286000" algn="l" defTabSz="914400" rtl="0" eaLnBrk="1" latinLnBrk="0" hangingPunct="1">
+              <a:defRPr sz="1800" kern="1200">
+                <a:solidFill>
+                  <a:schemeClr val="tx1"/>
+                </a:solidFill>
+                <a:latin typeface="+mn-lt"/>
+                <a:ea typeface="+mn-ea"/>
+                <a:cs typeface="+mn-cs"/>
+              </a:defRPr>
+            </a:lvl6pPr>
+            <a:lvl7pPr marL="2743200" algn="l" defTabSz="914400" rtl="0" eaLnBrk="1" latinLnBrk="0" hangingPunct="1">
+              <a:defRPr sz="1800" kern="1200">
+                <a:solidFill>
+                  <a:schemeClr val="tx1"/>
+                </a:solidFill>
+                <a:latin typeface="+mn-lt"/>
+                <a:ea typeface="+mn-ea"/>
+                <a:cs typeface="+mn-cs"/>
+              </a:defRPr>
+            </a:lvl7pPr>
+            <a:lvl8pPr marL="3200400" algn="l" defTabSz="914400" rtl="0" eaLnBrk="1" latinLnBrk="0" hangingPunct="1">
+              <a:defRPr sz="1800" kern="1200">
+                <a:solidFill>
+                  <a:schemeClr val="tx1"/>
+                </a:solidFill>
+                <a:latin typeface="+mn-lt"/>
+                <a:ea typeface="+mn-ea"/>
+                <a:cs typeface="+mn-cs"/>
+              </a:defRPr>
+            </a:lvl8pPr>
+            <a:lvl9pPr marL="3657600" algn="l" defTabSz="914400" rtl="0" eaLnBrk="1" latinLnBrk="0" hangingPunct="1">
+              <a:defRPr sz="1800" kern="1200">
+                <a:solidFill>
+                  <a:schemeClr val="tx1"/>
+                </a:solidFill>
+                <a:latin typeface="+mn-lt"/>
+                <a:ea typeface="+mn-ea"/>
+                <a:cs typeface="+mn-cs"/>
+              </a:defRPr>
+            </a:lvl9pPr>
+          </a:lstStyle>
+          <a:p>
+            <a:pPr>
+              <a:spcAft>
+                <a:spcPts val="600"/>
+              </a:spcAft>
+            </a:pPr>
+            <a:fld id="{4854181D-6920-4594-9A5D-6CE56DC9F8B2}" type="slidenum">
+              <a:rPr lang="en-US" smtClean="0">
+                <a:solidFill>
+                  <a:schemeClr val="tx1"/>
+                </a:solidFill>
+              </a:rPr>
+              <a:pPr>
+                <a:spcAft>
+                  <a:spcPts val="600"/>
+                </a:spcAft>
+              </a:pPr>
+              <a:t>6</a:t>
+            </a:fld>
+            <a:r>
+              <a:rPr lang="en-US" dirty="0">
+                <a:solidFill>
+                  <a:schemeClr val="tx1"/>
+                </a:solidFill>
+              </a:rPr>
+              <a:t>/9</a:t>
+            </a:r>
+          </a:p>
+        </p:txBody>
+      </p:sp>
     </p:spTree>
     <p:extLst>
       <p:ext uri="{BB962C8B-B14F-4D97-AF65-F5344CB8AC3E}">
@@ -13514,6 +13835,160 @@
           </a:prstGeom>
         </p:spPr>
       </p:pic>
+      <p:sp>
+        <p:nvSpPr>
+          <p:cNvPr id="3" name="Slide Number Placeholder 3">
+            <a:extLst>
+              <a:ext uri="{FF2B5EF4-FFF2-40B4-BE49-F238E27FC236}">
+                <a16:creationId xmlns:a16="http://schemas.microsoft.com/office/drawing/2014/main" id="{6AB8409A-A7A3-8C85-4FB1-9C8DF82A1D4E}"/>
+              </a:ext>
+            </a:extLst>
+          </p:cNvPr>
+          <p:cNvSpPr txBox="1">
+            <a:spLocks/>
+          </p:cNvSpPr>
+          <p:nvPr/>
+        </p:nvSpPr>
+        <p:spPr>
+          <a:xfrm>
+            <a:off x="9316915" y="6492874"/>
+            <a:ext cx="2743200" cy="365125"/>
+          </a:xfrm>
+          <a:prstGeom prst="rect">
+            <a:avLst/>
+          </a:prstGeom>
+        </p:spPr>
+        <p:txBody>
+          <a:bodyPr vert="horz" lIns="91440" tIns="45720" rIns="91440" bIns="45720" rtlCol="0" anchor="ctr">
+            <a:normAutofit/>
+          </a:bodyPr>
+          <a:lstStyle>
+            <a:defPPr>
+              <a:defRPr lang="en-US"/>
+            </a:defPPr>
+            <a:lvl1pPr marL="0" algn="r" defTabSz="914400" rtl="0" eaLnBrk="1" latinLnBrk="0" hangingPunct="1">
+              <a:defRPr sz="1200" kern="1200" cap="none" spc="0" baseline="0">
+                <a:solidFill>
+                  <a:schemeClr val="tx1">
+                    <a:tint val="75000"/>
+                  </a:schemeClr>
+                </a:solidFill>
+                <a:latin typeface="+mn-lt"/>
+                <a:ea typeface="+mn-ea"/>
+                <a:cs typeface="+mn-cs"/>
+              </a:defRPr>
+            </a:lvl1pPr>
+            <a:lvl2pPr marL="457200" algn="l" defTabSz="914400" rtl="0" eaLnBrk="1" latinLnBrk="0" hangingPunct="1">
+              <a:defRPr sz="1800" kern="1200">
+                <a:solidFill>
+                  <a:schemeClr val="tx1"/>
+                </a:solidFill>
+                <a:latin typeface="+mn-lt"/>
+                <a:ea typeface="+mn-ea"/>
+                <a:cs typeface="+mn-cs"/>
+              </a:defRPr>
+            </a:lvl2pPr>
+            <a:lvl3pPr marL="914400" algn="l" defTabSz="914400" rtl="0" eaLnBrk="1" latinLnBrk="0" hangingPunct="1">
+              <a:defRPr sz="1800" kern="1200">
+                <a:solidFill>
+                  <a:schemeClr val="tx1"/>
+                </a:solidFill>
+                <a:latin typeface="+mn-lt"/>
+                <a:ea typeface="+mn-ea"/>
+                <a:cs typeface="+mn-cs"/>
+              </a:defRPr>
+            </a:lvl3pPr>
+            <a:lvl4pPr marL="1371600" algn="l" defTabSz="914400" rtl="0" eaLnBrk="1" latinLnBrk="0" hangingPunct="1">
+              <a:defRPr sz="1800" kern="1200">
+                <a:solidFill>
+                  <a:schemeClr val="tx1"/>
+                </a:solidFill>
+                <a:latin typeface="+mn-lt"/>
+                <a:ea typeface="+mn-ea"/>
+                <a:cs typeface="+mn-cs"/>
+              </a:defRPr>
+            </a:lvl4pPr>
+            <a:lvl5pPr marL="1828800" algn="l" defTabSz="914400" rtl="0" eaLnBrk="1" latinLnBrk="0" hangingPunct="1">
+              <a:defRPr sz="1800" kern="1200">
+                <a:solidFill>
+                  <a:schemeClr val="tx1"/>
+                </a:solidFill>
+                <a:latin typeface="+mn-lt"/>
+                <a:ea typeface="+mn-ea"/>
+                <a:cs typeface="+mn-cs"/>
+              </a:defRPr>
+            </a:lvl5pPr>
+            <a:lvl6pPr marL="2286000" algn="l" defTabSz="914400" rtl="0" eaLnBrk="1" latinLnBrk="0" hangingPunct="1">
+              <a:defRPr sz="1800" kern="1200">
+                <a:solidFill>
+                  <a:schemeClr val="tx1"/>
+                </a:solidFill>
+                <a:latin typeface="+mn-lt"/>
+                <a:ea typeface="+mn-ea"/>
+                <a:cs typeface="+mn-cs"/>
+              </a:defRPr>
+            </a:lvl6pPr>
+            <a:lvl7pPr marL="2743200" algn="l" defTabSz="914400" rtl="0" eaLnBrk="1" latinLnBrk="0" hangingPunct="1">
+              <a:defRPr sz="1800" kern="1200">
+                <a:solidFill>
+                  <a:schemeClr val="tx1"/>
+                </a:solidFill>
+                <a:latin typeface="+mn-lt"/>
+                <a:ea typeface="+mn-ea"/>
+                <a:cs typeface="+mn-cs"/>
+              </a:defRPr>
+            </a:lvl7pPr>
+            <a:lvl8pPr marL="3200400" algn="l" defTabSz="914400" rtl="0" eaLnBrk="1" latinLnBrk="0" hangingPunct="1">
+              <a:defRPr sz="1800" kern="1200">
+                <a:solidFill>
+                  <a:schemeClr val="tx1"/>
+                </a:solidFill>
+                <a:latin typeface="+mn-lt"/>
+                <a:ea typeface="+mn-ea"/>
+                <a:cs typeface="+mn-cs"/>
+              </a:defRPr>
+            </a:lvl8pPr>
+            <a:lvl9pPr marL="3657600" algn="l" defTabSz="914400" rtl="0" eaLnBrk="1" latinLnBrk="0" hangingPunct="1">
+              <a:defRPr sz="1800" kern="1200">
+                <a:solidFill>
+                  <a:schemeClr val="tx1"/>
+                </a:solidFill>
+                <a:latin typeface="+mn-lt"/>
+                <a:ea typeface="+mn-ea"/>
+                <a:cs typeface="+mn-cs"/>
+              </a:defRPr>
+            </a:lvl9pPr>
+          </a:lstStyle>
+          <a:p>
+            <a:pPr>
+              <a:spcAft>
+                <a:spcPts val="600"/>
+              </a:spcAft>
+            </a:pPr>
+            <a:fld id="{4854181D-6920-4594-9A5D-6CE56DC9F8B2}" type="slidenum">
+              <a:rPr lang="en-US" smtClean="0">
+                <a:solidFill>
+                  <a:schemeClr val="tx1"/>
+                </a:solidFill>
+              </a:rPr>
+              <a:pPr>
+                <a:spcAft>
+                  <a:spcPts val="600"/>
+                </a:spcAft>
+              </a:pPr>
+              <a:t>7</a:t>
+            </a:fld>
+            <a:r>
+              <a:rPr lang="en-US" dirty="0">
+                <a:solidFill>
+                  <a:schemeClr val="tx1"/>
+                </a:solidFill>
+              </a:rPr>
+              <a:t>/9</a:t>
+            </a:r>
+          </a:p>
+        </p:txBody>
+      </p:sp>
     </p:spTree>
     <p:extLst>
       <p:ext uri="{BB962C8B-B14F-4D97-AF65-F5344CB8AC3E}">
@@ -13599,10 +14074,21 @@
           <a:lstStyle/>
           <a:p>
             <a:fld id="{4854181D-6920-4594-9A5D-6CE56DC9F8B2}" type="slidenum">
-              <a:rPr lang="en-US" smtClean="0"/>
+              <a:rPr lang="en-US" smtClean="0">
+                <a:solidFill>
+                  <a:schemeClr val="tx1"/>
+                </a:solidFill>
+              </a:rPr>
               <a:t>8</a:t>
             </a:fld>
-            <a:endParaRPr lang="en-US"/>
+            <a:r>
+              <a:rPr lang="en-US" dirty="0">
+                <a:solidFill>
+                  <a:schemeClr val="tx1"/>
+                </a:solidFill>
+              </a:rPr>
+              <a:t>/9</a:t>
+            </a:r>
           </a:p>
         </p:txBody>
       </p:sp>
